--- a/Präsentation ProSeminar SoSe20/Hinderniserfassung in maritimer Umgebung.pptx
+++ b/Präsentation ProSeminar SoSe20/Hinderniserfassung in maritimer Umgebung.pptx
@@ -5,18 +5,22 @@
     <p:sldMasterId id="2147483648" r:id="rId1"/>
   </p:sldMasterIdLst>
   <p:notesMasterIdLst>
-    <p:notesMasterId r:id="rId8"/>
+    <p:notesMasterId r:id="rId12"/>
   </p:notesMasterIdLst>
   <p:handoutMasterIdLst>
-    <p:handoutMasterId r:id="rId9"/>
+    <p:handoutMasterId r:id="rId13"/>
   </p:handoutMasterIdLst>
   <p:sldIdLst>
     <p:sldId id="256" r:id="rId2"/>
     <p:sldId id="265" r:id="rId3"/>
     <p:sldId id="268" r:id="rId4"/>
     <p:sldId id="269" r:id="rId5"/>
-    <p:sldId id="270" r:id="rId6"/>
-    <p:sldId id="267" r:id="rId7"/>
+    <p:sldId id="271" r:id="rId6"/>
+    <p:sldId id="274" r:id="rId7"/>
+    <p:sldId id="275" r:id="rId8"/>
+    <p:sldId id="273" r:id="rId9"/>
+    <p:sldId id="270" r:id="rId10"/>
+    <p:sldId id="267" r:id="rId11"/>
   </p:sldIdLst>
   <p:sldSz cx="9144000" cy="6858000" type="screen4x3"/>
   <p:notesSz cx="6858000" cy="9144000"/>
@@ -284,7 +288,7 @@
             <a:fld id="{A32DC80D-291A-4ABB-A78B-0417274A267C}" type="datetime4">
               <a:rPr lang="de-DE"/>
               <a:pPr/>
-              <a:t>18. Oktober 2020</a:t>
+              <a:t>19. Oktober 2020</a:t>
             </a:fld>
             <a:endParaRPr lang="de-DE"/>
           </a:p>
@@ -386,7 +390,7 @@
             <a:fld id="{C7CC2173-B0D1-45F1-9D54-E33B7353DA19}" type="slidenum">
               <a:rPr lang="de-DE"/>
               <a:pPr/>
-              <a:t>‹Nr.›</a:t>
+              <a:t>‹nº›</a:t>
             </a:fld>
             <a:endParaRPr lang="de-DE"/>
           </a:p>
@@ -667,7 +671,7 @@
             <a:fld id="{065B079B-E513-489A-8A1B-D7C78493EA86}" type="datetime4">
               <a:rPr lang="de-DE"/>
               <a:pPr/>
-              <a:t>18. Oktober 2020</a:t>
+              <a:t>19. Oktober 2020</a:t>
             </a:fld>
             <a:endParaRPr lang="de-DE"/>
           </a:p>
@@ -876,7 +880,7 @@
             <a:fld id="{C36AA9A4-5D0B-4134-89A6-D8B9DAA4F25C}" type="slidenum">
               <a:rPr lang="de-DE"/>
               <a:pPr/>
-              <a:t>‹Nr.›</a:t>
+              <a:t>‹nº›</a:t>
             </a:fld>
             <a:endParaRPr lang="de-DE"/>
           </a:p>
@@ -1695,7 +1699,7 @@
                 <a:tabLst/>
                 <a:defRPr/>
               </a:pPr>
-              <a:t>‹Nr.›</a:t>
+              <a:t>‹nº›</a:t>
             </a:fld>
             <a:endParaRPr kumimoji="0" lang="de-DE" sz="1000" b="0" i="0" u="none" strike="noStrike" kern="1200" cap="none" spc="0" normalizeH="0" baseline="0" noProof="0" dirty="0">
               <a:ln>
@@ -3191,7 +3195,7 @@
                 <a:tabLst/>
                 <a:defRPr/>
               </a:pPr>
-              <a:t>‹Nr.›</a:t>
+              <a:t>‹nº›</a:t>
             </a:fld>
             <a:endParaRPr kumimoji="0" lang="de-DE" sz="1000" b="0" i="0" u="none" strike="noStrike" kern="1200" cap="none" spc="0" normalizeH="0" baseline="0" noProof="0" dirty="0">
               <a:ln>
@@ -3868,7 +3872,126 @@
           </a:prstGeom>
         </p:spPr>
       </p:pic>
+      <p:pic>
+        <p:nvPicPr>
+          <p:cNvPr id="6" name="Imagem 5">
+            <a:extLst>
+              <a:ext uri="{FF2B5EF4-FFF2-40B4-BE49-F238E27FC236}">
+                <a16:creationId xmlns:a16="http://schemas.microsoft.com/office/drawing/2014/main" id="{730B69CB-B647-43DD-A1D5-B34AEC7E9E85}"/>
+              </a:ext>
+            </a:extLst>
+          </p:cNvPr>
+          <p:cNvPicPr>
+            <a:picLocks noChangeAspect="1"/>
+          </p:cNvPicPr>
+          <p:nvPr/>
+        </p:nvPicPr>
+        <p:blipFill>
+          <a:blip r:embed="rId3" cstate="print">
+            <a:extLst>
+              <a:ext uri="{28A0092B-C50C-407E-A947-70E740481C1C}">
+                <a14:useLocalDpi xmlns:a14="http://schemas.microsoft.com/office/drawing/2010/main" val="0"/>
+              </a:ext>
+            </a:extLst>
+          </a:blip>
+          <a:stretch>
+            <a:fillRect/>
+          </a:stretch>
+        </p:blipFill>
+        <p:spPr>
+          <a:xfrm>
+            <a:off x="1619258" y="2904511"/>
+            <a:ext cx="5545030" cy="3119079"/>
+          </a:xfrm>
+          <a:prstGeom prst="rect">
+            <a:avLst/>
+          </a:prstGeom>
+        </p:spPr>
+      </p:pic>
     </p:spTree>
+  </p:cSld>
+  <p:clrMapOvr>
+    <a:masterClrMapping/>
+  </p:clrMapOvr>
+</p:sld>
+</file>
+
+<file path=ppt/slides/slide10.xml><?xml version="1.0" encoding="utf-8"?>
+<p:sld xmlns:a="http://schemas.openxmlformats.org/drawingml/2006/main" xmlns:r="http://schemas.openxmlformats.org/officeDocument/2006/relationships" xmlns:p="http://schemas.openxmlformats.org/presentationml/2006/main">
+  <p:cSld>
+    <p:spTree>
+      <p:nvGrpSpPr>
+        <p:cNvPr id="1" name=""/>
+        <p:cNvGrpSpPr/>
+        <p:nvPr/>
+      </p:nvGrpSpPr>
+      <p:grpSpPr>
+        <a:xfrm>
+          <a:off x="0" y="0"/>
+          <a:ext cx="0" cy="0"/>
+          <a:chOff x="0" y="0"/>
+          <a:chExt cx="0" cy="0"/>
+        </a:xfrm>
+      </p:grpSpPr>
+      <p:sp>
+        <p:nvSpPr>
+          <p:cNvPr id="2" name="Titel 1">
+            <a:extLst>
+              <a:ext uri="{FF2B5EF4-FFF2-40B4-BE49-F238E27FC236}">
+                <a16:creationId xmlns:a16="http://schemas.microsoft.com/office/drawing/2014/main" id="{60330E91-2409-4079-B010-8611CBE01120}"/>
+              </a:ext>
+            </a:extLst>
+          </p:cNvPr>
+          <p:cNvSpPr>
+            <a:spLocks noGrp="1"/>
+          </p:cNvSpPr>
+          <p:nvPr>
+            <p:ph type="title"/>
+          </p:nvPr>
+        </p:nvSpPr>
+        <p:spPr/>
+        <p:txBody>
+          <a:bodyPr/>
+          <a:lstStyle/>
+          <a:p>
+            <a:r>
+              <a:rPr lang="de-DE" dirty="0"/>
+              <a:t> Referenzen </a:t>
+            </a:r>
+          </a:p>
+        </p:txBody>
+      </p:sp>
+      <p:sp>
+        <p:nvSpPr>
+          <p:cNvPr id="4" name="Inhaltsplatzhalter 3">
+            <a:extLst>
+              <a:ext uri="{FF2B5EF4-FFF2-40B4-BE49-F238E27FC236}">
+                <a16:creationId xmlns:a16="http://schemas.microsoft.com/office/drawing/2014/main" id="{B67B4169-E999-4FAE-B9F7-EC750AAB2DBD}"/>
+              </a:ext>
+            </a:extLst>
+          </p:cNvPr>
+          <p:cNvSpPr>
+            <a:spLocks noGrp="1"/>
+          </p:cNvSpPr>
+          <p:nvPr>
+            <p:ph idx="1"/>
+          </p:nvPr>
+        </p:nvSpPr>
+        <p:spPr/>
+        <p:txBody>
+          <a:bodyPr/>
+          <a:lstStyle/>
+          <a:p>
+            <a:endParaRPr lang="de-DE" dirty="0"/>
+          </a:p>
+        </p:txBody>
+      </p:sp>
+    </p:spTree>
+    <p:extLst>
+      <p:ext uri="{BB962C8B-B14F-4D97-AF65-F5344CB8AC3E}">
+        <p14:creationId xmlns:p14="http://schemas.microsoft.com/office/powerpoint/2010/main" val="3063152851"/>
+      </p:ext>
+    </p:extLst>
   </p:cSld>
   <p:clrMapOvr>
     <a:masterClrMapping/>
@@ -3974,18 +4097,6 @@
   <p:clrMapOvr>
     <a:masterClrMapping/>
   </p:clrMapOvr>
-  <mc:AlternateContent xmlns:mc="http://schemas.openxmlformats.org/markup-compatibility/2006" xmlns:p14="http://schemas.microsoft.com/office/powerpoint/2010/main">
-    <mc:Choice Requires="p14">
-      <p:transition spd="slow" p14:dur="1500">
-        <p:split orient="vert"/>
-      </p:transition>
-    </mc:Choice>
-    <mc:Fallback xmlns="">
-      <p:transition spd="slow">
-        <p:split orient="vert"/>
-      </p:transition>
-    </mc:Fallback>
-  </mc:AlternateContent>
 </p:sld>
 </file>
 
@@ -4034,31 +4145,579 @@
           </a:p>
         </p:txBody>
       </p:sp>
-      <p:sp>
-        <p:nvSpPr>
-          <p:cNvPr id="3" name="Inhaltsplatzhalter 2">
-            <a:extLst>
-              <a:ext uri="{FF2B5EF4-FFF2-40B4-BE49-F238E27FC236}">
-                <a16:creationId xmlns:a16="http://schemas.microsoft.com/office/drawing/2014/main" id="{15DA8CDC-A3A3-4A44-8AB4-623ED5B00D7A}"/>
-              </a:ext>
-            </a:extLst>
-          </p:cNvPr>
-          <p:cNvSpPr>
-            <a:spLocks noGrp="1"/>
-          </p:cNvSpPr>
-          <p:nvPr>
-            <p:ph idx="1"/>
-          </p:nvPr>
-        </p:nvSpPr>
-        <p:spPr/>
-        <p:txBody>
-          <a:bodyPr/>
-          <a:lstStyle/>
-          <a:p>
-            <a:endParaRPr lang="de-DE" dirty="0"/>
-          </a:p>
-        </p:txBody>
-      </p:sp>
+      <mc:AlternateContent xmlns:mc="http://schemas.openxmlformats.org/markup-compatibility/2006">
+        <mc:Choice xmlns:a14="http://schemas.microsoft.com/office/drawing/2010/main" Requires="a14">
+          <p:sp>
+            <p:nvSpPr>
+              <p:cNvPr id="3" name="Inhaltsplatzhalter 2">
+                <a:extLst>
+                  <a:ext uri="{FF2B5EF4-FFF2-40B4-BE49-F238E27FC236}">
+                    <a16:creationId xmlns:a16="http://schemas.microsoft.com/office/drawing/2014/main" id="{15DA8CDC-A3A3-4A44-8AB4-623ED5B00D7A}"/>
+                  </a:ext>
+                </a:extLst>
+              </p:cNvPr>
+              <p:cNvSpPr>
+                <a:spLocks noGrp="1"/>
+              </p:cNvSpPr>
+              <p:nvPr>
+                <p:ph idx="1"/>
+              </p:nvPr>
+            </p:nvSpPr>
+            <p:spPr/>
+            <p:txBody>
+              <a:bodyPr/>
+              <a:lstStyle/>
+              <a:p>
+                <a:pPr marL="342900" indent="-342900">
+                  <a:buFont typeface="Arial" panose="020B0604020202020204" pitchFamily="34" charset="0"/>
+                  <a:buChar char="•"/>
+                </a:pPr>
+                <a:r>
+                  <a:rPr lang="de-DE" dirty="0"/>
+                  <a:t>Annahme: Objekte bewegen sich mit konstanter Geschwindigkeit </a:t>
+                </a:r>
+              </a:p>
+              <a:p>
+                <a:pPr marL="342900" indent="-342900">
+                  <a:buFont typeface="Arial" panose="020B0604020202020204" pitchFamily="34" charset="0"/>
+                  <a:buChar char="•"/>
+                </a:pPr>
+                <a:endParaRPr lang="de-DE" dirty="0"/>
+              </a:p>
+              <a:p>
+                <a:pPr marL="342900" indent="-342900">
+                  <a:buFont typeface="Arial" panose="020B0604020202020204" pitchFamily="34" charset="0"/>
+                  <a:buChar char="•"/>
+                </a:pPr>
+                <a:r>
+                  <a:rPr lang="de-DE" dirty="0"/>
+                  <a:t>Zustand: 2-D Koordinaten und Geschwindigkeiten</a:t>
+                </a:r>
+              </a:p>
+              <a:p>
+                <a:pPr marL="342900" indent="-342900">
+                  <a:buFont typeface="Arial" panose="020B0604020202020204" pitchFamily="34" charset="0"/>
+                  <a:buChar char="•"/>
+                </a:pPr>
+                <a:endParaRPr lang="de-DE" dirty="0"/>
+              </a:p>
+              <a:p>
+                <a:pPr marL="342900" indent="-342900">
+                  <a:buFont typeface="Arial" panose="020B0604020202020204" pitchFamily="34" charset="0"/>
+                  <a:buChar char="•"/>
+                </a:pPr>
+                <a14:m>
+                  <m:oMath xmlns:m="http://schemas.openxmlformats.org/officeDocument/2006/math">
+                    <m:sSub>
+                      <m:sSubPr>
+                        <m:ctrlPr>
+                          <a:rPr lang="pt-BR" i="1" smtClean="0">
+                            <a:latin typeface="Cambria Math" panose="02040503050406030204" pitchFamily="18" charset="0"/>
+                          </a:rPr>
+                        </m:ctrlPr>
+                      </m:sSubPr>
+                      <m:e>
+                        <m:r>
+                          <a:rPr lang="pt-BR" b="0" i="1" smtClean="0">
+                            <a:latin typeface="Cambria Math" panose="02040503050406030204" pitchFamily="18" charset="0"/>
+                          </a:rPr>
+                          <m:t>𝑥</m:t>
+                        </m:r>
+                      </m:e>
+                      <m:sub>
+                        <m:r>
+                          <a:rPr lang="pt-BR" b="0" i="1" smtClean="0">
+                            <a:latin typeface="Cambria Math" panose="02040503050406030204" pitchFamily="18" charset="0"/>
+                          </a:rPr>
+                          <m:t>𝑘</m:t>
+                        </m:r>
+                      </m:sub>
+                    </m:sSub>
+                  </m:oMath>
+                </a14:m>
+                <a:r>
+                  <a:rPr lang="de-DE" dirty="0"/>
+                  <a:t> = </a:t>
+                </a:r>
+                <a14:m>
+                  <m:oMath xmlns:m="http://schemas.openxmlformats.org/officeDocument/2006/math">
+                    <m:sSub>
+                      <m:sSubPr>
+                        <m:ctrlPr>
+                          <a:rPr lang="de-DE" i="1" smtClean="0">
+                            <a:latin typeface="Cambria Math" panose="02040503050406030204" pitchFamily="18" charset="0"/>
+                          </a:rPr>
+                        </m:ctrlPr>
+                      </m:sSubPr>
+                      <m:e>
+                        <m:r>
+                          <a:rPr lang="pt-BR" b="0" i="1" smtClean="0">
+                            <a:latin typeface="Cambria Math" panose="02040503050406030204" pitchFamily="18" charset="0"/>
+                          </a:rPr>
+                          <m:t>𝑥</m:t>
+                        </m:r>
+                      </m:e>
+                      <m:sub>
+                        <m:r>
+                          <a:rPr lang="pt-BR" b="0" i="1" smtClean="0">
+                            <a:latin typeface="Cambria Math" panose="02040503050406030204" pitchFamily="18" charset="0"/>
+                          </a:rPr>
+                          <m:t>𝑘</m:t>
+                        </m:r>
+                        <m:r>
+                          <a:rPr lang="pt-BR" b="0" i="1" smtClean="0">
+                            <a:latin typeface="Cambria Math" panose="02040503050406030204" pitchFamily="18" charset="0"/>
+                          </a:rPr>
+                          <m:t>−1</m:t>
+                        </m:r>
+                      </m:sub>
+                    </m:sSub>
+                  </m:oMath>
+                </a14:m>
+                <a:r>
+                  <a:rPr lang="de-DE" dirty="0"/>
+                  <a:t> </a:t>
+                </a:r>
+                <a:r>
+                  <a:rPr lang="de-DE" i="1" dirty="0"/>
+                  <a:t>+ </a:t>
+                </a:r>
+                <a:r>
+                  <a:rPr lang="de-DE" sz="1800" i="1" dirty="0"/>
+                  <a:t>T</a:t>
+                </a:r>
+                <a14:m>
+                  <m:oMath xmlns:m="http://schemas.openxmlformats.org/officeDocument/2006/math">
+                    <m:sSubSup>
+                      <m:sSubSupPr>
+                        <m:ctrlPr>
+                          <a:rPr lang="de-DE" i="1" smtClean="0">
+                            <a:latin typeface="Cambria Math" panose="02040503050406030204" pitchFamily="18" charset="0"/>
+                          </a:rPr>
+                        </m:ctrlPr>
+                      </m:sSubSupPr>
+                      <m:e>
+                        <m:r>
+                          <a:rPr lang="pt-BR" b="0" i="1" smtClean="0">
+                            <a:latin typeface="Cambria Math" panose="02040503050406030204" pitchFamily="18" charset="0"/>
+                          </a:rPr>
+                          <m:t>𝑣</m:t>
+                        </m:r>
+                      </m:e>
+                      <m:sub>
+                        <m:r>
+                          <a:rPr lang="pt-BR" b="0" i="1" smtClean="0">
+                            <a:latin typeface="Cambria Math" panose="02040503050406030204" pitchFamily="18" charset="0"/>
+                          </a:rPr>
+                          <m:t>𝑘</m:t>
+                        </m:r>
+                        <m:r>
+                          <a:rPr lang="pt-BR" b="0" i="1" smtClean="0">
+                            <a:latin typeface="Cambria Math" panose="02040503050406030204" pitchFamily="18" charset="0"/>
+                          </a:rPr>
+                          <m:t>−1</m:t>
+                        </m:r>
+                      </m:sub>
+                      <m:sup>
+                        <m:r>
+                          <a:rPr lang="pt-BR" b="0" i="1" smtClean="0">
+                            <a:latin typeface="Cambria Math" panose="02040503050406030204" pitchFamily="18" charset="0"/>
+                          </a:rPr>
+                          <m:t>𝑥</m:t>
+                        </m:r>
+                      </m:sup>
+                    </m:sSubSup>
+                  </m:oMath>
+                </a14:m>
+                <a:endParaRPr lang="de-DE" i="1" dirty="0"/>
+              </a:p>
+              <a:p>
+                <a:pPr marL="342900" indent="-342900">
+                  <a:buFont typeface="Arial" panose="020B0604020202020204" pitchFamily="34" charset="0"/>
+                  <a:buChar char="•"/>
+                </a:pPr>
+                <a14:m>
+                  <m:oMath xmlns:m="http://schemas.openxmlformats.org/officeDocument/2006/math">
+                    <m:sSub>
+                      <m:sSubPr>
+                        <m:ctrlPr>
+                          <a:rPr lang="pt-BR" i="1" smtClean="0">
+                            <a:latin typeface="Cambria Math" panose="02040503050406030204" pitchFamily="18" charset="0"/>
+                          </a:rPr>
+                        </m:ctrlPr>
+                      </m:sSubPr>
+                      <m:e>
+                        <m:r>
+                          <a:rPr lang="pt-BR" b="0" i="1" smtClean="0">
+                            <a:latin typeface="Cambria Math" panose="02040503050406030204" pitchFamily="18" charset="0"/>
+                          </a:rPr>
+                          <m:t>𝑦</m:t>
+                        </m:r>
+                      </m:e>
+                      <m:sub>
+                        <m:r>
+                          <a:rPr lang="pt-BR" b="0" i="1" smtClean="0">
+                            <a:latin typeface="Cambria Math" panose="02040503050406030204" pitchFamily="18" charset="0"/>
+                          </a:rPr>
+                          <m:t>𝑘</m:t>
+                        </m:r>
+                      </m:sub>
+                    </m:sSub>
+                  </m:oMath>
+                </a14:m>
+                <a:r>
+                  <a:rPr lang="de-DE" dirty="0"/>
+                  <a:t> = </a:t>
+                </a:r>
+                <a14:m>
+                  <m:oMath xmlns:m="http://schemas.openxmlformats.org/officeDocument/2006/math">
+                    <m:sSub>
+                      <m:sSubPr>
+                        <m:ctrlPr>
+                          <a:rPr lang="de-DE" i="1" smtClean="0">
+                            <a:latin typeface="Cambria Math" panose="02040503050406030204" pitchFamily="18" charset="0"/>
+                          </a:rPr>
+                        </m:ctrlPr>
+                      </m:sSubPr>
+                      <m:e>
+                        <m:r>
+                          <a:rPr lang="pt-BR" b="0" i="1" smtClean="0">
+                            <a:latin typeface="Cambria Math" panose="02040503050406030204" pitchFamily="18" charset="0"/>
+                          </a:rPr>
+                          <m:t>𝑦</m:t>
+                        </m:r>
+                      </m:e>
+                      <m:sub>
+                        <m:r>
+                          <a:rPr lang="pt-BR" b="0" i="1" smtClean="0">
+                            <a:latin typeface="Cambria Math" panose="02040503050406030204" pitchFamily="18" charset="0"/>
+                          </a:rPr>
+                          <m:t>𝑘</m:t>
+                        </m:r>
+                        <m:r>
+                          <a:rPr lang="pt-BR" b="0" i="1" smtClean="0">
+                            <a:latin typeface="Cambria Math" panose="02040503050406030204" pitchFamily="18" charset="0"/>
+                          </a:rPr>
+                          <m:t>−1</m:t>
+                        </m:r>
+                      </m:sub>
+                    </m:sSub>
+                  </m:oMath>
+                </a14:m>
+                <a:r>
+                  <a:rPr lang="de-DE" dirty="0"/>
+                  <a:t> </a:t>
+                </a:r>
+                <a:r>
+                  <a:rPr lang="de-DE" i="1" dirty="0"/>
+                  <a:t>+ </a:t>
+                </a:r>
+                <a:r>
+                  <a:rPr lang="de-DE" sz="1800" i="1" dirty="0"/>
+                  <a:t>T</a:t>
+                </a:r>
+                <a14:m>
+                  <m:oMath xmlns:m="http://schemas.openxmlformats.org/officeDocument/2006/math">
+                    <m:sSubSup>
+                      <m:sSubSupPr>
+                        <m:ctrlPr>
+                          <a:rPr lang="de-DE" i="1" smtClean="0">
+                            <a:latin typeface="Cambria Math" panose="02040503050406030204" pitchFamily="18" charset="0"/>
+                          </a:rPr>
+                        </m:ctrlPr>
+                      </m:sSubSupPr>
+                      <m:e>
+                        <m:r>
+                          <a:rPr lang="pt-BR" b="0" i="1" smtClean="0">
+                            <a:latin typeface="Cambria Math" panose="02040503050406030204" pitchFamily="18" charset="0"/>
+                          </a:rPr>
+                          <m:t>𝑣</m:t>
+                        </m:r>
+                      </m:e>
+                      <m:sub>
+                        <m:r>
+                          <a:rPr lang="pt-BR" b="0" i="1" smtClean="0">
+                            <a:latin typeface="Cambria Math" panose="02040503050406030204" pitchFamily="18" charset="0"/>
+                          </a:rPr>
+                          <m:t>𝑘</m:t>
+                        </m:r>
+                        <m:r>
+                          <a:rPr lang="pt-BR" b="0" i="1" smtClean="0">
+                            <a:latin typeface="Cambria Math" panose="02040503050406030204" pitchFamily="18" charset="0"/>
+                          </a:rPr>
+                          <m:t>−1</m:t>
+                        </m:r>
+                      </m:sub>
+                      <m:sup>
+                        <m:r>
+                          <a:rPr lang="pt-BR" b="0" i="1" smtClean="0">
+                            <a:latin typeface="Cambria Math" panose="02040503050406030204" pitchFamily="18" charset="0"/>
+                          </a:rPr>
+                          <m:t>𝑦</m:t>
+                        </m:r>
+                      </m:sup>
+                    </m:sSubSup>
+                  </m:oMath>
+                </a14:m>
+                <a:endParaRPr lang="de-DE" i="1" dirty="0"/>
+              </a:p>
+              <a:p>
+                <a:pPr marL="342900" indent="-342900">
+                  <a:buFont typeface="Arial" panose="020B0604020202020204" pitchFamily="34" charset="0"/>
+                  <a:buChar char="•"/>
+                </a:pPr>
+                <a14:m>
+                  <m:oMath xmlns:m="http://schemas.openxmlformats.org/officeDocument/2006/math">
+                    <m:sSubSup>
+                      <m:sSubSupPr>
+                        <m:ctrlPr>
+                          <a:rPr lang="pt-BR" i="1" smtClean="0">
+                            <a:latin typeface="Cambria Math" panose="02040503050406030204" pitchFamily="18" charset="0"/>
+                          </a:rPr>
+                        </m:ctrlPr>
+                      </m:sSubSupPr>
+                      <m:e>
+                        <m:r>
+                          <a:rPr lang="pt-BR" b="0" i="1" smtClean="0">
+                            <a:latin typeface="Cambria Math" panose="02040503050406030204" pitchFamily="18" charset="0"/>
+                          </a:rPr>
+                          <m:t>𝑣</m:t>
+                        </m:r>
+                      </m:e>
+                      <m:sub>
+                        <m:r>
+                          <a:rPr lang="pt-BR" b="0" i="1" smtClean="0">
+                            <a:latin typeface="Cambria Math" panose="02040503050406030204" pitchFamily="18" charset="0"/>
+                          </a:rPr>
+                          <m:t>𝑘</m:t>
+                        </m:r>
+                      </m:sub>
+                      <m:sup>
+                        <m:r>
+                          <a:rPr lang="pt-BR" b="0" i="1" smtClean="0">
+                            <a:latin typeface="Cambria Math" panose="02040503050406030204" pitchFamily="18" charset="0"/>
+                          </a:rPr>
+                          <m:t>𝑥</m:t>
+                        </m:r>
+                      </m:sup>
+                    </m:sSubSup>
+                  </m:oMath>
+                </a14:m>
+                <a:r>
+                  <a:rPr lang="de-DE" dirty="0"/>
+                  <a:t> = </a:t>
+                </a:r>
+                <a14:m>
+                  <m:oMath xmlns:m="http://schemas.openxmlformats.org/officeDocument/2006/math">
+                    <m:sSubSup>
+                      <m:sSubSupPr>
+                        <m:ctrlPr>
+                          <a:rPr lang="de-DE" i="1" smtClean="0">
+                            <a:latin typeface="Cambria Math" panose="02040503050406030204" pitchFamily="18" charset="0"/>
+                          </a:rPr>
+                        </m:ctrlPr>
+                      </m:sSubSupPr>
+                      <m:e>
+                        <m:r>
+                          <a:rPr lang="pt-BR" b="0" i="1" smtClean="0">
+                            <a:latin typeface="Cambria Math" panose="02040503050406030204" pitchFamily="18" charset="0"/>
+                          </a:rPr>
+                          <m:t>𝑣</m:t>
+                        </m:r>
+                      </m:e>
+                      <m:sub>
+                        <m:r>
+                          <a:rPr lang="pt-BR" b="0" i="1" smtClean="0">
+                            <a:latin typeface="Cambria Math" panose="02040503050406030204" pitchFamily="18" charset="0"/>
+                          </a:rPr>
+                          <m:t>𝑘</m:t>
+                        </m:r>
+                        <m:r>
+                          <a:rPr lang="pt-BR" b="0" i="1" smtClean="0">
+                            <a:latin typeface="Cambria Math" panose="02040503050406030204" pitchFamily="18" charset="0"/>
+                          </a:rPr>
+                          <m:t>−1</m:t>
+                        </m:r>
+                      </m:sub>
+                      <m:sup>
+                        <m:r>
+                          <a:rPr lang="pt-BR" b="0" i="1" smtClean="0">
+                            <a:latin typeface="Cambria Math" panose="02040503050406030204" pitchFamily="18" charset="0"/>
+                          </a:rPr>
+                          <m:t>𝑥</m:t>
+                        </m:r>
+                      </m:sup>
+                    </m:sSubSup>
+                  </m:oMath>
+                </a14:m>
+                <a:endParaRPr lang="de-DE" i="1" dirty="0"/>
+              </a:p>
+              <a:p>
+                <a:pPr marL="342900" indent="-342900">
+                  <a:buFont typeface="Arial" panose="020B0604020202020204" pitchFamily="34" charset="0"/>
+                  <a:buChar char="•"/>
+                </a:pPr>
+                <a14:m>
+                  <m:oMath xmlns:m="http://schemas.openxmlformats.org/officeDocument/2006/math">
+                    <m:sSubSup>
+                      <m:sSubSupPr>
+                        <m:ctrlPr>
+                          <a:rPr lang="pt-BR" i="1" smtClean="0">
+                            <a:latin typeface="Cambria Math" panose="02040503050406030204" pitchFamily="18" charset="0"/>
+                          </a:rPr>
+                        </m:ctrlPr>
+                      </m:sSubSupPr>
+                      <m:e>
+                        <m:r>
+                          <a:rPr lang="pt-BR" b="0" i="1" smtClean="0">
+                            <a:latin typeface="Cambria Math" panose="02040503050406030204" pitchFamily="18" charset="0"/>
+                          </a:rPr>
+                          <m:t>𝑣</m:t>
+                        </m:r>
+                      </m:e>
+                      <m:sub>
+                        <m:r>
+                          <a:rPr lang="pt-BR" b="0" i="1" smtClean="0">
+                            <a:latin typeface="Cambria Math" panose="02040503050406030204" pitchFamily="18" charset="0"/>
+                          </a:rPr>
+                          <m:t>𝑘</m:t>
+                        </m:r>
+                      </m:sub>
+                      <m:sup>
+                        <m:r>
+                          <a:rPr lang="pt-BR" b="0" i="1" smtClean="0">
+                            <a:latin typeface="Cambria Math" panose="02040503050406030204" pitchFamily="18" charset="0"/>
+                          </a:rPr>
+                          <m:t>𝑦</m:t>
+                        </m:r>
+                      </m:sup>
+                    </m:sSubSup>
+                  </m:oMath>
+                </a14:m>
+                <a:r>
+                  <a:rPr lang="de-DE" dirty="0"/>
+                  <a:t> = </a:t>
+                </a:r>
+                <a14:m>
+                  <m:oMath xmlns:m="http://schemas.openxmlformats.org/officeDocument/2006/math">
+                    <m:sSubSup>
+                      <m:sSubSupPr>
+                        <m:ctrlPr>
+                          <a:rPr lang="de-DE" i="1" smtClean="0">
+                            <a:latin typeface="Cambria Math" panose="02040503050406030204" pitchFamily="18" charset="0"/>
+                          </a:rPr>
+                        </m:ctrlPr>
+                      </m:sSubSupPr>
+                      <m:e>
+                        <m:r>
+                          <a:rPr lang="pt-BR" b="0" i="1" smtClean="0">
+                            <a:latin typeface="Cambria Math" panose="02040503050406030204" pitchFamily="18" charset="0"/>
+                          </a:rPr>
+                          <m:t>𝑣</m:t>
+                        </m:r>
+                      </m:e>
+                      <m:sub>
+                        <m:r>
+                          <a:rPr lang="pt-BR" b="0" i="1" smtClean="0">
+                            <a:latin typeface="Cambria Math" panose="02040503050406030204" pitchFamily="18" charset="0"/>
+                          </a:rPr>
+                          <m:t>𝑘</m:t>
+                        </m:r>
+                        <m:r>
+                          <a:rPr lang="pt-BR" b="0" i="1" smtClean="0">
+                            <a:latin typeface="Cambria Math" panose="02040503050406030204" pitchFamily="18" charset="0"/>
+                          </a:rPr>
+                          <m:t>−1</m:t>
+                        </m:r>
+                      </m:sub>
+                      <m:sup>
+                        <m:r>
+                          <a:rPr lang="pt-BR" b="0" i="1" smtClean="0">
+                            <a:latin typeface="Cambria Math" panose="02040503050406030204" pitchFamily="18" charset="0"/>
+                          </a:rPr>
+                          <m:t>𝑦</m:t>
+                        </m:r>
+                      </m:sup>
+                    </m:sSubSup>
+                  </m:oMath>
+                </a14:m>
+                <a:endParaRPr lang="de-DE" i="1" dirty="0"/>
+              </a:p>
+              <a:p>
+                <a:pPr marL="342900" indent="-342900">
+                  <a:buFont typeface="Arial" panose="020B0604020202020204" pitchFamily="34" charset="0"/>
+                  <a:buChar char="•"/>
+                </a:pPr>
+                <a:endParaRPr lang="de-DE" i="1" dirty="0"/>
+              </a:p>
+              <a:p>
+                <a:pPr marL="342900" indent="-342900">
+                  <a:buFont typeface="Arial" panose="020B0604020202020204" pitchFamily="34" charset="0"/>
+                  <a:buChar char="•"/>
+                </a:pPr>
+                <a:endParaRPr lang="de-DE" i="1" dirty="0"/>
+              </a:p>
+              <a:p>
+                <a:pPr marL="342900" indent="-342900">
+                  <a:buFont typeface="Arial" panose="020B0604020202020204" pitchFamily="34" charset="0"/>
+                  <a:buChar char="•"/>
+                </a:pPr>
+                <a:endParaRPr lang="de-DE" i="1" dirty="0"/>
+              </a:p>
+              <a:p>
+                <a:pPr marL="342900" indent="-342900">
+                  <a:buFont typeface="Arial" panose="020B0604020202020204" pitchFamily="34" charset="0"/>
+                  <a:buChar char="•"/>
+                </a:pPr>
+                <a:endParaRPr lang="de-DE" i="1" dirty="0"/>
+              </a:p>
+              <a:p>
+                <a:pPr marL="0" indent="0"/>
+                <a:endParaRPr lang="de-DE" dirty="0"/>
+              </a:p>
+            </p:txBody>
+          </p:sp>
+        </mc:Choice>
+        <mc:Fallback>
+          <p:sp>
+            <p:nvSpPr>
+              <p:cNvPr id="3" name="Inhaltsplatzhalter 2">
+                <a:extLst>
+                  <a:ext uri="{FF2B5EF4-FFF2-40B4-BE49-F238E27FC236}">
+                    <a16:creationId xmlns:a16="http://schemas.microsoft.com/office/drawing/2014/main" id="{15DA8CDC-A3A3-4A44-8AB4-623ED5B00D7A}"/>
+                  </a:ext>
+                </a:extLst>
+              </p:cNvPr>
+              <p:cNvSpPr>
+                <a:spLocks noGrp="1" noRot="1" noChangeAspect="1" noMove="1" noResize="1" noEditPoints="1" noAdjustHandles="1" noChangeArrowheads="1" noChangeShapeType="1" noTextEdit="1"/>
+              </p:cNvSpPr>
+              <p:nvPr>
+                <p:ph idx="1"/>
+              </p:nvPr>
+            </p:nvSpPr>
+            <p:spPr>
+              <a:blipFill>
+                <a:blip r:embed="rId2"/>
+                <a:stretch>
+                  <a:fillRect l="-2145"/>
+                </a:stretch>
+              </a:blipFill>
+            </p:spPr>
+            <p:txBody>
+              <a:bodyPr/>
+              <a:lstStyle/>
+              <a:p>
+                <a:r>
+                  <a:rPr lang="pt-BR">
+                    <a:noFill/>
+                  </a:rPr>
+                  <a:t> </a:t>
+                </a:r>
+              </a:p>
+            </p:txBody>
+          </p:sp>
+        </mc:Fallback>
+      </mc:AlternateContent>
     </p:spTree>
     <p:extLst>
       <p:ext uri="{BB962C8B-B14F-4D97-AF65-F5344CB8AC3E}">
@@ -4112,7 +4771,23 @@
           <a:p>
             <a:r>
               <a:rPr lang="de-DE" dirty="0"/>
-              <a:t>GNN</a:t>
+              <a:t>Global </a:t>
+            </a:r>
+            <a:r>
+              <a:rPr lang="de-DE" dirty="0" err="1"/>
+              <a:t>Nearest</a:t>
+            </a:r>
+            <a:r>
+              <a:rPr lang="de-DE" dirty="0"/>
+              <a:t> </a:t>
+            </a:r>
+            <a:r>
+              <a:rPr lang="de-DE" dirty="0" err="1"/>
+              <a:t>Neighbour</a:t>
+            </a:r>
+            <a:r>
+              <a:rPr lang="de-DE" dirty="0"/>
+              <a:t> (GNN) </a:t>
             </a:r>
           </a:p>
         </p:txBody>
@@ -4138,6 +4813,89 @@
           <a:bodyPr/>
           <a:lstStyle/>
           <a:p>
+            <a:pPr marL="342900" indent="-342900">
+              <a:buFont typeface="Arial" panose="020B0604020202020204" pitchFamily="34" charset="0"/>
+              <a:buChar char="•"/>
+            </a:pPr>
+            <a:r>
+              <a:rPr lang="de-DE" dirty="0"/>
+              <a:t>Einfach und schneller Algorithmus</a:t>
+            </a:r>
+          </a:p>
+          <a:p>
+            <a:pPr marL="342900" indent="-342900">
+              <a:buFont typeface="Arial" panose="020B0604020202020204" pitchFamily="34" charset="0"/>
+              <a:buChar char="•"/>
+            </a:pPr>
+            <a:r>
+              <a:rPr lang="de-DE" dirty="0"/>
+              <a:t>Abruptes </a:t>
+            </a:r>
+            <a:r>
+              <a:rPr lang="de-DE" i="1" dirty="0" err="1"/>
+              <a:t>Pruning</a:t>
+            </a:r>
+            <a:r>
+              <a:rPr lang="de-DE" i="1" dirty="0"/>
+              <a:t>: </a:t>
+            </a:r>
+            <a:r>
+              <a:rPr lang="de-DE" dirty="0"/>
+              <a:t>Nur wahrscheinlichste Hypothese berücksichtigt </a:t>
+            </a:r>
+          </a:p>
+          <a:p>
+            <a:pPr marL="342900" indent="-342900">
+              <a:buFont typeface="Arial" panose="020B0604020202020204" pitchFamily="34" charset="0"/>
+              <a:buChar char="•"/>
+            </a:pPr>
+            <a:r>
+              <a:rPr lang="de-DE" dirty="0"/>
+              <a:t>Kalman-Filter als Zustandsbeobachter </a:t>
+            </a:r>
+          </a:p>
+          <a:p>
+            <a:pPr marL="342900" indent="-342900">
+              <a:buFont typeface="Arial" panose="020B0604020202020204" pitchFamily="34" charset="0"/>
+              <a:buChar char="•"/>
+            </a:pPr>
+            <a:r>
+              <a:rPr lang="de-DE" dirty="0"/>
+              <a:t>Schritte</a:t>
+            </a:r>
+          </a:p>
+          <a:p>
+            <a:pPr marL="457200" indent="-457200">
+              <a:buFont typeface="+mj-lt"/>
+              <a:buAutoNum type="arabicPeriod"/>
+            </a:pPr>
+            <a:r>
+              <a:rPr lang="de-DE" dirty="0"/>
+              <a:t>Kalman-Prädiktion</a:t>
+            </a:r>
+          </a:p>
+          <a:p>
+            <a:pPr marL="457200" indent="-457200">
+              <a:buFont typeface="+mj-lt"/>
+              <a:buAutoNum type="arabicPeriod"/>
+            </a:pPr>
+            <a:r>
+              <a:rPr lang="de-DE" dirty="0"/>
+              <a:t>Ermittlung der wahrscheinlichsten Hypothese</a:t>
+            </a:r>
+          </a:p>
+          <a:p>
+            <a:pPr marL="457200" indent="-457200">
+              <a:buFont typeface="+mj-lt"/>
+              <a:buAutoNum type="arabicPeriod"/>
+            </a:pPr>
+            <a:r>
+              <a:rPr lang="de-DE" dirty="0"/>
+              <a:t>Kalman-Update</a:t>
+            </a:r>
+          </a:p>
+          <a:p>
+            <a:pPr marL="0" indent="0"/>
             <a:endParaRPr lang="de-DE" dirty="0"/>
           </a:p>
         </p:txBody>
@@ -4172,63 +4930,46 @@
           <a:chExt cx="0" cy="0"/>
         </a:xfrm>
       </p:grpSpPr>
-      <p:sp>
-        <p:nvSpPr>
-          <p:cNvPr id="2" name="Titel 1">
+      <p:pic>
+        <p:nvPicPr>
+          <p:cNvPr id="3" name="Imagem 2">
             <a:extLst>
               <a:ext uri="{FF2B5EF4-FFF2-40B4-BE49-F238E27FC236}">
-                <a16:creationId xmlns:a16="http://schemas.microsoft.com/office/drawing/2014/main" id="{2C351F84-6AA1-4D9F-A720-91EB7EFB24CF}"/>
+                <a16:creationId xmlns:a16="http://schemas.microsoft.com/office/drawing/2014/main" id="{BE381055-E00E-4CF8-8FF3-EA83658A7664}"/>
               </a:ext>
             </a:extLst>
           </p:cNvPr>
-          <p:cNvSpPr>
-            <a:spLocks noGrp="1"/>
-          </p:cNvSpPr>
-          <p:nvPr>
-            <p:ph type="title"/>
-          </p:nvPr>
-        </p:nvSpPr>
-        <p:spPr/>
-        <p:txBody>
-          <a:bodyPr/>
-          <a:lstStyle/>
-          <a:p>
-            <a:r>
-              <a:rPr lang="de-DE" dirty="0"/>
-              <a:t>Horizontschätzung</a:t>
-            </a:r>
-          </a:p>
-        </p:txBody>
-      </p:sp>
-      <p:sp>
-        <p:nvSpPr>
-          <p:cNvPr id="3" name="Inhaltsplatzhalter 2">
+          <p:cNvPicPr>
+            <a:picLocks noChangeAspect="1"/>
+          </p:cNvPicPr>
+          <p:nvPr/>
+        </p:nvPicPr>
+        <p:blipFill>
+          <a:blip r:embed="rId2">
             <a:extLst>
-              <a:ext uri="{FF2B5EF4-FFF2-40B4-BE49-F238E27FC236}">
-                <a16:creationId xmlns:a16="http://schemas.microsoft.com/office/drawing/2014/main" id="{19C4D2CD-FA28-42EC-8757-35ADC3EFD1C1}"/>
+              <a:ext uri="{28A0092B-C50C-407E-A947-70E740481C1C}">
+                <a14:useLocalDpi xmlns:a14="http://schemas.microsoft.com/office/drawing/2010/main" val="0"/>
               </a:ext>
             </a:extLst>
-          </p:cNvPr>
-          <p:cNvSpPr>
-            <a:spLocks noGrp="1"/>
-          </p:cNvSpPr>
-          <p:nvPr>
-            <p:ph idx="1"/>
-          </p:nvPr>
-        </p:nvSpPr>
-        <p:spPr/>
-        <p:txBody>
-          <a:bodyPr/>
-          <a:lstStyle/>
-          <a:p>
-            <a:endParaRPr lang="de-DE" dirty="0"/>
-          </a:p>
-        </p:txBody>
-      </p:sp>
+          </a:blip>
+          <a:stretch>
+            <a:fillRect/>
+          </a:stretch>
+        </p:blipFill>
+        <p:spPr>
+          <a:xfrm>
+            <a:off x="-612576" y="476672"/>
+            <a:ext cx="10337046" cy="5292353"/>
+          </a:xfrm>
+          <a:prstGeom prst="rect">
+            <a:avLst/>
+          </a:prstGeom>
+        </p:spPr>
+      </p:pic>
     </p:spTree>
     <p:extLst>
       <p:ext uri="{BB962C8B-B14F-4D97-AF65-F5344CB8AC3E}">
-        <p14:creationId xmlns:p14="http://schemas.microsoft.com/office/powerpoint/2010/main" val="10771018"/>
+        <p14:creationId xmlns:p14="http://schemas.microsoft.com/office/powerpoint/2010/main" val="978084482"/>
       </p:ext>
     </p:extLst>
   </p:cSld>
@@ -4255,12 +4996,144 @@
           <a:chExt cx="0" cy="0"/>
         </a:xfrm>
       </p:grpSpPr>
+      <p:pic>
+        <p:nvPicPr>
+          <p:cNvPr id="3" name="Imagem 2">
+            <a:extLst>
+              <a:ext uri="{FF2B5EF4-FFF2-40B4-BE49-F238E27FC236}">
+                <a16:creationId xmlns:a16="http://schemas.microsoft.com/office/drawing/2014/main" id="{2DBC2B49-9DA5-4F5A-96D2-B35B653E0AF2}"/>
+              </a:ext>
+            </a:extLst>
+          </p:cNvPr>
+          <p:cNvPicPr>
+            <a:picLocks noChangeAspect="1"/>
+          </p:cNvPicPr>
+          <p:nvPr/>
+        </p:nvPicPr>
+        <p:blipFill>
+          <a:blip r:embed="rId2">
+            <a:extLst>
+              <a:ext uri="{28A0092B-C50C-407E-A947-70E740481C1C}">
+                <a14:useLocalDpi xmlns:a14="http://schemas.microsoft.com/office/drawing/2010/main" val="0"/>
+              </a:ext>
+            </a:extLst>
+          </a:blip>
+          <a:stretch>
+            <a:fillRect/>
+          </a:stretch>
+        </p:blipFill>
+        <p:spPr>
+          <a:xfrm>
+            <a:off x="-828601" y="548680"/>
+            <a:ext cx="10594405" cy="5424115"/>
+          </a:xfrm>
+          <a:prstGeom prst="rect">
+            <a:avLst/>
+          </a:prstGeom>
+        </p:spPr>
+      </p:pic>
+    </p:spTree>
+    <p:extLst>
+      <p:ext uri="{BB962C8B-B14F-4D97-AF65-F5344CB8AC3E}">
+        <p14:creationId xmlns:p14="http://schemas.microsoft.com/office/powerpoint/2010/main" val="82186606"/>
+      </p:ext>
+    </p:extLst>
+  </p:cSld>
+  <p:clrMapOvr>
+    <a:masterClrMapping/>
+  </p:clrMapOvr>
+</p:sld>
+</file>
+
+<file path=ppt/slides/slide7.xml><?xml version="1.0" encoding="utf-8"?>
+<p:sld xmlns:a="http://schemas.openxmlformats.org/drawingml/2006/main" xmlns:r="http://schemas.openxmlformats.org/officeDocument/2006/relationships" xmlns:p="http://schemas.openxmlformats.org/presentationml/2006/main">
+  <p:cSld>
+    <p:spTree>
+      <p:nvGrpSpPr>
+        <p:cNvPr id="1" name=""/>
+        <p:cNvGrpSpPr/>
+        <p:nvPr/>
+      </p:nvGrpSpPr>
+      <p:grpSpPr>
+        <a:xfrm>
+          <a:off x="0" y="0"/>
+          <a:ext cx="0" cy="0"/>
+          <a:chOff x="0" y="0"/>
+          <a:chExt cx="0" cy="0"/>
+        </a:xfrm>
+      </p:grpSpPr>
+      <p:pic>
+        <p:nvPicPr>
+          <p:cNvPr id="3" name="Imagem 2">
+            <a:extLst>
+              <a:ext uri="{FF2B5EF4-FFF2-40B4-BE49-F238E27FC236}">
+                <a16:creationId xmlns:a16="http://schemas.microsoft.com/office/drawing/2014/main" id="{D19D1B57-7748-49FE-948E-1091B60DF433}"/>
+              </a:ext>
+            </a:extLst>
+          </p:cNvPr>
+          <p:cNvPicPr>
+            <a:picLocks noChangeAspect="1"/>
+          </p:cNvPicPr>
+          <p:nvPr/>
+        </p:nvPicPr>
+        <p:blipFill>
+          <a:blip r:embed="rId2">
+            <a:extLst>
+              <a:ext uri="{28A0092B-C50C-407E-A947-70E740481C1C}">
+                <a14:useLocalDpi xmlns:a14="http://schemas.microsoft.com/office/drawing/2010/main" val="0"/>
+              </a:ext>
+            </a:extLst>
+          </a:blip>
+          <a:stretch>
+            <a:fillRect/>
+          </a:stretch>
+        </p:blipFill>
+        <p:spPr>
+          <a:xfrm>
+            <a:off x="-913207" y="556855"/>
+            <a:ext cx="10813799" cy="5536441"/>
+          </a:xfrm>
+          <a:prstGeom prst="rect">
+            <a:avLst/>
+          </a:prstGeom>
+        </p:spPr>
+      </p:pic>
+    </p:spTree>
+    <p:extLst>
+      <p:ext uri="{BB962C8B-B14F-4D97-AF65-F5344CB8AC3E}">
+        <p14:creationId xmlns:p14="http://schemas.microsoft.com/office/powerpoint/2010/main" val="2905905128"/>
+      </p:ext>
+    </p:extLst>
+  </p:cSld>
+  <p:clrMapOvr>
+    <a:masterClrMapping/>
+  </p:clrMapOvr>
+</p:sld>
+</file>
+
+<file path=ppt/slides/slide8.xml><?xml version="1.0" encoding="utf-8"?>
+<p:sld xmlns:a="http://schemas.openxmlformats.org/drawingml/2006/main" xmlns:r="http://schemas.openxmlformats.org/officeDocument/2006/relationships" xmlns:p="http://schemas.openxmlformats.org/presentationml/2006/main">
+  <p:cSld>
+    <p:spTree>
+      <p:nvGrpSpPr>
+        <p:cNvPr id="1" name=""/>
+        <p:cNvGrpSpPr/>
+        <p:nvPr/>
+      </p:nvGrpSpPr>
+      <p:grpSpPr>
+        <a:xfrm>
+          <a:off x="0" y="0"/>
+          <a:ext cx="0" cy="0"/>
+          <a:chOff x="0" y="0"/>
+          <a:chExt cx="0" cy="0"/>
+        </a:xfrm>
+      </p:grpSpPr>
       <p:sp>
         <p:nvSpPr>
-          <p:cNvPr id="2" name="Titel 1">
+          <p:cNvPr id="2" name="Título 1">
             <a:extLst>
               <a:ext uri="{FF2B5EF4-FFF2-40B4-BE49-F238E27FC236}">
-                <a16:creationId xmlns:a16="http://schemas.microsoft.com/office/drawing/2014/main" id="{60330E91-2409-4079-B010-8611CBE01120}"/>
+                <a16:creationId xmlns:a16="http://schemas.microsoft.com/office/drawing/2014/main" id="{ACC4F24B-CC1B-46F3-A591-4A7B92C7D490}"/>
               </a:ext>
             </a:extLst>
           </p:cNvPr>
@@ -4278,17 +5151,18 @@
           <a:p>
             <a:r>
               <a:rPr lang="de-DE" dirty="0"/>
-              <a:t> Referenzen </a:t>
-            </a:r>
+              <a:t>Einschränkungen und Vereinfachungen</a:t>
+            </a:r>
+            <a:endParaRPr lang="pt-BR" dirty="0"/>
           </a:p>
         </p:txBody>
       </p:sp>
       <p:sp>
         <p:nvSpPr>
-          <p:cNvPr id="4" name="Inhaltsplatzhalter 3">
+          <p:cNvPr id="3" name="Espaço Reservado para Conteúdo 2">
             <a:extLst>
               <a:ext uri="{FF2B5EF4-FFF2-40B4-BE49-F238E27FC236}">
-                <a16:creationId xmlns:a16="http://schemas.microsoft.com/office/drawing/2014/main" id="{B67B4169-E999-4FAE-B9F7-EC750AAB2DBD}"/>
+                <a16:creationId xmlns:a16="http://schemas.microsoft.com/office/drawing/2014/main" id="{67E99FA4-15FA-4494-85EC-C6AE5715DB72}"/>
               </a:ext>
             </a:extLst>
           </p:cNvPr>
@@ -4304,32 +5178,299 @@
           <a:bodyPr/>
           <a:lstStyle/>
           <a:p>
+            <a:pPr marL="342900" indent="-342900">
+              <a:buFont typeface="Arial" panose="020B0604020202020204" pitchFamily="34" charset="0"/>
+              <a:buChar char="•"/>
+            </a:pPr>
+            <a:r>
+              <a:rPr lang="de-DE" dirty="0"/>
+              <a:t>Keine Garantie, dass die wahrscheinlichste Hypothese der richtigen Assoziation entspricht </a:t>
+            </a:r>
+          </a:p>
+          <a:p>
+            <a:pPr marL="342900" indent="-342900">
+              <a:buFont typeface="Arial" panose="020B0604020202020204" pitchFamily="34" charset="0"/>
+              <a:buChar char="•"/>
+            </a:pPr>
+            <a:r>
+              <a:rPr lang="de-DE" dirty="0"/>
+              <a:t>Zustandsmodell sei linear</a:t>
+            </a:r>
+          </a:p>
+          <a:p>
+            <a:pPr marL="342900" indent="-342900">
+              <a:buFont typeface="Arial" panose="020B0604020202020204" pitchFamily="34" charset="0"/>
+              <a:buChar char="•"/>
+            </a:pPr>
+            <a:r>
+              <a:rPr lang="de-DE" dirty="0"/>
+              <a:t>Gauß’sche </a:t>
+            </a:r>
+            <a:r>
+              <a:rPr lang="de-DE" dirty="0" err="1"/>
+              <a:t>Wahrscheinlichskeitsdichte</a:t>
+            </a:r>
+            <a:r>
+              <a:rPr lang="de-DE" dirty="0"/>
+              <a:t> der Objektbewegung  </a:t>
+            </a:r>
+          </a:p>
+          <a:p>
+            <a:pPr marL="342900" indent="-342900">
+              <a:buFont typeface="Arial" panose="020B0604020202020204" pitchFamily="34" charset="0"/>
+              <a:buChar char="•"/>
+            </a:pPr>
+            <a:r>
+              <a:rPr lang="de-DE" i="1" dirty="0" err="1"/>
+              <a:t>Deaths</a:t>
+            </a:r>
+            <a:r>
+              <a:rPr lang="de-DE" i="1" dirty="0"/>
+              <a:t> and </a:t>
+            </a:r>
+            <a:r>
+              <a:rPr lang="de-DE" i="1" dirty="0" err="1"/>
+              <a:t>Births</a:t>
+            </a:r>
+            <a:r>
+              <a:rPr lang="de-DE" i="1" dirty="0"/>
+              <a:t>  </a:t>
+            </a:r>
+            <a:r>
+              <a:rPr lang="de-DE" dirty="0"/>
+              <a:t>vereinfacht</a:t>
+            </a:r>
+          </a:p>
+          <a:p>
+            <a:pPr marL="342900" indent="-342900">
+              <a:buFont typeface="Arial" panose="020B0604020202020204" pitchFamily="34" charset="0"/>
+              <a:buChar char="•"/>
+            </a:pPr>
+            <a:r>
+              <a:rPr lang="de-DE" dirty="0"/>
+              <a:t>Wahl der Kalman-Filter Parametern</a:t>
+            </a:r>
+          </a:p>
+          <a:p>
+            <a:pPr marL="342900" indent="-342900">
+              <a:buFont typeface="Arial" panose="020B0604020202020204" pitchFamily="34" charset="0"/>
+              <a:buChar char="•"/>
+            </a:pPr>
+            <a:r>
+              <a:rPr lang="de-DE" dirty="0"/>
+              <a:t>Geht prinzipiell von einer bekannten Anzahl der Objekte aus </a:t>
+            </a:r>
+          </a:p>
+          <a:p>
+            <a:pPr marL="342900" indent="-342900">
+              <a:buFont typeface="Arial" panose="020B0604020202020204" pitchFamily="34" charset="0"/>
+              <a:buChar char="•"/>
+            </a:pPr>
+            <a:endParaRPr lang="de-DE" i="1" dirty="0"/>
+          </a:p>
+          <a:p>
+            <a:pPr marL="342900" indent="-342900">
+              <a:buFont typeface="Arial" panose="020B0604020202020204" pitchFamily="34" charset="0"/>
+              <a:buChar char="•"/>
+            </a:pPr>
             <a:endParaRPr lang="de-DE" dirty="0"/>
+          </a:p>
+          <a:p>
+            <a:endParaRPr lang="pt-BR" dirty="0"/>
           </a:p>
         </p:txBody>
       </p:sp>
     </p:spTree>
     <p:extLst>
       <p:ext uri="{BB962C8B-B14F-4D97-AF65-F5344CB8AC3E}">
-        <p14:creationId xmlns:p14="http://schemas.microsoft.com/office/powerpoint/2010/main" val="3063152851"/>
+        <p14:creationId xmlns:p14="http://schemas.microsoft.com/office/powerpoint/2010/main" val="3249429021"/>
       </p:ext>
     </p:extLst>
   </p:cSld>
   <p:clrMapOvr>
     <a:masterClrMapping/>
   </p:clrMapOvr>
-  <mc:AlternateContent xmlns:mc="http://schemas.openxmlformats.org/markup-compatibility/2006" xmlns:p14="http://schemas.microsoft.com/office/powerpoint/2010/main">
-    <mc:Choice Requires="p14">
-      <p:transition spd="slow" p14:dur="1500">
-        <p:split orient="vert"/>
-      </p:transition>
-    </mc:Choice>
-    <mc:Fallback xmlns="">
-      <p:transition spd="slow">
-        <p:split orient="vert"/>
-      </p:transition>
-    </mc:Fallback>
-  </mc:AlternateContent>
+</p:sld>
+</file>
+
+<file path=ppt/slides/slide9.xml><?xml version="1.0" encoding="utf-8"?>
+<p:sld xmlns:a="http://schemas.openxmlformats.org/drawingml/2006/main" xmlns:r="http://schemas.openxmlformats.org/officeDocument/2006/relationships" xmlns:p="http://schemas.openxmlformats.org/presentationml/2006/main">
+  <p:cSld>
+    <p:spTree>
+      <p:nvGrpSpPr>
+        <p:cNvPr id="1" name=""/>
+        <p:cNvGrpSpPr/>
+        <p:nvPr/>
+      </p:nvGrpSpPr>
+      <p:grpSpPr>
+        <a:xfrm>
+          <a:off x="0" y="0"/>
+          <a:ext cx="0" cy="0"/>
+          <a:chOff x="0" y="0"/>
+          <a:chExt cx="0" cy="0"/>
+        </a:xfrm>
+      </p:grpSpPr>
+      <p:pic>
+        <p:nvPicPr>
+          <p:cNvPr id="5" name="Imagem 4">
+            <a:extLst>
+              <a:ext uri="{FF2B5EF4-FFF2-40B4-BE49-F238E27FC236}">
+                <a16:creationId xmlns:a16="http://schemas.microsoft.com/office/drawing/2014/main" id="{9DE6CD75-CE23-465E-93C1-3B76D8A9D994}"/>
+              </a:ext>
+            </a:extLst>
+          </p:cNvPr>
+          <p:cNvPicPr>
+            <a:picLocks noChangeAspect="1"/>
+          </p:cNvPicPr>
+          <p:nvPr/>
+        </p:nvPicPr>
+        <p:blipFill>
+          <a:blip r:embed="rId2">
+            <a:extLst>
+              <a:ext uri="{28A0092B-C50C-407E-A947-70E740481C1C}">
+                <a14:useLocalDpi xmlns:a14="http://schemas.microsoft.com/office/drawing/2010/main" val="0"/>
+              </a:ext>
+            </a:extLst>
+          </a:blip>
+          <a:stretch>
+            <a:fillRect/>
+          </a:stretch>
+        </p:blipFill>
+        <p:spPr>
+          <a:xfrm>
+            <a:off x="4142419" y="2204864"/>
+            <a:ext cx="5371500" cy="4028625"/>
+          </a:xfrm>
+          <a:prstGeom prst="rect">
+            <a:avLst/>
+          </a:prstGeom>
+        </p:spPr>
+      </p:pic>
+      <p:sp>
+        <p:nvSpPr>
+          <p:cNvPr id="2" name="Titel 1">
+            <a:extLst>
+              <a:ext uri="{FF2B5EF4-FFF2-40B4-BE49-F238E27FC236}">
+                <a16:creationId xmlns:a16="http://schemas.microsoft.com/office/drawing/2014/main" id="{2C351F84-6AA1-4D9F-A720-91EB7EFB24CF}"/>
+              </a:ext>
+            </a:extLst>
+          </p:cNvPr>
+          <p:cNvSpPr>
+            <a:spLocks noGrp="1"/>
+          </p:cNvSpPr>
+          <p:nvPr>
+            <p:ph type="title"/>
+          </p:nvPr>
+        </p:nvSpPr>
+        <p:spPr/>
+        <p:txBody>
+          <a:bodyPr/>
+          <a:lstStyle/>
+          <a:p>
+            <a:r>
+              <a:rPr lang="de-DE" dirty="0"/>
+              <a:t>Horizontschätzung</a:t>
+            </a:r>
+          </a:p>
+        </p:txBody>
+      </p:sp>
+      <p:sp>
+        <p:nvSpPr>
+          <p:cNvPr id="3" name="Inhaltsplatzhalter 2">
+            <a:extLst>
+              <a:ext uri="{FF2B5EF4-FFF2-40B4-BE49-F238E27FC236}">
+                <a16:creationId xmlns:a16="http://schemas.microsoft.com/office/drawing/2014/main" id="{19C4D2CD-FA28-42EC-8757-35ADC3EFD1C1}"/>
+              </a:ext>
+            </a:extLst>
+          </p:cNvPr>
+          <p:cNvSpPr>
+            <a:spLocks noGrp="1"/>
+          </p:cNvSpPr>
+          <p:nvPr>
+            <p:ph idx="1"/>
+          </p:nvPr>
+        </p:nvSpPr>
+        <p:spPr/>
+        <p:txBody>
+          <a:bodyPr/>
+          <a:lstStyle/>
+          <a:p>
+            <a:pPr marL="342900" indent="-342900">
+              <a:buFont typeface="Arial" panose="020B0604020202020204" pitchFamily="34" charset="0"/>
+              <a:buChar char="•"/>
+            </a:pPr>
+            <a:r>
+              <a:rPr lang="de-DE" dirty="0"/>
+              <a:t>Horizontzustände sind für die 3D Umwandlung erforderlich</a:t>
+            </a:r>
+          </a:p>
+          <a:p>
+            <a:pPr marL="342900" indent="-342900">
+              <a:buFont typeface="Arial" panose="020B0604020202020204" pitchFamily="34" charset="0"/>
+              <a:buChar char="•"/>
+            </a:pPr>
+            <a:r>
+              <a:rPr lang="de-DE" dirty="0"/>
+              <a:t>Horizontzustand: Höhe und Winkel</a:t>
+            </a:r>
+          </a:p>
+          <a:p>
+            <a:pPr marL="342900" indent="-342900">
+              <a:buFont typeface="Arial" panose="020B0604020202020204" pitchFamily="34" charset="0"/>
+              <a:buChar char="•"/>
+            </a:pPr>
+            <a:r>
+              <a:rPr lang="de-DE" i="1" dirty="0"/>
+              <a:t>Constant Position Model</a:t>
+            </a:r>
+          </a:p>
+          <a:p>
+            <a:pPr marL="342900" indent="-342900">
+              <a:buFont typeface="Arial" panose="020B0604020202020204" pitchFamily="34" charset="0"/>
+              <a:buChar char="•"/>
+            </a:pPr>
+            <a:r>
+              <a:rPr lang="de-DE" dirty="0"/>
+              <a:t>Kalman-Filter notwendig</a:t>
+            </a:r>
+            <a:endParaRPr lang="de-DE" i="1" dirty="0"/>
+          </a:p>
+          <a:p>
+            <a:pPr marL="342900" indent="-342900">
+              <a:buFont typeface="Arial" panose="020B0604020202020204" pitchFamily="34" charset="0"/>
+              <a:buChar char="•"/>
+            </a:pPr>
+            <a:r>
+              <a:rPr lang="de-DE" dirty="0"/>
+              <a:t>In jedem Zeitschritt werden drei </a:t>
+            </a:r>
+          </a:p>
+          <a:p>
+            <a:pPr marL="0" indent="0"/>
+            <a:r>
+              <a:rPr lang="de-DE" dirty="0"/>
+              <a:t>Horizontkandidaten geliefert </a:t>
+            </a:r>
+          </a:p>
+          <a:p>
+            <a:pPr marL="342900" indent="-342900">
+              <a:buFont typeface="Arial" panose="020B0604020202020204" pitchFamily="34" charset="0"/>
+              <a:buChar char="•"/>
+            </a:pPr>
+            <a:endParaRPr lang="de-DE" i="1" dirty="0"/>
+          </a:p>
+        </p:txBody>
+      </p:sp>
+    </p:spTree>
+    <p:extLst>
+      <p:ext uri="{BB962C8B-B14F-4D97-AF65-F5344CB8AC3E}">
+        <p14:creationId xmlns:p14="http://schemas.microsoft.com/office/powerpoint/2010/main" val="10771018"/>
+      </p:ext>
+    </p:extLst>
+  </p:cSld>
+  <p:clrMapOvr>
+    <a:masterClrMapping/>
+  </p:clrMapOvr>
 </p:sld>
 </file>
 

--- a/Präsentation ProSeminar SoSe20/Hinderniserfassung in maritimer Umgebung.pptx
+++ b/Präsentation ProSeminar SoSe20/Hinderniserfassung in maritimer Umgebung.pptx
@@ -5,22 +5,25 @@
     <p:sldMasterId id="2147483648" r:id="rId1"/>
   </p:sldMasterIdLst>
   <p:notesMasterIdLst>
-    <p:notesMasterId r:id="rId12"/>
+    <p:notesMasterId r:id="rId15"/>
   </p:notesMasterIdLst>
   <p:handoutMasterIdLst>
-    <p:handoutMasterId r:id="rId13"/>
+    <p:handoutMasterId r:id="rId16"/>
   </p:handoutMasterIdLst>
   <p:sldIdLst>
     <p:sldId id="256" r:id="rId2"/>
     <p:sldId id="265" r:id="rId3"/>
-    <p:sldId id="268" r:id="rId4"/>
-    <p:sldId id="269" r:id="rId5"/>
-    <p:sldId id="271" r:id="rId6"/>
-    <p:sldId id="274" r:id="rId7"/>
-    <p:sldId id="275" r:id="rId8"/>
-    <p:sldId id="273" r:id="rId9"/>
-    <p:sldId id="270" r:id="rId10"/>
-    <p:sldId id="267" r:id="rId11"/>
+    <p:sldId id="276" r:id="rId4"/>
+    <p:sldId id="277" r:id="rId5"/>
+    <p:sldId id="278" r:id="rId6"/>
+    <p:sldId id="268" r:id="rId7"/>
+    <p:sldId id="269" r:id="rId8"/>
+    <p:sldId id="271" r:id="rId9"/>
+    <p:sldId id="274" r:id="rId10"/>
+    <p:sldId id="275" r:id="rId11"/>
+    <p:sldId id="273" r:id="rId12"/>
+    <p:sldId id="270" r:id="rId13"/>
+    <p:sldId id="267" r:id="rId14"/>
   </p:sldIdLst>
   <p:sldSz cx="9144000" cy="6858000" type="screen4x3"/>
   <p:notesSz cx="6858000" cy="9144000"/>
@@ -288,7 +291,7 @@
             <a:fld id="{A32DC80D-291A-4ABB-A78B-0417274A267C}" type="datetime4">
               <a:rPr lang="de-DE"/>
               <a:pPr/>
-              <a:t>19. Oktober 2020</a:t>
+              <a:t>20. Oktober 2020</a:t>
             </a:fld>
             <a:endParaRPr lang="de-DE"/>
           </a:p>
@@ -390,7 +393,7 @@
             <a:fld id="{C7CC2173-B0D1-45F1-9D54-E33B7353DA19}" type="slidenum">
               <a:rPr lang="de-DE"/>
               <a:pPr/>
-              <a:t>‹nº›</a:t>
+              <a:t>‹#›</a:t>
             </a:fld>
             <a:endParaRPr lang="de-DE"/>
           </a:p>
@@ -671,7 +674,7 @@
             <a:fld id="{065B079B-E513-489A-8A1B-D7C78493EA86}" type="datetime4">
               <a:rPr lang="de-DE"/>
               <a:pPr/>
-              <a:t>19. Oktober 2020</a:t>
+              <a:t>20. Oktober 2020</a:t>
             </a:fld>
             <a:endParaRPr lang="de-DE"/>
           </a:p>
@@ -880,7 +883,7 @@
             <a:fld id="{C36AA9A4-5D0B-4134-89A6-D8B9DAA4F25C}" type="slidenum">
               <a:rPr lang="de-DE"/>
               <a:pPr/>
-              <a:t>‹nº›</a:t>
+              <a:t>‹#›</a:t>
             </a:fld>
             <a:endParaRPr lang="de-DE"/>
           </a:p>
@@ -1699,7 +1702,7 @@
                 <a:tabLst/>
                 <a:defRPr/>
               </a:pPr>
-              <a:t>‹nº›</a:t>
+              <a:t>‹#›</a:t>
             </a:fld>
             <a:endParaRPr kumimoji="0" lang="de-DE" sz="1000" b="0" i="0" u="none" strike="noStrike" kern="1200" cap="none" spc="0" normalizeH="0" baseline="0" noProof="0" dirty="0">
               <a:ln>
@@ -3195,7 +3198,7 @@
                 <a:tabLst/>
                 <a:defRPr/>
               </a:pPr>
-              <a:t>‹nº›</a:t>
+              <a:t>‹#›</a:t>
             </a:fld>
             <a:endParaRPr kumimoji="0" lang="de-DE" sz="1000" b="0" i="0" u="none" strike="noStrike" kern="1200" cap="none" spc="0" normalizeH="0" baseline="0" noProof="0" dirty="0">
               <a:ln>
@@ -3913,10 +3916,446 @@
   <p:clrMapOvr>
     <a:masterClrMapping/>
   </p:clrMapOvr>
+  <p:timing>
+    <p:tnLst>
+      <p:par>
+        <p:cTn id="1" dur="indefinite" restart="never" nodeType="tmRoot"/>
+      </p:par>
+    </p:tnLst>
+  </p:timing>
 </p:sld>
 </file>
 
 <file path=ppt/slides/slide10.xml><?xml version="1.0" encoding="utf-8"?>
+<p:sld xmlns:a="http://schemas.openxmlformats.org/drawingml/2006/main" xmlns:r="http://schemas.openxmlformats.org/officeDocument/2006/relationships" xmlns:p="http://schemas.openxmlformats.org/presentationml/2006/main">
+  <p:cSld>
+    <p:spTree>
+      <p:nvGrpSpPr>
+        <p:cNvPr id="1" name=""/>
+        <p:cNvGrpSpPr/>
+        <p:nvPr/>
+      </p:nvGrpSpPr>
+      <p:grpSpPr>
+        <a:xfrm>
+          <a:off x="0" y="0"/>
+          <a:ext cx="0" cy="0"/>
+          <a:chOff x="0" y="0"/>
+          <a:chExt cx="0" cy="0"/>
+        </a:xfrm>
+      </p:grpSpPr>
+      <p:pic>
+        <p:nvPicPr>
+          <p:cNvPr id="3" name="Imagem 2">
+            <a:extLst>
+              <a:ext uri="{FF2B5EF4-FFF2-40B4-BE49-F238E27FC236}">
+                <a16:creationId xmlns:a16="http://schemas.microsoft.com/office/drawing/2014/main" id="{D19D1B57-7748-49FE-948E-1091B60DF433}"/>
+              </a:ext>
+            </a:extLst>
+          </p:cNvPr>
+          <p:cNvPicPr>
+            <a:picLocks noChangeAspect="1"/>
+          </p:cNvPicPr>
+          <p:nvPr/>
+        </p:nvPicPr>
+        <p:blipFill>
+          <a:blip r:embed="rId2">
+            <a:extLst>
+              <a:ext uri="{28A0092B-C50C-407E-A947-70E740481C1C}">
+                <a14:useLocalDpi xmlns:a14="http://schemas.microsoft.com/office/drawing/2010/main" val="0"/>
+              </a:ext>
+            </a:extLst>
+          </a:blip>
+          <a:stretch>
+            <a:fillRect/>
+          </a:stretch>
+        </p:blipFill>
+        <p:spPr>
+          <a:xfrm>
+            <a:off x="-913207" y="556855"/>
+            <a:ext cx="10813799" cy="5536441"/>
+          </a:xfrm>
+          <a:prstGeom prst="rect">
+            <a:avLst/>
+          </a:prstGeom>
+        </p:spPr>
+      </p:pic>
+    </p:spTree>
+    <p:extLst>
+      <p:ext uri="{BB962C8B-B14F-4D97-AF65-F5344CB8AC3E}">
+        <p14:creationId xmlns:p14="http://schemas.microsoft.com/office/powerpoint/2010/main" val="2905905128"/>
+      </p:ext>
+    </p:extLst>
+  </p:cSld>
+  <p:clrMapOvr>
+    <a:masterClrMapping/>
+  </p:clrMapOvr>
+</p:sld>
+</file>
+
+<file path=ppt/slides/slide11.xml><?xml version="1.0" encoding="utf-8"?>
+<p:sld xmlns:a="http://schemas.openxmlformats.org/drawingml/2006/main" xmlns:r="http://schemas.openxmlformats.org/officeDocument/2006/relationships" xmlns:p="http://schemas.openxmlformats.org/presentationml/2006/main">
+  <p:cSld>
+    <p:spTree>
+      <p:nvGrpSpPr>
+        <p:cNvPr id="1" name=""/>
+        <p:cNvGrpSpPr/>
+        <p:nvPr/>
+      </p:nvGrpSpPr>
+      <p:grpSpPr>
+        <a:xfrm>
+          <a:off x="0" y="0"/>
+          <a:ext cx="0" cy="0"/>
+          <a:chOff x="0" y="0"/>
+          <a:chExt cx="0" cy="0"/>
+        </a:xfrm>
+      </p:grpSpPr>
+      <p:sp>
+        <p:nvSpPr>
+          <p:cNvPr id="2" name="Título 1">
+            <a:extLst>
+              <a:ext uri="{FF2B5EF4-FFF2-40B4-BE49-F238E27FC236}">
+                <a16:creationId xmlns:a16="http://schemas.microsoft.com/office/drawing/2014/main" id="{ACC4F24B-CC1B-46F3-A591-4A7B92C7D490}"/>
+              </a:ext>
+            </a:extLst>
+          </p:cNvPr>
+          <p:cNvSpPr>
+            <a:spLocks noGrp="1"/>
+          </p:cNvSpPr>
+          <p:nvPr>
+            <p:ph type="title"/>
+          </p:nvPr>
+        </p:nvSpPr>
+        <p:spPr/>
+        <p:txBody>
+          <a:bodyPr/>
+          <a:lstStyle/>
+          <a:p>
+            <a:r>
+              <a:rPr lang="de-DE" dirty="0"/>
+              <a:t>Einschränkungen und Vereinfachungen</a:t>
+            </a:r>
+            <a:endParaRPr lang="pt-BR" dirty="0"/>
+          </a:p>
+        </p:txBody>
+      </p:sp>
+      <p:sp>
+        <p:nvSpPr>
+          <p:cNvPr id="3" name="Espaço Reservado para Conteúdo 2">
+            <a:extLst>
+              <a:ext uri="{FF2B5EF4-FFF2-40B4-BE49-F238E27FC236}">
+                <a16:creationId xmlns:a16="http://schemas.microsoft.com/office/drawing/2014/main" id="{67E99FA4-15FA-4494-85EC-C6AE5715DB72}"/>
+              </a:ext>
+            </a:extLst>
+          </p:cNvPr>
+          <p:cNvSpPr>
+            <a:spLocks noGrp="1"/>
+          </p:cNvSpPr>
+          <p:nvPr>
+            <p:ph idx="1"/>
+          </p:nvPr>
+        </p:nvSpPr>
+        <p:spPr/>
+        <p:txBody>
+          <a:bodyPr/>
+          <a:lstStyle/>
+          <a:p>
+            <a:pPr marL="342900" indent="-342900">
+              <a:buFont typeface="Arial" panose="020B0604020202020204" pitchFamily="34" charset="0"/>
+              <a:buChar char="•"/>
+            </a:pPr>
+            <a:r>
+              <a:rPr lang="de-DE" dirty="0"/>
+              <a:t>Keine Garantie, dass die wahrscheinlichste Hypothese der richtigen Assoziation entspricht </a:t>
+            </a:r>
+          </a:p>
+          <a:p>
+            <a:pPr marL="342900" indent="-342900">
+              <a:buFont typeface="Arial" panose="020B0604020202020204" pitchFamily="34" charset="0"/>
+              <a:buChar char="•"/>
+            </a:pPr>
+            <a:r>
+              <a:rPr lang="de-DE" dirty="0"/>
+              <a:t>Zustandsmodell sei linear</a:t>
+            </a:r>
+          </a:p>
+          <a:p>
+            <a:pPr marL="342900" indent="-342900">
+              <a:buFont typeface="Arial" panose="020B0604020202020204" pitchFamily="34" charset="0"/>
+              <a:buChar char="•"/>
+            </a:pPr>
+            <a:r>
+              <a:rPr lang="de-DE" dirty="0"/>
+              <a:t>Gauß’sche </a:t>
+            </a:r>
+            <a:r>
+              <a:rPr lang="de-DE" dirty="0" err="1"/>
+              <a:t>Wahrscheinlichskeitsdichte</a:t>
+            </a:r>
+            <a:r>
+              <a:rPr lang="de-DE" dirty="0"/>
+              <a:t> der Objektbewegung  </a:t>
+            </a:r>
+          </a:p>
+          <a:p>
+            <a:pPr marL="342900" indent="-342900">
+              <a:buFont typeface="Arial" panose="020B0604020202020204" pitchFamily="34" charset="0"/>
+              <a:buChar char="•"/>
+            </a:pPr>
+            <a:r>
+              <a:rPr lang="de-DE" i="1" dirty="0" err="1"/>
+              <a:t>Deaths</a:t>
+            </a:r>
+            <a:r>
+              <a:rPr lang="de-DE" i="1" dirty="0"/>
+              <a:t> and </a:t>
+            </a:r>
+            <a:r>
+              <a:rPr lang="de-DE" i="1" dirty="0" err="1"/>
+              <a:t>Births</a:t>
+            </a:r>
+            <a:r>
+              <a:rPr lang="de-DE" i="1" dirty="0"/>
+              <a:t>  </a:t>
+            </a:r>
+            <a:r>
+              <a:rPr lang="de-DE" dirty="0"/>
+              <a:t>vereinfacht</a:t>
+            </a:r>
+          </a:p>
+          <a:p>
+            <a:pPr marL="342900" indent="-342900">
+              <a:buFont typeface="Arial" panose="020B0604020202020204" pitchFamily="34" charset="0"/>
+              <a:buChar char="•"/>
+            </a:pPr>
+            <a:r>
+              <a:rPr lang="de-DE" dirty="0"/>
+              <a:t>Wahl der Kalman-Filter Parametern</a:t>
+            </a:r>
+          </a:p>
+          <a:p>
+            <a:pPr marL="342900" indent="-342900">
+              <a:buFont typeface="Arial" panose="020B0604020202020204" pitchFamily="34" charset="0"/>
+              <a:buChar char="•"/>
+            </a:pPr>
+            <a:r>
+              <a:rPr lang="de-DE" dirty="0"/>
+              <a:t>Geht prinzipiell von einer bekannten Anzahl der Objekte aus </a:t>
+            </a:r>
+          </a:p>
+          <a:p>
+            <a:pPr marL="342900" indent="-342900">
+              <a:buFont typeface="Arial" panose="020B0604020202020204" pitchFamily="34" charset="0"/>
+              <a:buChar char="•"/>
+            </a:pPr>
+            <a:endParaRPr lang="de-DE" i="1" dirty="0"/>
+          </a:p>
+          <a:p>
+            <a:pPr marL="342900" indent="-342900">
+              <a:buFont typeface="Arial" panose="020B0604020202020204" pitchFamily="34" charset="0"/>
+              <a:buChar char="•"/>
+            </a:pPr>
+            <a:endParaRPr lang="de-DE" dirty="0"/>
+          </a:p>
+          <a:p>
+            <a:endParaRPr lang="pt-BR" dirty="0"/>
+          </a:p>
+        </p:txBody>
+      </p:sp>
+    </p:spTree>
+    <p:extLst>
+      <p:ext uri="{BB962C8B-B14F-4D97-AF65-F5344CB8AC3E}">
+        <p14:creationId xmlns:p14="http://schemas.microsoft.com/office/powerpoint/2010/main" val="3249429021"/>
+      </p:ext>
+    </p:extLst>
+  </p:cSld>
+  <p:clrMapOvr>
+    <a:masterClrMapping/>
+  </p:clrMapOvr>
+</p:sld>
+</file>
+
+<file path=ppt/slides/slide12.xml><?xml version="1.0" encoding="utf-8"?>
+<p:sld xmlns:a="http://schemas.openxmlformats.org/drawingml/2006/main" xmlns:r="http://schemas.openxmlformats.org/officeDocument/2006/relationships" xmlns:p="http://schemas.openxmlformats.org/presentationml/2006/main">
+  <p:cSld>
+    <p:spTree>
+      <p:nvGrpSpPr>
+        <p:cNvPr id="1" name=""/>
+        <p:cNvGrpSpPr/>
+        <p:nvPr/>
+      </p:nvGrpSpPr>
+      <p:grpSpPr>
+        <a:xfrm>
+          <a:off x="0" y="0"/>
+          <a:ext cx="0" cy="0"/>
+          <a:chOff x="0" y="0"/>
+          <a:chExt cx="0" cy="0"/>
+        </a:xfrm>
+      </p:grpSpPr>
+      <p:pic>
+        <p:nvPicPr>
+          <p:cNvPr id="5" name="Imagem 4">
+            <a:extLst>
+              <a:ext uri="{FF2B5EF4-FFF2-40B4-BE49-F238E27FC236}">
+                <a16:creationId xmlns:a16="http://schemas.microsoft.com/office/drawing/2014/main" id="{9DE6CD75-CE23-465E-93C1-3B76D8A9D994}"/>
+              </a:ext>
+            </a:extLst>
+          </p:cNvPr>
+          <p:cNvPicPr>
+            <a:picLocks noChangeAspect="1"/>
+          </p:cNvPicPr>
+          <p:nvPr/>
+        </p:nvPicPr>
+        <p:blipFill>
+          <a:blip r:embed="rId2">
+            <a:extLst>
+              <a:ext uri="{28A0092B-C50C-407E-A947-70E740481C1C}">
+                <a14:useLocalDpi xmlns:a14="http://schemas.microsoft.com/office/drawing/2010/main" val="0"/>
+              </a:ext>
+            </a:extLst>
+          </a:blip>
+          <a:stretch>
+            <a:fillRect/>
+          </a:stretch>
+        </p:blipFill>
+        <p:spPr>
+          <a:xfrm>
+            <a:off x="4142419" y="2204864"/>
+            <a:ext cx="5371500" cy="4028625"/>
+          </a:xfrm>
+          <a:prstGeom prst="rect">
+            <a:avLst/>
+          </a:prstGeom>
+        </p:spPr>
+      </p:pic>
+      <p:sp>
+        <p:nvSpPr>
+          <p:cNvPr id="2" name="Titel 1">
+            <a:extLst>
+              <a:ext uri="{FF2B5EF4-FFF2-40B4-BE49-F238E27FC236}">
+                <a16:creationId xmlns:a16="http://schemas.microsoft.com/office/drawing/2014/main" id="{2C351F84-6AA1-4D9F-A720-91EB7EFB24CF}"/>
+              </a:ext>
+            </a:extLst>
+          </p:cNvPr>
+          <p:cNvSpPr>
+            <a:spLocks noGrp="1"/>
+          </p:cNvSpPr>
+          <p:nvPr>
+            <p:ph type="title"/>
+          </p:nvPr>
+        </p:nvSpPr>
+        <p:spPr/>
+        <p:txBody>
+          <a:bodyPr/>
+          <a:lstStyle/>
+          <a:p>
+            <a:r>
+              <a:rPr lang="de-DE" dirty="0"/>
+              <a:t>Horizontschätzung</a:t>
+            </a:r>
+          </a:p>
+        </p:txBody>
+      </p:sp>
+      <p:sp>
+        <p:nvSpPr>
+          <p:cNvPr id="3" name="Inhaltsplatzhalter 2">
+            <a:extLst>
+              <a:ext uri="{FF2B5EF4-FFF2-40B4-BE49-F238E27FC236}">
+                <a16:creationId xmlns:a16="http://schemas.microsoft.com/office/drawing/2014/main" id="{19C4D2CD-FA28-42EC-8757-35ADC3EFD1C1}"/>
+              </a:ext>
+            </a:extLst>
+          </p:cNvPr>
+          <p:cNvSpPr>
+            <a:spLocks noGrp="1"/>
+          </p:cNvSpPr>
+          <p:nvPr>
+            <p:ph idx="1"/>
+          </p:nvPr>
+        </p:nvSpPr>
+        <p:spPr/>
+        <p:txBody>
+          <a:bodyPr/>
+          <a:lstStyle/>
+          <a:p>
+            <a:pPr marL="342900" indent="-342900">
+              <a:buFont typeface="Arial" panose="020B0604020202020204" pitchFamily="34" charset="0"/>
+              <a:buChar char="•"/>
+            </a:pPr>
+            <a:r>
+              <a:rPr lang="de-DE" dirty="0"/>
+              <a:t>Horizontzustände sind für die 3D Umwandlung erforderlich</a:t>
+            </a:r>
+          </a:p>
+          <a:p>
+            <a:pPr marL="342900" indent="-342900">
+              <a:buFont typeface="Arial" panose="020B0604020202020204" pitchFamily="34" charset="0"/>
+              <a:buChar char="•"/>
+            </a:pPr>
+            <a:r>
+              <a:rPr lang="de-DE" dirty="0"/>
+              <a:t>Horizontzustand: Höhe und Winkel</a:t>
+            </a:r>
+          </a:p>
+          <a:p>
+            <a:pPr marL="342900" indent="-342900">
+              <a:buFont typeface="Arial" panose="020B0604020202020204" pitchFamily="34" charset="0"/>
+              <a:buChar char="•"/>
+            </a:pPr>
+            <a:r>
+              <a:rPr lang="de-DE" i="1" dirty="0"/>
+              <a:t>Constant Position Model</a:t>
+            </a:r>
+          </a:p>
+          <a:p>
+            <a:pPr marL="342900" indent="-342900">
+              <a:buFont typeface="Arial" panose="020B0604020202020204" pitchFamily="34" charset="0"/>
+              <a:buChar char="•"/>
+            </a:pPr>
+            <a:r>
+              <a:rPr lang="de-DE" dirty="0"/>
+              <a:t>Kalman-Filter notwendig</a:t>
+            </a:r>
+            <a:endParaRPr lang="de-DE" i="1" dirty="0"/>
+          </a:p>
+          <a:p>
+            <a:pPr marL="342900" indent="-342900">
+              <a:buFont typeface="Arial" panose="020B0604020202020204" pitchFamily="34" charset="0"/>
+              <a:buChar char="•"/>
+            </a:pPr>
+            <a:r>
+              <a:rPr lang="de-DE" dirty="0"/>
+              <a:t>In jedem Zeitschritt werden drei </a:t>
+            </a:r>
+          </a:p>
+          <a:p>
+            <a:pPr marL="0" indent="0"/>
+            <a:r>
+              <a:rPr lang="de-DE" dirty="0"/>
+              <a:t>Horizontkandidaten geliefert </a:t>
+            </a:r>
+          </a:p>
+          <a:p>
+            <a:pPr marL="342900" indent="-342900">
+              <a:buFont typeface="Arial" panose="020B0604020202020204" pitchFamily="34" charset="0"/>
+              <a:buChar char="•"/>
+            </a:pPr>
+            <a:endParaRPr lang="de-DE" i="1" dirty="0"/>
+          </a:p>
+        </p:txBody>
+      </p:sp>
+    </p:spTree>
+    <p:extLst>
+      <p:ext uri="{BB962C8B-B14F-4D97-AF65-F5344CB8AC3E}">
+        <p14:creationId xmlns:p14="http://schemas.microsoft.com/office/powerpoint/2010/main" val="10771018"/>
+      </p:ext>
+    </p:extLst>
+  </p:cSld>
+  <p:clrMapOvr>
+    <a:masterClrMapping/>
+  </p:clrMapOvr>
+</p:sld>
+</file>
+
+<file path=ppt/slides/slide13.xml><?xml version="1.0" encoding="utf-8"?>
 <p:sld xmlns:a="http://schemas.openxmlformats.org/drawingml/2006/main" xmlns:r="http://schemas.openxmlformats.org/officeDocument/2006/relationships" xmlns:p="http://schemas.openxmlformats.org/presentationml/2006/main">
   <p:cSld>
     <p:spTree>
@@ -4097,10 +4536,398 @@
   <p:clrMapOvr>
     <a:masterClrMapping/>
   </p:clrMapOvr>
+  <p:timing>
+    <p:tnLst>
+      <p:par>
+        <p:cTn id="1" dur="indefinite" restart="never" nodeType="tmRoot"/>
+      </p:par>
+    </p:tnLst>
+  </p:timing>
 </p:sld>
 </file>
 
 <file path=ppt/slides/slide3.xml><?xml version="1.0" encoding="utf-8"?>
+<p:sld xmlns:a="http://schemas.openxmlformats.org/drawingml/2006/main" xmlns:r="http://schemas.openxmlformats.org/officeDocument/2006/relationships" xmlns:p="http://schemas.openxmlformats.org/presentationml/2006/main">
+  <p:cSld>
+    <p:spTree>
+      <p:nvGrpSpPr>
+        <p:cNvPr id="1" name=""/>
+        <p:cNvGrpSpPr/>
+        <p:nvPr/>
+      </p:nvGrpSpPr>
+      <p:grpSpPr>
+        <a:xfrm>
+          <a:off x="0" y="0"/>
+          <a:ext cx="0" cy="0"/>
+          <a:chOff x="0" y="0"/>
+          <a:chExt cx="0" cy="0"/>
+        </a:xfrm>
+      </p:grpSpPr>
+      <p:sp>
+        <p:nvSpPr>
+          <p:cNvPr id="2" name="Title 1"/>
+          <p:cNvSpPr>
+            <a:spLocks noGrp="1"/>
+          </p:cNvSpPr>
+          <p:nvPr>
+            <p:ph type="title"/>
+          </p:nvPr>
+        </p:nvSpPr>
+        <p:spPr/>
+        <p:txBody>
+          <a:bodyPr/>
+          <a:lstStyle/>
+          <a:p>
+            <a:r>
+              <a:rPr lang="de-DE" dirty="0" smtClean="0"/>
+              <a:t>Definition von MOT</a:t>
+            </a:r>
+            <a:endParaRPr lang="de-DE" dirty="0"/>
+          </a:p>
+        </p:txBody>
+      </p:sp>
+      <p:sp>
+        <p:nvSpPr>
+          <p:cNvPr id="4" name="Content Placeholder 3"/>
+          <p:cNvSpPr>
+            <a:spLocks noGrp="1"/>
+          </p:cNvSpPr>
+          <p:nvPr>
+            <p:ph idx="1"/>
+          </p:nvPr>
+        </p:nvSpPr>
+        <p:spPr>
+          <a:xfrm>
+            <a:off x="360000" y="1620000"/>
+            <a:ext cx="8388464" cy="4479943"/>
+          </a:xfrm>
+        </p:spPr>
+        <p:txBody>
+          <a:bodyPr/>
+          <a:lstStyle/>
+          <a:p>
+            <a:pPr marL="0" indent="0"/>
+            <a:r>
+              <a:rPr lang="de-DE" dirty="0"/>
+              <a:t>MOT (Multiple </a:t>
+            </a:r>
+            <a:r>
+              <a:rPr lang="de-DE" dirty="0" err="1"/>
+              <a:t>Object</a:t>
+            </a:r>
+            <a:r>
+              <a:rPr lang="de-DE" dirty="0"/>
+              <a:t> Tracking) ist ein sequenzieller Prozess, bei dem Messungen genutzt werden, um die Anzahl </a:t>
+            </a:r>
+            <a:r>
+              <a:rPr lang="de-DE" dirty="0" smtClean="0"/>
+              <a:t>und den </a:t>
+            </a:r>
+            <a:r>
+              <a:rPr lang="de-DE" dirty="0"/>
+              <a:t>dynamischen Zustand (Position und Geschwindigkeit) der Objekte zu bestimmen. Dabei basiert dieser Vorgang </a:t>
+            </a:r>
+            <a:r>
+              <a:rPr lang="de-DE" dirty="0" smtClean="0"/>
+              <a:t>auf der Detektion.</a:t>
+            </a:r>
+            <a:endParaRPr lang="de-DE" dirty="0"/>
+          </a:p>
+        </p:txBody>
+      </p:sp>
+      <p:pic>
+        <p:nvPicPr>
+          <p:cNvPr id="5" name="Picture 4"/>
+          <p:cNvPicPr>
+            <a:picLocks noChangeAspect="1"/>
+          </p:cNvPicPr>
+          <p:nvPr/>
+        </p:nvPicPr>
+        <p:blipFill>
+          <a:blip r:embed="rId2">
+            <a:extLst>
+              <a:ext uri="{28A0092B-C50C-407E-A947-70E740481C1C}">
+                <a14:useLocalDpi xmlns:a14="http://schemas.microsoft.com/office/drawing/2010/main" val="0"/>
+              </a:ext>
+            </a:extLst>
+          </a:blip>
+          <a:stretch>
+            <a:fillRect/>
+          </a:stretch>
+        </p:blipFill>
+        <p:spPr>
+          <a:xfrm>
+            <a:off x="467399" y="3742487"/>
+            <a:ext cx="8173665" cy="1780249"/>
+          </a:xfrm>
+          <a:prstGeom prst="rect">
+            <a:avLst/>
+          </a:prstGeom>
+        </p:spPr>
+      </p:pic>
+    </p:spTree>
+    <p:extLst>
+      <p:ext uri="{BB962C8B-B14F-4D97-AF65-F5344CB8AC3E}">
+        <p14:creationId xmlns:p14="http://schemas.microsoft.com/office/powerpoint/2010/main" val="1434149683"/>
+      </p:ext>
+    </p:extLst>
+  </p:cSld>
+  <p:clrMapOvr>
+    <a:masterClrMapping/>
+  </p:clrMapOvr>
+  <p:timing>
+    <p:tnLst>
+      <p:par>
+        <p:cTn id="1" dur="indefinite" restart="never" nodeType="tmRoot"/>
+      </p:par>
+    </p:tnLst>
+  </p:timing>
+</p:sld>
+</file>
+
+<file path=ppt/slides/slide4.xml><?xml version="1.0" encoding="utf-8"?>
+<p:sld xmlns:a="http://schemas.openxmlformats.org/drawingml/2006/main" xmlns:r="http://schemas.openxmlformats.org/officeDocument/2006/relationships" xmlns:p="http://schemas.openxmlformats.org/presentationml/2006/main">
+  <p:cSld>
+    <p:spTree>
+      <p:nvGrpSpPr>
+        <p:cNvPr id="1" name=""/>
+        <p:cNvGrpSpPr/>
+        <p:nvPr/>
+      </p:nvGrpSpPr>
+      <p:grpSpPr>
+        <a:xfrm>
+          <a:off x="0" y="0"/>
+          <a:ext cx="0" cy="0"/>
+          <a:chOff x="0" y="0"/>
+          <a:chExt cx="0" cy="0"/>
+        </a:xfrm>
+      </p:grpSpPr>
+      <p:sp>
+        <p:nvSpPr>
+          <p:cNvPr id="2" name="Title 1"/>
+          <p:cNvSpPr>
+            <a:spLocks noGrp="1"/>
+          </p:cNvSpPr>
+          <p:nvPr>
+            <p:ph type="title"/>
+          </p:nvPr>
+        </p:nvSpPr>
+        <p:spPr/>
+        <p:txBody>
+          <a:bodyPr/>
+          <a:lstStyle/>
+          <a:p>
+            <a:r>
+              <a:rPr lang="de-DE" dirty="0" smtClean="0"/>
+              <a:t>Problematik</a:t>
+            </a:r>
+            <a:endParaRPr lang="de-DE" dirty="0"/>
+          </a:p>
+        </p:txBody>
+      </p:sp>
+      <p:pic>
+        <p:nvPicPr>
+          <p:cNvPr id="5" name="Picture 4"/>
+          <p:cNvPicPr>
+            <a:picLocks noChangeAspect="1"/>
+          </p:cNvPicPr>
+          <p:nvPr/>
+        </p:nvPicPr>
+        <p:blipFill>
+          <a:blip r:embed="rId2">
+            <a:extLst>
+              <a:ext uri="{28A0092B-C50C-407E-A947-70E740481C1C}">
+                <a14:useLocalDpi xmlns:a14="http://schemas.microsoft.com/office/drawing/2010/main" val="0"/>
+              </a:ext>
+            </a:extLst>
+          </a:blip>
+          <a:stretch>
+            <a:fillRect/>
+          </a:stretch>
+        </p:blipFill>
+        <p:spPr>
+          <a:xfrm>
+            <a:off x="4325447" y="2377122"/>
+            <a:ext cx="4320480" cy="3722821"/>
+          </a:xfrm>
+          <a:prstGeom prst="rect">
+            <a:avLst/>
+          </a:prstGeom>
+        </p:spPr>
+      </p:pic>
+      <p:sp>
+        <p:nvSpPr>
+          <p:cNvPr id="3" name="Content Placeholder 2"/>
+          <p:cNvSpPr>
+            <a:spLocks noGrp="1"/>
+          </p:cNvSpPr>
+          <p:nvPr>
+            <p:ph idx="1"/>
+          </p:nvPr>
+        </p:nvSpPr>
+        <p:spPr>
+          <a:xfrm>
+            <a:off x="360000" y="1620000"/>
+            <a:ext cx="7308344" cy="4479943"/>
+          </a:xfrm>
+        </p:spPr>
+        <p:txBody>
+          <a:bodyPr/>
+          <a:lstStyle/>
+          <a:p>
+            <a:pPr marL="342900" indent="-342900">
+              <a:buFont typeface="Arial" panose="020B0604020202020204" pitchFamily="34" charset="0"/>
+              <a:buChar char="•"/>
+            </a:pPr>
+            <a:r>
+              <a:rPr lang="de-DE" dirty="0"/>
+              <a:t>Anzahl der zu erfassenden </a:t>
+            </a:r>
+            <a:r>
+              <a:rPr lang="de-DE" dirty="0" smtClean="0"/>
+              <a:t>Objekte unbekannt bzw. variable</a:t>
+            </a:r>
+          </a:p>
+          <a:p>
+            <a:pPr marL="342900" indent="-342900">
+              <a:buFont typeface="Arial" panose="020B0604020202020204" pitchFamily="34" charset="0"/>
+              <a:buChar char="•"/>
+            </a:pPr>
+            <a:r>
+              <a:rPr lang="de-DE" dirty="0" smtClean="0"/>
+              <a:t>Zustände nicht bekannt</a:t>
+            </a:r>
+          </a:p>
+          <a:p>
+            <a:pPr marL="342900" indent="-342900">
+              <a:buFont typeface="Arial" panose="020B0604020202020204" pitchFamily="34" charset="0"/>
+              <a:buChar char="•"/>
+            </a:pPr>
+            <a:r>
+              <a:rPr lang="de-DE" dirty="0" smtClean="0"/>
+              <a:t>Miss- und Falschdetektion</a:t>
+            </a:r>
+          </a:p>
+          <a:p>
+            <a:pPr marL="342900" indent="-342900">
+              <a:buFont typeface="Arial" panose="020B0604020202020204" pitchFamily="34" charset="0"/>
+              <a:buChar char="•"/>
+            </a:pPr>
+            <a:r>
+              <a:rPr lang="de-DE" dirty="0"/>
+              <a:t>Datenassoziation nicht immer </a:t>
+            </a:r>
+            <a:r>
+              <a:rPr lang="de-DE" dirty="0" smtClean="0"/>
+              <a:t>bekannt</a:t>
+            </a:r>
+            <a:endParaRPr lang="de-DE" dirty="0"/>
+          </a:p>
+        </p:txBody>
+      </p:sp>
+    </p:spTree>
+    <p:extLst>
+      <p:ext uri="{BB962C8B-B14F-4D97-AF65-F5344CB8AC3E}">
+        <p14:creationId xmlns:p14="http://schemas.microsoft.com/office/powerpoint/2010/main" val="4046460507"/>
+      </p:ext>
+    </p:extLst>
+  </p:cSld>
+  <p:clrMapOvr>
+    <a:masterClrMapping/>
+  </p:clrMapOvr>
+  <p:timing>
+    <p:tnLst>
+      <p:par>
+        <p:cTn id="1" dur="indefinite" restart="never" nodeType="tmRoot"/>
+      </p:par>
+    </p:tnLst>
+  </p:timing>
+</p:sld>
+</file>
+
+<file path=ppt/slides/slide5.xml><?xml version="1.0" encoding="utf-8"?>
+<p:sld xmlns:a="http://schemas.openxmlformats.org/drawingml/2006/main" xmlns:r="http://schemas.openxmlformats.org/officeDocument/2006/relationships" xmlns:p="http://schemas.openxmlformats.org/presentationml/2006/main">
+  <p:cSld>
+    <p:spTree>
+      <p:nvGrpSpPr>
+        <p:cNvPr id="1" name=""/>
+        <p:cNvGrpSpPr/>
+        <p:nvPr/>
+      </p:nvGrpSpPr>
+      <p:grpSpPr>
+        <a:xfrm>
+          <a:off x="0" y="0"/>
+          <a:ext cx="0" cy="0"/>
+          <a:chOff x="0" y="0"/>
+          <a:chExt cx="0" cy="0"/>
+        </a:xfrm>
+      </p:grpSpPr>
+      <p:sp>
+        <p:nvSpPr>
+          <p:cNvPr id="2" name="Title 1"/>
+          <p:cNvSpPr>
+            <a:spLocks noGrp="1"/>
+          </p:cNvSpPr>
+          <p:nvPr>
+            <p:ph type="title"/>
+          </p:nvPr>
+        </p:nvSpPr>
+        <p:spPr/>
+        <p:txBody>
+          <a:bodyPr/>
+          <a:lstStyle/>
+          <a:p>
+            <a:r>
+              <a:rPr lang="de-DE" dirty="0" smtClean="0"/>
+              <a:t>Problematik</a:t>
+            </a:r>
+            <a:endParaRPr lang="de-DE" dirty="0"/>
+          </a:p>
+        </p:txBody>
+      </p:sp>
+      <p:pic>
+        <p:nvPicPr>
+          <p:cNvPr id="5" name="Content Placeholder 4"/>
+          <p:cNvPicPr>
+            <a:picLocks noGrp="1" noChangeAspect="1"/>
+          </p:cNvPicPr>
+          <p:nvPr>
+            <p:ph idx="1"/>
+          </p:nvPr>
+        </p:nvPicPr>
+        <p:blipFill>
+          <a:blip r:embed="rId2">
+            <a:extLst>
+              <a:ext uri="{28A0092B-C50C-407E-A947-70E740481C1C}">
+                <a14:useLocalDpi xmlns:a14="http://schemas.microsoft.com/office/drawing/2010/main" val="0"/>
+              </a:ext>
+            </a:extLst>
+          </a:blip>
+          <a:stretch>
+            <a:fillRect/>
+          </a:stretch>
+        </p:blipFill>
+        <p:spPr>
+          <a:xfrm>
+            <a:off x="1444377" y="1556792"/>
+            <a:ext cx="6029825" cy="4659410"/>
+          </a:xfrm>
+        </p:spPr>
+      </p:pic>
+    </p:spTree>
+    <p:extLst>
+      <p:ext uri="{BB962C8B-B14F-4D97-AF65-F5344CB8AC3E}">
+        <p14:creationId xmlns:p14="http://schemas.microsoft.com/office/powerpoint/2010/main" val="2126520485"/>
+      </p:ext>
+    </p:extLst>
+  </p:cSld>
+  <p:clrMapOvr>
+    <a:masterClrMapping/>
+  </p:clrMapOvr>
+</p:sld>
+</file>
+
+<file path=ppt/slides/slide6.xml><?xml version="1.0" encoding="utf-8"?>
 <p:sld xmlns:a="http://schemas.openxmlformats.org/drawingml/2006/main" xmlns:r="http://schemas.openxmlformats.org/officeDocument/2006/relationships" xmlns:p="http://schemas.openxmlformats.org/presentationml/2006/main">
   <p:cSld>
     <p:spTree>
@@ -4145,8 +4972,8 @@
           </a:p>
         </p:txBody>
       </p:sp>
-      <mc:AlternateContent xmlns:mc="http://schemas.openxmlformats.org/markup-compatibility/2006">
-        <mc:Choice xmlns:a14="http://schemas.microsoft.com/office/drawing/2010/main" Requires="a14">
+      <mc:AlternateContent xmlns:mc="http://schemas.openxmlformats.org/markup-compatibility/2006" xmlns:a14="http://schemas.microsoft.com/office/drawing/2010/main">
+        <mc:Choice Requires="a14">
           <p:sp>
             <p:nvSpPr>
               <p:cNvPr id="3" name="Inhaltsplatzhalter 2">
@@ -4678,7 +5505,7 @@
             </p:txBody>
           </p:sp>
         </mc:Choice>
-        <mc:Fallback>
+        <mc:Fallback xmlns="">
           <p:sp>
             <p:nvSpPr>
               <p:cNvPr id="3" name="Inhaltsplatzhalter 2">
@@ -4728,10 +5555,17 @@
   <p:clrMapOvr>
     <a:masterClrMapping/>
   </p:clrMapOvr>
+  <p:timing>
+    <p:tnLst>
+      <p:par>
+        <p:cTn id="1" dur="indefinite" restart="never" nodeType="tmRoot"/>
+      </p:par>
+    </p:tnLst>
+  </p:timing>
 </p:sld>
 </file>
 
-<file path=ppt/slides/slide4.xml><?xml version="1.0" encoding="utf-8"?>
+<file path=ppt/slides/slide7.xml><?xml version="1.0" encoding="utf-8"?>
 <p:sld xmlns:a="http://schemas.openxmlformats.org/drawingml/2006/main" xmlns:r="http://schemas.openxmlformats.org/officeDocument/2006/relationships" xmlns:p="http://schemas.openxmlformats.org/presentationml/2006/main">
   <p:cSld>
     <p:spTree>
@@ -4910,10 +5744,17 @@
   <p:clrMapOvr>
     <a:masterClrMapping/>
   </p:clrMapOvr>
+  <p:timing>
+    <p:tnLst>
+      <p:par>
+        <p:cTn id="1" dur="indefinite" restart="never" nodeType="tmRoot"/>
+      </p:par>
+    </p:tnLst>
+  </p:timing>
 </p:sld>
 </file>
 
-<file path=ppt/slides/slide5.xml><?xml version="1.0" encoding="utf-8"?>
+<file path=ppt/slides/slide8.xml><?xml version="1.0" encoding="utf-8"?>
 <p:sld xmlns:a="http://schemas.openxmlformats.org/drawingml/2006/main" xmlns:r="http://schemas.openxmlformats.org/officeDocument/2006/relationships" xmlns:p="http://schemas.openxmlformats.org/presentationml/2006/main">
   <p:cSld>
     <p:spTree>
@@ -4976,10 +5817,17 @@
   <p:clrMapOvr>
     <a:masterClrMapping/>
   </p:clrMapOvr>
+  <p:timing>
+    <p:tnLst>
+      <p:par>
+        <p:cTn id="1" dur="indefinite" restart="never" nodeType="tmRoot"/>
+      </p:par>
+    </p:tnLst>
+  </p:timing>
 </p:sld>
 </file>
 
-<file path=ppt/slides/slide6.xml><?xml version="1.0" encoding="utf-8"?>
+<file path=ppt/slides/slide9.xml><?xml version="1.0" encoding="utf-8"?>
 <p:sld xmlns:a="http://schemas.openxmlformats.org/drawingml/2006/main" xmlns:r="http://schemas.openxmlformats.org/officeDocument/2006/relationships" xmlns:p="http://schemas.openxmlformats.org/presentationml/2006/main">
   <p:cSld>
     <p:spTree>
@@ -5036,435 +5884,6 @@
     <p:extLst>
       <p:ext uri="{BB962C8B-B14F-4D97-AF65-F5344CB8AC3E}">
         <p14:creationId xmlns:p14="http://schemas.microsoft.com/office/powerpoint/2010/main" val="82186606"/>
-      </p:ext>
-    </p:extLst>
-  </p:cSld>
-  <p:clrMapOvr>
-    <a:masterClrMapping/>
-  </p:clrMapOvr>
-</p:sld>
-</file>
-
-<file path=ppt/slides/slide7.xml><?xml version="1.0" encoding="utf-8"?>
-<p:sld xmlns:a="http://schemas.openxmlformats.org/drawingml/2006/main" xmlns:r="http://schemas.openxmlformats.org/officeDocument/2006/relationships" xmlns:p="http://schemas.openxmlformats.org/presentationml/2006/main">
-  <p:cSld>
-    <p:spTree>
-      <p:nvGrpSpPr>
-        <p:cNvPr id="1" name=""/>
-        <p:cNvGrpSpPr/>
-        <p:nvPr/>
-      </p:nvGrpSpPr>
-      <p:grpSpPr>
-        <a:xfrm>
-          <a:off x="0" y="0"/>
-          <a:ext cx="0" cy="0"/>
-          <a:chOff x="0" y="0"/>
-          <a:chExt cx="0" cy="0"/>
-        </a:xfrm>
-      </p:grpSpPr>
-      <p:pic>
-        <p:nvPicPr>
-          <p:cNvPr id="3" name="Imagem 2">
-            <a:extLst>
-              <a:ext uri="{FF2B5EF4-FFF2-40B4-BE49-F238E27FC236}">
-                <a16:creationId xmlns:a16="http://schemas.microsoft.com/office/drawing/2014/main" id="{D19D1B57-7748-49FE-948E-1091B60DF433}"/>
-              </a:ext>
-            </a:extLst>
-          </p:cNvPr>
-          <p:cNvPicPr>
-            <a:picLocks noChangeAspect="1"/>
-          </p:cNvPicPr>
-          <p:nvPr/>
-        </p:nvPicPr>
-        <p:blipFill>
-          <a:blip r:embed="rId2">
-            <a:extLst>
-              <a:ext uri="{28A0092B-C50C-407E-A947-70E740481C1C}">
-                <a14:useLocalDpi xmlns:a14="http://schemas.microsoft.com/office/drawing/2010/main" val="0"/>
-              </a:ext>
-            </a:extLst>
-          </a:blip>
-          <a:stretch>
-            <a:fillRect/>
-          </a:stretch>
-        </p:blipFill>
-        <p:spPr>
-          <a:xfrm>
-            <a:off x="-913207" y="556855"/>
-            <a:ext cx="10813799" cy="5536441"/>
-          </a:xfrm>
-          <a:prstGeom prst="rect">
-            <a:avLst/>
-          </a:prstGeom>
-        </p:spPr>
-      </p:pic>
-    </p:spTree>
-    <p:extLst>
-      <p:ext uri="{BB962C8B-B14F-4D97-AF65-F5344CB8AC3E}">
-        <p14:creationId xmlns:p14="http://schemas.microsoft.com/office/powerpoint/2010/main" val="2905905128"/>
-      </p:ext>
-    </p:extLst>
-  </p:cSld>
-  <p:clrMapOvr>
-    <a:masterClrMapping/>
-  </p:clrMapOvr>
-</p:sld>
-</file>
-
-<file path=ppt/slides/slide8.xml><?xml version="1.0" encoding="utf-8"?>
-<p:sld xmlns:a="http://schemas.openxmlformats.org/drawingml/2006/main" xmlns:r="http://schemas.openxmlformats.org/officeDocument/2006/relationships" xmlns:p="http://schemas.openxmlformats.org/presentationml/2006/main">
-  <p:cSld>
-    <p:spTree>
-      <p:nvGrpSpPr>
-        <p:cNvPr id="1" name=""/>
-        <p:cNvGrpSpPr/>
-        <p:nvPr/>
-      </p:nvGrpSpPr>
-      <p:grpSpPr>
-        <a:xfrm>
-          <a:off x="0" y="0"/>
-          <a:ext cx="0" cy="0"/>
-          <a:chOff x="0" y="0"/>
-          <a:chExt cx="0" cy="0"/>
-        </a:xfrm>
-      </p:grpSpPr>
-      <p:sp>
-        <p:nvSpPr>
-          <p:cNvPr id="2" name="Título 1">
-            <a:extLst>
-              <a:ext uri="{FF2B5EF4-FFF2-40B4-BE49-F238E27FC236}">
-                <a16:creationId xmlns:a16="http://schemas.microsoft.com/office/drawing/2014/main" id="{ACC4F24B-CC1B-46F3-A591-4A7B92C7D490}"/>
-              </a:ext>
-            </a:extLst>
-          </p:cNvPr>
-          <p:cNvSpPr>
-            <a:spLocks noGrp="1"/>
-          </p:cNvSpPr>
-          <p:nvPr>
-            <p:ph type="title"/>
-          </p:nvPr>
-        </p:nvSpPr>
-        <p:spPr/>
-        <p:txBody>
-          <a:bodyPr/>
-          <a:lstStyle/>
-          <a:p>
-            <a:r>
-              <a:rPr lang="de-DE" dirty="0"/>
-              <a:t>Einschränkungen und Vereinfachungen</a:t>
-            </a:r>
-            <a:endParaRPr lang="pt-BR" dirty="0"/>
-          </a:p>
-        </p:txBody>
-      </p:sp>
-      <p:sp>
-        <p:nvSpPr>
-          <p:cNvPr id="3" name="Espaço Reservado para Conteúdo 2">
-            <a:extLst>
-              <a:ext uri="{FF2B5EF4-FFF2-40B4-BE49-F238E27FC236}">
-                <a16:creationId xmlns:a16="http://schemas.microsoft.com/office/drawing/2014/main" id="{67E99FA4-15FA-4494-85EC-C6AE5715DB72}"/>
-              </a:ext>
-            </a:extLst>
-          </p:cNvPr>
-          <p:cNvSpPr>
-            <a:spLocks noGrp="1"/>
-          </p:cNvSpPr>
-          <p:nvPr>
-            <p:ph idx="1"/>
-          </p:nvPr>
-        </p:nvSpPr>
-        <p:spPr/>
-        <p:txBody>
-          <a:bodyPr/>
-          <a:lstStyle/>
-          <a:p>
-            <a:pPr marL="342900" indent="-342900">
-              <a:buFont typeface="Arial" panose="020B0604020202020204" pitchFamily="34" charset="0"/>
-              <a:buChar char="•"/>
-            </a:pPr>
-            <a:r>
-              <a:rPr lang="de-DE" dirty="0"/>
-              <a:t>Keine Garantie, dass die wahrscheinlichste Hypothese der richtigen Assoziation entspricht </a:t>
-            </a:r>
-          </a:p>
-          <a:p>
-            <a:pPr marL="342900" indent="-342900">
-              <a:buFont typeface="Arial" panose="020B0604020202020204" pitchFamily="34" charset="0"/>
-              <a:buChar char="•"/>
-            </a:pPr>
-            <a:r>
-              <a:rPr lang="de-DE" dirty="0"/>
-              <a:t>Zustandsmodell sei linear</a:t>
-            </a:r>
-          </a:p>
-          <a:p>
-            <a:pPr marL="342900" indent="-342900">
-              <a:buFont typeface="Arial" panose="020B0604020202020204" pitchFamily="34" charset="0"/>
-              <a:buChar char="•"/>
-            </a:pPr>
-            <a:r>
-              <a:rPr lang="de-DE" dirty="0"/>
-              <a:t>Gauß’sche </a:t>
-            </a:r>
-            <a:r>
-              <a:rPr lang="de-DE" dirty="0" err="1"/>
-              <a:t>Wahrscheinlichskeitsdichte</a:t>
-            </a:r>
-            <a:r>
-              <a:rPr lang="de-DE" dirty="0"/>
-              <a:t> der Objektbewegung  </a:t>
-            </a:r>
-          </a:p>
-          <a:p>
-            <a:pPr marL="342900" indent="-342900">
-              <a:buFont typeface="Arial" panose="020B0604020202020204" pitchFamily="34" charset="0"/>
-              <a:buChar char="•"/>
-            </a:pPr>
-            <a:r>
-              <a:rPr lang="de-DE" i="1" dirty="0" err="1"/>
-              <a:t>Deaths</a:t>
-            </a:r>
-            <a:r>
-              <a:rPr lang="de-DE" i="1" dirty="0"/>
-              <a:t> and </a:t>
-            </a:r>
-            <a:r>
-              <a:rPr lang="de-DE" i="1" dirty="0" err="1"/>
-              <a:t>Births</a:t>
-            </a:r>
-            <a:r>
-              <a:rPr lang="de-DE" i="1" dirty="0"/>
-              <a:t>  </a:t>
-            </a:r>
-            <a:r>
-              <a:rPr lang="de-DE" dirty="0"/>
-              <a:t>vereinfacht</a:t>
-            </a:r>
-          </a:p>
-          <a:p>
-            <a:pPr marL="342900" indent="-342900">
-              <a:buFont typeface="Arial" panose="020B0604020202020204" pitchFamily="34" charset="0"/>
-              <a:buChar char="•"/>
-            </a:pPr>
-            <a:r>
-              <a:rPr lang="de-DE" dirty="0"/>
-              <a:t>Wahl der Kalman-Filter Parametern</a:t>
-            </a:r>
-          </a:p>
-          <a:p>
-            <a:pPr marL="342900" indent="-342900">
-              <a:buFont typeface="Arial" panose="020B0604020202020204" pitchFamily="34" charset="0"/>
-              <a:buChar char="•"/>
-            </a:pPr>
-            <a:r>
-              <a:rPr lang="de-DE" dirty="0"/>
-              <a:t>Geht prinzipiell von einer bekannten Anzahl der Objekte aus </a:t>
-            </a:r>
-          </a:p>
-          <a:p>
-            <a:pPr marL="342900" indent="-342900">
-              <a:buFont typeface="Arial" panose="020B0604020202020204" pitchFamily="34" charset="0"/>
-              <a:buChar char="•"/>
-            </a:pPr>
-            <a:endParaRPr lang="de-DE" i="1" dirty="0"/>
-          </a:p>
-          <a:p>
-            <a:pPr marL="342900" indent="-342900">
-              <a:buFont typeface="Arial" panose="020B0604020202020204" pitchFamily="34" charset="0"/>
-              <a:buChar char="•"/>
-            </a:pPr>
-            <a:endParaRPr lang="de-DE" dirty="0"/>
-          </a:p>
-          <a:p>
-            <a:endParaRPr lang="pt-BR" dirty="0"/>
-          </a:p>
-        </p:txBody>
-      </p:sp>
-    </p:spTree>
-    <p:extLst>
-      <p:ext uri="{BB962C8B-B14F-4D97-AF65-F5344CB8AC3E}">
-        <p14:creationId xmlns:p14="http://schemas.microsoft.com/office/powerpoint/2010/main" val="3249429021"/>
-      </p:ext>
-    </p:extLst>
-  </p:cSld>
-  <p:clrMapOvr>
-    <a:masterClrMapping/>
-  </p:clrMapOvr>
-</p:sld>
-</file>
-
-<file path=ppt/slides/slide9.xml><?xml version="1.0" encoding="utf-8"?>
-<p:sld xmlns:a="http://schemas.openxmlformats.org/drawingml/2006/main" xmlns:r="http://schemas.openxmlformats.org/officeDocument/2006/relationships" xmlns:p="http://schemas.openxmlformats.org/presentationml/2006/main">
-  <p:cSld>
-    <p:spTree>
-      <p:nvGrpSpPr>
-        <p:cNvPr id="1" name=""/>
-        <p:cNvGrpSpPr/>
-        <p:nvPr/>
-      </p:nvGrpSpPr>
-      <p:grpSpPr>
-        <a:xfrm>
-          <a:off x="0" y="0"/>
-          <a:ext cx="0" cy="0"/>
-          <a:chOff x="0" y="0"/>
-          <a:chExt cx="0" cy="0"/>
-        </a:xfrm>
-      </p:grpSpPr>
-      <p:pic>
-        <p:nvPicPr>
-          <p:cNvPr id="5" name="Imagem 4">
-            <a:extLst>
-              <a:ext uri="{FF2B5EF4-FFF2-40B4-BE49-F238E27FC236}">
-                <a16:creationId xmlns:a16="http://schemas.microsoft.com/office/drawing/2014/main" id="{9DE6CD75-CE23-465E-93C1-3B76D8A9D994}"/>
-              </a:ext>
-            </a:extLst>
-          </p:cNvPr>
-          <p:cNvPicPr>
-            <a:picLocks noChangeAspect="1"/>
-          </p:cNvPicPr>
-          <p:nvPr/>
-        </p:nvPicPr>
-        <p:blipFill>
-          <a:blip r:embed="rId2">
-            <a:extLst>
-              <a:ext uri="{28A0092B-C50C-407E-A947-70E740481C1C}">
-                <a14:useLocalDpi xmlns:a14="http://schemas.microsoft.com/office/drawing/2010/main" val="0"/>
-              </a:ext>
-            </a:extLst>
-          </a:blip>
-          <a:stretch>
-            <a:fillRect/>
-          </a:stretch>
-        </p:blipFill>
-        <p:spPr>
-          <a:xfrm>
-            <a:off x="4142419" y="2204864"/>
-            <a:ext cx="5371500" cy="4028625"/>
-          </a:xfrm>
-          <a:prstGeom prst="rect">
-            <a:avLst/>
-          </a:prstGeom>
-        </p:spPr>
-      </p:pic>
-      <p:sp>
-        <p:nvSpPr>
-          <p:cNvPr id="2" name="Titel 1">
-            <a:extLst>
-              <a:ext uri="{FF2B5EF4-FFF2-40B4-BE49-F238E27FC236}">
-                <a16:creationId xmlns:a16="http://schemas.microsoft.com/office/drawing/2014/main" id="{2C351F84-6AA1-4D9F-A720-91EB7EFB24CF}"/>
-              </a:ext>
-            </a:extLst>
-          </p:cNvPr>
-          <p:cNvSpPr>
-            <a:spLocks noGrp="1"/>
-          </p:cNvSpPr>
-          <p:nvPr>
-            <p:ph type="title"/>
-          </p:nvPr>
-        </p:nvSpPr>
-        <p:spPr/>
-        <p:txBody>
-          <a:bodyPr/>
-          <a:lstStyle/>
-          <a:p>
-            <a:r>
-              <a:rPr lang="de-DE" dirty="0"/>
-              <a:t>Horizontschätzung</a:t>
-            </a:r>
-          </a:p>
-        </p:txBody>
-      </p:sp>
-      <p:sp>
-        <p:nvSpPr>
-          <p:cNvPr id="3" name="Inhaltsplatzhalter 2">
-            <a:extLst>
-              <a:ext uri="{FF2B5EF4-FFF2-40B4-BE49-F238E27FC236}">
-                <a16:creationId xmlns:a16="http://schemas.microsoft.com/office/drawing/2014/main" id="{19C4D2CD-FA28-42EC-8757-35ADC3EFD1C1}"/>
-              </a:ext>
-            </a:extLst>
-          </p:cNvPr>
-          <p:cNvSpPr>
-            <a:spLocks noGrp="1"/>
-          </p:cNvSpPr>
-          <p:nvPr>
-            <p:ph idx="1"/>
-          </p:nvPr>
-        </p:nvSpPr>
-        <p:spPr/>
-        <p:txBody>
-          <a:bodyPr/>
-          <a:lstStyle/>
-          <a:p>
-            <a:pPr marL="342900" indent="-342900">
-              <a:buFont typeface="Arial" panose="020B0604020202020204" pitchFamily="34" charset="0"/>
-              <a:buChar char="•"/>
-            </a:pPr>
-            <a:r>
-              <a:rPr lang="de-DE" dirty="0"/>
-              <a:t>Horizontzustände sind für die 3D Umwandlung erforderlich</a:t>
-            </a:r>
-          </a:p>
-          <a:p>
-            <a:pPr marL="342900" indent="-342900">
-              <a:buFont typeface="Arial" panose="020B0604020202020204" pitchFamily="34" charset="0"/>
-              <a:buChar char="•"/>
-            </a:pPr>
-            <a:r>
-              <a:rPr lang="de-DE" dirty="0"/>
-              <a:t>Horizontzustand: Höhe und Winkel</a:t>
-            </a:r>
-          </a:p>
-          <a:p>
-            <a:pPr marL="342900" indent="-342900">
-              <a:buFont typeface="Arial" panose="020B0604020202020204" pitchFamily="34" charset="0"/>
-              <a:buChar char="•"/>
-            </a:pPr>
-            <a:r>
-              <a:rPr lang="de-DE" i="1" dirty="0"/>
-              <a:t>Constant Position Model</a:t>
-            </a:r>
-          </a:p>
-          <a:p>
-            <a:pPr marL="342900" indent="-342900">
-              <a:buFont typeface="Arial" panose="020B0604020202020204" pitchFamily="34" charset="0"/>
-              <a:buChar char="•"/>
-            </a:pPr>
-            <a:r>
-              <a:rPr lang="de-DE" dirty="0"/>
-              <a:t>Kalman-Filter notwendig</a:t>
-            </a:r>
-            <a:endParaRPr lang="de-DE" i="1" dirty="0"/>
-          </a:p>
-          <a:p>
-            <a:pPr marL="342900" indent="-342900">
-              <a:buFont typeface="Arial" panose="020B0604020202020204" pitchFamily="34" charset="0"/>
-              <a:buChar char="•"/>
-            </a:pPr>
-            <a:r>
-              <a:rPr lang="de-DE" dirty="0"/>
-              <a:t>In jedem Zeitschritt werden drei </a:t>
-            </a:r>
-          </a:p>
-          <a:p>
-            <a:pPr marL="0" indent="0"/>
-            <a:r>
-              <a:rPr lang="de-DE" dirty="0"/>
-              <a:t>Horizontkandidaten geliefert </a:t>
-            </a:r>
-          </a:p>
-          <a:p>
-            <a:pPr marL="342900" indent="-342900">
-              <a:buFont typeface="Arial" panose="020B0604020202020204" pitchFamily="34" charset="0"/>
-              <a:buChar char="•"/>
-            </a:pPr>
-            <a:endParaRPr lang="de-DE" i="1" dirty="0"/>
-          </a:p>
-        </p:txBody>
-      </p:sp>
-    </p:spTree>
-    <p:extLst>
-      <p:ext uri="{BB962C8B-B14F-4D97-AF65-F5344CB8AC3E}">
-        <p14:creationId xmlns:p14="http://schemas.microsoft.com/office/powerpoint/2010/main" val="10771018"/>
       </p:ext>
     </p:extLst>
   </p:cSld>

--- a/Präsentation ProSeminar SoSe20/Hinderniserfassung in maritimer Umgebung.pptx
+++ b/Präsentation ProSeminar SoSe20/Hinderniserfassung in maritimer Umgebung.pptx
@@ -291,7 +291,7 @@
             <a:fld id="{A32DC80D-291A-4ABB-A78B-0417274A267C}" type="datetime4">
               <a:rPr lang="de-DE"/>
               <a:pPr/>
-              <a:t>20. Oktober 2020</a:t>
+              <a:t>28. Oktober 2020</a:t>
             </a:fld>
             <a:endParaRPr lang="de-DE"/>
           </a:p>
@@ -674,7 +674,7 @@
             <a:fld id="{065B079B-E513-489A-8A1B-D7C78493EA86}" type="datetime4">
               <a:rPr lang="de-DE"/>
               <a:pPr/>
-              <a:t>20. Oktober 2020</a:t>
+              <a:t>28. Oktober 2020</a:t>
             </a:fld>
             <a:endParaRPr lang="de-DE"/>
           </a:p>
@@ -1634,7 +1634,75 @@
                 <a:ea typeface="+mn-ea"/>
                 <a:cs typeface="Tahoma" pitchFamily="34" charset="0"/>
               </a:rPr>
-              <a:t>  |  </a:t>
+              <a:t>  | </a:t>
+            </a:r>
+            <a:r>
+              <a:rPr kumimoji="0" lang="de-DE" sz="1000" b="0" i="0" u="none" strike="noStrike" kern="1200" cap="none" spc="0" normalizeH="0" baseline="0" noProof="0" dirty="0" err="1" smtClean="0">
+                <a:ln>
+                  <a:noFill/>
+                </a:ln>
+                <a:solidFill>
+                  <a:schemeClr val="tx1"/>
+                </a:solidFill>
+                <a:effectLst/>
+                <a:uLnTx/>
+                <a:uFillTx/>
+                <a:latin typeface="+mn-lt"/>
+                <a:ea typeface="+mn-ea"/>
+                <a:cs typeface="Tahoma" pitchFamily="34" charset="0"/>
+              </a:rPr>
+              <a:t>Dawning</a:t>
+            </a:r>
+            <a:r>
+              <a:rPr kumimoji="0" lang="de-DE" sz="1000" b="0" i="0" u="none" strike="noStrike" kern="1200" cap="none" spc="0" normalizeH="0" baseline="0" noProof="0" dirty="0">
+                <a:ln>
+                  <a:noFill/>
+                </a:ln>
+                <a:solidFill>
+                  <a:schemeClr val="tx1"/>
+                </a:solidFill>
+                <a:effectLst/>
+                <a:uLnTx/>
+                <a:uFillTx/>
+                <a:latin typeface="+mn-lt"/>
+                <a:ea typeface="+mn-ea"/>
+                <a:cs typeface="Tahoma" pitchFamily="34" charset="0"/>
+              </a:rPr>
+              <a:t>, </a:t>
+            </a:r>
+            <a:r>
+              <a:rPr kumimoji="0" lang="de-DE" sz="1000" b="0" i="0" u="none" strike="noStrike" kern="1200" cap="none" spc="0" normalizeH="0" baseline="0" noProof="0" dirty="0" smtClean="0">
+                <a:ln>
+                  <a:noFill/>
+                </a:ln>
+                <a:solidFill>
+                  <a:schemeClr val="tx1"/>
+                </a:solidFill>
+                <a:effectLst/>
+                <a:uLnTx/>
+                <a:uFillTx/>
+                <a:latin typeface="+mn-lt"/>
+                <a:ea typeface="+mn-ea"/>
+                <a:cs typeface="Tahoma" pitchFamily="34" charset="0"/>
+              </a:rPr>
+              <a:t>Dao, </a:t>
+            </a:r>
+            <a:r>
+              <a:rPr kumimoji="0" lang="de-DE" sz="1000" b="0" i="0" u="none" strike="noStrike" kern="1200" cap="none" spc="0" normalizeH="0" baseline="0" noProof="0" dirty="0">
+                <a:ln>
+                  <a:noFill/>
+                </a:ln>
+                <a:solidFill>
+                  <a:schemeClr val="tx1"/>
+                </a:solidFill>
+                <a:effectLst/>
+                <a:uLnTx/>
+                <a:uFillTx/>
+                <a:latin typeface="+mn-lt"/>
+                <a:ea typeface="+mn-ea"/>
+                <a:cs typeface="Tahoma" pitchFamily="34" charset="0"/>
+              </a:rPr>
+              <a:t>Nevermann, </a:t>
             </a:r>
             <a:r>
               <a:rPr kumimoji="0" lang="de-DE" sz="1000" b="0" i="0" u="none" strike="noStrike" kern="1200" cap="none" spc="0" normalizeH="0" baseline="0" noProof="0" dirty="0" err="1">
@@ -1651,7 +1719,7 @@
                 <a:ea typeface="+mn-ea"/>
                 <a:cs typeface="Tahoma" pitchFamily="34" charset="0"/>
               </a:rPr>
-              <a:t>Dawning</a:t>
+              <a:t>Schelp</a:t>
             </a:r>
             <a:r>
               <a:rPr kumimoji="0" lang="de-DE" sz="1000" b="0" i="0" u="none" strike="noStrike" kern="1200" cap="none" spc="0" normalizeH="0" baseline="0" noProof="0" dirty="0">
@@ -1668,7 +1736,41 @@
                 <a:ea typeface="+mn-ea"/>
                 <a:cs typeface="Tahoma" pitchFamily="34" charset="0"/>
               </a:rPr>
-              <a:t>, Dung, Nevermann, Schelp Langendyk|  </a:t>
+              <a:t> </a:t>
+            </a:r>
+            <a:r>
+              <a:rPr kumimoji="0" lang="de-DE" sz="1000" b="0" i="0" u="none" strike="noStrike" kern="1200" cap="none" spc="0" normalizeH="0" baseline="0" noProof="0" dirty="0" err="1" smtClean="0">
+                <a:ln>
+                  <a:noFill/>
+                </a:ln>
+                <a:solidFill>
+                  <a:schemeClr val="tx1"/>
+                </a:solidFill>
+                <a:effectLst/>
+                <a:uLnTx/>
+                <a:uFillTx/>
+                <a:latin typeface="+mn-lt"/>
+                <a:ea typeface="+mn-ea"/>
+                <a:cs typeface="Tahoma" pitchFamily="34" charset="0"/>
+              </a:rPr>
+              <a:t>Langendyk</a:t>
+            </a:r>
+            <a:r>
+              <a:rPr kumimoji="0" lang="de-DE" sz="1000" b="0" i="0" u="none" strike="noStrike" kern="1200" cap="none" spc="0" normalizeH="0" baseline="0" noProof="0" dirty="0" smtClean="0">
+                <a:ln>
+                  <a:noFill/>
+                </a:ln>
+                <a:solidFill>
+                  <a:schemeClr val="tx1"/>
+                </a:solidFill>
+                <a:effectLst/>
+                <a:uLnTx/>
+                <a:uFillTx/>
+                <a:latin typeface="+mn-lt"/>
+                <a:ea typeface="+mn-ea"/>
+                <a:cs typeface="Tahoma" pitchFamily="34" charset="0"/>
+              </a:rPr>
+              <a:t> |  </a:t>
             </a:r>
             <a:fld id="{8E9B2640-8CD7-45FF-9440-54608BC46479}" type="slidenum">
               <a:rPr kumimoji="0" lang="de-DE" sz="1000" b="0" i="0" u="none" strike="noStrike" kern="1200" cap="none" spc="0" normalizeH="0" baseline="0" noProof="0" smtClean="0">
@@ -1783,6 +1885,13 @@
   <p:clrMapOvr>
     <a:masterClrMapping/>
   </p:clrMapOvr>
+  <p:timing>
+    <p:tnLst>
+      <p:par>
+        <p:cTn id="1" dur="indefinite" restart="never" nodeType="tmRoot"/>
+      </p:par>
+    </p:tnLst>
+  </p:timing>
 </p:sldLayout>
 </file>
 
@@ -1886,6 +1995,13 @@
   <p:clrMapOvr>
     <a:masterClrMapping/>
   </p:clrMapOvr>
+  <p:timing>
+    <p:tnLst>
+      <p:par>
+        <p:cTn id="1" dur="indefinite" restart="never" nodeType="tmRoot"/>
+      </p:par>
+    </p:tnLst>
+  </p:timing>
 </p:sldLayout>
 </file>
 
@@ -2007,6 +2123,13 @@
   <p:clrMapOvr>
     <a:masterClrMapping/>
   </p:clrMapOvr>
+  <p:timing>
+    <p:tnLst>
+      <p:par>
+        <p:cTn id="1" dur="indefinite" restart="never" nodeType="tmRoot"/>
+      </p:par>
+    </p:tnLst>
+  </p:timing>
 </p:sldLayout>
 </file>
 
@@ -2222,6 +2345,13 @@
   <p:clrMapOvr>
     <a:masterClrMapping/>
   </p:clrMapOvr>
+  <p:timing>
+    <p:tnLst>
+      <p:par>
+        <p:cTn id="1" dur="indefinite" restart="never" nodeType="tmRoot"/>
+      </p:par>
+    </p:tnLst>
+  </p:timing>
 </p:sldLayout>
 </file>
 
@@ -2269,6 +2399,13 @@
   <p:clrMapOvr>
     <a:masterClrMapping/>
   </p:clrMapOvr>
+  <p:timing>
+    <p:tnLst>
+      <p:par>
+        <p:cTn id="1" dur="indefinite" restart="never" nodeType="tmRoot"/>
+      </p:par>
+    </p:tnLst>
+  </p:timing>
 </p:sldLayout>
 </file>
 
@@ -2294,6 +2431,13 @@
   <p:clrMapOvr>
     <a:masterClrMapping/>
   </p:clrMapOvr>
+  <p:timing>
+    <p:tnLst>
+      <p:par>
+        <p:cTn id="1" dur="indefinite" restart="never" nodeType="tmRoot"/>
+      </p:par>
+    </p:tnLst>
+  </p:timing>
 </p:sldLayout>
 </file>
 
@@ -2495,6 +2639,13 @@
   <p:clrMapOvr>
     <a:masterClrMapping/>
   </p:clrMapOvr>
+  <p:timing>
+    <p:tnLst>
+      <p:par>
+        <p:cTn id="1" dur="indefinite" restart="never" nodeType="tmRoot"/>
+      </p:par>
+    </p:tnLst>
+  </p:timing>
 </p:sldLayout>
 </file>
 
@@ -2680,6 +2831,13 @@
   <p:clrMapOvr>
     <a:masterClrMapping/>
   </p:clrMapOvr>
+  <p:timing>
+    <p:tnLst>
+      <p:par>
+        <p:cTn id="1" dur="indefinite" restart="never" nodeType="tmRoot"/>
+      </p:par>
+    </p:tnLst>
+  </p:timing>
 </p:sldLayout>
 </file>
 
@@ -3164,7 +3322,41 @@
                 <a:ea typeface="+mn-ea"/>
                 <a:cs typeface="Tahoma" pitchFamily="34" charset="0"/>
               </a:rPr>
-              <a:t>, Dung, Nevermann, Schelp Langendyk |  </a:t>
+              <a:t>, </a:t>
+            </a:r>
+            <a:r>
+              <a:rPr kumimoji="0" lang="de-DE" sz="1000" b="0" i="0" u="none" strike="noStrike" kern="1200" cap="none" spc="0" normalizeH="0" baseline="0" noProof="0" dirty="0" smtClean="0">
+                <a:ln>
+                  <a:noFill/>
+                </a:ln>
+                <a:solidFill>
+                  <a:schemeClr val="tx1"/>
+                </a:solidFill>
+                <a:effectLst/>
+                <a:uLnTx/>
+                <a:uFillTx/>
+                <a:latin typeface="+mn-lt"/>
+                <a:ea typeface="+mn-ea"/>
+                <a:cs typeface="Tahoma" pitchFamily="34" charset="0"/>
+              </a:rPr>
+              <a:t>Dao, </a:t>
+            </a:r>
+            <a:r>
+              <a:rPr kumimoji="0" lang="de-DE" sz="1000" b="0" i="0" u="none" strike="noStrike" kern="1200" cap="none" spc="0" normalizeH="0" baseline="0" noProof="0" dirty="0">
+                <a:ln>
+                  <a:noFill/>
+                </a:ln>
+                <a:solidFill>
+                  <a:schemeClr val="tx1"/>
+                </a:solidFill>
+                <a:effectLst/>
+                <a:uLnTx/>
+                <a:uFillTx/>
+                <a:latin typeface="+mn-lt"/>
+                <a:ea typeface="+mn-ea"/>
+                <a:cs typeface="Tahoma" pitchFamily="34" charset="0"/>
+              </a:rPr>
+              <a:t>Nevermann, Schelp Langendyk |  </a:t>
             </a:r>
             <a:fld id="{8E9B2640-8CD7-45FF-9440-54608BC46479}" type="slidenum">
               <a:rPr kumimoji="0" lang="de-DE" sz="1000" b="0" i="0" u="none" strike="noStrike" kern="1200" cap="none" spc="0" normalizeH="0" baseline="0" noProof="0" smtClean="0">
@@ -3335,6 +3527,13 @@
     <p:sldLayoutId id="2147483656" r:id="rId7"/>
     <p:sldLayoutId id="2147483657" r:id="rId8"/>
   </p:sldLayoutIdLst>
+  <p:timing>
+    <p:tnLst>
+      <p:par>
+        <p:cTn id="1" dur="indefinite" restart="never" nodeType="tmRoot"/>
+      </p:par>
+    </p:tnLst>
+  </p:timing>
   <p:hf hdr="0"/>
   <p:txStyles>
     <p:titleStyle>
@@ -3989,6 +4188,13 @@
   <p:clrMapOvr>
     <a:masterClrMapping/>
   </p:clrMapOvr>
+  <p:timing>
+    <p:tnLst>
+      <p:par>
+        <p:cTn id="1" dur="indefinite" restart="never" nodeType="tmRoot"/>
+      </p:par>
+    </p:tnLst>
+  </p:timing>
 </p:sld>
 </file>
 
@@ -4171,6 +4377,13 @@
   <p:clrMapOvr>
     <a:masterClrMapping/>
   </p:clrMapOvr>
+  <p:timing>
+    <p:tnLst>
+      <p:par>
+        <p:cTn id="1" dur="indefinite" restart="never" nodeType="tmRoot"/>
+      </p:par>
+    </p:tnLst>
+  </p:timing>
 </p:sld>
 </file>
 
@@ -4352,6 +4565,13 @@
   <p:clrMapOvr>
     <a:masterClrMapping/>
   </p:clrMapOvr>
+  <p:timing>
+    <p:tnLst>
+      <p:par>
+        <p:cTn id="1" dur="indefinite" restart="never" nodeType="tmRoot"/>
+      </p:par>
+    </p:tnLst>
+  </p:timing>
 </p:sld>
 </file>
 
@@ -4435,6 +4655,13 @@
   <p:clrMapOvr>
     <a:masterClrMapping/>
   </p:clrMapOvr>
+  <p:timing>
+    <p:tnLst>
+      <p:par>
+        <p:cTn id="1" dur="indefinite" restart="never" nodeType="tmRoot"/>
+      </p:par>
+    </p:tnLst>
+  </p:timing>
 </p:sld>
 </file>
 
@@ -4924,6 +5151,13 @@
   <p:clrMapOvr>
     <a:masterClrMapping/>
   </p:clrMapOvr>
+  <p:timing>
+    <p:tnLst>
+      <p:par>
+        <p:cTn id="1" dur="indefinite" restart="never" nodeType="tmRoot"/>
+      </p:par>
+    </p:tnLst>
+  </p:timing>
 </p:sld>
 </file>
 
@@ -5890,6 +6124,13 @@
   <p:clrMapOvr>
     <a:masterClrMapping/>
   </p:clrMapOvr>
+  <p:timing>
+    <p:tnLst>
+      <p:par>
+        <p:cTn id="1" dur="indefinite" restart="never" nodeType="tmRoot"/>
+      </p:par>
+    </p:tnLst>
+  </p:timing>
 </p:sld>
 </file>
 

--- a/Präsentation ProSeminar SoSe20/Hinderniserfassung in maritimer Umgebung.pptx
+++ b/Präsentation ProSeminar SoSe20/Hinderniserfassung in maritimer Umgebung.pptx
@@ -291,7 +291,7 @@
             <a:fld id="{A32DC80D-291A-4ABB-A78B-0417274A267C}" type="datetime4">
               <a:rPr lang="de-DE"/>
               <a:pPr/>
-              <a:t>28. Oktober 2020</a:t>
+              <a:t>31. Oktober 2020</a:t>
             </a:fld>
             <a:endParaRPr lang="de-DE"/>
           </a:p>
@@ -393,7 +393,7 @@
             <a:fld id="{C7CC2173-B0D1-45F1-9D54-E33B7353DA19}" type="slidenum">
               <a:rPr lang="de-DE"/>
               <a:pPr/>
-              <a:t>‹#›</a:t>
+              <a:t>‹Nr.›</a:t>
             </a:fld>
             <a:endParaRPr lang="de-DE"/>
           </a:p>
@@ -674,7 +674,7 @@
             <a:fld id="{065B079B-E513-489A-8A1B-D7C78493EA86}" type="datetime4">
               <a:rPr lang="de-DE"/>
               <a:pPr/>
-              <a:t>28. Oktober 2020</a:t>
+              <a:t>31. Oktober 2020</a:t>
             </a:fld>
             <a:endParaRPr lang="de-DE"/>
           </a:p>
@@ -883,7 +883,7 @@
             <a:fld id="{C36AA9A4-5D0B-4134-89A6-D8B9DAA4F25C}" type="slidenum">
               <a:rPr lang="de-DE"/>
               <a:pPr/>
-              <a:t>‹#›</a:t>
+              <a:t>‹Nr.›</a:t>
             </a:fld>
             <a:endParaRPr lang="de-DE"/>
           </a:p>
@@ -1637,7 +1637,7 @@
               <a:t>  | </a:t>
             </a:r>
             <a:r>
-              <a:rPr kumimoji="0" lang="de-DE" sz="1000" b="0" i="0" u="none" strike="noStrike" kern="1200" cap="none" spc="0" normalizeH="0" baseline="0" noProof="0" dirty="0" err="1" smtClean="0">
+              <a:rPr kumimoji="0" lang="de-DE" sz="1000" b="0" i="0" u="none" strike="noStrike" kern="1200" cap="none" spc="0" normalizeH="0" baseline="0" noProof="0" dirty="0" err="1">
                 <a:ln>
                   <a:noFill/>
                 </a:ln>
@@ -1668,41 +1668,7 @@
                 <a:ea typeface="+mn-ea"/>
                 <a:cs typeface="Tahoma" pitchFamily="34" charset="0"/>
               </a:rPr>
-              <a:t>, </a:t>
-            </a:r>
-            <a:r>
-              <a:rPr kumimoji="0" lang="de-DE" sz="1000" b="0" i="0" u="none" strike="noStrike" kern="1200" cap="none" spc="0" normalizeH="0" baseline="0" noProof="0" dirty="0" smtClean="0">
-                <a:ln>
-                  <a:noFill/>
-                </a:ln>
-                <a:solidFill>
-                  <a:schemeClr val="tx1"/>
-                </a:solidFill>
-                <a:effectLst/>
-                <a:uLnTx/>
-                <a:uFillTx/>
-                <a:latin typeface="+mn-lt"/>
-                <a:ea typeface="+mn-ea"/>
-                <a:cs typeface="Tahoma" pitchFamily="34" charset="0"/>
-              </a:rPr>
-              <a:t>Dao, </a:t>
-            </a:r>
-            <a:r>
-              <a:rPr kumimoji="0" lang="de-DE" sz="1000" b="0" i="0" u="none" strike="noStrike" kern="1200" cap="none" spc="0" normalizeH="0" baseline="0" noProof="0" dirty="0">
-                <a:ln>
-                  <a:noFill/>
-                </a:ln>
-                <a:solidFill>
-                  <a:schemeClr val="tx1"/>
-                </a:solidFill>
-                <a:effectLst/>
-                <a:uLnTx/>
-                <a:uFillTx/>
-                <a:latin typeface="+mn-lt"/>
-                <a:ea typeface="+mn-ea"/>
-                <a:cs typeface="Tahoma" pitchFamily="34" charset="0"/>
-              </a:rPr>
-              <a:t>Nevermann, </a:t>
+              <a:t>, Dao, Nevermann, </a:t>
             </a:r>
             <a:r>
               <a:rPr kumimoji="0" lang="de-DE" sz="1000" b="0" i="0" u="none" strike="noStrike" kern="1200" cap="none" spc="0" normalizeH="0" baseline="0" noProof="0" dirty="0" err="1">
@@ -1739,7 +1705,7 @@
               <a:t> </a:t>
             </a:r>
             <a:r>
-              <a:rPr kumimoji="0" lang="de-DE" sz="1000" b="0" i="0" u="none" strike="noStrike" kern="1200" cap="none" spc="0" normalizeH="0" baseline="0" noProof="0" dirty="0" err="1" smtClean="0">
+              <a:rPr kumimoji="0" lang="de-DE" sz="1000" b="0" i="0" u="none" strike="noStrike" kern="1200" cap="none" spc="0" normalizeH="0" baseline="0" noProof="0" dirty="0" err="1">
                 <a:ln>
                   <a:noFill/>
                 </a:ln>
@@ -1756,7 +1722,7 @@
               <a:t>Langendyk</a:t>
             </a:r>
             <a:r>
-              <a:rPr kumimoji="0" lang="de-DE" sz="1000" b="0" i="0" u="none" strike="noStrike" kern="1200" cap="none" spc="0" normalizeH="0" baseline="0" noProof="0" dirty="0" smtClean="0">
+              <a:rPr kumimoji="0" lang="de-DE" sz="1000" b="0" i="0" u="none" strike="noStrike" kern="1200" cap="none" spc="0" normalizeH="0" baseline="0" noProof="0" dirty="0">
                 <a:ln>
                   <a:noFill/>
                 </a:ln>
@@ -1804,7 +1770,7 @@
                 <a:tabLst/>
                 <a:defRPr/>
               </a:pPr>
-              <a:t>‹#›</a:t>
+              <a:t>‹Nr.›</a:t>
             </a:fld>
             <a:endParaRPr kumimoji="0" lang="de-DE" sz="1000" b="0" i="0" u="none" strike="noStrike" kern="1200" cap="none" spc="0" normalizeH="0" baseline="0" noProof="0" dirty="0">
               <a:ln>
@@ -1885,13 +1851,6 @@
   <p:clrMapOvr>
     <a:masterClrMapping/>
   </p:clrMapOvr>
-  <p:timing>
-    <p:tnLst>
-      <p:par>
-        <p:cTn id="1" dur="indefinite" restart="never" nodeType="tmRoot"/>
-      </p:par>
-    </p:tnLst>
-  </p:timing>
 </p:sldLayout>
 </file>
 
@@ -1995,13 +1954,6 @@
   <p:clrMapOvr>
     <a:masterClrMapping/>
   </p:clrMapOvr>
-  <p:timing>
-    <p:tnLst>
-      <p:par>
-        <p:cTn id="1" dur="indefinite" restart="never" nodeType="tmRoot"/>
-      </p:par>
-    </p:tnLst>
-  </p:timing>
 </p:sldLayout>
 </file>
 
@@ -2123,13 +2075,6 @@
   <p:clrMapOvr>
     <a:masterClrMapping/>
   </p:clrMapOvr>
-  <p:timing>
-    <p:tnLst>
-      <p:par>
-        <p:cTn id="1" dur="indefinite" restart="never" nodeType="tmRoot"/>
-      </p:par>
-    </p:tnLst>
-  </p:timing>
 </p:sldLayout>
 </file>
 
@@ -2345,13 +2290,6 @@
   <p:clrMapOvr>
     <a:masterClrMapping/>
   </p:clrMapOvr>
-  <p:timing>
-    <p:tnLst>
-      <p:par>
-        <p:cTn id="1" dur="indefinite" restart="never" nodeType="tmRoot"/>
-      </p:par>
-    </p:tnLst>
-  </p:timing>
 </p:sldLayout>
 </file>
 
@@ -2399,13 +2337,6 @@
   <p:clrMapOvr>
     <a:masterClrMapping/>
   </p:clrMapOvr>
-  <p:timing>
-    <p:tnLst>
-      <p:par>
-        <p:cTn id="1" dur="indefinite" restart="never" nodeType="tmRoot"/>
-      </p:par>
-    </p:tnLst>
-  </p:timing>
 </p:sldLayout>
 </file>
 
@@ -2431,13 +2362,6 @@
   <p:clrMapOvr>
     <a:masterClrMapping/>
   </p:clrMapOvr>
-  <p:timing>
-    <p:tnLst>
-      <p:par>
-        <p:cTn id="1" dur="indefinite" restart="never" nodeType="tmRoot"/>
-      </p:par>
-    </p:tnLst>
-  </p:timing>
 </p:sldLayout>
 </file>
 
@@ -2639,13 +2563,6 @@
   <p:clrMapOvr>
     <a:masterClrMapping/>
   </p:clrMapOvr>
-  <p:timing>
-    <p:tnLst>
-      <p:par>
-        <p:cTn id="1" dur="indefinite" restart="never" nodeType="tmRoot"/>
-      </p:par>
-    </p:tnLst>
-  </p:timing>
 </p:sldLayout>
 </file>
 
@@ -2831,13 +2748,6 @@
   <p:clrMapOvr>
     <a:masterClrMapping/>
   </p:clrMapOvr>
-  <p:timing>
-    <p:tnLst>
-      <p:par>
-        <p:cTn id="1" dur="indefinite" restart="never" nodeType="tmRoot"/>
-      </p:par>
-    </p:tnLst>
-  </p:timing>
 </p:sldLayout>
 </file>
 
@@ -3322,41 +3232,7 @@
                 <a:ea typeface="+mn-ea"/>
                 <a:cs typeface="Tahoma" pitchFamily="34" charset="0"/>
               </a:rPr>
-              <a:t>, </a:t>
-            </a:r>
-            <a:r>
-              <a:rPr kumimoji="0" lang="de-DE" sz="1000" b="0" i="0" u="none" strike="noStrike" kern="1200" cap="none" spc="0" normalizeH="0" baseline="0" noProof="0" dirty="0" smtClean="0">
-                <a:ln>
-                  <a:noFill/>
-                </a:ln>
-                <a:solidFill>
-                  <a:schemeClr val="tx1"/>
-                </a:solidFill>
-                <a:effectLst/>
-                <a:uLnTx/>
-                <a:uFillTx/>
-                <a:latin typeface="+mn-lt"/>
-                <a:ea typeface="+mn-ea"/>
-                <a:cs typeface="Tahoma" pitchFamily="34" charset="0"/>
-              </a:rPr>
-              <a:t>Dao, </a:t>
-            </a:r>
-            <a:r>
-              <a:rPr kumimoji="0" lang="de-DE" sz="1000" b="0" i="0" u="none" strike="noStrike" kern="1200" cap="none" spc="0" normalizeH="0" baseline="0" noProof="0" dirty="0">
-                <a:ln>
-                  <a:noFill/>
-                </a:ln>
-                <a:solidFill>
-                  <a:schemeClr val="tx1"/>
-                </a:solidFill>
-                <a:effectLst/>
-                <a:uLnTx/>
-                <a:uFillTx/>
-                <a:latin typeface="+mn-lt"/>
-                <a:ea typeface="+mn-ea"/>
-                <a:cs typeface="Tahoma" pitchFamily="34" charset="0"/>
-              </a:rPr>
-              <a:t>Nevermann, Schelp Langendyk |  </a:t>
+              <a:t>, Dao, Nevermann, Schelp Langendyk |  </a:t>
             </a:r>
             <a:fld id="{8E9B2640-8CD7-45FF-9440-54608BC46479}" type="slidenum">
               <a:rPr kumimoji="0" lang="de-DE" sz="1000" b="0" i="0" u="none" strike="noStrike" kern="1200" cap="none" spc="0" normalizeH="0" baseline="0" noProof="0" smtClean="0">
@@ -3390,7 +3266,7 @@
                 <a:tabLst/>
                 <a:defRPr/>
               </a:pPr>
-              <a:t>‹#›</a:t>
+              <a:t>‹Nr.›</a:t>
             </a:fld>
             <a:endParaRPr kumimoji="0" lang="de-DE" sz="1000" b="0" i="0" u="none" strike="noStrike" kern="1200" cap="none" spc="0" normalizeH="0" baseline="0" noProof="0" dirty="0">
               <a:ln>
@@ -3527,13 +3403,6 @@
     <p:sldLayoutId id="2147483656" r:id="rId7"/>
     <p:sldLayoutId id="2147483657" r:id="rId8"/>
   </p:sldLayoutIdLst>
-  <p:timing>
-    <p:tnLst>
-      <p:par>
-        <p:cTn id="1" dur="indefinite" restart="never" nodeType="tmRoot"/>
-      </p:par>
-    </p:tnLst>
-  </p:timing>
   <p:hf hdr="0"/>
   <p:txStyles>
     <p:titleStyle>
@@ -4115,13 +3984,6 @@
   <p:clrMapOvr>
     <a:masterClrMapping/>
   </p:clrMapOvr>
-  <p:timing>
-    <p:tnLst>
-      <p:par>
-        <p:cTn id="1" dur="indefinite" restart="never" nodeType="tmRoot"/>
-      </p:par>
-    </p:tnLst>
-  </p:timing>
 </p:sld>
 </file>
 
@@ -4188,13 +4050,6 @@
   <p:clrMapOvr>
     <a:masterClrMapping/>
   </p:clrMapOvr>
-  <p:timing>
-    <p:tnLst>
-      <p:par>
-        <p:cTn id="1" dur="indefinite" restart="never" nodeType="tmRoot"/>
-      </p:par>
-    </p:tnLst>
-  </p:timing>
 </p:sld>
 </file>
 
@@ -4377,13 +4232,6 @@
   <p:clrMapOvr>
     <a:masterClrMapping/>
   </p:clrMapOvr>
-  <p:timing>
-    <p:tnLst>
-      <p:par>
-        <p:cTn id="1" dur="indefinite" restart="never" nodeType="tmRoot"/>
-      </p:par>
-    </p:tnLst>
-  </p:timing>
 </p:sld>
 </file>
 
@@ -4495,7 +4343,15 @@
             </a:pPr>
             <a:r>
               <a:rPr lang="de-DE" dirty="0"/>
-              <a:t>Horizontzustände sind für die 3D Umwandlung erforderlich</a:t>
+              <a:t>Horizontzustände sind für die Abstandsschätzung in </a:t>
+            </a:r>
+            <a:r>
+              <a:rPr lang="de-DE"/>
+              <a:t>realer Umgebung </a:t>
+            </a:r>
+            <a:r>
+              <a:rPr lang="de-DE" dirty="0"/>
+              <a:t>erforderlich</a:t>
             </a:r>
           </a:p>
           <a:p>
@@ -4565,13 +4421,6 @@
   <p:clrMapOvr>
     <a:masterClrMapping/>
   </p:clrMapOvr>
-  <p:timing>
-    <p:tnLst>
-      <p:par>
-        <p:cTn id="1" dur="indefinite" restart="never" nodeType="tmRoot"/>
-      </p:par>
-    </p:tnLst>
-  </p:timing>
 </p:sld>
 </file>
 
@@ -4620,31 +4469,41 @@
           </a:p>
         </p:txBody>
       </p:sp>
-      <p:sp>
-        <p:nvSpPr>
-          <p:cNvPr id="4" name="Inhaltsplatzhalter 3">
+      <p:pic>
+        <p:nvPicPr>
+          <p:cNvPr id="5" name="Inhaltsplatzhalter 4">
             <a:extLst>
               <a:ext uri="{FF2B5EF4-FFF2-40B4-BE49-F238E27FC236}">
-                <a16:creationId xmlns:a16="http://schemas.microsoft.com/office/drawing/2014/main" id="{B67B4169-E999-4FAE-B9F7-EC750AAB2DBD}"/>
+                <a16:creationId xmlns:a16="http://schemas.microsoft.com/office/drawing/2014/main" id="{5698AF0B-774D-4BED-AA96-13F47759642A}"/>
               </a:ext>
             </a:extLst>
           </p:cNvPr>
-          <p:cNvSpPr>
-            <a:spLocks noGrp="1"/>
-          </p:cNvSpPr>
+          <p:cNvPicPr>
+            <a:picLocks noGrp="1" noChangeAspect="1"/>
+          </p:cNvPicPr>
           <p:nvPr>
             <p:ph idx="1"/>
           </p:nvPr>
-        </p:nvSpPr>
-        <p:spPr/>
-        <p:txBody>
-          <a:bodyPr/>
-          <a:lstStyle/>
-          <a:p>
-            <a:endParaRPr lang="de-DE" dirty="0"/>
-          </a:p>
-        </p:txBody>
-      </p:sp>
+        </p:nvPicPr>
+        <p:blipFill>
+          <a:blip r:embed="rId2">
+            <a:extLst>
+              <a:ext uri="{28A0092B-C50C-407E-A947-70E740481C1C}">
+                <a14:useLocalDpi xmlns:a14="http://schemas.microsoft.com/office/drawing/2010/main" val="0"/>
+              </a:ext>
+            </a:extLst>
+          </a:blip>
+          <a:stretch>
+            <a:fillRect/>
+          </a:stretch>
+        </p:blipFill>
+        <p:spPr>
+          <a:xfrm>
+            <a:off x="360363" y="1925536"/>
+            <a:ext cx="7379989" cy="4183014"/>
+          </a:xfrm>
+        </p:spPr>
+      </p:pic>
     </p:spTree>
     <p:extLst>
       <p:ext uri="{BB962C8B-B14F-4D97-AF65-F5344CB8AC3E}">
@@ -4655,13 +4514,6 @@
   <p:clrMapOvr>
     <a:masterClrMapping/>
   </p:clrMapOvr>
-  <p:timing>
-    <p:tnLst>
-      <p:par>
-        <p:cTn id="1" dur="indefinite" restart="never" nodeType="tmRoot"/>
-      </p:par>
-    </p:tnLst>
-  </p:timing>
 </p:sld>
 </file>
 
@@ -4763,13 +4615,6 @@
   <p:clrMapOvr>
     <a:masterClrMapping/>
   </p:clrMapOvr>
-  <p:timing>
-    <p:tnLst>
-      <p:par>
-        <p:cTn id="1" dur="indefinite" restart="never" nodeType="tmRoot"/>
-      </p:par>
-    </p:tnLst>
-  </p:timing>
 </p:sld>
 </file>
 
@@ -4806,10 +4651,9 @@
           <a:lstStyle/>
           <a:p>
             <a:r>
-              <a:rPr lang="de-DE" dirty="0" smtClean="0"/>
+              <a:rPr lang="de-DE" dirty="0"/>
               <a:t>Definition von MOT</a:t>
             </a:r>
-            <a:endParaRPr lang="de-DE" dirty="0"/>
           </a:p>
         </p:txBody>
       </p:sp>
@@ -4844,21 +4688,8 @@
             </a:r>
             <a:r>
               <a:rPr lang="de-DE" dirty="0"/>
-              <a:t> Tracking) ist ein sequenzieller Prozess, bei dem Messungen genutzt werden, um die Anzahl </a:t>
-            </a:r>
-            <a:r>
-              <a:rPr lang="de-DE" dirty="0" smtClean="0"/>
-              <a:t>und den </a:t>
-            </a:r>
-            <a:r>
-              <a:rPr lang="de-DE" dirty="0"/>
-              <a:t>dynamischen Zustand (Position und Geschwindigkeit) der Objekte zu bestimmen. Dabei basiert dieser Vorgang </a:t>
-            </a:r>
-            <a:r>
-              <a:rPr lang="de-DE" dirty="0" smtClean="0"/>
-              <a:t>auf der Detektion.</a:t>
-            </a:r>
-            <a:endParaRPr lang="de-DE" dirty="0"/>
+              <a:t> Tracking) ist ein sequenzieller Prozess, bei dem Messungen genutzt werden, um die Anzahl und den dynamischen Zustand (Position und Geschwindigkeit) der Objekte zu bestimmen. Dabei basiert dieser Vorgang auf der Detektion.</a:t>
+            </a:r>
           </a:p>
         </p:txBody>
       </p:sp>
@@ -4902,13 +4733,6 @@
   <p:clrMapOvr>
     <a:masterClrMapping/>
   </p:clrMapOvr>
-  <p:timing>
-    <p:tnLst>
-      <p:par>
-        <p:cTn id="1" dur="indefinite" restart="never" nodeType="tmRoot"/>
-      </p:par>
-    </p:tnLst>
-  </p:timing>
 </p:sld>
 </file>
 
@@ -4945,10 +4769,9 @@
           <a:lstStyle/>
           <a:p>
             <a:r>
-              <a:rPr lang="de-DE" dirty="0" smtClean="0"/>
+              <a:rPr lang="de-DE" dirty="0"/>
               <a:t>Problematik</a:t>
             </a:r>
-            <a:endParaRPr lang="de-DE" dirty="0"/>
           </a:p>
         </p:txBody>
       </p:sp>
@@ -5008,11 +4831,7 @@
             </a:pPr>
             <a:r>
               <a:rPr lang="de-DE" dirty="0"/>
-              <a:t>Anzahl der zu erfassenden </a:t>
-            </a:r>
-            <a:r>
-              <a:rPr lang="de-DE" dirty="0" smtClean="0"/>
-              <a:t>Objekte unbekannt bzw. variable</a:t>
+              <a:t>Anzahl der zu erfassenden Objekte unbekannt bzw. variable</a:t>
             </a:r>
           </a:p>
           <a:p>
@@ -5021,7 +4840,7 @@
               <a:buChar char="•"/>
             </a:pPr>
             <a:r>
-              <a:rPr lang="de-DE" dirty="0" smtClean="0"/>
+              <a:rPr lang="de-DE" dirty="0"/>
               <a:t>Zustände nicht bekannt</a:t>
             </a:r>
           </a:p>
@@ -5031,7 +4850,7 @@
               <a:buChar char="•"/>
             </a:pPr>
             <a:r>
-              <a:rPr lang="de-DE" dirty="0" smtClean="0"/>
+              <a:rPr lang="de-DE" dirty="0"/>
               <a:t>Miss- und Falschdetektion</a:t>
             </a:r>
           </a:p>
@@ -5042,13 +4861,8 @@
             </a:pPr>
             <a:r>
               <a:rPr lang="de-DE" dirty="0"/>
-              <a:t>Datenassoziation nicht immer </a:t>
-            </a:r>
-            <a:r>
-              <a:rPr lang="de-DE" dirty="0" smtClean="0"/>
-              <a:t>bekannt</a:t>
-            </a:r>
-            <a:endParaRPr lang="de-DE" dirty="0"/>
+              <a:t>Datenassoziation nicht immer bekannt</a:t>
+            </a:r>
           </a:p>
         </p:txBody>
       </p:sp>
@@ -5062,13 +4876,6 @@
   <p:clrMapOvr>
     <a:masterClrMapping/>
   </p:clrMapOvr>
-  <p:timing>
-    <p:tnLst>
-      <p:par>
-        <p:cTn id="1" dur="indefinite" restart="never" nodeType="tmRoot"/>
-      </p:par>
-    </p:tnLst>
-  </p:timing>
 </p:sld>
 </file>
 
@@ -5105,10 +4912,9 @@
           <a:lstStyle/>
           <a:p>
             <a:r>
-              <a:rPr lang="de-DE" dirty="0" smtClean="0"/>
+              <a:rPr lang="de-DE" dirty="0"/>
               <a:t>Problematik</a:t>
             </a:r>
-            <a:endParaRPr lang="de-DE" dirty="0"/>
           </a:p>
         </p:txBody>
       </p:sp>
@@ -5151,13 +4957,6 @@
   <p:clrMapOvr>
     <a:masterClrMapping/>
   </p:clrMapOvr>
-  <p:timing>
-    <p:tnLst>
-      <p:par>
-        <p:cTn id="1" dur="indefinite" restart="never" nodeType="tmRoot"/>
-      </p:par>
-    </p:tnLst>
-  </p:timing>
 </p:sld>
 </file>
 
@@ -5789,13 +5588,6 @@
   <p:clrMapOvr>
     <a:masterClrMapping/>
   </p:clrMapOvr>
-  <p:timing>
-    <p:tnLst>
-      <p:par>
-        <p:cTn id="1" dur="indefinite" restart="never" nodeType="tmRoot"/>
-      </p:par>
-    </p:tnLst>
-  </p:timing>
 </p:sld>
 </file>
 
@@ -5978,13 +5770,6 @@
   <p:clrMapOvr>
     <a:masterClrMapping/>
   </p:clrMapOvr>
-  <p:timing>
-    <p:tnLst>
-      <p:par>
-        <p:cTn id="1" dur="indefinite" restart="never" nodeType="tmRoot"/>
-      </p:par>
-    </p:tnLst>
-  </p:timing>
 </p:sld>
 </file>
 
@@ -6051,13 +5836,6 @@
   <p:clrMapOvr>
     <a:masterClrMapping/>
   </p:clrMapOvr>
-  <p:timing>
-    <p:tnLst>
-      <p:par>
-        <p:cTn id="1" dur="indefinite" restart="never" nodeType="tmRoot"/>
-      </p:par>
-    </p:tnLst>
-  </p:timing>
 </p:sld>
 </file>
 
@@ -6124,13 +5902,6 @@
   <p:clrMapOvr>
     <a:masterClrMapping/>
   </p:clrMapOvr>
-  <p:timing>
-    <p:tnLst>
-      <p:par>
-        <p:cTn id="1" dur="indefinite" restart="never" nodeType="tmRoot"/>
-      </p:par>
-    </p:tnLst>
-  </p:timing>
 </p:sld>
 </file>
 

--- a/Präsentation ProSeminar SoSe20/Hinderniserfassung in maritimer Umgebung.pptx
+++ b/Präsentation ProSeminar SoSe20/Hinderniserfassung in maritimer Umgebung.pptx
@@ -5,10 +5,10 @@
     <p:sldMasterId id="2147483648" r:id="rId1"/>
   </p:sldMasterIdLst>
   <p:notesMasterIdLst>
-    <p:notesMasterId r:id="rId15"/>
+    <p:notesMasterId r:id="rId17"/>
   </p:notesMasterIdLst>
   <p:handoutMasterIdLst>
-    <p:handoutMasterId r:id="rId16"/>
+    <p:handoutMasterId r:id="rId18"/>
   </p:handoutMasterIdLst>
   <p:sldIdLst>
     <p:sldId id="256" r:id="rId2"/>
@@ -22,8 +22,10 @@
     <p:sldId id="274" r:id="rId10"/>
     <p:sldId id="275" r:id="rId11"/>
     <p:sldId id="273" r:id="rId12"/>
-    <p:sldId id="270" r:id="rId13"/>
-    <p:sldId id="267" r:id="rId14"/>
+    <p:sldId id="279" r:id="rId13"/>
+    <p:sldId id="280" r:id="rId14"/>
+    <p:sldId id="270" r:id="rId15"/>
+    <p:sldId id="267" r:id="rId16"/>
   </p:sldIdLst>
   <p:sldSz cx="9144000" cy="6858000" type="screen4x3"/>
   <p:notesSz cx="6858000" cy="9144000"/>
@@ -291,7 +293,7 @@
             <a:fld id="{A32DC80D-291A-4ABB-A78B-0417274A267C}" type="datetime4">
               <a:rPr lang="de-DE"/>
               <a:pPr/>
-              <a:t>31. Oktober 2020</a:t>
+              <a:t>3. November 2020</a:t>
             </a:fld>
             <a:endParaRPr lang="de-DE"/>
           </a:p>
@@ -393,7 +395,7 @@
             <a:fld id="{C7CC2173-B0D1-45F1-9D54-E33B7353DA19}" type="slidenum">
               <a:rPr lang="de-DE"/>
               <a:pPr/>
-              <a:t>‹Nr.›</a:t>
+              <a:t>‹#›</a:t>
             </a:fld>
             <a:endParaRPr lang="de-DE"/>
           </a:p>
@@ -674,7 +676,7 @@
             <a:fld id="{065B079B-E513-489A-8A1B-D7C78493EA86}" type="datetime4">
               <a:rPr lang="de-DE"/>
               <a:pPr/>
-              <a:t>31. Oktober 2020</a:t>
+              <a:t>3. November 2020</a:t>
             </a:fld>
             <a:endParaRPr lang="de-DE"/>
           </a:p>
@@ -883,7 +885,7 @@
             <a:fld id="{C36AA9A4-5D0B-4134-89A6-D8B9DAA4F25C}" type="slidenum">
               <a:rPr lang="de-DE"/>
               <a:pPr/>
-              <a:t>‹Nr.›</a:t>
+              <a:t>‹#›</a:t>
             </a:fld>
             <a:endParaRPr lang="de-DE"/>
           </a:p>
@@ -1770,7 +1772,7 @@
                 <a:tabLst/>
                 <a:defRPr/>
               </a:pPr>
-              <a:t>‹Nr.›</a:t>
+              <a:t>‹#›</a:t>
             </a:fld>
             <a:endParaRPr kumimoji="0" lang="de-DE" sz="1000" b="0" i="0" u="none" strike="noStrike" kern="1200" cap="none" spc="0" normalizeH="0" baseline="0" noProof="0" dirty="0">
               <a:ln>
@@ -3266,7 +3268,7 @@
                 <a:tabLst/>
                 <a:defRPr/>
               </a:pPr>
-              <a:t>‹Nr.›</a:t>
+              <a:t>‹#›</a:t>
             </a:fld>
             <a:endParaRPr kumimoji="0" lang="de-DE" sz="1000" b="0" i="0" u="none" strike="noStrike" kern="1200" cap="none" spc="0" normalizeH="0" baseline="0" noProof="0" dirty="0">
               <a:ln>
@@ -3984,6 +3986,13 @@
   <p:clrMapOvr>
     <a:masterClrMapping/>
   </p:clrMapOvr>
+  <p:timing>
+    <p:tnLst>
+      <p:par>
+        <p:cTn id="1" dur="indefinite" restart="never" nodeType="tmRoot"/>
+      </p:par>
+    </p:tnLst>
+  </p:timing>
 </p:sld>
 </file>
 
@@ -4050,6 +4059,13 @@
   <p:clrMapOvr>
     <a:masterClrMapping/>
   </p:clrMapOvr>
+  <p:timing>
+    <p:tnLst>
+      <p:par>
+        <p:cTn id="1" dur="indefinite" restart="never" nodeType="tmRoot"/>
+      </p:par>
+    </p:tnLst>
+  </p:timing>
 </p:sld>
 </file>
 
@@ -4232,10 +4248,266 @@
   <p:clrMapOvr>
     <a:masterClrMapping/>
   </p:clrMapOvr>
+  <p:timing>
+    <p:tnLst>
+      <p:par>
+        <p:cTn id="1" dur="indefinite" restart="never" nodeType="tmRoot"/>
+      </p:par>
+    </p:tnLst>
+  </p:timing>
 </p:sld>
 </file>
 
 <file path=ppt/slides/slide12.xml><?xml version="1.0" encoding="utf-8"?>
+<p:sld xmlns:a="http://schemas.openxmlformats.org/drawingml/2006/main" xmlns:r="http://schemas.openxmlformats.org/officeDocument/2006/relationships" xmlns:p="http://schemas.openxmlformats.org/presentationml/2006/main">
+  <p:cSld>
+    <p:spTree>
+      <p:nvGrpSpPr>
+        <p:cNvPr id="1" name=""/>
+        <p:cNvGrpSpPr/>
+        <p:nvPr/>
+      </p:nvGrpSpPr>
+      <p:grpSpPr>
+        <a:xfrm>
+          <a:off x="0" y="0"/>
+          <a:ext cx="0" cy="0"/>
+          <a:chOff x="0" y="0"/>
+          <a:chExt cx="0" cy="0"/>
+        </a:xfrm>
+      </p:grpSpPr>
+      <p:sp>
+        <p:nvSpPr>
+          <p:cNvPr id="2" name="Title 1"/>
+          <p:cNvSpPr>
+            <a:spLocks noGrp="1"/>
+          </p:cNvSpPr>
+          <p:nvPr>
+            <p:ph type="title"/>
+          </p:nvPr>
+        </p:nvSpPr>
+        <p:spPr/>
+        <p:txBody>
+          <a:bodyPr/>
+          <a:lstStyle/>
+          <a:p>
+            <a:r>
+              <a:rPr lang="de-DE" dirty="0" smtClean="0"/>
+              <a:t>M/N-Logik</a:t>
+            </a:r>
+            <a:endParaRPr lang="de-DE" dirty="0"/>
+          </a:p>
+        </p:txBody>
+      </p:sp>
+      <p:sp>
+        <p:nvSpPr>
+          <p:cNvPr id="3" name="Content Placeholder 2"/>
+          <p:cNvSpPr>
+            <a:spLocks noGrp="1"/>
+          </p:cNvSpPr>
+          <p:nvPr>
+            <p:ph idx="1"/>
+          </p:nvPr>
+        </p:nvSpPr>
+        <p:spPr>
+          <a:xfrm>
+            <a:off x="360000" y="1620000"/>
+            <a:ext cx="8388464" cy="4479943"/>
+          </a:xfrm>
+        </p:spPr>
+        <p:txBody>
+          <a:bodyPr/>
+          <a:lstStyle/>
+          <a:p>
+            <a:pPr marL="342900" indent="-342900">
+              <a:buFont typeface="Arial" panose="020B0604020202020204" pitchFamily="34" charset="0"/>
+              <a:buChar char="•"/>
+            </a:pPr>
+            <a:r>
+              <a:rPr lang="de-DE" dirty="0" smtClean="0"/>
+              <a:t>einfacher Zählalgorithmus</a:t>
+            </a:r>
+          </a:p>
+          <a:p>
+            <a:pPr marL="342900" indent="-342900">
+              <a:buFont typeface="Arial" panose="020B0604020202020204" pitchFamily="34" charset="0"/>
+              <a:buChar char="•"/>
+            </a:pPr>
+            <a:r>
+              <a:rPr lang="de-DE" dirty="0" smtClean="0"/>
+              <a:t>Ausnutzen der Unbeständigkeit von </a:t>
+            </a:r>
+            <a:r>
+              <a:rPr lang="de-DE" dirty="0" err="1" smtClean="0"/>
+              <a:t>Clutter</a:t>
+            </a:r>
+            <a:endParaRPr lang="de-DE" dirty="0" smtClean="0"/>
+          </a:p>
+          <a:p>
+            <a:pPr marL="342900" indent="-342900">
+              <a:buFont typeface="Arial" panose="020B0604020202020204" pitchFamily="34" charset="0"/>
+              <a:buChar char="•"/>
+            </a:pPr>
+            <a:r>
+              <a:rPr lang="de-DE" dirty="0" smtClean="0"/>
+              <a:t>Zählen der erfolgreichen Detektionen innerhalb von N vorgegebenen Scans</a:t>
+            </a:r>
+          </a:p>
+          <a:p>
+            <a:pPr marL="342900" indent="-342900">
+              <a:buFont typeface="Arial" panose="020B0604020202020204" pitchFamily="34" charset="0"/>
+              <a:buChar char="•"/>
+            </a:pPr>
+            <a:r>
+              <a:rPr lang="de-DE" dirty="0"/>
+              <a:t>b</a:t>
+            </a:r>
+            <a:r>
+              <a:rPr lang="de-DE" dirty="0" smtClean="0"/>
+              <a:t>eim Erreichen einer Mindestanzahl M an erfolgreichen Detektionen wird der Track eines Objekts bestätigt</a:t>
+            </a:r>
+            <a:endParaRPr lang="de-DE" dirty="0"/>
+          </a:p>
+        </p:txBody>
+      </p:sp>
+    </p:spTree>
+    <p:extLst>
+      <p:ext uri="{BB962C8B-B14F-4D97-AF65-F5344CB8AC3E}">
+        <p14:creationId xmlns:p14="http://schemas.microsoft.com/office/powerpoint/2010/main" val="3254698642"/>
+      </p:ext>
+    </p:extLst>
+  </p:cSld>
+  <p:clrMapOvr>
+    <a:masterClrMapping/>
+  </p:clrMapOvr>
+  <p:timing>
+    <p:tnLst>
+      <p:par>
+        <p:cTn id="1" dur="indefinite" restart="never" nodeType="tmRoot"/>
+      </p:par>
+    </p:tnLst>
+  </p:timing>
+</p:sld>
+</file>
+
+<file path=ppt/slides/slide13.xml><?xml version="1.0" encoding="utf-8"?>
+<p:sld xmlns:a="http://schemas.openxmlformats.org/drawingml/2006/main" xmlns:r="http://schemas.openxmlformats.org/officeDocument/2006/relationships" xmlns:p="http://schemas.openxmlformats.org/presentationml/2006/main">
+  <p:cSld>
+    <p:spTree>
+      <p:nvGrpSpPr>
+        <p:cNvPr id="1" name=""/>
+        <p:cNvGrpSpPr/>
+        <p:nvPr/>
+      </p:nvGrpSpPr>
+      <p:grpSpPr>
+        <a:xfrm>
+          <a:off x="0" y="0"/>
+          <a:ext cx="0" cy="0"/>
+          <a:chOff x="0" y="0"/>
+          <a:chExt cx="0" cy="0"/>
+        </a:xfrm>
+      </p:grpSpPr>
+      <p:sp>
+        <p:nvSpPr>
+          <p:cNvPr id="2" name="Title 1"/>
+          <p:cNvSpPr>
+            <a:spLocks noGrp="1"/>
+          </p:cNvSpPr>
+          <p:nvPr>
+            <p:ph type="title"/>
+          </p:nvPr>
+        </p:nvSpPr>
+        <p:spPr/>
+        <p:txBody>
+          <a:bodyPr/>
+          <a:lstStyle/>
+          <a:p>
+            <a:r>
+              <a:rPr lang="de-DE" dirty="0"/>
+              <a:t>M/N-Logik</a:t>
+            </a:r>
+          </a:p>
+        </p:txBody>
+      </p:sp>
+      <p:pic>
+        <p:nvPicPr>
+          <p:cNvPr id="7" name="Content Placeholder 6"/>
+          <p:cNvPicPr>
+            <a:picLocks noGrp="1" noChangeAspect="1"/>
+          </p:cNvPicPr>
+          <p:nvPr>
+            <p:ph idx="1"/>
+          </p:nvPr>
+        </p:nvPicPr>
+        <p:blipFill>
+          <a:blip r:embed="rId2">
+            <a:extLst>
+              <a:ext uri="{28A0092B-C50C-407E-A947-70E740481C1C}">
+                <a14:useLocalDpi xmlns:a14="http://schemas.microsoft.com/office/drawing/2010/main" val="0"/>
+              </a:ext>
+            </a:extLst>
+          </a:blip>
+          <a:stretch>
+            <a:fillRect/>
+          </a:stretch>
+        </p:blipFill>
+        <p:spPr>
+          <a:xfrm>
+            <a:off x="1366472" y="5085184"/>
+            <a:ext cx="6782644" cy="1106259"/>
+          </a:xfrm>
+        </p:spPr>
+      </p:pic>
+      <p:pic>
+        <p:nvPicPr>
+          <p:cNvPr id="8" name="Picture 7"/>
+          <p:cNvPicPr>
+            <a:picLocks noChangeAspect="1"/>
+          </p:cNvPicPr>
+          <p:nvPr/>
+        </p:nvPicPr>
+        <p:blipFill>
+          <a:blip r:embed="rId3">
+            <a:extLst>
+              <a:ext uri="{28A0092B-C50C-407E-A947-70E740481C1C}">
+                <a14:useLocalDpi xmlns:a14="http://schemas.microsoft.com/office/drawing/2010/main" val="0"/>
+              </a:ext>
+            </a:extLst>
+          </a:blip>
+          <a:stretch>
+            <a:fillRect/>
+          </a:stretch>
+        </p:blipFill>
+        <p:spPr>
+          <a:xfrm>
+            <a:off x="1399005" y="1535060"/>
+            <a:ext cx="6040590" cy="3550124"/>
+          </a:xfrm>
+          <a:prstGeom prst="rect">
+            <a:avLst/>
+          </a:prstGeom>
+        </p:spPr>
+      </p:pic>
+    </p:spTree>
+    <p:extLst>
+      <p:ext uri="{BB962C8B-B14F-4D97-AF65-F5344CB8AC3E}">
+        <p14:creationId xmlns:p14="http://schemas.microsoft.com/office/powerpoint/2010/main" val="3554346706"/>
+      </p:ext>
+    </p:extLst>
+  </p:cSld>
+  <p:clrMapOvr>
+    <a:masterClrMapping/>
+  </p:clrMapOvr>
+  <p:timing>
+    <p:tnLst>
+      <p:par>
+        <p:cTn id="1" dur="indefinite" restart="never" nodeType="tmRoot"/>
+      </p:par>
+    </p:tnLst>
+  </p:timing>
+</p:sld>
+</file>
+
+<file path=ppt/slides/slide14.xml><?xml version="1.0" encoding="utf-8"?>
 <p:sld xmlns:a="http://schemas.openxmlformats.org/drawingml/2006/main" xmlns:r="http://schemas.openxmlformats.org/officeDocument/2006/relationships" xmlns:p="http://schemas.openxmlformats.org/presentationml/2006/main">
   <p:cSld>
     <p:spTree>
@@ -4421,10 +4693,17 @@
   <p:clrMapOvr>
     <a:masterClrMapping/>
   </p:clrMapOvr>
+  <p:timing>
+    <p:tnLst>
+      <p:par>
+        <p:cTn id="1" dur="indefinite" restart="never" nodeType="tmRoot"/>
+      </p:par>
+    </p:tnLst>
+  </p:timing>
 </p:sld>
 </file>
 
-<file path=ppt/slides/slide13.xml><?xml version="1.0" encoding="utf-8"?>
+<file path=ppt/slides/slide15.xml><?xml version="1.0" encoding="utf-8"?>
 <p:sld xmlns:a="http://schemas.openxmlformats.org/drawingml/2006/main" xmlns:r="http://schemas.openxmlformats.org/officeDocument/2006/relationships" xmlns:p="http://schemas.openxmlformats.org/presentationml/2006/main">
   <p:cSld>
     <p:spTree>
@@ -4514,6 +4793,13 @@
   <p:clrMapOvr>
     <a:masterClrMapping/>
   </p:clrMapOvr>
+  <p:timing>
+    <p:tnLst>
+      <p:par>
+        <p:cTn id="1" dur="indefinite" restart="never" nodeType="tmRoot"/>
+      </p:par>
+    </p:tnLst>
+  </p:timing>
 </p:sld>
 </file>
 
@@ -4615,6 +4901,13 @@
   <p:clrMapOvr>
     <a:masterClrMapping/>
   </p:clrMapOvr>
+  <p:timing>
+    <p:tnLst>
+      <p:par>
+        <p:cTn id="1" dur="indefinite" restart="never" nodeType="tmRoot"/>
+      </p:par>
+    </p:tnLst>
+  </p:timing>
 </p:sld>
 </file>
 
@@ -4733,6 +5026,13 @@
   <p:clrMapOvr>
     <a:masterClrMapping/>
   </p:clrMapOvr>
+  <p:timing>
+    <p:tnLst>
+      <p:par>
+        <p:cTn id="1" dur="indefinite" restart="never" nodeType="tmRoot"/>
+      </p:par>
+    </p:tnLst>
+  </p:timing>
 </p:sld>
 </file>
 
@@ -4876,6 +5176,13 @@
   <p:clrMapOvr>
     <a:masterClrMapping/>
   </p:clrMapOvr>
+  <p:timing>
+    <p:tnLst>
+      <p:par>
+        <p:cTn id="1" dur="indefinite" restart="never" nodeType="tmRoot"/>
+      </p:par>
+    </p:tnLst>
+  </p:timing>
 </p:sld>
 </file>
 
@@ -4957,6 +5264,13 @@
   <p:clrMapOvr>
     <a:masterClrMapping/>
   </p:clrMapOvr>
+  <p:timing>
+    <p:tnLst>
+      <p:par>
+        <p:cTn id="1" dur="indefinite" restart="never" nodeType="tmRoot"/>
+      </p:par>
+    </p:tnLst>
+  </p:timing>
 </p:sld>
 </file>
 
@@ -5588,6 +5902,13 @@
   <p:clrMapOvr>
     <a:masterClrMapping/>
   </p:clrMapOvr>
+  <p:timing>
+    <p:tnLst>
+      <p:par>
+        <p:cTn id="1" dur="indefinite" restart="never" nodeType="tmRoot"/>
+      </p:par>
+    </p:tnLst>
+  </p:timing>
 </p:sld>
 </file>
 
@@ -5770,6 +6091,13 @@
   <p:clrMapOvr>
     <a:masterClrMapping/>
   </p:clrMapOvr>
+  <p:timing>
+    <p:tnLst>
+      <p:par>
+        <p:cTn id="1" dur="indefinite" restart="never" nodeType="tmRoot"/>
+      </p:par>
+    </p:tnLst>
+  </p:timing>
 </p:sld>
 </file>
 
@@ -5836,6 +6164,13 @@
   <p:clrMapOvr>
     <a:masterClrMapping/>
   </p:clrMapOvr>
+  <p:timing>
+    <p:tnLst>
+      <p:par>
+        <p:cTn id="1" dur="indefinite" restart="never" nodeType="tmRoot"/>
+      </p:par>
+    </p:tnLst>
+  </p:timing>
 </p:sld>
 </file>
 
@@ -5902,6 +6237,13 @@
   <p:clrMapOvr>
     <a:masterClrMapping/>
   </p:clrMapOvr>
+  <p:timing>
+    <p:tnLst>
+      <p:par>
+        <p:cTn id="1" dur="indefinite" restart="never" nodeType="tmRoot"/>
+      </p:par>
+    </p:tnLst>
+  </p:timing>
 </p:sld>
 </file>
 

--- a/Präsentation ProSeminar SoSe20/Hinderniserfassung in maritimer Umgebung.pptx
+++ b/Präsentation ProSeminar SoSe20/Hinderniserfassung in maritimer Umgebung.pptx
@@ -5,14 +5,14 @@
     <p:sldMasterId id="2147483648" r:id="rId1"/>
   </p:sldMasterIdLst>
   <p:notesMasterIdLst>
-    <p:notesMasterId r:id="rId17"/>
+    <p:notesMasterId r:id="rId39"/>
   </p:notesMasterIdLst>
   <p:handoutMasterIdLst>
-    <p:handoutMasterId r:id="rId18"/>
+    <p:handoutMasterId r:id="rId40"/>
   </p:handoutMasterIdLst>
   <p:sldIdLst>
     <p:sldId id="256" r:id="rId2"/>
-    <p:sldId id="265" r:id="rId3"/>
+    <p:sldId id="279" r:id="rId3"/>
     <p:sldId id="276" r:id="rId4"/>
     <p:sldId id="277" r:id="rId5"/>
     <p:sldId id="278" r:id="rId6"/>
@@ -22,10 +22,32 @@
     <p:sldId id="274" r:id="rId10"/>
     <p:sldId id="275" r:id="rId11"/>
     <p:sldId id="273" r:id="rId12"/>
-    <p:sldId id="279" r:id="rId13"/>
-    <p:sldId id="280" r:id="rId14"/>
-    <p:sldId id="270" r:id="rId15"/>
-    <p:sldId id="267" r:id="rId16"/>
+    <p:sldId id="292" r:id="rId13"/>
+    <p:sldId id="293" r:id="rId14"/>
+    <p:sldId id="294" r:id="rId15"/>
+    <p:sldId id="295" r:id="rId16"/>
+    <p:sldId id="296" r:id="rId17"/>
+    <p:sldId id="297" r:id="rId18"/>
+    <p:sldId id="298" r:id="rId19"/>
+    <p:sldId id="280" r:id="rId20"/>
+    <p:sldId id="281" r:id="rId21"/>
+    <p:sldId id="282" r:id="rId22"/>
+    <p:sldId id="283" r:id="rId23"/>
+    <p:sldId id="284" r:id="rId24"/>
+    <p:sldId id="285" r:id="rId25"/>
+    <p:sldId id="270" r:id="rId26"/>
+    <p:sldId id="286" r:id="rId27"/>
+    <p:sldId id="287" r:id="rId28"/>
+    <p:sldId id="288" r:id="rId29"/>
+    <p:sldId id="289" r:id="rId30"/>
+    <p:sldId id="290" r:id="rId31"/>
+    <p:sldId id="291" r:id="rId32"/>
+    <p:sldId id="267" r:id="rId33"/>
+    <p:sldId id="299" r:id="rId34"/>
+    <p:sldId id="300" r:id="rId35"/>
+    <p:sldId id="301" r:id="rId36"/>
+    <p:sldId id="302" r:id="rId37"/>
+    <p:sldId id="303" r:id="rId38"/>
   </p:sldIdLst>
   <p:sldSz cx="9144000" cy="6858000" type="screen4x3"/>
   <p:notesSz cx="6858000" cy="9144000"/>
@@ -293,7 +315,7 @@
             <a:fld id="{A32DC80D-291A-4ABB-A78B-0417274A267C}" type="datetime4">
               <a:rPr lang="de-DE"/>
               <a:pPr/>
-              <a:t>3. November 2020</a:t>
+              <a:t>4. November 2020</a:t>
             </a:fld>
             <a:endParaRPr lang="de-DE"/>
           </a:p>
@@ -395,7 +417,7 @@
             <a:fld id="{C7CC2173-B0D1-45F1-9D54-E33B7353DA19}" type="slidenum">
               <a:rPr lang="de-DE"/>
               <a:pPr/>
-              <a:t>‹#›</a:t>
+              <a:t>‹Nr.›</a:t>
             </a:fld>
             <a:endParaRPr lang="de-DE"/>
           </a:p>
@@ -676,7 +698,7 @@
             <a:fld id="{065B079B-E513-489A-8A1B-D7C78493EA86}" type="datetime4">
               <a:rPr lang="de-DE"/>
               <a:pPr/>
-              <a:t>3. November 2020</a:t>
+              <a:t>4. November 2020</a:t>
             </a:fld>
             <a:endParaRPr lang="de-DE"/>
           </a:p>
@@ -885,7 +907,7 @@
             <a:fld id="{C36AA9A4-5D0B-4134-89A6-D8B9DAA4F25C}" type="slidenum">
               <a:rPr lang="de-DE"/>
               <a:pPr/>
-              <a:t>‹#›</a:t>
+              <a:t>‹Nr.›</a:t>
             </a:fld>
             <a:endParaRPr lang="de-DE"/>
           </a:p>
@@ -1636,109 +1658,7 @@
                 <a:ea typeface="+mn-ea"/>
                 <a:cs typeface="Tahoma" pitchFamily="34" charset="0"/>
               </a:rPr>
-              <a:t>  | </a:t>
-            </a:r>
-            <a:r>
-              <a:rPr kumimoji="0" lang="de-DE" sz="1000" b="0" i="0" u="none" strike="noStrike" kern="1200" cap="none" spc="0" normalizeH="0" baseline="0" noProof="0" dirty="0" err="1">
-                <a:ln>
-                  <a:noFill/>
-                </a:ln>
-                <a:solidFill>
-                  <a:schemeClr val="tx1"/>
-                </a:solidFill>
-                <a:effectLst/>
-                <a:uLnTx/>
-                <a:uFillTx/>
-                <a:latin typeface="+mn-lt"/>
-                <a:ea typeface="+mn-ea"/>
-                <a:cs typeface="Tahoma" pitchFamily="34" charset="0"/>
-              </a:rPr>
-              <a:t>Dawning</a:t>
-            </a:r>
-            <a:r>
-              <a:rPr kumimoji="0" lang="de-DE" sz="1000" b="0" i="0" u="none" strike="noStrike" kern="1200" cap="none" spc="0" normalizeH="0" baseline="0" noProof="0" dirty="0">
-                <a:ln>
-                  <a:noFill/>
-                </a:ln>
-                <a:solidFill>
-                  <a:schemeClr val="tx1"/>
-                </a:solidFill>
-                <a:effectLst/>
-                <a:uLnTx/>
-                <a:uFillTx/>
-                <a:latin typeface="+mn-lt"/>
-                <a:ea typeface="+mn-ea"/>
-                <a:cs typeface="Tahoma" pitchFamily="34" charset="0"/>
-              </a:rPr>
-              <a:t>, Dao, Nevermann, </a:t>
-            </a:r>
-            <a:r>
-              <a:rPr kumimoji="0" lang="de-DE" sz="1000" b="0" i="0" u="none" strike="noStrike" kern="1200" cap="none" spc="0" normalizeH="0" baseline="0" noProof="0" dirty="0" err="1">
-                <a:ln>
-                  <a:noFill/>
-                </a:ln>
-                <a:solidFill>
-                  <a:schemeClr val="tx1"/>
-                </a:solidFill>
-                <a:effectLst/>
-                <a:uLnTx/>
-                <a:uFillTx/>
-                <a:latin typeface="+mn-lt"/>
-                <a:ea typeface="+mn-ea"/>
-                <a:cs typeface="Tahoma" pitchFamily="34" charset="0"/>
-              </a:rPr>
-              <a:t>Schelp</a:t>
-            </a:r>
-            <a:r>
-              <a:rPr kumimoji="0" lang="de-DE" sz="1000" b="0" i="0" u="none" strike="noStrike" kern="1200" cap="none" spc="0" normalizeH="0" baseline="0" noProof="0" dirty="0">
-                <a:ln>
-                  <a:noFill/>
-                </a:ln>
-                <a:solidFill>
-                  <a:schemeClr val="tx1"/>
-                </a:solidFill>
-                <a:effectLst/>
-                <a:uLnTx/>
-                <a:uFillTx/>
-                <a:latin typeface="+mn-lt"/>
-                <a:ea typeface="+mn-ea"/>
-                <a:cs typeface="Tahoma" pitchFamily="34" charset="0"/>
-              </a:rPr>
-              <a:t> </a:t>
-            </a:r>
-            <a:r>
-              <a:rPr kumimoji="0" lang="de-DE" sz="1000" b="0" i="0" u="none" strike="noStrike" kern="1200" cap="none" spc="0" normalizeH="0" baseline="0" noProof="0" dirty="0" err="1">
-                <a:ln>
-                  <a:noFill/>
-                </a:ln>
-                <a:solidFill>
-                  <a:schemeClr val="tx1"/>
-                </a:solidFill>
-                <a:effectLst/>
-                <a:uLnTx/>
-                <a:uFillTx/>
-                <a:latin typeface="+mn-lt"/>
-                <a:ea typeface="+mn-ea"/>
-                <a:cs typeface="Tahoma" pitchFamily="34" charset="0"/>
-              </a:rPr>
-              <a:t>Langendyk</a:t>
-            </a:r>
-            <a:r>
-              <a:rPr kumimoji="0" lang="de-DE" sz="1000" b="0" i="0" u="none" strike="noStrike" kern="1200" cap="none" spc="0" normalizeH="0" baseline="0" noProof="0" dirty="0">
-                <a:ln>
-                  <a:noFill/>
-                </a:ln>
-                <a:solidFill>
-                  <a:schemeClr val="tx1"/>
-                </a:solidFill>
-                <a:effectLst/>
-                <a:uLnTx/>
-                <a:uFillTx/>
-                <a:latin typeface="+mn-lt"/>
-                <a:ea typeface="+mn-ea"/>
-                <a:cs typeface="Tahoma" pitchFamily="34" charset="0"/>
-              </a:rPr>
-              <a:t> |  </a:t>
+              <a:t>  | Downing, Dao, Nevermann, Schelp Langendyk |  </a:t>
             </a:r>
             <a:fld id="{8E9B2640-8CD7-45FF-9440-54608BC46479}" type="slidenum">
               <a:rPr kumimoji="0" lang="de-DE" sz="1000" b="0" i="0" u="none" strike="noStrike" kern="1200" cap="none" spc="0" normalizeH="0" baseline="0" noProof="0" smtClean="0">
@@ -1772,7 +1692,7 @@
                 <a:tabLst/>
                 <a:defRPr/>
               </a:pPr>
-              <a:t>‹#›</a:t>
+              <a:t>‹Nr.›</a:t>
             </a:fld>
             <a:endParaRPr kumimoji="0" lang="de-DE" sz="1000" b="0" i="0" u="none" strike="noStrike" kern="1200" cap="none" spc="0" normalizeH="0" baseline="0" noProof="0" dirty="0">
               <a:ln>
@@ -3200,41 +3120,7 @@
                 <a:ea typeface="+mn-ea"/>
                 <a:cs typeface="Tahoma" pitchFamily="34" charset="0"/>
               </a:rPr>
-              <a:t>  | </a:t>
-            </a:r>
-            <a:r>
-              <a:rPr kumimoji="0" lang="de-DE" sz="1000" b="0" i="0" u="none" strike="noStrike" kern="1200" cap="none" spc="0" normalizeH="0" baseline="0" noProof="0" dirty="0" err="1">
-                <a:ln>
-                  <a:noFill/>
-                </a:ln>
-                <a:solidFill>
-                  <a:schemeClr val="tx1"/>
-                </a:solidFill>
-                <a:effectLst/>
-                <a:uLnTx/>
-                <a:uFillTx/>
-                <a:latin typeface="+mn-lt"/>
-                <a:ea typeface="+mn-ea"/>
-                <a:cs typeface="Tahoma" pitchFamily="34" charset="0"/>
-              </a:rPr>
-              <a:t>Dawning</a:t>
-            </a:r>
-            <a:r>
-              <a:rPr kumimoji="0" lang="de-DE" sz="1000" b="0" i="0" u="none" strike="noStrike" kern="1200" cap="none" spc="0" normalizeH="0" baseline="0" noProof="0" dirty="0">
-                <a:ln>
-                  <a:noFill/>
-                </a:ln>
-                <a:solidFill>
-                  <a:schemeClr val="tx1"/>
-                </a:solidFill>
-                <a:effectLst/>
-                <a:uLnTx/>
-                <a:uFillTx/>
-                <a:latin typeface="+mn-lt"/>
-                <a:ea typeface="+mn-ea"/>
-                <a:cs typeface="Tahoma" pitchFamily="34" charset="0"/>
-              </a:rPr>
-              <a:t>, Dao, Nevermann, Schelp Langendyk |  </a:t>
+              <a:t>  | Downing, Dao, Nevermann, Schelp Langendyk |  </a:t>
             </a:r>
             <a:fld id="{8E9B2640-8CD7-45FF-9440-54608BC46479}" type="slidenum">
               <a:rPr kumimoji="0" lang="de-DE" sz="1000" b="0" i="0" u="none" strike="noStrike" kern="1200" cap="none" spc="0" normalizeH="0" baseline="0" noProof="0" smtClean="0">
@@ -3268,7 +3154,7 @@
                 <a:tabLst/>
                 <a:defRPr/>
               </a:pPr>
-              <a:t>‹#›</a:t>
+              <a:t>‹Nr.›</a:t>
             </a:fld>
             <a:endParaRPr kumimoji="0" lang="de-DE" sz="1000" b="0" i="0" u="none" strike="noStrike" kern="1200" cap="none" spc="0" normalizeH="0" baseline="0" noProof="0" dirty="0">
               <a:ln>
@@ -3986,13 +3872,6 @@
   <p:clrMapOvr>
     <a:masterClrMapping/>
   </p:clrMapOvr>
-  <p:timing>
-    <p:tnLst>
-      <p:par>
-        <p:cTn id="1" dur="indefinite" restart="never" nodeType="tmRoot"/>
-      </p:par>
-    </p:tnLst>
-  </p:timing>
 </p:sld>
 </file>
 
@@ -4059,13 +3938,6 @@
   <p:clrMapOvr>
     <a:masterClrMapping/>
   </p:clrMapOvr>
-  <p:timing>
-    <p:tnLst>
-      <p:par>
-        <p:cTn id="1" dur="indefinite" restart="never" nodeType="tmRoot"/>
-      </p:par>
-    </p:tnLst>
-  </p:timing>
 </p:sld>
 </file>
 
@@ -4248,13 +4120,6 @@
   <p:clrMapOvr>
     <a:masterClrMapping/>
   </p:clrMapOvr>
-  <p:timing>
-    <p:tnLst>
-      <p:par>
-        <p:cTn id="1" dur="indefinite" restart="never" nodeType="tmRoot"/>
-      </p:par>
-    </p:tnLst>
-  </p:timing>
 </p:sld>
 </file>
 
@@ -4291,10 +4156,9 @@
           <a:lstStyle/>
           <a:p>
             <a:r>
-              <a:rPr lang="de-DE" dirty="0" smtClean="0"/>
+              <a:rPr lang="de-DE" dirty="0"/>
               <a:t>M/N-Logik</a:t>
             </a:r>
-            <a:endParaRPr lang="de-DE" dirty="0"/>
           </a:p>
         </p:txBody>
       </p:sp>
@@ -4323,7 +4187,7 @@
               <a:buChar char="•"/>
             </a:pPr>
             <a:r>
-              <a:rPr lang="de-DE" dirty="0" smtClean="0"/>
+              <a:rPr lang="de-DE" dirty="0"/>
               <a:t>einfacher Zählalgorithmus</a:t>
             </a:r>
           </a:p>
@@ -4333,14 +4197,14 @@
               <a:buChar char="•"/>
             </a:pPr>
             <a:r>
-              <a:rPr lang="de-DE" dirty="0" smtClean="0"/>
+              <a:rPr lang="de-DE" dirty="0"/>
               <a:t>Ausnutzen der Unbeständigkeit von </a:t>
             </a:r>
             <a:r>
-              <a:rPr lang="de-DE" dirty="0" err="1" smtClean="0"/>
+              <a:rPr lang="de-DE" dirty="0" err="1"/>
               <a:t>Clutter</a:t>
             </a:r>
-            <a:endParaRPr lang="de-DE" dirty="0" smtClean="0"/>
+            <a:endParaRPr lang="de-DE" dirty="0"/>
           </a:p>
           <a:p>
             <a:pPr marL="342900" indent="-342900">
@@ -4348,7 +4212,7 @@
               <a:buChar char="•"/>
             </a:pPr>
             <a:r>
-              <a:rPr lang="de-DE" dirty="0" smtClean="0"/>
+              <a:rPr lang="de-DE" dirty="0"/>
               <a:t>Zählen der erfolgreichen Detektionen innerhalb von N vorgegebenen Scans</a:t>
             </a:r>
           </a:p>
@@ -4359,13 +4223,8 @@
             </a:pPr>
             <a:r>
               <a:rPr lang="de-DE" dirty="0"/>
-              <a:t>b</a:t>
-            </a:r>
-            <a:r>
-              <a:rPr lang="de-DE" dirty="0" smtClean="0"/>
-              <a:t>eim Erreichen einer Mindestanzahl M an erfolgreichen Detektionen wird der Track eines Objekts bestätigt</a:t>
-            </a:r>
-            <a:endParaRPr lang="de-DE" dirty="0"/>
+              <a:t>beim Erreichen einer Mindestanzahl M an erfolgreichen Detektionen wird der Track eines Objekts bestätigt</a:t>
+            </a:r>
           </a:p>
         </p:txBody>
       </p:sp>
@@ -4379,13 +4238,6 @@
   <p:clrMapOvr>
     <a:masterClrMapping/>
   </p:clrMapOvr>
-  <p:timing>
-    <p:tnLst>
-      <p:par>
-        <p:cTn id="1" dur="indefinite" restart="never" nodeType="tmRoot"/>
-      </p:par>
-    </p:tnLst>
-  </p:timing>
 </p:sld>
 </file>
 
@@ -4497,13 +4349,6 @@
   <p:clrMapOvr>
     <a:masterClrMapping/>
   </p:clrMapOvr>
-  <p:timing>
-    <p:tnLst>
-      <p:par>
-        <p:cTn id="1" dur="indefinite" restart="never" nodeType="tmRoot"/>
-      </p:par>
-    </p:tnLst>
-  </p:timing>
 </p:sld>
 </file>
 
@@ -4526,17 +4371,19 @@
       </p:grpSpPr>
       <p:pic>
         <p:nvPicPr>
-          <p:cNvPr id="5" name="Imagem 4">
+          <p:cNvPr id="7" name="Inhaltsplatzhalter 6">
             <a:extLst>
               <a:ext uri="{FF2B5EF4-FFF2-40B4-BE49-F238E27FC236}">
-                <a16:creationId xmlns:a16="http://schemas.microsoft.com/office/drawing/2014/main" id="{9DE6CD75-CE23-465E-93C1-3B76D8A9D994}"/>
+                <a16:creationId xmlns:a16="http://schemas.microsoft.com/office/drawing/2014/main" id="{33A83A44-3E0B-41FD-BCF5-DCAB911C9440}"/>
               </a:ext>
             </a:extLst>
           </p:cNvPr>
           <p:cNvPicPr>
-            <a:picLocks noChangeAspect="1"/>
+            <a:picLocks noGrp="1" noChangeAspect="1"/>
           </p:cNvPicPr>
-          <p:nvPr/>
+          <p:nvPr>
+            <p:ph idx="1"/>
+          </p:nvPr>
         </p:nvPicPr>
         <p:blipFill>
           <a:blip r:embed="rId2">
@@ -4552,20 +4399,100 @@
         </p:blipFill>
         <p:spPr>
           <a:xfrm>
-            <a:off x="4142419" y="2204864"/>
-            <a:ext cx="5371500" cy="4028625"/>
+            <a:off x="3995936" y="1772816"/>
+            <a:ext cx="5000660" cy="3750494"/>
           </a:xfrm>
-          <a:prstGeom prst="rect">
-            <a:avLst/>
-          </a:prstGeom>
+          <a:noFill/>
         </p:spPr>
       </p:pic>
       <p:sp>
         <p:nvSpPr>
+          <p:cNvPr id="4" name="Inhaltsplatzhalter 3">
+            <a:extLst>
+              <a:ext uri="{FF2B5EF4-FFF2-40B4-BE49-F238E27FC236}">
+                <a16:creationId xmlns:a16="http://schemas.microsoft.com/office/drawing/2014/main" id="{E6F00868-069B-4075-A796-6CE2E7D66686}"/>
+              </a:ext>
+            </a:extLst>
+          </p:cNvPr>
+          <p:cNvSpPr>
+            <a:spLocks noGrp="1"/>
+          </p:cNvSpPr>
+          <p:nvPr>
+            <p:ph type="body" sz="half" idx="2"/>
+          </p:nvPr>
+        </p:nvSpPr>
+        <p:spPr>
+          <a:xfrm>
+            <a:off x="350296" y="2104485"/>
+            <a:ext cx="3106738" cy="3537192"/>
+          </a:xfrm>
+        </p:spPr>
+        <p:txBody>
+          <a:bodyPr wrap="square" anchor="t">
+            <a:normAutofit/>
+          </a:bodyPr>
+          <a:lstStyle/>
+          <a:p>
+            <a:pPr marL="342900" indent="-342900">
+              <a:buFont typeface="Arial" panose="020B0604020202020204" pitchFamily="34" charset="0"/>
+              <a:buChar char="•"/>
+            </a:pPr>
+            <a:r>
+              <a:rPr lang="de-DE" dirty="0"/>
+              <a:t>Basiert auf RFS-Ansatz</a:t>
+            </a:r>
+          </a:p>
+          <a:p>
+            <a:pPr marL="342900" indent="-342900">
+              <a:buFont typeface="Arial" panose="020B0604020202020204" pitchFamily="34" charset="0"/>
+              <a:buChar char="•"/>
+            </a:pPr>
+            <a:r>
+              <a:rPr lang="de-DE" dirty="0"/>
+              <a:t>Annahme: lineare </a:t>
+            </a:r>
+            <a:r>
+              <a:rPr lang="de-DE" dirty="0" err="1"/>
+              <a:t>Gaussverteilung</a:t>
+            </a:r>
+            <a:endParaRPr lang="de-DE" dirty="0"/>
+          </a:p>
+          <a:p>
+            <a:pPr marL="342900" indent="-342900">
+              <a:buFont typeface="Arial" panose="020B0604020202020204" pitchFamily="34" charset="0"/>
+              <a:buChar char="•"/>
+            </a:pPr>
+            <a:r>
+              <a:rPr lang="de-DE" dirty="0"/>
+              <a:t>Ressourcen sparend</a:t>
+            </a:r>
+          </a:p>
+          <a:p>
+            <a:pPr marL="342900" indent="-342900">
+              <a:buFont typeface="Arial" panose="020B0604020202020204" pitchFamily="34" charset="0"/>
+              <a:buChar char="•"/>
+            </a:pPr>
+            <a:r>
+              <a:rPr lang="de-DE" dirty="0"/>
+              <a:t>Für variierende und unbekannte </a:t>
+            </a:r>
+            <a:r>
+              <a:rPr lang="de-DE" dirty="0" err="1"/>
+              <a:t>Targetanzahl</a:t>
+            </a:r>
+            <a:r>
+              <a:rPr lang="de-DE" dirty="0"/>
+              <a:t> geeignet</a:t>
+            </a:r>
+          </a:p>
+        </p:txBody>
+      </p:sp>
+      <p:sp>
+        <p:nvSpPr>
           <p:cNvPr id="2" name="Titel 1">
             <a:extLst>
               <a:ext uri="{FF2B5EF4-FFF2-40B4-BE49-F238E27FC236}">
-                <a16:creationId xmlns:a16="http://schemas.microsoft.com/office/drawing/2014/main" id="{2C351F84-6AA1-4D9F-A720-91EB7EFB24CF}"/>
+                <a16:creationId xmlns:a16="http://schemas.microsoft.com/office/drawing/2014/main" id="{B23723E7-15AC-4E57-B6D4-EEB0B5AAF934}"/>
               </a:ext>
             </a:extLst>
           </p:cNvPr>
@@ -4576,130 +4503,35 @@
             <p:ph type="title"/>
           </p:nvPr>
         </p:nvSpPr>
-        <p:spPr/>
+        <p:spPr>
+          <a:xfrm>
+            <a:off x="358775" y="488950"/>
+            <a:ext cx="6840000" cy="838200"/>
+          </a:xfrm>
+        </p:spPr>
         <p:txBody>
-          <a:bodyPr/>
+          <a:bodyPr wrap="square" anchor="ctr">
+            <a:normAutofit/>
+          </a:bodyPr>
           <a:lstStyle/>
           <a:p>
             <a:r>
               <a:rPr lang="de-DE" dirty="0"/>
-              <a:t>Horizontschätzung</a:t>
-            </a:r>
-          </a:p>
-        </p:txBody>
-      </p:sp>
-      <p:sp>
-        <p:nvSpPr>
-          <p:cNvPr id="3" name="Inhaltsplatzhalter 2">
-            <a:extLst>
-              <a:ext uri="{FF2B5EF4-FFF2-40B4-BE49-F238E27FC236}">
-                <a16:creationId xmlns:a16="http://schemas.microsoft.com/office/drawing/2014/main" id="{19C4D2CD-FA28-42EC-8757-35ADC3EFD1C1}"/>
-              </a:ext>
-            </a:extLst>
-          </p:cNvPr>
-          <p:cNvSpPr>
-            <a:spLocks noGrp="1"/>
-          </p:cNvSpPr>
-          <p:nvPr>
-            <p:ph idx="1"/>
-          </p:nvPr>
-        </p:nvSpPr>
-        <p:spPr/>
-        <p:txBody>
-          <a:bodyPr/>
-          <a:lstStyle/>
-          <a:p>
-            <a:pPr marL="342900" indent="-342900">
-              <a:buFont typeface="Arial" panose="020B0604020202020204" pitchFamily="34" charset="0"/>
-              <a:buChar char="•"/>
-            </a:pPr>
-            <a:r>
-              <a:rPr lang="de-DE" dirty="0"/>
-              <a:t>Horizontzustände sind für die Abstandsschätzung in </a:t>
-            </a:r>
-            <a:r>
-              <a:rPr lang="de-DE"/>
-              <a:t>realer Umgebung </a:t>
-            </a:r>
-            <a:r>
-              <a:rPr lang="de-DE" dirty="0"/>
-              <a:t>erforderlich</a:t>
-            </a:r>
-          </a:p>
-          <a:p>
-            <a:pPr marL="342900" indent="-342900">
-              <a:buFont typeface="Arial" panose="020B0604020202020204" pitchFamily="34" charset="0"/>
-              <a:buChar char="•"/>
-            </a:pPr>
-            <a:r>
-              <a:rPr lang="de-DE" dirty="0"/>
-              <a:t>Horizontzustand: Höhe und Winkel</a:t>
-            </a:r>
-          </a:p>
-          <a:p>
-            <a:pPr marL="342900" indent="-342900">
-              <a:buFont typeface="Arial" panose="020B0604020202020204" pitchFamily="34" charset="0"/>
-              <a:buChar char="•"/>
-            </a:pPr>
-            <a:r>
-              <a:rPr lang="de-DE" i="1" dirty="0"/>
-              <a:t>Constant Position Model</a:t>
-            </a:r>
-          </a:p>
-          <a:p>
-            <a:pPr marL="342900" indent="-342900">
-              <a:buFont typeface="Arial" panose="020B0604020202020204" pitchFamily="34" charset="0"/>
-              <a:buChar char="•"/>
-            </a:pPr>
-            <a:r>
-              <a:rPr lang="de-DE" dirty="0"/>
-              <a:t>Kalman-Filter notwendig</a:t>
-            </a:r>
-            <a:endParaRPr lang="de-DE" i="1" dirty="0"/>
-          </a:p>
-          <a:p>
-            <a:pPr marL="342900" indent="-342900">
-              <a:buFont typeface="Arial" panose="020B0604020202020204" pitchFamily="34" charset="0"/>
-              <a:buChar char="•"/>
-            </a:pPr>
-            <a:r>
-              <a:rPr lang="de-DE" dirty="0"/>
-              <a:t>In jedem Zeitschritt werden drei </a:t>
-            </a:r>
-          </a:p>
-          <a:p>
-            <a:pPr marL="0" indent="0"/>
-            <a:r>
-              <a:rPr lang="de-DE" dirty="0"/>
-              <a:t>Horizontkandidaten geliefert </a:t>
-            </a:r>
-          </a:p>
-          <a:p>
-            <a:pPr marL="342900" indent="-342900">
-              <a:buFont typeface="Arial" panose="020B0604020202020204" pitchFamily="34" charset="0"/>
-              <a:buChar char="•"/>
-            </a:pPr>
-            <a:endParaRPr lang="de-DE" i="1" dirty="0"/>
+              <a:t>GM-PHD</a:t>
+            </a:r>
           </a:p>
         </p:txBody>
       </p:sp>
     </p:spTree>
     <p:extLst>
       <p:ext uri="{BB962C8B-B14F-4D97-AF65-F5344CB8AC3E}">
-        <p14:creationId xmlns:p14="http://schemas.microsoft.com/office/powerpoint/2010/main" val="10771018"/>
+        <p14:creationId xmlns:p14="http://schemas.microsoft.com/office/powerpoint/2010/main" val="3566623912"/>
       </p:ext>
     </p:extLst>
   </p:cSld>
   <p:clrMapOvr>
     <a:masterClrMapping/>
   </p:clrMapOvr>
-  <p:timing>
-    <p:tnLst>
-      <p:par>
-        <p:cTn id="1" dur="indefinite" restart="never" nodeType="tmRoot"/>
-      </p:par>
-    </p:tnLst>
-  </p:timing>
 </p:sld>
 </file>
 
@@ -4722,10 +4554,59 @@
       </p:grpSpPr>
       <p:sp>
         <p:nvSpPr>
-          <p:cNvPr id="2" name="Titel 1">
+          <p:cNvPr id="21" name="Rechteck 20">
             <a:extLst>
               <a:ext uri="{FF2B5EF4-FFF2-40B4-BE49-F238E27FC236}">
-                <a16:creationId xmlns:a16="http://schemas.microsoft.com/office/drawing/2014/main" id="{60330E91-2409-4079-B010-8611CBE01120}"/>
+                <a16:creationId xmlns:a16="http://schemas.microsoft.com/office/drawing/2014/main" id="{FC2155DF-905A-450F-8F95-FBD5590B0961}"/>
+              </a:ext>
+            </a:extLst>
+          </p:cNvPr>
+          <p:cNvSpPr/>
+          <p:nvPr/>
+        </p:nvSpPr>
+        <p:spPr>
+          <a:xfrm>
+            <a:off x="965821" y="3867953"/>
+            <a:ext cx="7056784" cy="1584176"/>
+          </a:xfrm>
+          <a:prstGeom prst="rect">
+            <a:avLst/>
+          </a:prstGeom>
+          <a:solidFill>
+            <a:srgbClr val="92D050"/>
+          </a:solidFill>
+        </p:spPr>
+        <p:style>
+          <a:lnRef idx="2">
+            <a:schemeClr val="accent1">
+              <a:shade val="50000"/>
+            </a:schemeClr>
+          </a:lnRef>
+          <a:fillRef idx="1">
+            <a:schemeClr val="accent1"/>
+          </a:fillRef>
+          <a:effectRef idx="0">
+            <a:schemeClr val="accent1"/>
+          </a:effectRef>
+          <a:fontRef idx="minor">
+            <a:schemeClr val="lt1"/>
+          </a:fontRef>
+        </p:style>
+        <p:txBody>
+          <a:bodyPr rtlCol="0" anchor="ctr"/>
+          <a:lstStyle/>
+          <a:p>
+            <a:pPr algn="ctr"/>
+            <a:endParaRPr lang="de-DE"/>
+          </a:p>
+        </p:txBody>
+      </p:sp>
+      <p:sp>
+        <p:nvSpPr>
+          <p:cNvPr id="4" name="Titel 3">
+            <a:extLst>
+              <a:ext uri="{FF2B5EF4-FFF2-40B4-BE49-F238E27FC236}">
+                <a16:creationId xmlns:a16="http://schemas.microsoft.com/office/drawing/2014/main" id="{D3569B5C-C989-4110-AE35-0302DF329580}"/>
               </a:ext>
             </a:extLst>
           </p:cNvPr>
@@ -4743,17 +4624,1523 @@
           <a:p>
             <a:r>
               <a:rPr lang="de-DE" dirty="0"/>
-              <a:t> Referenzen </a:t>
+              <a:t>Multi-Target Zustand </a:t>
+            </a:r>
+          </a:p>
+        </p:txBody>
+      </p:sp>
+      <p:sp>
+        <p:nvSpPr>
+          <p:cNvPr id="9" name="Inhaltsplatzhalter 8">
+            <a:extLst>
+              <a:ext uri="{FF2B5EF4-FFF2-40B4-BE49-F238E27FC236}">
+                <a16:creationId xmlns:a16="http://schemas.microsoft.com/office/drawing/2014/main" id="{E5F99E8E-4870-4941-94C4-F315704A594F}"/>
+              </a:ext>
+            </a:extLst>
+          </p:cNvPr>
+          <p:cNvSpPr>
+            <a:spLocks noGrp="1"/>
+          </p:cNvSpPr>
+          <p:nvPr>
+            <p:ph sz="half" idx="1"/>
+          </p:nvPr>
+        </p:nvSpPr>
+        <p:spPr/>
+        <p:txBody>
+          <a:bodyPr/>
+          <a:lstStyle/>
+          <a:p>
+            <a:pPr marL="342900" indent="-342900">
+              <a:buFont typeface="Arial" panose="020B0604020202020204" pitchFamily="34" charset="0"/>
+              <a:buChar char="•"/>
+            </a:pPr>
+            <a:r>
+              <a:rPr lang="de-DE" dirty="0"/>
+              <a:t>           : </a:t>
+            </a:r>
+            <a:r>
+              <a:rPr lang="de-DE" dirty="0" err="1"/>
+              <a:t>Spawning</a:t>
+            </a:r>
+            <a:endParaRPr lang="de-DE" dirty="0"/>
+          </a:p>
+          <a:p>
+            <a:pPr marL="342900" indent="-342900">
+              <a:buFont typeface="Arial" panose="020B0604020202020204" pitchFamily="34" charset="0"/>
+              <a:buChar char="•"/>
+            </a:pPr>
+            <a:r>
+              <a:rPr lang="de-DE" dirty="0"/>
+              <a:t>           : </a:t>
+            </a:r>
+            <a:r>
+              <a:rPr lang="de-DE" dirty="0" err="1"/>
+              <a:t>Birthmodel</a:t>
+            </a:r>
+            <a:endParaRPr lang="de-DE" dirty="0"/>
+          </a:p>
+          <a:p>
+            <a:pPr marL="342900" lvl="1" indent="-342900">
+              <a:buFont typeface="Arial" panose="020B0604020202020204" pitchFamily="34" charset="0"/>
+              <a:buChar char="•"/>
+            </a:pPr>
+            <a:r>
+              <a:rPr lang="de-DE" dirty="0"/>
+              <a:t>           : Target </a:t>
+            </a:r>
+            <a:r>
+              <a:rPr lang="de-DE" dirty="0" err="1"/>
+              <a:t>dynamik</a:t>
+            </a:r>
+            <a:endParaRPr lang="de-DE" dirty="0"/>
+          </a:p>
+          <a:p>
+            <a:pPr marL="342900" indent="-342900">
+              <a:buFont typeface="Arial" panose="020B0604020202020204" pitchFamily="34" charset="0"/>
+              <a:buChar char="•"/>
+            </a:pPr>
+            <a:endParaRPr lang="de-DE" dirty="0"/>
+          </a:p>
+          <a:p>
+            <a:pPr marL="342900" indent="-342900">
+              <a:buFont typeface="Arial" panose="020B0604020202020204" pitchFamily="34" charset="0"/>
+              <a:buChar char="•"/>
+            </a:pPr>
+            <a:endParaRPr lang="de-DE" dirty="0"/>
+          </a:p>
+        </p:txBody>
+      </p:sp>
+      <p:sp>
+        <p:nvSpPr>
+          <p:cNvPr id="16" name="Inhaltsplatzhalter 15">
+            <a:extLst>
+              <a:ext uri="{FF2B5EF4-FFF2-40B4-BE49-F238E27FC236}">
+                <a16:creationId xmlns:a16="http://schemas.microsoft.com/office/drawing/2014/main" id="{B3C1DB3E-5BC3-4F37-B6AA-887AAB1D5C61}"/>
+              </a:ext>
+            </a:extLst>
+          </p:cNvPr>
+          <p:cNvSpPr>
+            <a:spLocks noGrp="1"/>
+          </p:cNvSpPr>
+          <p:nvPr>
+            <p:ph sz="half" idx="2"/>
+          </p:nvPr>
+        </p:nvSpPr>
+        <p:spPr>
+          <a:xfrm>
+            <a:off x="4786314" y="1592263"/>
+            <a:ext cx="4105274" cy="2268785"/>
+          </a:xfrm>
+        </p:spPr>
+        <p:txBody>
+          <a:bodyPr/>
+          <a:lstStyle/>
+          <a:p>
+            <a:pPr marL="342900" indent="-342900">
+              <a:buFont typeface="Arial" panose="020B0604020202020204" pitchFamily="34" charset="0"/>
+              <a:buChar char="•"/>
+            </a:pPr>
+            <a:r>
+              <a:rPr lang="de-DE" dirty="0"/>
+              <a:t>      :  </a:t>
+            </a:r>
+            <a:r>
+              <a:rPr lang="de-DE" dirty="0" err="1"/>
+              <a:t>survival</a:t>
+            </a:r>
+            <a:r>
+              <a:rPr lang="de-DE" dirty="0"/>
+              <a:t> rate</a:t>
             </a:r>
           </a:p>
         </p:txBody>
       </p:sp>
       <p:pic>
         <p:nvPicPr>
-          <p:cNvPr id="5" name="Inhaltsplatzhalter 4">
+          <p:cNvPr id="6" name="Grafik 5" descr="\documentclass{article}&#10;\usepackage{amsmath}&#10;\pagestyle{empty}&#10;\begin{document}&#10;&#10;\begin{equation*}&#10; X_k = \left[\bigcup_{\xi \in X_{k-1}} S_{k|k-1}(\xi)\right] \cup \left[ \bigcup_{\xi \in X_{k-1}} B_{k|k-1}(\xi) \right] \cup \Gamma_k &#10;\end{equation*}&#10;&#10;&#10;\end{document}" title="IguanaTex Bitmap Display">
             <a:extLst>
               <a:ext uri="{FF2B5EF4-FFF2-40B4-BE49-F238E27FC236}">
-                <a16:creationId xmlns:a16="http://schemas.microsoft.com/office/drawing/2014/main" id="{5698AF0B-774D-4BED-AA96-13F47759642A}"/>
+                <a16:creationId xmlns:a16="http://schemas.microsoft.com/office/drawing/2014/main" id="{A8F76F3F-3757-421B-AE88-AD0AEB05AAFB}"/>
+              </a:ext>
+            </a:extLst>
+          </p:cNvPr>
+          <p:cNvPicPr>
+            <a:picLocks noChangeAspect="1"/>
+          </p:cNvPicPr>
+          <p:nvPr>
+            <p:custDataLst>
+              <p:tags r:id="rId1"/>
+            </p:custDataLst>
+          </p:nvPr>
+        </p:nvPicPr>
+        <p:blipFill>
+          <a:blip r:embed="rId8" cstate="print">
+            <a:extLst>
+              <a:ext uri="{28A0092B-C50C-407E-A947-70E740481C1C}">
+                <a14:useLocalDpi xmlns:a14="http://schemas.microsoft.com/office/drawing/2010/main" val="0"/>
+              </a:ext>
+            </a:extLst>
+          </a:blip>
+          <a:stretch>
+            <a:fillRect/>
+          </a:stretch>
+        </p:blipFill>
+        <p:spPr>
+          <a:xfrm>
+            <a:off x="1130811" y="4125509"/>
+            <a:ext cx="6726804" cy="1055254"/>
+          </a:xfrm>
+          <a:prstGeom prst="rect">
+            <a:avLst/>
+          </a:prstGeom>
+        </p:spPr>
+      </p:pic>
+      <p:pic>
+        <p:nvPicPr>
+          <p:cNvPr id="8" name="Grafik 7" descr="\documentclass{article}&#10;\usepackage{amsmath}&#10;\pagestyle{empty}&#10;\begin{document}&#10;&#10;\begin{equation*}&#10; X_k &#10;\end{equation*}&#10;&#10;&#10;\end{document}" title="IguanaTex Bitmap Display">
+            <a:extLst>
+              <a:ext uri="{FF2B5EF4-FFF2-40B4-BE49-F238E27FC236}">
+                <a16:creationId xmlns:a16="http://schemas.microsoft.com/office/drawing/2014/main" id="{53BB0089-2250-4A8B-8655-3A481A3A8075}"/>
+              </a:ext>
+            </a:extLst>
+          </p:cNvPr>
+          <p:cNvPicPr>
+            <a:picLocks noChangeAspect="1"/>
+          </p:cNvPicPr>
+          <p:nvPr>
+            <p:custDataLst>
+              <p:tags r:id="rId2"/>
+            </p:custDataLst>
+          </p:nvPr>
+        </p:nvPicPr>
+        <p:blipFill>
+          <a:blip r:embed="rId9" cstate="print">
+            <a:extLst>
+              <a:ext uri="{28A0092B-C50C-407E-A947-70E740481C1C}">
+                <a14:useLocalDpi xmlns:a14="http://schemas.microsoft.com/office/drawing/2010/main" val="0"/>
+              </a:ext>
+            </a:extLst>
+          </a:blip>
+          <a:stretch>
+            <a:fillRect/>
+          </a:stretch>
+        </p:blipFill>
+        <p:spPr>
+          <a:xfrm>
+            <a:off x="3465514" y="789174"/>
+            <a:ext cx="415810" cy="288989"/>
+          </a:xfrm>
+          <a:prstGeom prst="rect">
+            <a:avLst/>
+          </a:prstGeom>
+        </p:spPr>
+      </p:pic>
+      <p:pic>
+        <p:nvPicPr>
+          <p:cNvPr id="11" name="Grafik 10" descr="\documentclass{article}&#10;\usepackage{amsmath}&#10;\pagestyle{empty}&#10;\begin{document}&#10;&#10;\begin{equation*}&#10;  S_{k|k-1}&#10;\end{equation*}&#10;&#10;&#10;\end{document}" title="IguanaTex Bitmap Display">
+            <a:extLst>
+              <a:ext uri="{FF2B5EF4-FFF2-40B4-BE49-F238E27FC236}">
+                <a16:creationId xmlns:a16="http://schemas.microsoft.com/office/drawing/2014/main" id="{96C60B18-0E25-4289-B802-B5F4BC1AC56F}"/>
+              </a:ext>
+            </a:extLst>
+          </p:cNvPr>
+          <p:cNvPicPr>
+            <a:picLocks noChangeAspect="1"/>
+          </p:cNvPicPr>
+          <p:nvPr>
+            <p:custDataLst>
+              <p:tags r:id="rId3"/>
+            </p:custDataLst>
+          </p:nvPr>
+        </p:nvPicPr>
+        <p:blipFill>
+          <a:blip r:embed="rId10" cstate="print">
+            <a:extLst>
+              <a:ext uri="{28A0092B-C50C-407E-A947-70E740481C1C}">
+                <a14:useLocalDpi xmlns:a14="http://schemas.microsoft.com/office/drawing/2010/main" val="0"/>
+              </a:ext>
+            </a:extLst>
+          </a:blip>
+          <a:stretch>
+            <a:fillRect/>
+          </a:stretch>
+        </p:blipFill>
+        <p:spPr>
+          <a:xfrm>
+            <a:off x="611560" y="2636180"/>
+            <a:ext cx="720270" cy="288764"/>
+          </a:xfrm>
+          <a:prstGeom prst="rect">
+            <a:avLst/>
+          </a:prstGeom>
+        </p:spPr>
+      </p:pic>
+      <p:pic>
+        <p:nvPicPr>
+          <p:cNvPr id="13" name="Grafik 12" descr="\documentclass{article}&#10;\usepackage{amsmath}&#10;\pagestyle{empty}&#10;\begin{document}&#10;&#10;&#10;\begin{equation*}&#10;  B_{k|k-1}&#10;\end{equation*}&#10;&#10;\end{document}" title="IguanaTex Bitmap Display">
+            <a:extLst>
+              <a:ext uri="{FF2B5EF4-FFF2-40B4-BE49-F238E27FC236}">
+                <a16:creationId xmlns:a16="http://schemas.microsoft.com/office/drawing/2014/main" id="{DEF59E4A-07C3-4DFB-BD2C-4640C7B382FC}"/>
+              </a:ext>
+            </a:extLst>
+          </p:cNvPr>
+          <p:cNvPicPr>
+            <a:picLocks noChangeAspect="1"/>
+          </p:cNvPicPr>
+          <p:nvPr>
+            <p:custDataLst>
+              <p:tags r:id="rId4"/>
+            </p:custDataLst>
+          </p:nvPr>
+        </p:nvPicPr>
+        <p:blipFill>
+          <a:blip r:embed="rId11" cstate="print">
+            <a:extLst>
+              <a:ext uri="{28A0092B-C50C-407E-A947-70E740481C1C}">
+                <a14:useLocalDpi xmlns:a14="http://schemas.microsoft.com/office/drawing/2010/main" val="0"/>
+              </a:ext>
+            </a:extLst>
+          </a:blip>
+          <a:stretch>
+            <a:fillRect/>
+          </a:stretch>
+        </p:blipFill>
+        <p:spPr>
+          <a:xfrm>
+            <a:off x="671114" y="1759981"/>
+            <a:ext cx="708571" cy="262095"/>
+          </a:xfrm>
+          <a:prstGeom prst="rect">
+            <a:avLst/>
+          </a:prstGeom>
+        </p:spPr>
+      </p:pic>
+      <p:pic>
+        <p:nvPicPr>
+          <p:cNvPr id="15" name="Grafik 14" descr="\documentclass{article}&#10;\usepackage{amsmath}&#10;\pagestyle{empty}&#10;\begin{document}&#10;&#10;\begin{equation*}&#10; \Gamma_k &#10;\end{equation*}&#10;&#10;&#10;\end{document}" title="IguanaTex Bitmap Display">
+            <a:extLst>
+              <a:ext uri="{FF2B5EF4-FFF2-40B4-BE49-F238E27FC236}">
+                <a16:creationId xmlns:a16="http://schemas.microsoft.com/office/drawing/2014/main" id="{90328C97-F234-4E07-A994-C7E0D7634DDA}"/>
+              </a:ext>
+            </a:extLst>
+          </p:cNvPr>
+          <p:cNvPicPr>
+            <a:picLocks noChangeAspect="1"/>
+          </p:cNvPicPr>
+          <p:nvPr>
+            <p:custDataLst>
+              <p:tags r:id="rId5"/>
+            </p:custDataLst>
+          </p:nvPr>
+        </p:nvPicPr>
+        <p:blipFill>
+          <a:blip r:embed="rId12" cstate="print">
+            <a:extLst>
+              <a:ext uri="{28A0092B-C50C-407E-A947-70E740481C1C}">
+                <a14:useLocalDpi xmlns:a14="http://schemas.microsoft.com/office/drawing/2010/main" val="0"/>
+              </a:ext>
+            </a:extLst>
+          </a:blip>
+          <a:stretch>
+            <a:fillRect/>
+          </a:stretch>
+        </p:blipFill>
+        <p:spPr>
+          <a:xfrm>
+            <a:off x="900773" y="2223223"/>
+            <a:ext cx="251429" cy="211810"/>
+          </a:xfrm>
+          <a:prstGeom prst="rect">
+            <a:avLst/>
+          </a:prstGeom>
+        </p:spPr>
+      </p:pic>
+      <p:pic>
+        <p:nvPicPr>
+          <p:cNvPr id="20" name="Grafik 19" descr="\documentclass{article}&#10;\usepackage{amsmath}&#10;\pagestyle{empty}&#10;\begin{document}&#10;&#10;$p_{S,k}$&#10;&#10;&#10;\end{document}" title="IguanaTex Bitmap Display">
+            <a:extLst>
+              <a:ext uri="{FF2B5EF4-FFF2-40B4-BE49-F238E27FC236}">
+                <a16:creationId xmlns:a16="http://schemas.microsoft.com/office/drawing/2014/main" id="{4CEF29EF-B259-4B61-B8BF-867B3C64B059}"/>
+              </a:ext>
+            </a:extLst>
+          </p:cNvPr>
+          <p:cNvPicPr>
+            <a:picLocks noChangeAspect="1"/>
+          </p:cNvPicPr>
+          <p:nvPr>
+            <p:custDataLst>
+              <p:tags r:id="rId6"/>
+            </p:custDataLst>
+          </p:nvPr>
+        </p:nvPicPr>
+        <p:blipFill>
+          <a:blip r:embed="rId13" cstate="print">
+            <a:extLst>
+              <a:ext uri="{28A0092B-C50C-407E-A947-70E740481C1C}">
+                <a14:useLocalDpi xmlns:a14="http://schemas.microsoft.com/office/drawing/2010/main" val="0"/>
+              </a:ext>
+            </a:extLst>
+          </a:blip>
+          <a:stretch>
+            <a:fillRect/>
+          </a:stretch>
+        </p:blipFill>
+        <p:spPr>
+          <a:xfrm>
+            <a:off x="5004048" y="1804459"/>
+            <a:ext cx="419048" cy="184381"/>
+          </a:xfrm>
+          <a:prstGeom prst="rect">
+            <a:avLst/>
+          </a:prstGeom>
+        </p:spPr>
+      </p:pic>
+    </p:spTree>
+    <p:extLst>
+      <p:ext uri="{BB962C8B-B14F-4D97-AF65-F5344CB8AC3E}">
+        <p14:creationId xmlns:p14="http://schemas.microsoft.com/office/powerpoint/2010/main" val="146456648"/>
+      </p:ext>
+    </p:extLst>
+  </p:cSld>
+  <p:clrMapOvr>
+    <a:masterClrMapping/>
+  </p:clrMapOvr>
+</p:sld>
+</file>
+
+<file path=ppt/slides/slide16.xml><?xml version="1.0" encoding="utf-8"?>
+<p:sld xmlns:a="http://schemas.openxmlformats.org/drawingml/2006/main" xmlns:r="http://schemas.openxmlformats.org/officeDocument/2006/relationships" xmlns:p="http://schemas.openxmlformats.org/presentationml/2006/main">
+  <p:cSld>
+    <p:spTree>
+      <p:nvGrpSpPr>
+        <p:cNvPr id="1" name=""/>
+        <p:cNvGrpSpPr/>
+        <p:nvPr/>
+      </p:nvGrpSpPr>
+      <p:grpSpPr>
+        <a:xfrm>
+          <a:off x="0" y="0"/>
+          <a:ext cx="0" cy="0"/>
+          <a:chOff x="0" y="0"/>
+          <a:chExt cx="0" cy="0"/>
+        </a:xfrm>
+      </p:grpSpPr>
+      <p:sp>
+        <p:nvSpPr>
+          <p:cNvPr id="19" name="Rechteck 18">
+            <a:extLst>
+              <a:ext uri="{FF2B5EF4-FFF2-40B4-BE49-F238E27FC236}">
+                <a16:creationId xmlns:a16="http://schemas.microsoft.com/office/drawing/2014/main" id="{5056D8DE-E3DC-4B54-B0DE-5BF09E453381}"/>
+              </a:ext>
+            </a:extLst>
+          </p:cNvPr>
+          <p:cNvSpPr/>
+          <p:nvPr/>
+        </p:nvSpPr>
+        <p:spPr>
+          <a:xfrm>
+            <a:off x="2339752" y="3933056"/>
+            <a:ext cx="4320480" cy="1512168"/>
+          </a:xfrm>
+          <a:prstGeom prst="rect">
+            <a:avLst/>
+          </a:prstGeom>
+          <a:solidFill>
+            <a:srgbClr val="92D050"/>
+          </a:solidFill>
+        </p:spPr>
+        <p:style>
+          <a:lnRef idx="2">
+            <a:schemeClr val="accent1">
+              <a:shade val="50000"/>
+            </a:schemeClr>
+          </a:lnRef>
+          <a:fillRef idx="1">
+            <a:schemeClr val="accent1"/>
+          </a:fillRef>
+          <a:effectRef idx="0">
+            <a:schemeClr val="accent1"/>
+          </a:effectRef>
+          <a:fontRef idx="minor">
+            <a:schemeClr val="lt1"/>
+          </a:fontRef>
+        </p:style>
+        <p:txBody>
+          <a:bodyPr rtlCol="0" anchor="ctr"/>
+          <a:lstStyle/>
+          <a:p>
+            <a:pPr algn="ctr"/>
+            <a:endParaRPr lang="de-DE"/>
+          </a:p>
+        </p:txBody>
+      </p:sp>
+      <p:sp>
+        <p:nvSpPr>
+          <p:cNvPr id="2" name="Titel 1">
+            <a:extLst>
+              <a:ext uri="{FF2B5EF4-FFF2-40B4-BE49-F238E27FC236}">
+                <a16:creationId xmlns:a16="http://schemas.microsoft.com/office/drawing/2014/main" id="{E7E5313D-775A-4B7E-8244-41F1E9EA0AEF}"/>
+              </a:ext>
+            </a:extLst>
+          </p:cNvPr>
+          <p:cNvSpPr>
+            <a:spLocks noGrp="1"/>
+          </p:cNvSpPr>
+          <p:nvPr>
+            <p:ph type="title"/>
+          </p:nvPr>
+        </p:nvSpPr>
+        <p:spPr/>
+        <p:txBody>
+          <a:bodyPr/>
+          <a:lstStyle/>
+          <a:p>
+            <a:r>
+              <a:rPr lang="de-DE" dirty="0"/>
+              <a:t>Multi-Target Messung</a:t>
+            </a:r>
+          </a:p>
+        </p:txBody>
+      </p:sp>
+      <p:sp>
+        <p:nvSpPr>
+          <p:cNvPr id="3" name="Inhaltsplatzhalter 2">
+            <a:extLst>
+              <a:ext uri="{FF2B5EF4-FFF2-40B4-BE49-F238E27FC236}">
+                <a16:creationId xmlns:a16="http://schemas.microsoft.com/office/drawing/2014/main" id="{1186E096-F6AB-4534-892D-6ACD96544F6C}"/>
+              </a:ext>
+            </a:extLst>
+          </p:cNvPr>
+          <p:cNvSpPr>
+            <a:spLocks noGrp="1"/>
+          </p:cNvSpPr>
+          <p:nvPr>
+            <p:ph sz="half" idx="1"/>
+          </p:nvPr>
+        </p:nvSpPr>
+        <p:spPr>
+          <a:xfrm>
+            <a:off x="358775" y="1592263"/>
+            <a:ext cx="4135438" cy="1764729"/>
+          </a:xfrm>
+        </p:spPr>
+        <p:txBody>
+          <a:bodyPr/>
+          <a:lstStyle/>
+          <a:p>
+            <a:pPr marL="342900" indent="-342900">
+              <a:buFont typeface="Arial" panose="020B0604020202020204" pitchFamily="34" charset="0"/>
+              <a:buChar char="•"/>
+            </a:pPr>
+            <a:r>
+              <a:rPr lang="de-DE" dirty="0"/>
+              <a:t>     :  Falschmessung und </a:t>
+            </a:r>
+            <a:r>
+              <a:rPr lang="de-DE" dirty="0" err="1"/>
+              <a:t>Clutter</a:t>
+            </a:r>
+            <a:endParaRPr lang="de-DE" dirty="0"/>
+          </a:p>
+          <a:p>
+            <a:pPr marL="342900" indent="-342900">
+              <a:buFont typeface="Arial" panose="020B0604020202020204" pitchFamily="34" charset="0"/>
+              <a:buChar char="•"/>
+            </a:pPr>
+            <a:r>
+              <a:rPr lang="de-DE" dirty="0"/>
+              <a:t>     :  Durch Targets erzeugte 	  	Messung</a:t>
+            </a:r>
+          </a:p>
+        </p:txBody>
+      </p:sp>
+      <p:sp>
+        <p:nvSpPr>
+          <p:cNvPr id="4" name="Inhaltsplatzhalter 3">
+            <a:extLst>
+              <a:ext uri="{FF2B5EF4-FFF2-40B4-BE49-F238E27FC236}">
+                <a16:creationId xmlns:a16="http://schemas.microsoft.com/office/drawing/2014/main" id="{82B5D757-F556-401D-9CA5-44CA95BBCC29}"/>
+              </a:ext>
+            </a:extLst>
+          </p:cNvPr>
+          <p:cNvSpPr>
+            <a:spLocks noGrp="1"/>
+          </p:cNvSpPr>
+          <p:nvPr>
+            <p:ph sz="half" idx="2"/>
+          </p:nvPr>
+        </p:nvSpPr>
+        <p:spPr>
+          <a:xfrm>
+            <a:off x="4907473" y="1590618"/>
+            <a:ext cx="3602110" cy="1836737"/>
+          </a:xfrm>
+        </p:spPr>
+        <p:txBody>
+          <a:bodyPr/>
+          <a:lstStyle/>
+          <a:p>
+            <a:pPr marL="342900" indent="-342900">
+              <a:buFont typeface="Arial" panose="020B0604020202020204" pitchFamily="34" charset="0"/>
+              <a:buChar char="•"/>
+            </a:pPr>
+            <a:r>
+              <a:rPr lang="de-DE" dirty="0"/>
+              <a:t>      : </a:t>
+            </a:r>
+            <a:r>
+              <a:rPr lang="de-DE" dirty="0" err="1"/>
+              <a:t>clutter</a:t>
+            </a:r>
+            <a:r>
+              <a:rPr lang="de-DE" dirty="0"/>
+              <a:t> </a:t>
+            </a:r>
+            <a:r>
+              <a:rPr lang="de-DE" dirty="0" err="1"/>
+              <a:t>intensity</a:t>
+            </a:r>
+            <a:endParaRPr lang="de-DE" dirty="0"/>
+          </a:p>
+          <a:p>
+            <a:pPr marL="342900" indent="-342900">
+              <a:buFont typeface="Arial" panose="020B0604020202020204" pitchFamily="34" charset="0"/>
+              <a:buChar char="•"/>
+            </a:pPr>
+            <a:r>
+              <a:rPr lang="de-DE" dirty="0"/>
+              <a:t>      : </a:t>
+            </a:r>
+            <a:r>
+              <a:rPr lang="de-DE" dirty="0" err="1"/>
+              <a:t>detection</a:t>
+            </a:r>
+            <a:r>
+              <a:rPr lang="de-DE" dirty="0"/>
+              <a:t> rate</a:t>
+            </a:r>
+          </a:p>
+        </p:txBody>
+      </p:sp>
+      <p:pic>
+        <p:nvPicPr>
+          <p:cNvPr id="6" name="Grafik 5" descr="\documentclass{article}&#10;\usepackage{amsmath}&#10;\pagestyle{empty}&#10;\begin{document}&#10;&#10;\begin{equation*}&#10; Z_k = K_k \cup \left[ \bigcup_{x \in X_k} \Theta_k(x) \right]&#10;\end{equation*}&#10;&#10;&#10;\end{document}" title="IguanaTex Bitmap Display">
+            <a:extLst>
+              <a:ext uri="{FF2B5EF4-FFF2-40B4-BE49-F238E27FC236}">
+                <a16:creationId xmlns:a16="http://schemas.microsoft.com/office/drawing/2014/main" id="{392E7F2B-FE63-42A2-BCBA-02AAD8CF1406}"/>
+              </a:ext>
+            </a:extLst>
+          </p:cNvPr>
+          <p:cNvPicPr>
+            <a:picLocks noChangeAspect="1"/>
+          </p:cNvPicPr>
+          <p:nvPr>
+            <p:custDataLst>
+              <p:tags r:id="rId1"/>
+            </p:custDataLst>
+          </p:nvPr>
+        </p:nvPicPr>
+        <p:blipFill>
+          <a:blip r:embed="rId8" cstate="print">
+            <a:extLst>
+              <a:ext uri="{28A0092B-C50C-407E-A947-70E740481C1C}">
+                <a14:useLocalDpi xmlns:a14="http://schemas.microsoft.com/office/drawing/2010/main" val="0"/>
+              </a:ext>
+            </a:extLst>
+          </a:blip>
+          <a:stretch>
+            <a:fillRect/>
+          </a:stretch>
+        </p:blipFill>
+        <p:spPr>
+          <a:xfrm>
+            <a:off x="2466097" y="4082179"/>
+            <a:ext cx="4056231" cy="1162847"/>
+          </a:xfrm>
+          <a:prstGeom prst="rect">
+            <a:avLst/>
+          </a:prstGeom>
+        </p:spPr>
+      </p:pic>
+      <p:pic>
+        <p:nvPicPr>
+          <p:cNvPr id="8" name="Grafik 7" descr="\documentclass{article}&#10;\usepackage{amsmath}&#10;\pagestyle{empty}&#10;\begin{document}&#10;&#10;&#10;  $K_k$ &#10;&#10;&#10;&#10;\end{document}" title="IguanaTex Bitmap Display">
+            <a:extLst>
+              <a:ext uri="{FF2B5EF4-FFF2-40B4-BE49-F238E27FC236}">
+                <a16:creationId xmlns:a16="http://schemas.microsoft.com/office/drawing/2014/main" id="{47DE5C7A-5850-4154-9CBF-767C9CBD3392}"/>
+              </a:ext>
+            </a:extLst>
+          </p:cNvPr>
+          <p:cNvPicPr>
+            <a:picLocks noChangeAspect="1"/>
+          </p:cNvPicPr>
+          <p:nvPr>
+            <p:custDataLst>
+              <p:tags r:id="rId2"/>
+            </p:custDataLst>
+          </p:nvPr>
+        </p:nvPicPr>
+        <p:blipFill>
+          <a:blip r:embed="rId9" cstate="print">
+            <a:extLst>
+              <a:ext uri="{28A0092B-C50C-407E-A947-70E740481C1C}">
+                <a14:useLocalDpi xmlns:a14="http://schemas.microsoft.com/office/drawing/2010/main" val="0"/>
+              </a:ext>
+            </a:extLst>
+          </a:blip>
+          <a:stretch>
+            <a:fillRect/>
+          </a:stretch>
+        </p:blipFill>
+        <p:spPr>
+          <a:xfrm>
+            <a:off x="611560" y="1772816"/>
+            <a:ext cx="306286" cy="211810"/>
+          </a:xfrm>
+          <a:prstGeom prst="rect">
+            <a:avLst/>
+          </a:prstGeom>
+        </p:spPr>
+      </p:pic>
+      <p:pic>
+        <p:nvPicPr>
+          <p:cNvPr id="12" name="Grafik 11" descr="\documentclass{article}&#10;\usepackage{amsmath}&#10;\pagestyle{empty}&#10;\begin{document}&#10;&#10;$ \Theta_k$&#10;&#10;\end{document}" title="IguanaTex Bitmap Display">
+            <a:extLst>
+              <a:ext uri="{FF2B5EF4-FFF2-40B4-BE49-F238E27FC236}">
+                <a16:creationId xmlns:a16="http://schemas.microsoft.com/office/drawing/2014/main" id="{8A19E82D-7F2A-47EF-BA6E-A6AF5FBB9BC2}"/>
+              </a:ext>
+            </a:extLst>
+          </p:cNvPr>
+          <p:cNvPicPr>
+            <a:picLocks noChangeAspect="1"/>
+          </p:cNvPicPr>
+          <p:nvPr>
+            <p:custDataLst>
+              <p:tags r:id="rId3"/>
+            </p:custDataLst>
+          </p:nvPr>
+        </p:nvPicPr>
+        <p:blipFill>
+          <a:blip r:embed="rId10" cstate="print">
+            <a:extLst>
+              <a:ext uri="{28A0092B-C50C-407E-A947-70E740481C1C}">
+                <a14:useLocalDpi xmlns:a14="http://schemas.microsoft.com/office/drawing/2010/main" val="0"/>
+              </a:ext>
+            </a:extLst>
+          </a:blip>
+          <a:stretch>
+            <a:fillRect/>
+          </a:stretch>
+        </p:blipFill>
+        <p:spPr>
+          <a:xfrm>
+            <a:off x="634417" y="2242126"/>
+            <a:ext cx="283429" cy="217905"/>
+          </a:xfrm>
+          <a:prstGeom prst="rect">
+            <a:avLst/>
+          </a:prstGeom>
+        </p:spPr>
+      </p:pic>
+      <p:pic>
+        <p:nvPicPr>
+          <p:cNvPr id="14" name="Grafik 13" descr="\documentclass{article}&#10;\usepackage{amsmath}&#10;\pagestyle{empty}&#10;\begin{document}&#10;&#10;$ Z_k$&#10;&#10;&#10;\end{document}" title="IguanaTex Bitmap Display">
+            <a:extLst>
+              <a:ext uri="{FF2B5EF4-FFF2-40B4-BE49-F238E27FC236}">
+                <a16:creationId xmlns:a16="http://schemas.microsoft.com/office/drawing/2014/main" id="{92F710C2-8956-466A-BEBD-5CAEB38F9588}"/>
+              </a:ext>
+            </a:extLst>
+          </p:cNvPr>
+          <p:cNvPicPr>
+            <a:picLocks noChangeAspect="1"/>
+          </p:cNvPicPr>
+          <p:nvPr>
+            <p:custDataLst>
+              <p:tags r:id="rId4"/>
+            </p:custDataLst>
+          </p:nvPr>
+        </p:nvPicPr>
+        <p:blipFill>
+          <a:blip r:embed="rId11" cstate="print">
+            <a:extLst>
+              <a:ext uri="{28A0092B-C50C-407E-A947-70E740481C1C}">
+                <a14:useLocalDpi xmlns:a14="http://schemas.microsoft.com/office/drawing/2010/main" val="0"/>
+              </a:ext>
+            </a:extLst>
+          </a:blip>
+          <a:stretch>
+            <a:fillRect/>
+          </a:stretch>
+        </p:blipFill>
+        <p:spPr>
+          <a:xfrm>
+            <a:off x="3651143" y="791937"/>
+            <a:ext cx="332722" cy="272049"/>
+          </a:xfrm>
+          <a:prstGeom prst="rect">
+            <a:avLst/>
+          </a:prstGeom>
+        </p:spPr>
+      </p:pic>
+      <p:pic>
+        <p:nvPicPr>
+          <p:cNvPr id="16" name="Grafik 15" descr="\documentclass{article}&#10;\usepackage{amsmath}&#10;\pagestyle{empty}&#10;\begin{document}&#10;&#10;$p_{D,k}$&#10;&#10;&#10;\end{document}" title="IguanaTex Bitmap Display">
+            <a:extLst>
+              <a:ext uri="{FF2B5EF4-FFF2-40B4-BE49-F238E27FC236}">
+                <a16:creationId xmlns:a16="http://schemas.microsoft.com/office/drawing/2014/main" id="{C028DC1C-0AA2-4B6D-9068-FDF231713A58}"/>
+              </a:ext>
+            </a:extLst>
+          </p:cNvPr>
+          <p:cNvPicPr>
+            <a:picLocks noChangeAspect="1"/>
+          </p:cNvPicPr>
+          <p:nvPr>
+            <p:custDataLst>
+              <p:tags r:id="rId5"/>
+            </p:custDataLst>
+          </p:nvPr>
+        </p:nvPicPr>
+        <p:blipFill>
+          <a:blip r:embed="rId12" cstate="print">
+            <a:extLst>
+              <a:ext uri="{28A0092B-C50C-407E-A947-70E740481C1C}">
+                <a14:useLocalDpi xmlns:a14="http://schemas.microsoft.com/office/drawing/2010/main" val="0"/>
+              </a:ext>
+            </a:extLst>
+          </a:blip>
+          <a:stretch>
+            <a:fillRect/>
+          </a:stretch>
+        </p:blipFill>
+        <p:spPr>
+          <a:xfrm>
+            <a:off x="5104303" y="2276856"/>
+            <a:ext cx="501782" cy="197771"/>
+          </a:xfrm>
+          <a:prstGeom prst="rect">
+            <a:avLst/>
+          </a:prstGeom>
+        </p:spPr>
+      </p:pic>
+      <p:pic>
+        <p:nvPicPr>
+          <p:cNvPr id="18" name="Grafik 17" descr="\documentclass{article}&#10;\usepackage{amsmath}&#10;\pagestyle{empty}&#10;\begin{document}&#10;&#10;$\kappa_k$&#10;&#10;&#10;\end{document}" title="IguanaTex Bitmap Display">
+            <a:extLst>
+              <a:ext uri="{FF2B5EF4-FFF2-40B4-BE49-F238E27FC236}">
+                <a16:creationId xmlns:a16="http://schemas.microsoft.com/office/drawing/2014/main" id="{37835192-D108-4A7B-8804-B917C2554BB6}"/>
+              </a:ext>
+            </a:extLst>
+          </p:cNvPr>
+          <p:cNvPicPr>
+            <a:picLocks noChangeAspect="1"/>
+          </p:cNvPicPr>
+          <p:nvPr>
+            <p:custDataLst>
+              <p:tags r:id="rId6"/>
+            </p:custDataLst>
+          </p:nvPr>
+        </p:nvPicPr>
+        <p:blipFill>
+          <a:blip r:embed="rId13" cstate="print">
+            <a:extLst>
+              <a:ext uri="{28A0092B-C50C-407E-A947-70E740481C1C}">
+                <a14:useLocalDpi xmlns:a14="http://schemas.microsoft.com/office/drawing/2010/main" val="0"/>
+              </a:ext>
+            </a:extLst>
+          </a:blip>
+          <a:stretch>
+            <a:fillRect/>
+          </a:stretch>
+        </p:blipFill>
+        <p:spPr>
+          <a:xfrm>
+            <a:off x="5214142" y="1800245"/>
+            <a:ext cx="282103" cy="184381"/>
+          </a:xfrm>
+          <a:prstGeom prst="rect">
+            <a:avLst/>
+          </a:prstGeom>
+        </p:spPr>
+      </p:pic>
+    </p:spTree>
+    <p:extLst>
+      <p:ext uri="{BB962C8B-B14F-4D97-AF65-F5344CB8AC3E}">
+        <p14:creationId xmlns:p14="http://schemas.microsoft.com/office/powerpoint/2010/main" val="3933222411"/>
+      </p:ext>
+    </p:extLst>
+  </p:cSld>
+  <p:clrMapOvr>
+    <a:masterClrMapping/>
+  </p:clrMapOvr>
+</p:sld>
+</file>
+
+<file path=ppt/slides/slide17.xml><?xml version="1.0" encoding="utf-8"?>
+<p:sld xmlns:a="http://schemas.openxmlformats.org/drawingml/2006/main" xmlns:r="http://schemas.openxmlformats.org/officeDocument/2006/relationships" xmlns:p="http://schemas.openxmlformats.org/presentationml/2006/main">
+  <p:cSld>
+    <p:spTree>
+      <p:nvGrpSpPr>
+        <p:cNvPr id="1" name=""/>
+        <p:cNvGrpSpPr/>
+        <p:nvPr/>
+      </p:nvGrpSpPr>
+      <p:grpSpPr>
+        <a:xfrm>
+          <a:off x="0" y="0"/>
+          <a:ext cx="0" cy="0"/>
+          <a:chOff x="0" y="0"/>
+          <a:chExt cx="0" cy="0"/>
+        </a:xfrm>
+      </p:grpSpPr>
+      <p:sp>
+        <p:nvSpPr>
+          <p:cNvPr id="7" name="Rechteck 6">
+            <a:extLst>
+              <a:ext uri="{FF2B5EF4-FFF2-40B4-BE49-F238E27FC236}">
+                <a16:creationId xmlns:a16="http://schemas.microsoft.com/office/drawing/2014/main" id="{7E2AFCD9-0507-46DF-8D51-DE29AFFD6906}"/>
+              </a:ext>
+            </a:extLst>
+          </p:cNvPr>
+          <p:cNvSpPr/>
+          <p:nvPr/>
+        </p:nvSpPr>
+        <p:spPr>
+          <a:xfrm>
+            <a:off x="2169421" y="4581128"/>
+            <a:ext cx="4805156" cy="936104"/>
+          </a:xfrm>
+          <a:prstGeom prst="rect">
+            <a:avLst/>
+          </a:prstGeom>
+          <a:solidFill>
+            <a:srgbClr val="92D050"/>
+          </a:solidFill>
+        </p:spPr>
+        <p:style>
+          <a:lnRef idx="2">
+            <a:schemeClr val="accent1">
+              <a:shade val="50000"/>
+            </a:schemeClr>
+          </a:lnRef>
+          <a:fillRef idx="1">
+            <a:schemeClr val="accent1"/>
+          </a:fillRef>
+          <a:effectRef idx="0">
+            <a:schemeClr val="accent1"/>
+          </a:effectRef>
+          <a:fontRef idx="minor">
+            <a:schemeClr val="lt1"/>
+          </a:fontRef>
+        </p:style>
+        <p:txBody>
+          <a:bodyPr rtlCol="0" anchor="ctr"/>
+          <a:lstStyle/>
+          <a:p>
+            <a:pPr algn="ctr"/>
+            <a:endParaRPr lang="de-DE"/>
+          </a:p>
+        </p:txBody>
+      </p:sp>
+      <p:sp>
+        <p:nvSpPr>
+          <p:cNvPr id="2" name="Titel 1">
+            <a:extLst>
+              <a:ext uri="{FF2B5EF4-FFF2-40B4-BE49-F238E27FC236}">
+                <a16:creationId xmlns:a16="http://schemas.microsoft.com/office/drawing/2014/main" id="{4E89C613-49D1-4C09-8625-67EF28F6A306}"/>
+              </a:ext>
+            </a:extLst>
+          </p:cNvPr>
+          <p:cNvSpPr>
+            <a:spLocks noGrp="1"/>
+          </p:cNvSpPr>
+          <p:nvPr>
+            <p:ph type="title"/>
+          </p:nvPr>
+        </p:nvSpPr>
+        <p:spPr/>
+        <p:txBody>
+          <a:bodyPr/>
+          <a:lstStyle/>
+          <a:p>
+            <a:r>
+              <a:rPr lang="de-DE" dirty="0"/>
+              <a:t>Prädiktion und Update</a:t>
+            </a:r>
+          </a:p>
+        </p:txBody>
+      </p:sp>
+      <p:sp>
+        <p:nvSpPr>
+          <p:cNvPr id="3" name="Inhaltsplatzhalter 2">
+            <a:extLst>
+              <a:ext uri="{FF2B5EF4-FFF2-40B4-BE49-F238E27FC236}">
+                <a16:creationId xmlns:a16="http://schemas.microsoft.com/office/drawing/2014/main" id="{29A77336-1403-46A1-A664-7DC691A2B67D}"/>
+              </a:ext>
+            </a:extLst>
+          </p:cNvPr>
+          <p:cNvSpPr>
+            <a:spLocks noGrp="1"/>
+          </p:cNvSpPr>
+          <p:nvPr>
+            <p:ph sz="half" idx="1"/>
+          </p:nvPr>
+        </p:nvSpPr>
+        <p:spPr>
+          <a:xfrm>
+            <a:off x="495370" y="1772816"/>
+            <a:ext cx="8533705" cy="2196777"/>
+          </a:xfrm>
+        </p:spPr>
+        <p:txBody>
+          <a:bodyPr/>
+          <a:lstStyle/>
+          <a:p>
+            <a:pPr marL="342900" indent="-342900">
+              <a:buFont typeface="Arial" panose="020B0604020202020204" pitchFamily="34" charset="0"/>
+              <a:buChar char="•"/>
+            </a:pPr>
+            <a:r>
+              <a:rPr lang="de-DE" dirty="0"/>
+              <a:t>Filter propagiert Summe aus </a:t>
+            </a:r>
+            <a:r>
+              <a:rPr lang="de-DE" dirty="0" err="1"/>
+              <a:t>Gaussverteilungen</a:t>
+            </a:r>
+            <a:r>
+              <a:rPr lang="de-DE" dirty="0"/>
+              <a:t> über Zeitschritte</a:t>
+            </a:r>
+          </a:p>
+          <a:p>
+            <a:pPr marL="342900" indent="-342900">
+              <a:buFont typeface="Arial" panose="020B0604020202020204" pitchFamily="34" charset="0"/>
+              <a:buChar char="•"/>
+            </a:pPr>
+            <a:r>
+              <a:rPr lang="de-DE" dirty="0"/>
+              <a:t>Parallelen zum </a:t>
+            </a:r>
+            <a:r>
+              <a:rPr lang="de-DE" dirty="0" err="1"/>
+              <a:t>Kalmanfilter</a:t>
+            </a:r>
+            <a:r>
+              <a:rPr lang="de-DE" dirty="0"/>
+              <a:t> im single-target Umfeld</a:t>
+            </a:r>
+          </a:p>
+          <a:p>
+            <a:pPr marL="342900" indent="-342900">
+              <a:buFont typeface="Arial" panose="020B0604020202020204" pitchFamily="34" charset="0"/>
+              <a:buChar char="•"/>
+            </a:pPr>
+            <a:r>
+              <a:rPr lang="de-DE" dirty="0"/>
+              <a:t>Anpassung von Mittelwerten und Kovarianzen entsprechen Kalman Prädiktion bzw. Update</a:t>
+            </a:r>
+          </a:p>
+        </p:txBody>
+      </p:sp>
+      <p:pic>
+        <p:nvPicPr>
+          <p:cNvPr id="6" name="Grafik 5" descr="IguanaTex Bitmap Display&#10;&#10;\documentclass{article}&#10;\usepackage{amsmath}&#10;\pagestyle{empty}&#10;\begin{document}&#10;&#10;&#10;$&#10; v_k(x) = \sum_{i=1}^{J_k} w_k^{(i)} \mathcal{N}(x;m_k^{(i)}, P_k^{(i)})&#10;$&#10;&#10;\end{document}">
+            <a:extLst>
+              <a:ext uri="{FF2B5EF4-FFF2-40B4-BE49-F238E27FC236}">
+                <a16:creationId xmlns:a16="http://schemas.microsoft.com/office/drawing/2014/main" id="{DB73518A-B289-404A-B308-0D8FCE8CE979}"/>
+              </a:ext>
+            </a:extLst>
+          </p:cNvPr>
+          <p:cNvPicPr>
+            <a:picLocks noChangeAspect="1"/>
+          </p:cNvPicPr>
+          <p:nvPr>
+            <p:custDataLst>
+              <p:tags r:id="rId1"/>
+            </p:custDataLst>
+          </p:nvPr>
+        </p:nvPicPr>
+        <p:blipFill>
+          <a:blip r:embed="rId3" cstate="print">
+            <a:extLst>
+              <a:ext uri="{28A0092B-C50C-407E-A947-70E740481C1C}">
+                <a14:useLocalDpi xmlns:a14="http://schemas.microsoft.com/office/drawing/2010/main" val="0"/>
+              </a:ext>
+            </a:extLst>
+          </a:blip>
+          <a:stretch>
+            <a:fillRect/>
+          </a:stretch>
+        </p:blipFill>
+        <p:spPr>
+          <a:xfrm>
+            <a:off x="2354318" y="4797152"/>
+            <a:ext cx="4435363" cy="410376"/>
+          </a:xfrm>
+          <a:prstGeom prst="rect">
+            <a:avLst/>
+          </a:prstGeom>
+        </p:spPr>
+      </p:pic>
+    </p:spTree>
+    <p:extLst>
+      <p:ext uri="{BB962C8B-B14F-4D97-AF65-F5344CB8AC3E}">
+        <p14:creationId xmlns:p14="http://schemas.microsoft.com/office/powerpoint/2010/main" val="1979511238"/>
+      </p:ext>
+    </p:extLst>
+  </p:cSld>
+  <p:clrMapOvr>
+    <a:masterClrMapping/>
+  </p:clrMapOvr>
+</p:sld>
+</file>
+
+<file path=ppt/slides/slide18.xml><?xml version="1.0" encoding="utf-8"?>
+<p:sld xmlns:a="http://schemas.openxmlformats.org/drawingml/2006/main" xmlns:r="http://schemas.openxmlformats.org/officeDocument/2006/relationships" xmlns:p="http://schemas.openxmlformats.org/presentationml/2006/main">
+  <p:cSld>
+    <p:spTree>
+      <p:nvGrpSpPr>
+        <p:cNvPr id="1" name=""/>
+        <p:cNvGrpSpPr/>
+        <p:nvPr/>
+      </p:nvGrpSpPr>
+      <p:grpSpPr>
+        <a:xfrm>
+          <a:off x="0" y="0"/>
+          <a:ext cx="0" cy="0"/>
+          <a:chOff x="0" y="0"/>
+          <a:chExt cx="0" cy="0"/>
+        </a:xfrm>
+      </p:grpSpPr>
+      <p:sp>
+        <p:nvSpPr>
+          <p:cNvPr id="2" name="Titel 1">
+            <a:extLst>
+              <a:ext uri="{FF2B5EF4-FFF2-40B4-BE49-F238E27FC236}">
+                <a16:creationId xmlns:a16="http://schemas.microsoft.com/office/drawing/2014/main" id="{57639610-442F-46D9-99A8-845468AD072D}"/>
+              </a:ext>
+            </a:extLst>
+          </p:cNvPr>
+          <p:cNvSpPr>
+            <a:spLocks noGrp="1"/>
+          </p:cNvSpPr>
+          <p:nvPr>
+            <p:ph type="title"/>
+          </p:nvPr>
+        </p:nvSpPr>
+        <p:spPr/>
+        <p:txBody>
+          <a:bodyPr/>
+          <a:lstStyle/>
+          <a:p>
+            <a:r>
+              <a:rPr lang="de-DE" dirty="0"/>
+              <a:t>Testdaten</a:t>
+            </a:r>
+          </a:p>
+        </p:txBody>
+      </p:sp>
+      <p:pic>
+        <p:nvPicPr>
+          <p:cNvPr id="7" name="Inhaltsplatzhalter 6">
+            <a:extLst>
+              <a:ext uri="{FF2B5EF4-FFF2-40B4-BE49-F238E27FC236}">
+                <a16:creationId xmlns:a16="http://schemas.microsoft.com/office/drawing/2014/main" id="{8E1ED8DB-74C5-4C20-8172-EA632F9626FE}"/>
+              </a:ext>
+            </a:extLst>
+          </p:cNvPr>
+          <p:cNvPicPr>
+            <a:picLocks noGrp="1" noChangeAspect="1"/>
+          </p:cNvPicPr>
+          <p:nvPr>
+            <p:ph sz="half" idx="1"/>
+          </p:nvPr>
+        </p:nvPicPr>
+        <p:blipFill>
+          <a:blip r:embed="rId7">
+            <a:extLst>
+              <a:ext uri="{28A0092B-C50C-407E-A947-70E740481C1C}">
+                <a14:useLocalDpi xmlns:a14="http://schemas.microsoft.com/office/drawing/2010/main" val="0"/>
+              </a:ext>
+            </a:extLst>
+          </a:blip>
+          <a:stretch>
+            <a:fillRect/>
+          </a:stretch>
+        </p:blipFill>
+        <p:spPr>
+          <a:xfrm>
+            <a:off x="467544" y="1851910"/>
+            <a:ext cx="5112568" cy="3905226"/>
+          </a:xfrm>
+        </p:spPr>
+      </p:pic>
+      <p:sp>
+        <p:nvSpPr>
+          <p:cNvPr id="8" name="Inhaltsplatzhalter 7">
+            <a:extLst>
+              <a:ext uri="{FF2B5EF4-FFF2-40B4-BE49-F238E27FC236}">
+                <a16:creationId xmlns:a16="http://schemas.microsoft.com/office/drawing/2014/main" id="{D5C33BF7-49AB-4616-A993-AE6DA46F856B}"/>
+              </a:ext>
+            </a:extLst>
+          </p:cNvPr>
+          <p:cNvSpPr>
+            <a:spLocks noGrp="1"/>
+          </p:cNvSpPr>
+          <p:nvPr>
+            <p:ph sz="half" idx="2"/>
+          </p:nvPr>
+        </p:nvSpPr>
+        <p:spPr>
+          <a:xfrm>
+            <a:off x="6012160" y="1592263"/>
+            <a:ext cx="2879428" cy="4551381"/>
+          </a:xfrm>
+        </p:spPr>
+        <p:txBody>
+          <a:bodyPr/>
+          <a:lstStyle/>
+          <a:p>
+            <a:pPr marL="342900" indent="-342900">
+              <a:buFont typeface="Arial" panose="020B0604020202020204" pitchFamily="34" charset="0"/>
+              <a:buChar char="•"/>
+            </a:pPr>
+            <a:r>
+              <a:rPr lang="de-DE" dirty="0"/>
+              <a:t>Systemmodel:</a:t>
+            </a:r>
+            <a:br>
+              <a:rPr lang="de-DE" dirty="0"/>
+            </a:br>
+            <a:r>
+              <a:rPr lang="de-DE" dirty="0"/>
+              <a:t> </a:t>
+            </a:r>
+            <a:r>
+              <a:rPr lang="de-DE" dirty="0" err="1"/>
+              <a:t>Const</a:t>
+            </a:r>
+            <a:r>
+              <a:rPr lang="de-DE" dirty="0"/>
+              <a:t>. Velocity</a:t>
+            </a:r>
+          </a:p>
+          <a:p>
+            <a:pPr marL="342900" indent="-342900">
+              <a:buFont typeface="Arial" panose="020B0604020202020204" pitchFamily="34" charset="0"/>
+              <a:buChar char="•"/>
+            </a:pPr>
+            <a:r>
+              <a:rPr lang="de-DE" dirty="0"/>
+              <a:t> </a:t>
+            </a:r>
+          </a:p>
+          <a:p>
+            <a:pPr marL="342900" indent="-342900">
+              <a:buFont typeface="Arial" panose="020B0604020202020204" pitchFamily="34" charset="0"/>
+              <a:buChar char="•"/>
+            </a:pPr>
+            <a:r>
+              <a:rPr lang="de-DE" dirty="0"/>
+              <a:t> </a:t>
+            </a:r>
+          </a:p>
+          <a:p>
+            <a:pPr marL="342900" indent="-342900">
+              <a:buFont typeface="Arial" panose="020B0604020202020204" pitchFamily="34" charset="0"/>
+              <a:buChar char="•"/>
+            </a:pPr>
+            <a:r>
+              <a:rPr lang="de-DE" dirty="0"/>
+              <a:t> </a:t>
+            </a:r>
+          </a:p>
+          <a:p>
+            <a:pPr marL="342900" indent="-342900">
+              <a:buFont typeface="Arial" panose="020B0604020202020204" pitchFamily="34" charset="0"/>
+              <a:buChar char="•"/>
+            </a:pPr>
+            <a:r>
+              <a:rPr lang="de-DE" dirty="0"/>
+              <a:t> </a:t>
+            </a:r>
+          </a:p>
+          <a:p>
+            <a:pPr marL="342900" indent="-342900">
+              <a:buFont typeface="Arial" panose="020B0604020202020204" pitchFamily="34" charset="0"/>
+              <a:buChar char="•"/>
+            </a:pPr>
+            <a:r>
+              <a:rPr lang="de-DE" dirty="0"/>
+              <a:t> </a:t>
+            </a:r>
+          </a:p>
+        </p:txBody>
+      </p:sp>
+      <p:pic>
+        <p:nvPicPr>
+          <p:cNvPr id="10" name="Grafik 9" descr="IguanaTex Bitmap Display&#10;&#10;\documentclass{article}&#10;\usepackage{amsmath}&#10;\pagestyle{empty}&#10;\begin{document}&#10;&#10;&#10;$p_{D,k} = 0.9$&#10;&#10;\end{document}">
+            <a:extLst>
+              <a:ext uri="{FF2B5EF4-FFF2-40B4-BE49-F238E27FC236}">
+                <a16:creationId xmlns:a16="http://schemas.microsoft.com/office/drawing/2014/main" id="{ABC88336-9AAF-4656-879A-AB050FB6A27D}"/>
+              </a:ext>
+            </a:extLst>
+          </p:cNvPr>
+          <p:cNvPicPr>
+            <a:picLocks noChangeAspect="1"/>
+          </p:cNvPicPr>
+          <p:nvPr>
+            <p:custDataLst>
+              <p:tags r:id="rId1"/>
+            </p:custDataLst>
+          </p:nvPr>
+        </p:nvPicPr>
+        <p:blipFill>
+          <a:blip r:embed="rId8" cstate="print">
+            <a:extLst>
+              <a:ext uri="{28A0092B-C50C-407E-A947-70E740481C1C}">
+                <a14:useLocalDpi xmlns:a14="http://schemas.microsoft.com/office/drawing/2010/main" val="0"/>
+              </a:ext>
+            </a:extLst>
+          </a:blip>
+          <a:stretch>
+            <a:fillRect/>
+          </a:stretch>
+        </p:blipFill>
+        <p:spPr>
+          <a:xfrm>
+            <a:off x="6231303" y="2564904"/>
+            <a:ext cx="1141333" cy="240762"/>
+          </a:xfrm>
+          <a:prstGeom prst="rect">
+            <a:avLst/>
+          </a:prstGeom>
+        </p:spPr>
+      </p:pic>
+      <p:pic>
+        <p:nvPicPr>
+          <p:cNvPr id="12" name="Grafik 11" descr="IguanaTex Bitmap Display&#10;&#10;\documentclass{article}&#10;\usepackage{amsmath}&#10;\pagestyle{empty}&#10;\begin{document}&#10;&#10;$p_{S,k} = 0.99$&#10;&#10;&#10;\end{document}">
+            <a:extLst>
+              <a:ext uri="{FF2B5EF4-FFF2-40B4-BE49-F238E27FC236}">
+                <a16:creationId xmlns:a16="http://schemas.microsoft.com/office/drawing/2014/main" id="{03709D0B-9251-4651-952A-9CFE84D17997}"/>
+              </a:ext>
+            </a:extLst>
+          </p:cNvPr>
+          <p:cNvPicPr>
+            <a:picLocks noChangeAspect="1"/>
+          </p:cNvPicPr>
+          <p:nvPr>
+            <p:custDataLst>
+              <p:tags r:id="rId2"/>
+            </p:custDataLst>
+          </p:nvPr>
+        </p:nvPicPr>
+        <p:blipFill>
+          <a:blip r:embed="rId9" cstate="print">
+            <a:extLst>
+              <a:ext uri="{28A0092B-C50C-407E-A947-70E740481C1C}">
+                <a14:useLocalDpi xmlns:a14="http://schemas.microsoft.com/office/drawing/2010/main" val="0"/>
+              </a:ext>
+            </a:extLst>
+          </a:blip>
+          <a:stretch>
+            <a:fillRect/>
+          </a:stretch>
+        </p:blipFill>
+        <p:spPr>
+          <a:xfrm>
+            <a:off x="6231303" y="3011827"/>
+            <a:ext cx="1220571" cy="240762"/>
+          </a:xfrm>
+          <a:prstGeom prst="rect">
+            <a:avLst/>
+          </a:prstGeom>
+        </p:spPr>
+      </p:pic>
+      <p:pic>
+        <p:nvPicPr>
+          <p:cNvPr id="14" name="Grafik 13" descr="IguanaTex Bitmap Display&#10;&#10;\documentclass{article}&#10;\usepackage{amsmath}&#10;\pagestyle{empty}&#10;\begin{document}&#10;&#10;&#10;$\kappa_k = 0.01$&#10;&#10;\end{document}">
+            <a:extLst>
+              <a:ext uri="{FF2B5EF4-FFF2-40B4-BE49-F238E27FC236}">
+                <a16:creationId xmlns:a16="http://schemas.microsoft.com/office/drawing/2014/main" id="{D0A4EC10-C8F1-417A-9252-78607510922E}"/>
+              </a:ext>
+            </a:extLst>
+          </p:cNvPr>
+          <p:cNvPicPr>
+            <a:picLocks noChangeAspect="1"/>
+          </p:cNvPicPr>
+          <p:nvPr>
+            <p:custDataLst>
+              <p:tags r:id="rId3"/>
+            </p:custDataLst>
+          </p:nvPr>
+        </p:nvPicPr>
+        <p:blipFill>
+          <a:blip r:embed="rId10" cstate="print">
+            <a:extLst>
+              <a:ext uri="{28A0092B-C50C-407E-A947-70E740481C1C}">
+                <a14:useLocalDpi xmlns:a14="http://schemas.microsoft.com/office/drawing/2010/main" val="0"/>
+              </a:ext>
+            </a:extLst>
+          </a:blip>
+          <a:stretch>
+            <a:fillRect/>
+          </a:stretch>
+        </p:blipFill>
+        <p:spPr>
+          <a:xfrm>
+            <a:off x="6231303" y="3491491"/>
+            <a:ext cx="1024000" cy="207238"/>
+          </a:xfrm>
+          <a:prstGeom prst="rect">
+            <a:avLst/>
+          </a:prstGeom>
+        </p:spPr>
+      </p:pic>
+      <p:pic>
+        <p:nvPicPr>
+          <p:cNvPr id="16" name="Grafik 15" descr="IguanaTex Bitmap Display&#10;&#10;\documentclass{article}&#10;\usepackage{amsmath}&#10;\pagestyle{empty}&#10;\begin{document}&#10;&#10;$R = 0.5I_2$&#10;&#10;&#10;\end{document}">
+            <a:extLst>
+              <a:ext uri="{FF2B5EF4-FFF2-40B4-BE49-F238E27FC236}">
+                <a16:creationId xmlns:a16="http://schemas.microsoft.com/office/drawing/2014/main" id="{6B289406-6533-4B6A-A675-552DC2DA1EF6}"/>
+              </a:ext>
+            </a:extLst>
+          </p:cNvPr>
+          <p:cNvPicPr>
+            <a:picLocks noChangeAspect="1"/>
+          </p:cNvPicPr>
+          <p:nvPr>
+            <p:custDataLst>
+              <p:tags r:id="rId4"/>
+            </p:custDataLst>
+          </p:nvPr>
+        </p:nvPicPr>
+        <p:blipFill>
+          <a:blip r:embed="rId11" cstate="print">
+            <a:extLst>
+              <a:ext uri="{28A0092B-C50C-407E-A947-70E740481C1C}">
+                <a14:useLocalDpi xmlns:a14="http://schemas.microsoft.com/office/drawing/2010/main" val="0"/>
+              </a:ext>
+            </a:extLst>
+          </a:blip>
+          <a:stretch>
+            <a:fillRect/>
+          </a:stretch>
+        </p:blipFill>
+        <p:spPr>
+          <a:xfrm>
+            <a:off x="6231303" y="3919095"/>
+            <a:ext cx="1046857" cy="210286"/>
+          </a:xfrm>
+          <a:prstGeom prst="rect">
+            <a:avLst/>
+          </a:prstGeom>
+        </p:spPr>
+      </p:pic>
+      <p:pic>
+        <p:nvPicPr>
+          <p:cNvPr id="18" name="Grafik 17" descr="IguanaTex Bitmap Display&#10;&#10;\documentclass{article}&#10;\usepackage{amsmath}&#10;\pagestyle{empty}&#10;\begin{document}&#10;&#10;$Q = 0.1I_4$&#10;&#10;&#10;\end{document}">
+            <a:extLst>
+              <a:ext uri="{FF2B5EF4-FFF2-40B4-BE49-F238E27FC236}">
+                <a16:creationId xmlns:a16="http://schemas.microsoft.com/office/drawing/2014/main" id="{F48FD7AC-5D86-4E38-9645-3AF985A6FAD7}"/>
+              </a:ext>
+            </a:extLst>
+          </p:cNvPr>
+          <p:cNvPicPr>
+            <a:picLocks noChangeAspect="1"/>
+          </p:cNvPicPr>
+          <p:nvPr>
+            <p:custDataLst>
+              <p:tags r:id="rId5"/>
+            </p:custDataLst>
+          </p:nvPr>
+        </p:nvPicPr>
+        <p:blipFill>
+          <a:blip r:embed="rId12" cstate="print">
+            <a:extLst>
+              <a:ext uri="{28A0092B-C50C-407E-A947-70E740481C1C}">
+                <a14:useLocalDpi xmlns:a14="http://schemas.microsoft.com/office/drawing/2010/main" val="0"/>
+              </a:ext>
+            </a:extLst>
+          </a:blip>
+          <a:stretch>
+            <a:fillRect/>
+          </a:stretch>
+        </p:blipFill>
+        <p:spPr>
+          <a:xfrm>
+            <a:off x="6200827" y="4349747"/>
+            <a:ext cx="1054476" cy="227048"/>
+          </a:xfrm>
+          <a:prstGeom prst="rect">
+            <a:avLst/>
+          </a:prstGeom>
+        </p:spPr>
+      </p:pic>
+    </p:spTree>
+    <p:extLst>
+      <p:ext uri="{BB962C8B-B14F-4D97-AF65-F5344CB8AC3E}">
+        <p14:creationId xmlns:p14="http://schemas.microsoft.com/office/powerpoint/2010/main" val="2600134367"/>
+      </p:ext>
+    </p:extLst>
+  </p:cSld>
+  <p:clrMapOvr>
+    <a:masterClrMapping/>
+  </p:clrMapOvr>
+</p:sld>
+</file>
+
+<file path=ppt/slides/slide19.xml><?xml version="1.0" encoding="utf-8"?>
+<p:sld xmlns:a="http://schemas.openxmlformats.org/drawingml/2006/main" xmlns:r="http://schemas.openxmlformats.org/officeDocument/2006/relationships" xmlns:p="http://schemas.openxmlformats.org/presentationml/2006/main">
+  <p:cSld>
+    <p:spTree>
+      <p:nvGrpSpPr>
+        <p:cNvPr id="1" name=""/>
+        <p:cNvGrpSpPr/>
+        <p:nvPr/>
+      </p:nvGrpSpPr>
+      <p:grpSpPr>
+        <a:xfrm>
+          <a:off x="0" y="0"/>
+          <a:ext cx="0" cy="0"/>
+          <a:chOff x="0" y="0"/>
+          <a:chExt cx="0" cy="0"/>
+        </a:xfrm>
+      </p:grpSpPr>
+      <p:sp>
+        <p:nvSpPr>
+          <p:cNvPr id="2" name="Titel 1">
+            <a:extLst>
+              <a:ext uri="{FF2B5EF4-FFF2-40B4-BE49-F238E27FC236}">
+                <a16:creationId xmlns:a16="http://schemas.microsoft.com/office/drawing/2014/main" id="{0A0D77FB-FBFC-F34F-B11B-70E8F5ABA43E}"/>
+              </a:ext>
+            </a:extLst>
+          </p:cNvPr>
+          <p:cNvSpPr>
+            <a:spLocks noGrp="1"/>
+          </p:cNvSpPr>
+          <p:nvPr>
+            <p:ph type="title"/>
+          </p:nvPr>
+        </p:nvSpPr>
+        <p:spPr/>
+        <p:txBody>
+          <a:bodyPr/>
+          <a:lstStyle/>
+          <a:p>
+            <a:r>
+              <a:rPr lang="de-DE" dirty="0"/>
+              <a:t>3D-Rekonstruktion</a:t>
+            </a:r>
+          </a:p>
+        </p:txBody>
+      </p:sp>
+      <p:pic>
+        <p:nvPicPr>
+          <p:cNvPr id="4" name="Inhaltsplatzhalter 3">
+            <a:extLst>
+              <a:ext uri="{FF2B5EF4-FFF2-40B4-BE49-F238E27FC236}">
+                <a16:creationId xmlns:a16="http://schemas.microsoft.com/office/drawing/2014/main" id="{1BAF843A-4B98-C54F-8D6C-DA31FD37D9B0}"/>
               </a:ext>
             </a:extLst>
           </p:cNvPr>
@@ -4765,41 +6152,79 @@
           </p:nvPr>
         </p:nvPicPr>
         <p:blipFill>
-          <a:blip r:embed="rId2">
-            <a:extLst>
-              <a:ext uri="{28A0092B-C50C-407E-A947-70E740481C1C}">
-                <a14:useLocalDpi xmlns:a14="http://schemas.microsoft.com/office/drawing/2010/main" val="0"/>
-              </a:ext>
-            </a:extLst>
-          </a:blip>
+          <a:blip r:embed="rId2"/>
           <a:stretch>
             <a:fillRect/>
           </a:stretch>
         </p:blipFill>
         <p:spPr>
           <a:xfrm>
-            <a:off x="360363" y="1925536"/>
-            <a:ext cx="7379989" cy="4183014"/>
+            <a:off x="1403648" y="1556792"/>
+            <a:ext cx="6199286" cy="4359498"/>
           </a:xfrm>
         </p:spPr>
       </p:pic>
+      <p:sp>
+        <p:nvSpPr>
+          <p:cNvPr id="5" name="Textfeld 4">
+            <a:extLst>
+              <a:ext uri="{FF2B5EF4-FFF2-40B4-BE49-F238E27FC236}">
+                <a16:creationId xmlns:a16="http://schemas.microsoft.com/office/drawing/2014/main" id="{5277B4EB-6BF3-BC43-8A6E-2A006095FFC8}"/>
+              </a:ext>
+            </a:extLst>
+          </p:cNvPr>
+          <p:cNvSpPr txBox="1"/>
+          <p:nvPr/>
+        </p:nvSpPr>
+        <p:spPr>
+          <a:xfrm>
+            <a:off x="251520" y="6077231"/>
+            <a:ext cx="3966150" cy="246221"/>
+          </a:xfrm>
+          <a:prstGeom prst="rect">
+            <a:avLst/>
+          </a:prstGeom>
+          <a:noFill/>
+        </p:spPr>
+        <p:txBody>
+          <a:bodyPr wrap="none" rtlCol="0">
+            <a:spAutoFit/>
+          </a:bodyPr>
+          <a:lstStyle/>
+          <a:p>
+            <a:r>
+              <a:rPr lang="de-DE" sz="1000" dirty="0"/>
+              <a:t>Quelle: https://</a:t>
+            </a:r>
+            <a:r>
+              <a:rPr lang="de-DE" sz="1000" dirty="0" err="1"/>
+              <a:t>docs.opencv.org</a:t>
+            </a:r>
+            <a:r>
+              <a:rPr lang="de-DE" sz="1000" dirty="0"/>
+              <a:t>/</a:t>
+            </a:r>
+            <a:r>
+              <a:rPr lang="de-DE" sz="1000" dirty="0" err="1"/>
+              <a:t>master</a:t>
+            </a:r>
+            <a:r>
+              <a:rPr lang="de-DE" sz="1000" dirty="0"/>
+              <a:t>/d9/d0c/group__calib3d.html</a:t>
+            </a:r>
+          </a:p>
+        </p:txBody>
+      </p:sp>
     </p:spTree>
     <p:extLst>
       <p:ext uri="{BB962C8B-B14F-4D97-AF65-F5344CB8AC3E}">
-        <p14:creationId xmlns:p14="http://schemas.microsoft.com/office/powerpoint/2010/main" val="3063152851"/>
+        <p14:creationId xmlns:p14="http://schemas.microsoft.com/office/powerpoint/2010/main" val="1205705388"/>
       </p:ext>
     </p:extLst>
   </p:cSld>
   <p:clrMapOvr>
     <a:masterClrMapping/>
   </p:clrMapOvr>
-  <p:timing>
-    <p:tnLst>
-      <p:par>
-        <p:cTn id="1" dur="indefinite" restart="never" nodeType="tmRoot"/>
-      </p:par>
-    </p:tnLst>
-  </p:timing>
 </p:sld>
 </file>
 
@@ -4864,10 +6289,30 @@
             <p:ph idx="1"/>
           </p:nvPr>
         </p:nvSpPr>
-        <p:spPr/>
+        <p:spPr>
+          <a:xfrm>
+            <a:off x="360000" y="1620000"/>
+            <a:ext cx="8028424" cy="4479943"/>
+          </a:xfrm>
+        </p:spPr>
         <p:txBody>
           <a:bodyPr/>
           <a:lstStyle/>
+          <a:p>
+            <a:pPr marL="342900" indent="-342900">
+              <a:buFont typeface="Arial" panose="020B0604020202020204" pitchFamily="34" charset="0"/>
+              <a:buChar char="•"/>
+            </a:pPr>
+            <a:r>
+              <a:rPr lang="de-DE" dirty="0"/>
+              <a:t>Aufgabe: Zustandsschätzung mit </a:t>
+            </a:r>
+            <a:r>
+              <a:rPr lang="de-DE" dirty="0" err="1"/>
+              <a:t>Kalmanfilter</a:t>
+            </a:r>
+            <a:endParaRPr lang="de-DE" dirty="0"/>
+          </a:p>
           <a:p>
             <a:pPr marL="342900" indent="-342900">
               <a:buFont typeface="Arial" panose="020B0604020202020204" pitchFamily="34" charset="0"/>
@@ -4880,7 +6325,85 @@
               <a:buFont typeface="Arial" panose="020B0604020202020204" pitchFamily="34" charset="0"/>
               <a:buChar char="•"/>
             </a:pPr>
+            <a:r>
+              <a:rPr lang="de-DE" dirty="0"/>
+              <a:t>Was ist die Motivation dafür?</a:t>
+            </a:r>
+          </a:p>
+          <a:p>
+            <a:pPr marL="701675" lvl="2" indent="-342900">
+              <a:buFont typeface="Arial" panose="020B0604020202020204" pitchFamily="34" charset="0"/>
+              <a:buChar char="•"/>
+            </a:pPr>
+            <a:r>
+              <a:rPr lang="de-DE" dirty="0"/>
+              <a:t>Autonomes Fahren nicht nur für PKW und LKW interessant</a:t>
+            </a:r>
+          </a:p>
+          <a:p>
+            <a:pPr marL="701675" lvl="2" indent="-342900">
+              <a:buFont typeface="Arial" panose="020B0604020202020204" pitchFamily="34" charset="0"/>
+              <a:buChar char="•"/>
+            </a:pPr>
+            <a:r>
+              <a:rPr lang="de-DE" dirty="0"/>
+              <a:t>Hindernisse müssen erkannt werden</a:t>
+            </a:r>
+          </a:p>
+          <a:p>
+            <a:pPr marL="701675" lvl="2" indent="-342900">
+              <a:buFont typeface="Arial" panose="020B0604020202020204" pitchFamily="34" charset="0"/>
+              <a:buChar char="•"/>
+            </a:pPr>
+            <a:r>
+              <a:rPr lang="de-DE" dirty="0"/>
+              <a:t>Vorhersage von Trajektorien</a:t>
+            </a:r>
+          </a:p>
+          <a:p>
+            <a:pPr marL="701675" lvl="2" indent="-342900">
+              <a:buFont typeface="Arial" panose="020B0604020202020204" pitchFamily="34" charset="0"/>
+              <a:buChar char="•"/>
+            </a:pPr>
             <a:endParaRPr lang="de-DE" dirty="0"/>
+          </a:p>
+          <a:p>
+            <a:pPr marL="342900" lvl="1" indent="-342900">
+              <a:buFont typeface="Arial" panose="020B0604020202020204" pitchFamily="34" charset="0"/>
+              <a:buChar char="•"/>
+            </a:pPr>
+            <a:r>
+              <a:rPr lang="de-DE" dirty="0"/>
+              <a:t>Schwierigkeiten:</a:t>
+            </a:r>
+          </a:p>
+          <a:p>
+            <a:pPr marL="701675" lvl="2" indent="-342900">
+              <a:buFont typeface="Arial" panose="020B0604020202020204" pitchFamily="34" charset="0"/>
+              <a:buChar char="•"/>
+            </a:pPr>
+            <a:r>
+              <a:rPr lang="de-DE" dirty="0"/>
+              <a:t>Tracking abhängig von der Bilderkennung</a:t>
+            </a:r>
+          </a:p>
+          <a:p>
+            <a:pPr marL="701675" lvl="2" indent="-342900">
+              <a:buFont typeface="Arial" panose="020B0604020202020204" pitchFamily="34" charset="0"/>
+              <a:buChar char="•"/>
+            </a:pPr>
+            <a:r>
+              <a:rPr lang="de-DE" dirty="0"/>
+              <a:t>Getroffene Annahmen (z.B. Constant </a:t>
+            </a:r>
+            <a:r>
+              <a:rPr lang="de-DE" dirty="0" err="1"/>
+              <a:t>Velocity</a:t>
+            </a:r>
+            <a:r>
+              <a:rPr lang="de-DE" dirty="0"/>
+              <a:t> Model)</a:t>
+            </a:r>
           </a:p>
           <a:p>
             <a:pPr marL="342900" indent="-342900">
@@ -4889,25 +6412,2518 @@
             </a:pPr>
             <a:endParaRPr lang="de-DE" dirty="0"/>
           </a:p>
+          <a:p>
+            <a:pPr marL="342900" indent="-342900">
+              <a:buFont typeface="Arial" panose="020B0604020202020204" pitchFamily="34" charset="0"/>
+              <a:buChar char="•"/>
+            </a:pPr>
+            <a:endParaRPr lang="de-DE" dirty="0"/>
+          </a:p>
         </p:txBody>
       </p:sp>
     </p:spTree>
     <p:extLst>
       <p:ext uri="{BB962C8B-B14F-4D97-AF65-F5344CB8AC3E}">
-        <p14:creationId xmlns:p14="http://schemas.microsoft.com/office/powerpoint/2010/main" val="2992834583"/>
+        <p14:creationId xmlns:p14="http://schemas.microsoft.com/office/powerpoint/2010/main" val="127583693"/>
       </p:ext>
     </p:extLst>
   </p:cSld>
   <p:clrMapOvr>
     <a:masterClrMapping/>
   </p:clrMapOvr>
-  <p:timing>
-    <p:tnLst>
-      <p:par>
-        <p:cTn id="1" dur="indefinite" restart="never" nodeType="tmRoot"/>
-      </p:par>
-    </p:tnLst>
-  </p:timing>
+</p:sld>
+</file>
+
+<file path=ppt/slides/slide20.xml><?xml version="1.0" encoding="utf-8"?>
+<p:sld xmlns:a="http://schemas.openxmlformats.org/drawingml/2006/main" xmlns:r="http://schemas.openxmlformats.org/officeDocument/2006/relationships" xmlns:p="http://schemas.openxmlformats.org/presentationml/2006/main">
+  <p:cSld>
+    <p:spTree>
+      <p:nvGrpSpPr>
+        <p:cNvPr id="1" name=""/>
+        <p:cNvGrpSpPr/>
+        <p:nvPr/>
+      </p:nvGrpSpPr>
+      <p:grpSpPr>
+        <a:xfrm>
+          <a:off x="0" y="0"/>
+          <a:ext cx="0" cy="0"/>
+          <a:chOff x="0" y="0"/>
+          <a:chExt cx="0" cy="0"/>
+        </a:xfrm>
+      </p:grpSpPr>
+      <p:sp>
+        <p:nvSpPr>
+          <p:cNvPr id="2" name="Titel 1">
+            <a:extLst>
+              <a:ext uri="{FF2B5EF4-FFF2-40B4-BE49-F238E27FC236}">
+                <a16:creationId xmlns:a16="http://schemas.microsoft.com/office/drawing/2014/main" id="{0A0D77FB-FBFC-F34F-B11B-70E8F5ABA43E}"/>
+              </a:ext>
+            </a:extLst>
+          </p:cNvPr>
+          <p:cNvSpPr>
+            <a:spLocks noGrp="1"/>
+          </p:cNvSpPr>
+          <p:nvPr>
+            <p:ph type="title"/>
+          </p:nvPr>
+        </p:nvSpPr>
+        <p:spPr/>
+        <p:txBody>
+          <a:bodyPr/>
+          <a:lstStyle/>
+          <a:p>
+            <a:r>
+              <a:rPr lang="de-DE" dirty="0"/>
+              <a:t>3D-Rekonstruktion</a:t>
+            </a:r>
+          </a:p>
+        </p:txBody>
+      </p:sp>
+      <mc:AlternateContent xmlns:mc="http://schemas.openxmlformats.org/markup-compatibility/2006" xmlns:a14="http://schemas.microsoft.com/office/drawing/2010/main">
+        <mc:Choice Requires="a14">
+          <p:sp>
+            <p:nvSpPr>
+              <p:cNvPr id="3" name="Inhaltsplatzhalter 2">
+                <a:extLst>
+                  <a:ext uri="{FF2B5EF4-FFF2-40B4-BE49-F238E27FC236}">
+                    <a16:creationId xmlns:a16="http://schemas.microsoft.com/office/drawing/2014/main" id="{CE49B056-723B-EE4A-AD57-C34C243D0BB0}"/>
+                  </a:ext>
+                </a:extLst>
+              </p:cNvPr>
+              <p:cNvSpPr>
+                <a:spLocks noGrp="1"/>
+              </p:cNvSpPr>
+              <p:nvPr>
+                <p:ph idx="1"/>
+              </p:nvPr>
+            </p:nvSpPr>
+            <p:spPr>
+              <a:xfrm>
+                <a:off x="360000" y="1620000"/>
+                <a:ext cx="8244448" cy="4479943"/>
+              </a:xfrm>
+            </p:spPr>
+            <p:txBody>
+              <a:bodyPr/>
+              <a:lstStyle/>
+              <a:p>
+                <a:pPr marL="342900" indent="-342900">
+                  <a:buFont typeface="Arial" panose="020B0604020202020204" pitchFamily="34" charset="0"/>
+                  <a:buChar char="•"/>
+                </a:pPr>
+                <a:r>
+                  <a:rPr lang="de-DE" dirty="0" err="1"/>
+                  <a:t>Pinhole</a:t>
+                </a:r>
+                <a:r>
+                  <a:rPr lang="de-DE" dirty="0"/>
+                  <a:t> </a:t>
+                </a:r>
+                <a:r>
+                  <a:rPr lang="de-DE" dirty="0" err="1"/>
+                  <a:t>Camera</a:t>
+                </a:r>
+                <a:r>
+                  <a:rPr lang="de-DE" dirty="0"/>
+                  <a:t> Model</a:t>
+                </a:r>
+                <a:endParaRPr lang="de-DE" b="0" i="1" dirty="0">
+                  <a:latin typeface="Cambria Math" panose="02040503050406030204" pitchFamily="18" charset="0"/>
+                </a:endParaRPr>
+              </a:p>
+              <a:p>
+                <a:pPr/>
+                <a14:m>
+                  <m:oMathPara xmlns:m="http://schemas.openxmlformats.org/officeDocument/2006/math">
+                    <m:oMathParaPr>
+                      <m:jc m:val="centerGroup"/>
+                    </m:oMathParaPr>
+                    <m:oMath xmlns:m="http://schemas.openxmlformats.org/officeDocument/2006/math">
+                      <m:r>
+                        <a:rPr lang="de-DE" b="0" i="1" smtClean="0">
+                          <a:latin typeface="Cambria Math" panose="02040503050406030204" pitchFamily="18" charset="0"/>
+                        </a:rPr>
+                        <m:t>𝑠</m:t>
+                      </m:r>
+                      <m:d>
+                        <m:dPr>
+                          <m:begChr m:val="["/>
+                          <m:endChr m:val="]"/>
+                          <m:ctrlPr>
+                            <a:rPr lang="de-DE" b="0" i="1" smtClean="0">
+                              <a:latin typeface="Cambria Math" panose="02040503050406030204" pitchFamily="18" charset="0"/>
+                            </a:rPr>
+                          </m:ctrlPr>
+                        </m:dPr>
+                        <m:e>
+                          <m:eqArr>
+                            <m:eqArrPr>
+                              <m:ctrlPr>
+                                <a:rPr lang="de-DE" b="0" i="1" smtClean="0">
+                                  <a:latin typeface="Cambria Math" panose="02040503050406030204" pitchFamily="18" charset="0"/>
+                                </a:rPr>
+                              </m:ctrlPr>
+                            </m:eqArrPr>
+                            <m:e>
+                              <m:r>
+                                <a:rPr lang="de-DE" b="0" i="1" smtClean="0">
+                                  <a:latin typeface="Cambria Math" panose="02040503050406030204" pitchFamily="18" charset="0"/>
+                                </a:rPr>
+                                <m:t>𝑢</m:t>
+                              </m:r>
+                            </m:e>
+                            <m:e>
+                              <m:r>
+                                <a:rPr lang="de-DE" b="0" i="1" smtClean="0">
+                                  <a:latin typeface="Cambria Math" panose="02040503050406030204" pitchFamily="18" charset="0"/>
+                                </a:rPr>
+                                <m:t>𝑣</m:t>
+                              </m:r>
+                            </m:e>
+                            <m:e>
+                              <m:r>
+                                <a:rPr lang="de-DE" b="0" i="1" smtClean="0">
+                                  <a:latin typeface="Cambria Math" panose="02040503050406030204" pitchFamily="18" charset="0"/>
+                                </a:rPr>
+                                <m:t>1</m:t>
+                              </m:r>
+                            </m:e>
+                          </m:eqArr>
+                        </m:e>
+                      </m:d>
+                      <m:r>
+                        <a:rPr lang="de-DE" b="0" i="1" smtClean="0">
+                          <a:latin typeface="Cambria Math" panose="02040503050406030204" pitchFamily="18" charset="0"/>
+                        </a:rPr>
+                        <m:t>=</m:t>
+                      </m:r>
+                      <m:d>
+                        <m:dPr>
+                          <m:begChr m:val="["/>
+                          <m:endChr m:val="]"/>
+                          <m:ctrlPr>
+                            <a:rPr lang="de-DE" b="0" i="1" smtClean="0">
+                              <a:latin typeface="Cambria Math" panose="02040503050406030204" pitchFamily="18" charset="0"/>
+                            </a:rPr>
+                          </m:ctrlPr>
+                        </m:dPr>
+                        <m:e>
+                          <m:m>
+                            <m:mPr>
+                              <m:mcs>
+                                <m:mc>
+                                  <m:mcPr>
+                                    <m:count m:val="3"/>
+                                    <m:mcJc m:val="center"/>
+                                  </m:mcPr>
+                                </m:mc>
+                              </m:mcs>
+                              <m:ctrlPr>
+                                <a:rPr lang="de-DE" b="0" i="1" smtClean="0">
+                                  <a:latin typeface="Cambria Math" panose="02040503050406030204" pitchFamily="18" charset="0"/>
+                                </a:rPr>
+                              </m:ctrlPr>
+                            </m:mPr>
+                            <m:mr>
+                              <m:e>
+                                <m:sSub>
+                                  <m:sSubPr>
+                                    <m:ctrlPr>
+                                      <a:rPr lang="de-DE" b="0" i="1" smtClean="0">
+                                        <a:latin typeface="Cambria Math" panose="02040503050406030204" pitchFamily="18" charset="0"/>
+                                      </a:rPr>
+                                    </m:ctrlPr>
+                                  </m:sSubPr>
+                                  <m:e>
+                                    <m:r>
+                                      <m:rPr>
+                                        <m:brk m:alnAt="7"/>
+                                      </m:rPr>
+                                      <a:rPr lang="de-DE" b="0" i="1" smtClean="0">
+                                        <a:latin typeface="Cambria Math" panose="02040503050406030204" pitchFamily="18" charset="0"/>
+                                      </a:rPr>
+                                      <m:t>𝑓</m:t>
+                                    </m:r>
+                                  </m:e>
+                                  <m:sub>
+                                    <m:r>
+                                      <m:rPr>
+                                        <m:brk m:alnAt="7"/>
+                                      </m:rPr>
+                                      <a:rPr lang="de-DE" b="0" i="1" smtClean="0">
+                                        <a:latin typeface="Cambria Math" panose="02040503050406030204" pitchFamily="18" charset="0"/>
+                                      </a:rPr>
+                                      <m:t>𝑥</m:t>
+                                    </m:r>
+                                  </m:sub>
+                                </m:sSub>
+                              </m:e>
+                              <m:e>
+                                <m:r>
+                                  <a:rPr lang="de-DE" b="0" i="1" smtClean="0">
+                                    <a:latin typeface="Cambria Math" panose="02040503050406030204" pitchFamily="18" charset="0"/>
+                                  </a:rPr>
+                                  <m:t>0</m:t>
+                                </m:r>
+                              </m:e>
+                              <m:e>
+                                <m:sSub>
+                                  <m:sSubPr>
+                                    <m:ctrlPr>
+                                      <a:rPr lang="de-DE" b="0" i="1" smtClean="0">
+                                        <a:latin typeface="Cambria Math" panose="02040503050406030204" pitchFamily="18" charset="0"/>
+                                      </a:rPr>
+                                    </m:ctrlPr>
+                                  </m:sSubPr>
+                                  <m:e>
+                                    <m:r>
+                                      <a:rPr lang="de-DE" b="0" i="1" smtClean="0">
+                                        <a:latin typeface="Cambria Math" panose="02040503050406030204" pitchFamily="18" charset="0"/>
+                                      </a:rPr>
+                                      <m:t>𝑐</m:t>
+                                    </m:r>
+                                  </m:e>
+                                  <m:sub>
+                                    <m:r>
+                                      <a:rPr lang="de-DE" b="0" i="1" smtClean="0">
+                                        <a:latin typeface="Cambria Math" panose="02040503050406030204" pitchFamily="18" charset="0"/>
+                                      </a:rPr>
+                                      <m:t>𝑥</m:t>
+                                    </m:r>
+                                  </m:sub>
+                                </m:sSub>
+                              </m:e>
+                            </m:mr>
+                            <m:mr>
+                              <m:e>
+                                <m:r>
+                                  <a:rPr lang="de-DE" b="0" i="1" smtClean="0">
+                                    <a:latin typeface="Cambria Math" panose="02040503050406030204" pitchFamily="18" charset="0"/>
+                                  </a:rPr>
+                                  <m:t>0</m:t>
+                                </m:r>
+                              </m:e>
+                              <m:e>
+                                <m:sSub>
+                                  <m:sSubPr>
+                                    <m:ctrlPr>
+                                      <a:rPr lang="de-DE" b="0" i="1" smtClean="0">
+                                        <a:latin typeface="Cambria Math" panose="02040503050406030204" pitchFamily="18" charset="0"/>
+                                      </a:rPr>
+                                    </m:ctrlPr>
+                                  </m:sSubPr>
+                                  <m:e>
+                                    <m:r>
+                                      <a:rPr lang="de-DE" b="0" i="1" smtClean="0">
+                                        <a:latin typeface="Cambria Math" panose="02040503050406030204" pitchFamily="18" charset="0"/>
+                                      </a:rPr>
+                                      <m:t>𝑓</m:t>
+                                    </m:r>
+                                  </m:e>
+                                  <m:sub>
+                                    <m:r>
+                                      <a:rPr lang="de-DE" b="0" i="1" smtClean="0">
+                                        <a:latin typeface="Cambria Math" panose="02040503050406030204" pitchFamily="18" charset="0"/>
+                                      </a:rPr>
+                                      <m:t>𝑦</m:t>
+                                    </m:r>
+                                  </m:sub>
+                                </m:sSub>
+                              </m:e>
+                              <m:e>
+                                <m:sSub>
+                                  <m:sSubPr>
+                                    <m:ctrlPr>
+                                      <a:rPr lang="de-DE" b="0" i="1" smtClean="0">
+                                        <a:latin typeface="Cambria Math" panose="02040503050406030204" pitchFamily="18" charset="0"/>
+                                      </a:rPr>
+                                    </m:ctrlPr>
+                                  </m:sSubPr>
+                                  <m:e>
+                                    <m:r>
+                                      <a:rPr lang="de-DE" b="0" i="1" smtClean="0">
+                                        <a:latin typeface="Cambria Math" panose="02040503050406030204" pitchFamily="18" charset="0"/>
+                                      </a:rPr>
+                                      <m:t>𝑐</m:t>
+                                    </m:r>
+                                  </m:e>
+                                  <m:sub>
+                                    <m:r>
+                                      <a:rPr lang="de-DE" b="0" i="1" smtClean="0">
+                                        <a:latin typeface="Cambria Math" panose="02040503050406030204" pitchFamily="18" charset="0"/>
+                                      </a:rPr>
+                                      <m:t>𝑦</m:t>
+                                    </m:r>
+                                  </m:sub>
+                                </m:sSub>
+                              </m:e>
+                            </m:mr>
+                            <m:mr>
+                              <m:e>
+                                <m:r>
+                                  <a:rPr lang="de-DE" b="0" i="1" smtClean="0">
+                                    <a:latin typeface="Cambria Math" panose="02040503050406030204" pitchFamily="18" charset="0"/>
+                                  </a:rPr>
+                                  <m:t>0</m:t>
+                                </m:r>
+                              </m:e>
+                              <m:e>
+                                <m:r>
+                                  <a:rPr lang="de-DE" b="0" i="1" smtClean="0">
+                                    <a:latin typeface="Cambria Math" panose="02040503050406030204" pitchFamily="18" charset="0"/>
+                                  </a:rPr>
+                                  <m:t>0 </m:t>
+                                </m:r>
+                              </m:e>
+                              <m:e>
+                                <m:r>
+                                  <a:rPr lang="de-DE" b="0" i="1" smtClean="0">
+                                    <a:latin typeface="Cambria Math" panose="02040503050406030204" pitchFamily="18" charset="0"/>
+                                  </a:rPr>
+                                  <m:t>1</m:t>
+                                </m:r>
+                              </m:e>
+                            </m:mr>
+                          </m:m>
+                        </m:e>
+                      </m:d>
+                      <m:d>
+                        <m:dPr>
+                          <m:begChr m:val="["/>
+                          <m:endChr m:val="]"/>
+                          <m:ctrlPr>
+                            <a:rPr lang="de-DE" i="1">
+                              <a:latin typeface="Cambria Math" panose="02040503050406030204" pitchFamily="18" charset="0"/>
+                            </a:rPr>
+                          </m:ctrlPr>
+                        </m:dPr>
+                        <m:e>
+                          <m:m>
+                            <m:mPr>
+                              <m:mcs>
+                                <m:mc>
+                                  <m:mcPr>
+                                    <m:count m:val="3"/>
+                                    <m:mcJc m:val="center"/>
+                                  </m:mcPr>
+                                </m:mc>
+                              </m:mcs>
+                              <m:ctrlPr>
+                                <a:rPr lang="de-DE" i="1">
+                                  <a:latin typeface="Cambria Math" panose="02040503050406030204" pitchFamily="18" charset="0"/>
+                                </a:rPr>
+                              </m:ctrlPr>
+                            </m:mPr>
+                            <m:mr>
+                              <m:e>
+                                <m:sSub>
+                                  <m:sSubPr>
+                                    <m:ctrlPr>
+                                      <a:rPr lang="de-DE" b="0" i="1" smtClean="0">
+                                        <a:latin typeface="Cambria Math" panose="02040503050406030204" pitchFamily="18" charset="0"/>
+                                      </a:rPr>
+                                    </m:ctrlPr>
+                                  </m:sSubPr>
+                                  <m:e>
+                                    <m:r>
+                                      <m:rPr>
+                                        <m:brk m:alnAt="7"/>
+                                      </m:rPr>
+                                      <a:rPr lang="de-DE" b="0" i="1" smtClean="0">
+                                        <a:latin typeface="Cambria Math" panose="02040503050406030204" pitchFamily="18" charset="0"/>
+                                      </a:rPr>
+                                      <m:t>𝑟</m:t>
+                                    </m:r>
+                                  </m:e>
+                                  <m:sub>
+                                    <m:r>
+                                      <m:rPr>
+                                        <m:brk m:alnAt="7"/>
+                                      </m:rPr>
+                                      <a:rPr lang="de-DE" b="0" i="1" smtClean="0">
+                                        <a:latin typeface="Cambria Math" panose="02040503050406030204" pitchFamily="18" charset="0"/>
+                                      </a:rPr>
+                                      <m:t>1</m:t>
+                                    </m:r>
+                                    <m:r>
+                                      <a:rPr lang="de-DE" b="0" i="1" smtClean="0">
+                                        <a:latin typeface="Cambria Math" panose="02040503050406030204" pitchFamily="18" charset="0"/>
+                                      </a:rPr>
+                                      <m:t>1</m:t>
+                                    </m:r>
+                                  </m:sub>
+                                </m:sSub>
+                              </m:e>
+                              <m:e>
+                                <m:sSub>
+                                  <m:sSubPr>
+                                    <m:ctrlPr>
+                                      <a:rPr lang="de-DE" i="1">
+                                        <a:latin typeface="Cambria Math" panose="02040503050406030204" pitchFamily="18" charset="0"/>
+                                      </a:rPr>
+                                    </m:ctrlPr>
+                                  </m:sSubPr>
+                                  <m:e>
+                                    <m:r>
+                                      <m:rPr>
+                                        <m:brk m:alnAt="7"/>
+                                      </m:rPr>
+                                      <a:rPr lang="de-DE" i="1">
+                                        <a:latin typeface="Cambria Math" panose="02040503050406030204" pitchFamily="18" charset="0"/>
+                                      </a:rPr>
+                                      <m:t>𝑟</m:t>
+                                    </m:r>
+                                  </m:e>
+                                  <m:sub>
+                                    <m:r>
+                                      <m:rPr>
+                                        <m:brk m:alnAt="7"/>
+                                      </m:rPr>
+                                      <a:rPr lang="de-DE" i="1">
+                                        <a:latin typeface="Cambria Math" panose="02040503050406030204" pitchFamily="18" charset="0"/>
+                                      </a:rPr>
+                                      <m:t>1</m:t>
+                                    </m:r>
+                                    <m:r>
+                                      <a:rPr lang="de-DE" b="0" i="1" smtClean="0">
+                                        <a:latin typeface="Cambria Math" panose="02040503050406030204" pitchFamily="18" charset="0"/>
+                                      </a:rPr>
+                                      <m:t>2</m:t>
+                                    </m:r>
+                                  </m:sub>
+                                </m:sSub>
+                              </m:e>
+                              <m:e>
+                                <m:sSub>
+                                  <m:sSubPr>
+                                    <m:ctrlPr>
+                                      <a:rPr lang="de-DE" i="1">
+                                        <a:latin typeface="Cambria Math" panose="02040503050406030204" pitchFamily="18" charset="0"/>
+                                      </a:rPr>
+                                    </m:ctrlPr>
+                                  </m:sSubPr>
+                                  <m:e>
+                                    <m:r>
+                                      <m:rPr>
+                                        <m:brk m:alnAt="7"/>
+                                      </m:rPr>
+                                      <a:rPr lang="de-DE" i="1">
+                                        <a:latin typeface="Cambria Math" panose="02040503050406030204" pitchFamily="18" charset="0"/>
+                                      </a:rPr>
+                                      <m:t>𝑟</m:t>
+                                    </m:r>
+                                  </m:e>
+                                  <m:sub>
+                                    <m:r>
+                                      <m:rPr>
+                                        <m:brk m:alnAt="7"/>
+                                      </m:rPr>
+                                      <a:rPr lang="de-DE" i="1">
+                                        <a:latin typeface="Cambria Math" panose="02040503050406030204" pitchFamily="18" charset="0"/>
+                                      </a:rPr>
+                                      <m:t>1</m:t>
+                                    </m:r>
+                                    <m:r>
+                                      <a:rPr lang="de-DE" b="0" i="1" smtClean="0">
+                                        <a:latin typeface="Cambria Math" panose="02040503050406030204" pitchFamily="18" charset="0"/>
+                                      </a:rPr>
+                                      <m:t>3</m:t>
+                                    </m:r>
+                                  </m:sub>
+                                </m:sSub>
+                              </m:e>
+                            </m:mr>
+                            <m:mr>
+                              <m:e>
+                                <m:sSub>
+                                  <m:sSubPr>
+                                    <m:ctrlPr>
+                                      <a:rPr lang="de-DE" i="1">
+                                        <a:latin typeface="Cambria Math" panose="02040503050406030204" pitchFamily="18" charset="0"/>
+                                      </a:rPr>
+                                    </m:ctrlPr>
+                                  </m:sSubPr>
+                                  <m:e>
+                                    <m:r>
+                                      <m:rPr>
+                                        <m:brk m:alnAt="7"/>
+                                      </m:rPr>
+                                      <a:rPr lang="de-DE" i="1">
+                                        <a:latin typeface="Cambria Math" panose="02040503050406030204" pitchFamily="18" charset="0"/>
+                                      </a:rPr>
+                                      <m:t>𝑟</m:t>
+                                    </m:r>
+                                  </m:e>
+                                  <m:sub>
+                                    <m:r>
+                                      <a:rPr lang="de-DE" b="0" i="1" smtClean="0">
+                                        <a:latin typeface="Cambria Math" panose="02040503050406030204" pitchFamily="18" charset="0"/>
+                                      </a:rPr>
+                                      <m:t>2</m:t>
+                                    </m:r>
+                                    <m:r>
+                                      <a:rPr lang="de-DE" i="1">
+                                        <a:latin typeface="Cambria Math" panose="02040503050406030204" pitchFamily="18" charset="0"/>
+                                      </a:rPr>
+                                      <m:t>1</m:t>
+                                    </m:r>
+                                  </m:sub>
+                                </m:sSub>
+                              </m:e>
+                              <m:e>
+                                <m:sSub>
+                                  <m:sSubPr>
+                                    <m:ctrlPr>
+                                      <a:rPr lang="de-DE" i="1">
+                                        <a:latin typeface="Cambria Math" panose="02040503050406030204" pitchFamily="18" charset="0"/>
+                                      </a:rPr>
+                                    </m:ctrlPr>
+                                  </m:sSubPr>
+                                  <m:e>
+                                    <m:r>
+                                      <m:rPr>
+                                        <m:brk m:alnAt="7"/>
+                                      </m:rPr>
+                                      <a:rPr lang="de-DE" i="1">
+                                        <a:latin typeface="Cambria Math" panose="02040503050406030204" pitchFamily="18" charset="0"/>
+                                      </a:rPr>
+                                      <m:t>𝑟</m:t>
+                                    </m:r>
+                                  </m:e>
+                                  <m:sub>
+                                    <m:r>
+                                      <a:rPr lang="de-DE" b="0" i="1" smtClean="0">
+                                        <a:latin typeface="Cambria Math" panose="02040503050406030204" pitchFamily="18" charset="0"/>
+                                      </a:rPr>
+                                      <m:t>22</m:t>
+                                    </m:r>
+                                  </m:sub>
+                                </m:sSub>
+                              </m:e>
+                              <m:e>
+                                <m:sSub>
+                                  <m:sSubPr>
+                                    <m:ctrlPr>
+                                      <a:rPr lang="de-DE" i="1">
+                                        <a:latin typeface="Cambria Math" panose="02040503050406030204" pitchFamily="18" charset="0"/>
+                                      </a:rPr>
+                                    </m:ctrlPr>
+                                  </m:sSubPr>
+                                  <m:e>
+                                    <m:r>
+                                      <m:rPr>
+                                        <m:brk m:alnAt="7"/>
+                                      </m:rPr>
+                                      <a:rPr lang="de-DE" i="1">
+                                        <a:latin typeface="Cambria Math" panose="02040503050406030204" pitchFamily="18" charset="0"/>
+                                      </a:rPr>
+                                      <m:t>𝑟</m:t>
+                                    </m:r>
+                                  </m:e>
+                                  <m:sub>
+                                    <m:r>
+                                      <a:rPr lang="de-DE" b="0" i="1" smtClean="0">
+                                        <a:latin typeface="Cambria Math" panose="02040503050406030204" pitchFamily="18" charset="0"/>
+                                      </a:rPr>
+                                      <m:t>23</m:t>
+                                    </m:r>
+                                  </m:sub>
+                                </m:sSub>
+                              </m:e>
+                            </m:mr>
+                            <m:mr>
+                              <m:e>
+                                <m:sSub>
+                                  <m:sSubPr>
+                                    <m:ctrlPr>
+                                      <a:rPr lang="de-DE" i="1">
+                                        <a:latin typeface="Cambria Math" panose="02040503050406030204" pitchFamily="18" charset="0"/>
+                                      </a:rPr>
+                                    </m:ctrlPr>
+                                  </m:sSubPr>
+                                  <m:e>
+                                    <m:r>
+                                      <m:rPr>
+                                        <m:brk m:alnAt="7"/>
+                                      </m:rPr>
+                                      <a:rPr lang="de-DE" i="1">
+                                        <a:latin typeface="Cambria Math" panose="02040503050406030204" pitchFamily="18" charset="0"/>
+                                      </a:rPr>
+                                      <m:t>𝑟</m:t>
+                                    </m:r>
+                                  </m:e>
+                                  <m:sub>
+                                    <m:r>
+                                      <a:rPr lang="de-DE" b="0" i="1" smtClean="0">
+                                        <a:latin typeface="Cambria Math" panose="02040503050406030204" pitchFamily="18" charset="0"/>
+                                      </a:rPr>
+                                      <m:t>3</m:t>
+                                    </m:r>
+                                    <m:r>
+                                      <a:rPr lang="de-DE" i="1">
+                                        <a:latin typeface="Cambria Math" panose="02040503050406030204" pitchFamily="18" charset="0"/>
+                                      </a:rPr>
+                                      <m:t>1</m:t>
+                                    </m:r>
+                                  </m:sub>
+                                </m:sSub>
+                              </m:e>
+                              <m:e>
+                                <m:sSub>
+                                  <m:sSubPr>
+                                    <m:ctrlPr>
+                                      <a:rPr lang="de-DE" i="1">
+                                        <a:latin typeface="Cambria Math" panose="02040503050406030204" pitchFamily="18" charset="0"/>
+                                      </a:rPr>
+                                    </m:ctrlPr>
+                                  </m:sSubPr>
+                                  <m:e>
+                                    <m:r>
+                                      <m:rPr>
+                                        <m:brk m:alnAt="7"/>
+                                      </m:rPr>
+                                      <a:rPr lang="de-DE" i="1">
+                                        <a:latin typeface="Cambria Math" panose="02040503050406030204" pitchFamily="18" charset="0"/>
+                                      </a:rPr>
+                                      <m:t>𝑟</m:t>
+                                    </m:r>
+                                  </m:e>
+                                  <m:sub>
+                                    <m:r>
+                                      <a:rPr lang="de-DE" b="0" i="1" smtClean="0">
+                                        <a:latin typeface="Cambria Math" panose="02040503050406030204" pitchFamily="18" charset="0"/>
+                                      </a:rPr>
+                                      <m:t>32</m:t>
+                                    </m:r>
+                                  </m:sub>
+                                </m:sSub>
+                              </m:e>
+                              <m:e>
+                                <m:sSub>
+                                  <m:sSubPr>
+                                    <m:ctrlPr>
+                                      <a:rPr lang="de-DE" i="1">
+                                        <a:latin typeface="Cambria Math" panose="02040503050406030204" pitchFamily="18" charset="0"/>
+                                      </a:rPr>
+                                    </m:ctrlPr>
+                                  </m:sSubPr>
+                                  <m:e>
+                                    <m:r>
+                                      <m:rPr>
+                                        <m:brk m:alnAt="7"/>
+                                      </m:rPr>
+                                      <a:rPr lang="de-DE" i="1">
+                                        <a:latin typeface="Cambria Math" panose="02040503050406030204" pitchFamily="18" charset="0"/>
+                                      </a:rPr>
+                                      <m:t>𝑟</m:t>
+                                    </m:r>
+                                  </m:e>
+                                  <m:sub>
+                                    <m:r>
+                                      <a:rPr lang="de-DE" b="0" i="1" smtClean="0">
+                                        <a:latin typeface="Cambria Math" panose="02040503050406030204" pitchFamily="18" charset="0"/>
+                                      </a:rPr>
+                                      <m:t>33</m:t>
+                                    </m:r>
+                                  </m:sub>
+                                </m:sSub>
+                              </m:e>
+                            </m:mr>
+                          </m:m>
+                          <m:r>
+                            <a:rPr lang="de-DE" b="0" i="1" smtClean="0">
+                              <a:latin typeface="Cambria Math" panose="02040503050406030204" pitchFamily="18" charset="0"/>
+                            </a:rPr>
+                            <m:t>   </m:t>
+                          </m:r>
+                          <m:eqArr>
+                            <m:eqArrPr>
+                              <m:ctrlPr>
+                                <a:rPr lang="de-DE" i="1">
+                                  <a:latin typeface="Cambria Math" panose="02040503050406030204" pitchFamily="18" charset="0"/>
+                                </a:rPr>
+                              </m:ctrlPr>
+                            </m:eqArrPr>
+                            <m:e>
+                              <m:sSub>
+                                <m:sSubPr>
+                                  <m:ctrlPr>
+                                    <a:rPr lang="de-DE" i="1">
+                                      <a:latin typeface="Cambria Math" panose="02040503050406030204" pitchFamily="18" charset="0"/>
+                                    </a:rPr>
+                                  </m:ctrlPr>
+                                </m:sSubPr>
+                                <m:e>
+                                  <m:r>
+                                    <a:rPr lang="de-DE" b="0" i="1" smtClean="0">
+                                      <a:latin typeface="Cambria Math" panose="02040503050406030204" pitchFamily="18" charset="0"/>
+                                    </a:rPr>
+                                    <m:t>𝑡</m:t>
+                                  </m:r>
+                                </m:e>
+                                <m:sub>
+                                  <m:r>
+                                    <a:rPr lang="de-DE" i="1">
+                                      <a:latin typeface="Cambria Math" panose="02040503050406030204" pitchFamily="18" charset="0"/>
+                                    </a:rPr>
+                                    <m:t>1</m:t>
+                                  </m:r>
+                                </m:sub>
+                              </m:sSub>
+                            </m:e>
+                            <m:e>
+                              <m:sSub>
+                                <m:sSubPr>
+                                  <m:ctrlPr>
+                                    <a:rPr lang="de-DE" i="1">
+                                      <a:latin typeface="Cambria Math" panose="02040503050406030204" pitchFamily="18" charset="0"/>
+                                    </a:rPr>
+                                  </m:ctrlPr>
+                                </m:sSubPr>
+                                <m:e>
+                                  <m:r>
+                                    <a:rPr lang="de-DE" b="0" i="1" smtClean="0">
+                                      <a:latin typeface="Cambria Math" panose="02040503050406030204" pitchFamily="18" charset="0"/>
+                                    </a:rPr>
+                                    <m:t>𝑡</m:t>
+                                  </m:r>
+                                </m:e>
+                                <m:sub>
+                                  <m:r>
+                                    <a:rPr lang="de-DE" b="0" i="1" smtClean="0">
+                                      <a:latin typeface="Cambria Math" panose="02040503050406030204" pitchFamily="18" charset="0"/>
+                                    </a:rPr>
+                                    <m:t>2</m:t>
+                                  </m:r>
+                                </m:sub>
+                              </m:sSub>
+                            </m:e>
+                            <m:e>
+                              <m:sSub>
+                                <m:sSubPr>
+                                  <m:ctrlPr>
+                                    <a:rPr lang="de-DE" i="1">
+                                      <a:latin typeface="Cambria Math" panose="02040503050406030204" pitchFamily="18" charset="0"/>
+                                    </a:rPr>
+                                  </m:ctrlPr>
+                                </m:sSubPr>
+                                <m:e>
+                                  <m:r>
+                                    <a:rPr lang="de-DE" b="0" i="1" smtClean="0">
+                                      <a:latin typeface="Cambria Math" panose="02040503050406030204" pitchFamily="18" charset="0"/>
+                                    </a:rPr>
+                                    <m:t>𝑡</m:t>
+                                  </m:r>
+                                </m:e>
+                                <m:sub>
+                                  <m:r>
+                                    <a:rPr lang="de-DE" b="0" i="1" smtClean="0">
+                                      <a:latin typeface="Cambria Math" panose="02040503050406030204" pitchFamily="18" charset="0"/>
+                                    </a:rPr>
+                                    <m:t>3</m:t>
+                                  </m:r>
+                                </m:sub>
+                              </m:sSub>
+                            </m:e>
+                          </m:eqArr>
+                        </m:e>
+                      </m:d>
+                      <m:d>
+                        <m:dPr>
+                          <m:begChr m:val="["/>
+                          <m:endChr m:val="]"/>
+                          <m:ctrlPr>
+                            <a:rPr lang="de-DE" i="1">
+                              <a:latin typeface="Cambria Math" panose="02040503050406030204" pitchFamily="18" charset="0"/>
+                            </a:rPr>
+                          </m:ctrlPr>
+                        </m:dPr>
+                        <m:e>
+                          <m:eqArr>
+                            <m:eqArrPr>
+                              <m:ctrlPr>
+                                <a:rPr lang="de-DE" b="0" i="1" smtClean="0">
+                                  <a:latin typeface="Cambria Math" panose="02040503050406030204" pitchFamily="18" charset="0"/>
+                                </a:rPr>
+                              </m:ctrlPr>
+                            </m:eqArrPr>
+                            <m:e>
+                              <m:r>
+                                <a:rPr lang="de-DE" b="0" i="1" smtClean="0">
+                                  <a:latin typeface="Cambria Math" panose="02040503050406030204" pitchFamily="18" charset="0"/>
+                                </a:rPr>
+                                <m:t>𝑋</m:t>
+                              </m:r>
+                            </m:e>
+                            <m:e>
+                              <m:r>
+                                <a:rPr lang="de-DE" b="0" i="1" smtClean="0">
+                                  <a:latin typeface="Cambria Math" panose="02040503050406030204" pitchFamily="18" charset="0"/>
+                                </a:rPr>
+                                <m:t>𝑌</m:t>
+                              </m:r>
+                            </m:e>
+                            <m:e>
+                              <m:r>
+                                <a:rPr lang="de-DE" b="0" i="1" smtClean="0">
+                                  <a:latin typeface="Cambria Math" panose="02040503050406030204" pitchFamily="18" charset="0"/>
+                                </a:rPr>
+                                <m:t>𝑍</m:t>
+                              </m:r>
+                            </m:e>
+                            <m:e>
+                              <m:r>
+                                <a:rPr lang="de-DE" b="0" i="1" smtClean="0">
+                                  <a:latin typeface="Cambria Math" panose="02040503050406030204" pitchFamily="18" charset="0"/>
+                                </a:rPr>
+                                <m:t>1</m:t>
+                              </m:r>
+                            </m:e>
+                          </m:eqArr>
+                        </m:e>
+                      </m:d>
+                    </m:oMath>
+                  </m:oMathPara>
+                </a14:m>
+                <a:endParaRPr lang="de-DE" dirty="0"/>
+              </a:p>
+              <a:p>
+                <a:pPr/>
+                <a14:m>
+                  <m:oMathPara xmlns:m="http://schemas.openxmlformats.org/officeDocument/2006/math">
+                    <m:oMathParaPr>
+                      <m:jc m:val="centerGroup"/>
+                    </m:oMathParaPr>
+                    <m:oMath xmlns:m="http://schemas.openxmlformats.org/officeDocument/2006/math">
+                      <m:d>
+                        <m:dPr>
+                          <m:begChr m:val="["/>
+                          <m:endChr m:val="]"/>
+                          <m:ctrlPr>
+                            <a:rPr lang="de-DE" i="1">
+                              <a:latin typeface="Cambria Math" panose="02040503050406030204" pitchFamily="18" charset="0"/>
+                            </a:rPr>
+                          </m:ctrlPr>
+                        </m:dPr>
+                        <m:e>
+                          <m:eqArr>
+                            <m:eqArrPr>
+                              <m:ctrlPr>
+                                <a:rPr lang="de-DE" b="0" i="1" smtClean="0">
+                                  <a:latin typeface="Cambria Math" panose="02040503050406030204" pitchFamily="18" charset="0"/>
+                                </a:rPr>
+                              </m:ctrlPr>
+                            </m:eqArrPr>
+                            <m:e>
+                              <m:r>
+                                <a:rPr lang="de-DE" b="0" i="1" smtClean="0">
+                                  <a:latin typeface="Cambria Math" panose="02040503050406030204" pitchFamily="18" charset="0"/>
+                                </a:rPr>
+                                <m:t>𝑋</m:t>
+                              </m:r>
+                            </m:e>
+                            <m:e>
+                              <m:r>
+                                <a:rPr lang="de-DE" b="0" i="1" smtClean="0">
+                                  <a:latin typeface="Cambria Math" panose="02040503050406030204" pitchFamily="18" charset="0"/>
+                                </a:rPr>
+                                <m:t>𝑌</m:t>
+                              </m:r>
+                            </m:e>
+                            <m:e>
+                              <m:sSub>
+                                <m:sSubPr>
+                                  <m:ctrlPr>
+                                    <a:rPr lang="de-DE" b="0" i="1" smtClean="0">
+                                      <a:latin typeface="Cambria Math" panose="02040503050406030204" pitchFamily="18" charset="0"/>
+                                    </a:rPr>
+                                  </m:ctrlPr>
+                                </m:sSubPr>
+                                <m:e>
+                                  <m:r>
+                                    <a:rPr lang="de-DE" b="0" i="1" smtClean="0">
+                                      <a:latin typeface="Cambria Math" panose="02040503050406030204" pitchFamily="18" charset="0"/>
+                                    </a:rPr>
+                                    <m:t>𝑍</m:t>
+                                  </m:r>
+                                </m:e>
+                                <m:sub>
+                                  <m:r>
+                                    <a:rPr lang="de-DE" b="0" i="1" smtClean="0">
+                                      <a:latin typeface="Cambria Math" panose="02040503050406030204" pitchFamily="18" charset="0"/>
+                                    </a:rPr>
+                                    <m:t>𝐶</m:t>
+                                  </m:r>
+                                </m:sub>
+                              </m:sSub>
+                            </m:e>
+                          </m:eqArr>
+                        </m:e>
+                      </m:d>
+                      <m:r>
+                        <a:rPr lang="de-DE" i="1">
+                          <a:latin typeface="Cambria Math" panose="02040503050406030204" pitchFamily="18" charset="0"/>
+                        </a:rPr>
+                        <m:t>=</m:t>
+                      </m:r>
+                      <m:sSup>
+                        <m:sSupPr>
+                          <m:ctrlPr>
+                            <a:rPr lang="de-DE" b="0" i="1" smtClean="0">
+                              <a:latin typeface="Cambria Math" panose="02040503050406030204" pitchFamily="18" charset="0"/>
+                            </a:rPr>
+                          </m:ctrlPr>
+                        </m:sSupPr>
+                        <m:e>
+                          <m:r>
+                            <a:rPr lang="de-DE" b="0" i="1" smtClean="0">
+                              <a:latin typeface="Cambria Math" panose="02040503050406030204" pitchFamily="18" charset="0"/>
+                            </a:rPr>
+                            <m:t>𝑅</m:t>
+                          </m:r>
+                        </m:e>
+                        <m:sup>
+                          <m:r>
+                            <a:rPr lang="de-DE" b="0" i="1" smtClean="0">
+                              <a:latin typeface="Cambria Math" panose="02040503050406030204" pitchFamily="18" charset="0"/>
+                            </a:rPr>
+                            <m:t>−1</m:t>
+                          </m:r>
+                        </m:sup>
+                      </m:sSup>
+                      <m:sSup>
+                        <m:sSupPr>
+                          <m:ctrlPr>
+                            <a:rPr lang="de-DE" b="0" i="1" smtClean="0">
+                              <a:latin typeface="Cambria Math" panose="02040503050406030204" pitchFamily="18" charset="0"/>
+                            </a:rPr>
+                          </m:ctrlPr>
+                        </m:sSupPr>
+                        <m:e>
+                          <m:r>
+                            <a:rPr lang="de-DE" b="0" i="1" smtClean="0">
+                              <a:latin typeface="Cambria Math" panose="02040503050406030204" pitchFamily="18" charset="0"/>
+                            </a:rPr>
+                            <m:t>𝑀</m:t>
+                          </m:r>
+                        </m:e>
+                        <m:sup>
+                          <m:r>
+                            <a:rPr lang="de-DE" b="0" i="1" smtClean="0">
+                              <a:latin typeface="Cambria Math" panose="02040503050406030204" pitchFamily="18" charset="0"/>
+                            </a:rPr>
+                            <m:t>−1</m:t>
+                          </m:r>
+                        </m:sup>
+                      </m:sSup>
+                      <m:r>
+                        <a:rPr lang="de-DE" i="1">
+                          <a:latin typeface="Cambria Math" panose="02040503050406030204" pitchFamily="18" charset="0"/>
+                        </a:rPr>
+                        <m:t>𝑠</m:t>
+                      </m:r>
+                      <m:d>
+                        <m:dPr>
+                          <m:begChr m:val="["/>
+                          <m:endChr m:val="]"/>
+                          <m:ctrlPr>
+                            <a:rPr lang="de-DE" i="1">
+                              <a:latin typeface="Cambria Math" panose="02040503050406030204" pitchFamily="18" charset="0"/>
+                            </a:rPr>
+                          </m:ctrlPr>
+                        </m:dPr>
+                        <m:e>
+                          <m:eqArr>
+                            <m:eqArrPr>
+                              <m:ctrlPr>
+                                <a:rPr lang="de-DE" i="1">
+                                  <a:latin typeface="Cambria Math" panose="02040503050406030204" pitchFamily="18" charset="0"/>
+                                </a:rPr>
+                              </m:ctrlPr>
+                            </m:eqArrPr>
+                            <m:e>
+                              <m:r>
+                                <a:rPr lang="de-DE" i="1">
+                                  <a:latin typeface="Cambria Math" panose="02040503050406030204" pitchFamily="18" charset="0"/>
+                                </a:rPr>
+                                <m:t>𝑢</m:t>
+                              </m:r>
+                            </m:e>
+                            <m:e>
+                              <m:r>
+                                <a:rPr lang="de-DE" i="1">
+                                  <a:latin typeface="Cambria Math" panose="02040503050406030204" pitchFamily="18" charset="0"/>
+                                </a:rPr>
+                                <m:t>𝑣</m:t>
+                              </m:r>
+                            </m:e>
+                            <m:e>
+                              <m:r>
+                                <a:rPr lang="de-DE" i="1">
+                                  <a:latin typeface="Cambria Math" panose="02040503050406030204" pitchFamily="18" charset="0"/>
+                                </a:rPr>
+                                <m:t>1</m:t>
+                              </m:r>
+                            </m:e>
+                          </m:eqArr>
+                        </m:e>
+                      </m:d>
+                      <m:sSup>
+                        <m:sSupPr>
+                          <m:ctrlPr>
+                            <a:rPr lang="de-DE" b="0" i="1" smtClean="0">
+                              <a:latin typeface="Cambria Math" panose="02040503050406030204" pitchFamily="18" charset="0"/>
+                            </a:rPr>
+                          </m:ctrlPr>
+                        </m:sSupPr>
+                        <m:e>
+                          <m:r>
+                            <a:rPr lang="de-DE" b="0" i="1" smtClean="0">
+                              <a:latin typeface="Cambria Math" panose="02040503050406030204" pitchFamily="18" charset="0"/>
+                            </a:rPr>
+                            <m:t>−</m:t>
+                          </m:r>
+                          <m:r>
+                            <a:rPr lang="de-DE" b="0" i="1" smtClean="0">
+                              <a:latin typeface="Cambria Math" panose="02040503050406030204" pitchFamily="18" charset="0"/>
+                            </a:rPr>
+                            <m:t>𝑅</m:t>
+                          </m:r>
+                        </m:e>
+                        <m:sup>
+                          <m:r>
+                            <a:rPr lang="de-DE" b="0" i="1" smtClean="0">
+                              <a:latin typeface="Cambria Math" panose="02040503050406030204" pitchFamily="18" charset="0"/>
+                            </a:rPr>
+                            <m:t>−1</m:t>
+                          </m:r>
+                        </m:sup>
+                      </m:sSup>
+                      <m:d>
+                        <m:dPr>
+                          <m:begChr m:val="["/>
+                          <m:endChr m:val="]"/>
+                          <m:ctrlPr>
+                            <a:rPr lang="de-DE" i="1" smtClean="0">
+                              <a:latin typeface="Cambria Math" panose="02040503050406030204" pitchFamily="18" charset="0"/>
+                            </a:rPr>
+                          </m:ctrlPr>
+                        </m:dPr>
+                        <m:e>
+                          <m:eqArr>
+                            <m:eqArrPr>
+                              <m:ctrlPr>
+                                <a:rPr lang="de-DE" b="0" i="1" smtClean="0">
+                                  <a:latin typeface="Cambria Math" panose="02040503050406030204" pitchFamily="18" charset="0"/>
+                                </a:rPr>
+                              </m:ctrlPr>
+                            </m:eqArrPr>
+                            <m:e>
+                              <m:sSub>
+                                <m:sSubPr>
+                                  <m:ctrlPr>
+                                    <a:rPr lang="de-DE" b="0" i="1" smtClean="0">
+                                      <a:latin typeface="Cambria Math" panose="02040503050406030204" pitchFamily="18" charset="0"/>
+                                    </a:rPr>
+                                  </m:ctrlPr>
+                                </m:sSubPr>
+                                <m:e>
+                                  <m:r>
+                                    <a:rPr lang="de-DE" b="0" i="1" smtClean="0">
+                                      <a:latin typeface="Cambria Math" panose="02040503050406030204" pitchFamily="18" charset="0"/>
+                                    </a:rPr>
+                                    <m:t>𝑡</m:t>
+                                  </m:r>
+                                </m:e>
+                                <m:sub>
+                                  <m:r>
+                                    <a:rPr lang="de-DE" b="0" i="1" smtClean="0">
+                                      <a:latin typeface="Cambria Math" panose="02040503050406030204" pitchFamily="18" charset="0"/>
+                                    </a:rPr>
+                                    <m:t>1</m:t>
+                                  </m:r>
+                                </m:sub>
+                              </m:sSub>
+                            </m:e>
+                            <m:e>
+                              <m:sSub>
+                                <m:sSubPr>
+                                  <m:ctrlPr>
+                                    <a:rPr lang="de-DE" b="0" i="1" smtClean="0">
+                                      <a:latin typeface="Cambria Math" panose="02040503050406030204" pitchFamily="18" charset="0"/>
+                                    </a:rPr>
+                                  </m:ctrlPr>
+                                </m:sSubPr>
+                                <m:e>
+                                  <m:r>
+                                    <a:rPr lang="de-DE" b="0" i="1" smtClean="0">
+                                      <a:latin typeface="Cambria Math" panose="02040503050406030204" pitchFamily="18" charset="0"/>
+                                    </a:rPr>
+                                    <m:t>𝑡</m:t>
+                                  </m:r>
+                                </m:e>
+                                <m:sub>
+                                  <m:r>
+                                    <a:rPr lang="de-DE" b="0" i="1" smtClean="0">
+                                      <a:latin typeface="Cambria Math" panose="02040503050406030204" pitchFamily="18" charset="0"/>
+                                    </a:rPr>
+                                    <m:t>2</m:t>
+                                  </m:r>
+                                </m:sub>
+                              </m:sSub>
+                            </m:e>
+                            <m:e>
+                              <m:sSub>
+                                <m:sSubPr>
+                                  <m:ctrlPr>
+                                    <a:rPr lang="de-DE" b="0" i="1" smtClean="0">
+                                      <a:latin typeface="Cambria Math" panose="02040503050406030204" pitchFamily="18" charset="0"/>
+                                    </a:rPr>
+                                  </m:ctrlPr>
+                                </m:sSubPr>
+                                <m:e>
+                                  <m:r>
+                                    <a:rPr lang="de-DE" b="0" i="1" smtClean="0">
+                                      <a:latin typeface="Cambria Math" panose="02040503050406030204" pitchFamily="18" charset="0"/>
+                                    </a:rPr>
+                                    <m:t>𝑡</m:t>
+                                  </m:r>
+                                </m:e>
+                                <m:sub>
+                                  <m:r>
+                                    <a:rPr lang="de-DE" b="0" i="1" smtClean="0">
+                                      <a:latin typeface="Cambria Math" panose="02040503050406030204" pitchFamily="18" charset="0"/>
+                                    </a:rPr>
+                                    <m:t>3</m:t>
+                                  </m:r>
+                                </m:sub>
+                              </m:sSub>
+                            </m:e>
+                          </m:eqArr>
+                        </m:e>
+                      </m:d>
+                    </m:oMath>
+                  </m:oMathPara>
+                </a14:m>
+                <a:endParaRPr lang="de-DE" dirty="0"/>
+              </a:p>
+              <a:p>
+                <a:endParaRPr lang="de-DE" dirty="0"/>
+              </a:p>
+            </p:txBody>
+          </p:sp>
+        </mc:Choice>
+        <mc:Fallback xmlns="">
+          <p:sp>
+            <p:nvSpPr>
+              <p:cNvPr id="3" name="Inhaltsplatzhalter 2">
+                <a:extLst>
+                  <a:ext uri="{FF2B5EF4-FFF2-40B4-BE49-F238E27FC236}">
+                    <a16:creationId xmlns:a16="http://schemas.microsoft.com/office/drawing/2014/main" id="{CE49B056-723B-EE4A-AD57-C34C243D0BB0}"/>
+                  </a:ext>
+                </a:extLst>
+              </p:cNvPr>
+              <p:cNvSpPr>
+                <a:spLocks noGrp="1" noRot="1" noChangeAspect="1" noMove="1" noResize="1" noEditPoints="1" noAdjustHandles="1" noChangeArrowheads="1" noChangeShapeType="1" noTextEdit="1"/>
+              </p:cNvSpPr>
+              <p:nvPr>
+                <p:ph idx="1"/>
+              </p:nvPr>
+            </p:nvSpPr>
+            <p:spPr>
+              <a:xfrm>
+                <a:off x="360000" y="1620000"/>
+                <a:ext cx="8244448" cy="4479943"/>
+              </a:xfrm>
+              <a:blipFill>
+                <a:blip r:embed="rId2"/>
+                <a:stretch>
+                  <a:fillRect l="-1692"/>
+                </a:stretch>
+              </a:blipFill>
+            </p:spPr>
+            <p:txBody>
+              <a:bodyPr/>
+              <a:lstStyle/>
+              <a:p>
+                <a:r>
+                  <a:rPr lang="de-DE">
+                    <a:noFill/>
+                  </a:rPr>
+                  <a:t> </a:t>
+                </a:r>
+              </a:p>
+            </p:txBody>
+          </p:sp>
+        </mc:Fallback>
+      </mc:AlternateContent>
+    </p:spTree>
+    <p:extLst>
+      <p:ext uri="{BB962C8B-B14F-4D97-AF65-F5344CB8AC3E}">
+        <p14:creationId xmlns:p14="http://schemas.microsoft.com/office/powerpoint/2010/main" val="919590036"/>
+      </p:ext>
+    </p:extLst>
+  </p:cSld>
+  <p:clrMapOvr>
+    <a:masterClrMapping/>
+  </p:clrMapOvr>
+</p:sld>
+</file>
+
+<file path=ppt/slides/slide21.xml><?xml version="1.0" encoding="utf-8"?>
+<p:sld xmlns:a="http://schemas.openxmlformats.org/drawingml/2006/main" xmlns:r="http://schemas.openxmlformats.org/officeDocument/2006/relationships" xmlns:p="http://schemas.openxmlformats.org/presentationml/2006/main">
+  <p:cSld>
+    <p:spTree>
+      <p:nvGrpSpPr>
+        <p:cNvPr id="1" name=""/>
+        <p:cNvGrpSpPr/>
+        <p:nvPr/>
+      </p:nvGrpSpPr>
+      <p:grpSpPr>
+        <a:xfrm>
+          <a:off x="0" y="0"/>
+          <a:ext cx="0" cy="0"/>
+          <a:chOff x="0" y="0"/>
+          <a:chExt cx="0" cy="0"/>
+        </a:xfrm>
+      </p:grpSpPr>
+      <p:sp>
+        <p:nvSpPr>
+          <p:cNvPr id="2" name="Titel 1">
+            <a:extLst>
+              <a:ext uri="{FF2B5EF4-FFF2-40B4-BE49-F238E27FC236}">
+                <a16:creationId xmlns:a16="http://schemas.microsoft.com/office/drawing/2014/main" id="{0A0D77FB-FBFC-F34F-B11B-70E8F5ABA43E}"/>
+              </a:ext>
+            </a:extLst>
+          </p:cNvPr>
+          <p:cNvSpPr>
+            <a:spLocks noGrp="1"/>
+          </p:cNvSpPr>
+          <p:nvPr>
+            <p:ph type="title"/>
+          </p:nvPr>
+        </p:nvSpPr>
+        <p:spPr/>
+        <p:txBody>
+          <a:bodyPr/>
+          <a:lstStyle/>
+          <a:p>
+            <a:r>
+              <a:rPr lang="de-DE" dirty="0"/>
+              <a:t>3D-Rekonstruktion</a:t>
+            </a:r>
+          </a:p>
+        </p:txBody>
+      </p:sp>
+      <p:pic>
+        <p:nvPicPr>
+          <p:cNvPr id="6" name="Imagem 5">
+            <a:extLst>
+              <a:ext uri="{FF2B5EF4-FFF2-40B4-BE49-F238E27FC236}">
+                <a16:creationId xmlns:a16="http://schemas.microsoft.com/office/drawing/2014/main" id="{4C5B5AF3-4E0D-3745-BF44-0F269F842F16}"/>
+              </a:ext>
+            </a:extLst>
+          </p:cNvPr>
+          <p:cNvPicPr>
+            <a:picLocks noChangeAspect="1"/>
+          </p:cNvPicPr>
+          <p:nvPr/>
+        </p:nvPicPr>
+        <p:blipFill>
+          <a:blip r:embed="rId2" cstate="print">
+            <a:extLst>
+              <a:ext uri="{28A0092B-C50C-407E-A947-70E740481C1C}">
+                <a14:useLocalDpi xmlns:a14="http://schemas.microsoft.com/office/drawing/2010/main" val="0"/>
+              </a:ext>
+            </a:extLst>
+          </a:blip>
+          <a:stretch>
+            <a:fillRect/>
+          </a:stretch>
+        </p:blipFill>
+        <p:spPr>
+          <a:xfrm>
+            <a:off x="413159" y="1556792"/>
+            <a:ext cx="8317681" cy="4678695"/>
+          </a:xfrm>
+          <a:prstGeom prst="rect">
+            <a:avLst/>
+          </a:prstGeom>
+        </p:spPr>
+      </p:pic>
+    </p:spTree>
+    <p:extLst>
+      <p:ext uri="{BB962C8B-B14F-4D97-AF65-F5344CB8AC3E}">
+        <p14:creationId xmlns:p14="http://schemas.microsoft.com/office/powerpoint/2010/main" val="375564727"/>
+      </p:ext>
+    </p:extLst>
+  </p:cSld>
+  <p:clrMapOvr>
+    <a:masterClrMapping/>
+  </p:clrMapOvr>
+</p:sld>
+</file>
+
+<file path=ppt/slides/slide22.xml><?xml version="1.0" encoding="utf-8"?>
+<p:sld xmlns:a="http://schemas.openxmlformats.org/drawingml/2006/main" xmlns:r="http://schemas.openxmlformats.org/officeDocument/2006/relationships" xmlns:p="http://schemas.openxmlformats.org/presentationml/2006/main">
+  <p:cSld>
+    <p:spTree>
+      <p:nvGrpSpPr>
+        <p:cNvPr id="1" name=""/>
+        <p:cNvGrpSpPr/>
+        <p:nvPr/>
+      </p:nvGrpSpPr>
+      <p:grpSpPr>
+        <a:xfrm>
+          <a:off x="0" y="0"/>
+          <a:ext cx="0" cy="0"/>
+          <a:chOff x="0" y="0"/>
+          <a:chExt cx="0" cy="0"/>
+        </a:xfrm>
+      </p:grpSpPr>
+      <p:sp>
+        <p:nvSpPr>
+          <p:cNvPr id="2" name="Titel 1">
+            <a:extLst>
+              <a:ext uri="{FF2B5EF4-FFF2-40B4-BE49-F238E27FC236}">
+                <a16:creationId xmlns:a16="http://schemas.microsoft.com/office/drawing/2014/main" id="{0A0D77FB-FBFC-F34F-B11B-70E8F5ABA43E}"/>
+              </a:ext>
+            </a:extLst>
+          </p:cNvPr>
+          <p:cNvSpPr>
+            <a:spLocks noGrp="1"/>
+          </p:cNvSpPr>
+          <p:nvPr>
+            <p:ph type="title"/>
+          </p:nvPr>
+        </p:nvSpPr>
+        <p:spPr/>
+        <p:txBody>
+          <a:bodyPr/>
+          <a:lstStyle/>
+          <a:p>
+            <a:r>
+              <a:rPr lang="de-DE" dirty="0"/>
+              <a:t>3D-Rekonstruktion</a:t>
+            </a:r>
+          </a:p>
+        </p:txBody>
+      </p:sp>
+      <p:pic>
+        <p:nvPicPr>
+          <p:cNvPr id="5" name="Grafik 4">
+            <a:extLst>
+              <a:ext uri="{FF2B5EF4-FFF2-40B4-BE49-F238E27FC236}">
+                <a16:creationId xmlns:a16="http://schemas.microsoft.com/office/drawing/2014/main" id="{5D69C0E6-822D-CF4C-9DAB-69309CAF8ECF}"/>
+              </a:ext>
+            </a:extLst>
+          </p:cNvPr>
+          <p:cNvPicPr>
+            <a:picLocks noChangeAspect="1"/>
+          </p:cNvPicPr>
+          <p:nvPr/>
+        </p:nvPicPr>
+        <p:blipFill>
+          <a:blip r:embed="rId2">
+            <a:extLst>
+              <a:ext uri="{28A0092B-C50C-407E-A947-70E740481C1C}">
+                <a14:useLocalDpi xmlns:a14="http://schemas.microsoft.com/office/drawing/2010/main" val="0"/>
+              </a:ext>
+            </a:extLst>
+          </a:blip>
+          <a:stretch>
+            <a:fillRect/>
+          </a:stretch>
+        </p:blipFill>
+        <p:spPr>
+          <a:xfrm>
+            <a:off x="1619672" y="1772816"/>
+            <a:ext cx="5842000" cy="4381500"/>
+          </a:xfrm>
+          <a:prstGeom prst="rect">
+            <a:avLst/>
+          </a:prstGeom>
+        </p:spPr>
+      </p:pic>
+    </p:spTree>
+    <p:extLst>
+      <p:ext uri="{BB962C8B-B14F-4D97-AF65-F5344CB8AC3E}">
+        <p14:creationId xmlns:p14="http://schemas.microsoft.com/office/powerpoint/2010/main" val="2949441401"/>
+      </p:ext>
+    </p:extLst>
+  </p:cSld>
+  <p:clrMapOvr>
+    <a:masterClrMapping/>
+  </p:clrMapOvr>
+</p:sld>
+</file>
+
+<file path=ppt/slides/slide23.xml><?xml version="1.0" encoding="utf-8"?>
+<p:sld xmlns:a="http://schemas.openxmlformats.org/drawingml/2006/main" xmlns:r="http://schemas.openxmlformats.org/officeDocument/2006/relationships" xmlns:p="http://schemas.openxmlformats.org/presentationml/2006/main">
+  <p:cSld>
+    <p:spTree>
+      <p:nvGrpSpPr>
+        <p:cNvPr id="1" name=""/>
+        <p:cNvGrpSpPr/>
+        <p:nvPr/>
+      </p:nvGrpSpPr>
+      <p:grpSpPr>
+        <a:xfrm>
+          <a:off x="0" y="0"/>
+          <a:ext cx="0" cy="0"/>
+          <a:chOff x="0" y="0"/>
+          <a:chExt cx="0" cy="0"/>
+        </a:xfrm>
+      </p:grpSpPr>
+      <p:sp>
+        <p:nvSpPr>
+          <p:cNvPr id="2" name="Titel 1">
+            <a:extLst>
+              <a:ext uri="{FF2B5EF4-FFF2-40B4-BE49-F238E27FC236}">
+                <a16:creationId xmlns:a16="http://schemas.microsoft.com/office/drawing/2014/main" id="{0A0D77FB-FBFC-F34F-B11B-70E8F5ABA43E}"/>
+              </a:ext>
+            </a:extLst>
+          </p:cNvPr>
+          <p:cNvSpPr>
+            <a:spLocks noGrp="1"/>
+          </p:cNvSpPr>
+          <p:nvPr>
+            <p:ph type="title"/>
+          </p:nvPr>
+        </p:nvSpPr>
+        <p:spPr/>
+        <p:txBody>
+          <a:bodyPr/>
+          <a:lstStyle/>
+          <a:p>
+            <a:r>
+              <a:rPr lang="de-DE" dirty="0"/>
+              <a:t>3D-Rekonstruktion und Abstandsschätzung</a:t>
+            </a:r>
+          </a:p>
+        </p:txBody>
+      </p:sp>
+      <p:sp>
+        <p:nvSpPr>
+          <p:cNvPr id="3" name="Inhaltsplatzhalter 2">
+            <a:extLst>
+              <a:ext uri="{FF2B5EF4-FFF2-40B4-BE49-F238E27FC236}">
+                <a16:creationId xmlns:a16="http://schemas.microsoft.com/office/drawing/2014/main" id="{CE49B056-723B-EE4A-AD57-C34C243D0BB0}"/>
+              </a:ext>
+            </a:extLst>
+          </p:cNvPr>
+          <p:cNvSpPr>
+            <a:spLocks noGrp="1"/>
+          </p:cNvSpPr>
+          <p:nvPr>
+            <p:ph idx="1"/>
+          </p:nvPr>
+        </p:nvSpPr>
+        <p:spPr>
+          <a:xfrm>
+            <a:off x="360000" y="1620000"/>
+            <a:ext cx="8244448" cy="4479943"/>
+          </a:xfrm>
+        </p:spPr>
+        <p:txBody>
+          <a:bodyPr/>
+          <a:lstStyle/>
+          <a:p>
+            <a:pPr marL="342900" indent="-342900">
+              <a:buFont typeface="Arial" panose="020B0604020202020204" pitchFamily="34" charset="0"/>
+              <a:buChar char="•"/>
+            </a:pPr>
+            <a:r>
+              <a:rPr lang="de-DE" dirty="0"/>
+              <a:t>Abstandsschätzung</a:t>
+            </a:r>
+          </a:p>
+          <a:p>
+            <a:pPr marL="701675" lvl="2" indent="-342900">
+              <a:buFont typeface="Arial" panose="020B0604020202020204" pitchFamily="34" charset="0"/>
+              <a:buChar char="•"/>
+            </a:pPr>
+            <a:endParaRPr lang="de-DE" b="0" i="1" dirty="0">
+              <a:latin typeface="Cambria Math" panose="02040503050406030204" pitchFamily="18" charset="0"/>
+            </a:endParaRPr>
+          </a:p>
+          <a:p>
+            <a:endParaRPr lang="de-DE" dirty="0"/>
+          </a:p>
+          <a:p>
+            <a:endParaRPr lang="de-DE" dirty="0"/>
+          </a:p>
+        </p:txBody>
+      </p:sp>
+      <p:pic>
+        <p:nvPicPr>
+          <p:cNvPr id="5" name="Grafik 4">
+            <a:extLst>
+              <a:ext uri="{FF2B5EF4-FFF2-40B4-BE49-F238E27FC236}">
+                <a16:creationId xmlns:a16="http://schemas.microsoft.com/office/drawing/2014/main" id="{970BC9B2-4F68-0D4C-81DD-1098FEA79A67}"/>
+              </a:ext>
+            </a:extLst>
+          </p:cNvPr>
+          <p:cNvPicPr>
+            <a:picLocks noChangeAspect="1"/>
+          </p:cNvPicPr>
+          <p:nvPr/>
+        </p:nvPicPr>
+        <p:blipFill>
+          <a:blip r:embed="rId2">
+            <a:extLst>
+              <a:ext uri="{28A0092B-C50C-407E-A947-70E740481C1C}">
+                <a14:useLocalDpi xmlns:a14="http://schemas.microsoft.com/office/drawing/2010/main" val="0"/>
+              </a:ext>
+            </a:extLst>
+          </a:blip>
+          <a:stretch>
+            <a:fillRect/>
+          </a:stretch>
+        </p:blipFill>
+        <p:spPr>
+          <a:xfrm>
+            <a:off x="827584" y="2132856"/>
+            <a:ext cx="7164288" cy="4029912"/>
+          </a:xfrm>
+          <a:prstGeom prst="rect">
+            <a:avLst/>
+          </a:prstGeom>
+        </p:spPr>
+      </p:pic>
+    </p:spTree>
+    <p:extLst>
+      <p:ext uri="{BB962C8B-B14F-4D97-AF65-F5344CB8AC3E}">
+        <p14:creationId xmlns:p14="http://schemas.microsoft.com/office/powerpoint/2010/main" val="2774413106"/>
+      </p:ext>
+    </p:extLst>
+  </p:cSld>
+  <p:clrMapOvr>
+    <a:masterClrMapping/>
+  </p:clrMapOvr>
+</p:sld>
+</file>
+
+<file path=ppt/slides/slide24.xml><?xml version="1.0" encoding="utf-8"?>
+<p:sld xmlns:a="http://schemas.openxmlformats.org/drawingml/2006/main" xmlns:r="http://schemas.openxmlformats.org/officeDocument/2006/relationships" xmlns:p="http://schemas.openxmlformats.org/presentationml/2006/main">
+  <p:cSld>
+    <p:spTree>
+      <p:nvGrpSpPr>
+        <p:cNvPr id="1" name=""/>
+        <p:cNvGrpSpPr/>
+        <p:nvPr/>
+      </p:nvGrpSpPr>
+      <p:grpSpPr>
+        <a:xfrm>
+          <a:off x="0" y="0"/>
+          <a:ext cx="0" cy="0"/>
+          <a:chOff x="0" y="0"/>
+          <a:chExt cx="0" cy="0"/>
+        </a:xfrm>
+      </p:grpSpPr>
+      <p:sp>
+        <p:nvSpPr>
+          <p:cNvPr id="2" name="Titel 1">
+            <a:extLst>
+              <a:ext uri="{FF2B5EF4-FFF2-40B4-BE49-F238E27FC236}">
+                <a16:creationId xmlns:a16="http://schemas.microsoft.com/office/drawing/2014/main" id="{0A0D77FB-FBFC-F34F-B11B-70E8F5ABA43E}"/>
+              </a:ext>
+            </a:extLst>
+          </p:cNvPr>
+          <p:cNvSpPr>
+            <a:spLocks noGrp="1"/>
+          </p:cNvSpPr>
+          <p:nvPr>
+            <p:ph type="title"/>
+          </p:nvPr>
+        </p:nvSpPr>
+        <p:spPr/>
+        <p:txBody>
+          <a:bodyPr/>
+          <a:lstStyle/>
+          <a:p>
+            <a:r>
+              <a:rPr lang="de-DE" dirty="0"/>
+              <a:t>3D-Rekonstruktion und Abstandsschätzung</a:t>
+            </a:r>
+          </a:p>
+        </p:txBody>
+      </p:sp>
+      <p:pic>
+        <p:nvPicPr>
+          <p:cNvPr id="6" name="Grafik 5">
+            <a:extLst>
+              <a:ext uri="{FF2B5EF4-FFF2-40B4-BE49-F238E27FC236}">
+                <a16:creationId xmlns:a16="http://schemas.microsoft.com/office/drawing/2014/main" id="{11C129DA-1294-6F48-B9D4-4CD0AAB4BA07}"/>
+              </a:ext>
+            </a:extLst>
+          </p:cNvPr>
+          <p:cNvPicPr>
+            <a:picLocks noChangeAspect="1"/>
+          </p:cNvPicPr>
+          <p:nvPr/>
+        </p:nvPicPr>
+        <p:blipFill>
+          <a:blip r:embed="rId2">
+            <a:extLst>
+              <a:ext uri="{28A0092B-C50C-407E-A947-70E740481C1C}">
+                <a14:useLocalDpi xmlns:a14="http://schemas.microsoft.com/office/drawing/2010/main" val="0"/>
+              </a:ext>
+            </a:extLst>
+          </a:blip>
+          <a:stretch>
+            <a:fillRect/>
+          </a:stretch>
+        </p:blipFill>
+        <p:spPr>
+          <a:xfrm>
+            <a:off x="1115616" y="1475906"/>
+            <a:ext cx="6387306" cy="4768129"/>
+          </a:xfrm>
+          <a:prstGeom prst="rect">
+            <a:avLst/>
+          </a:prstGeom>
+        </p:spPr>
+      </p:pic>
+    </p:spTree>
+    <p:extLst>
+      <p:ext uri="{BB962C8B-B14F-4D97-AF65-F5344CB8AC3E}">
+        <p14:creationId xmlns:p14="http://schemas.microsoft.com/office/powerpoint/2010/main" val="550403637"/>
+      </p:ext>
+    </p:extLst>
+  </p:cSld>
+  <p:clrMapOvr>
+    <a:masterClrMapping/>
+  </p:clrMapOvr>
+</p:sld>
+</file>
+
+<file path=ppt/slides/slide25.xml><?xml version="1.0" encoding="utf-8"?>
+<p:sld xmlns:a="http://schemas.openxmlformats.org/drawingml/2006/main" xmlns:r="http://schemas.openxmlformats.org/officeDocument/2006/relationships" xmlns:p="http://schemas.openxmlformats.org/presentationml/2006/main">
+  <p:cSld>
+    <p:spTree>
+      <p:nvGrpSpPr>
+        <p:cNvPr id="1" name=""/>
+        <p:cNvGrpSpPr/>
+        <p:nvPr/>
+      </p:nvGrpSpPr>
+      <p:grpSpPr>
+        <a:xfrm>
+          <a:off x="0" y="0"/>
+          <a:ext cx="0" cy="0"/>
+          <a:chOff x="0" y="0"/>
+          <a:chExt cx="0" cy="0"/>
+        </a:xfrm>
+      </p:grpSpPr>
+      <p:pic>
+        <p:nvPicPr>
+          <p:cNvPr id="5" name="Imagem 4">
+            <a:extLst>
+              <a:ext uri="{FF2B5EF4-FFF2-40B4-BE49-F238E27FC236}">
+                <a16:creationId xmlns:a16="http://schemas.microsoft.com/office/drawing/2014/main" id="{9DE6CD75-CE23-465E-93C1-3B76D8A9D994}"/>
+              </a:ext>
+            </a:extLst>
+          </p:cNvPr>
+          <p:cNvPicPr>
+            <a:picLocks noChangeAspect="1"/>
+          </p:cNvPicPr>
+          <p:nvPr/>
+        </p:nvPicPr>
+        <p:blipFill>
+          <a:blip r:embed="rId2">
+            <a:extLst>
+              <a:ext uri="{28A0092B-C50C-407E-A947-70E740481C1C}">
+                <a14:useLocalDpi xmlns:a14="http://schemas.microsoft.com/office/drawing/2010/main" val="0"/>
+              </a:ext>
+            </a:extLst>
+          </a:blip>
+          <a:stretch>
+            <a:fillRect/>
+          </a:stretch>
+        </p:blipFill>
+        <p:spPr>
+          <a:xfrm>
+            <a:off x="4142419" y="2204864"/>
+            <a:ext cx="5371500" cy="4028625"/>
+          </a:xfrm>
+          <a:prstGeom prst="rect">
+            <a:avLst/>
+          </a:prstGeom>
+        </p:spPr>
+      </p:pic>
+      <p:sp>
+        <p:nvSpPr>
+          <p:cNvPr id="2" name="Titel 1">
+            <a:extLst>
+              <a:ext uri="{FF2B5EF4-FFF2-40B4-BE49-F238E27FC236}">
+                <a16:creationId xmlns:a16="http://schemas.microsoft.com/office/drawing/2014/main" id="{2C351F84-6AA1-4D9F-A720-91EB7EFB24CF}"/>
+              </a:ext>
+            </a:extLst>
+          </p:cNvPr>
+          <p:cNvSpPr>
+            <a:spLocks noGrp="1"/>
+          </p:cNvSpPr>
+          <p:nvPr>
+            <p:ph type="title"/>
+          </p:nvPr>
+        </p:nvSpPr>
+        <p:spPr/>
+        <p:txBody>
+          <a:bodyPr/>
+          <a:lstStyle/>
+          <a:p>
+            <a:r>
+              <a:rPr lang="de-DE" dirty="0"/>
+              <a:t>Horizontschätzung</a:t>
+            </a:r>
+          </a:p>
+        </p:txBody>
+      </p:sp>
+      <p:sp>
+        <p:nvSpPr>
+          <p:cNvPr id="3" name="Inhaltsplatzhalter 2">
+            <a:extLst>
+              <a:ext uri="{FF2B5EF4-FFF2-40B4-BE49-F238E27FC236}">
+                <a16:creationId xmlns:a16="http://schemas.microsoft.com/office/drawing/2014/main" id="{19C4D2CD-FA28-42EC-8757-35ADC3EFD1C1}"/>
+              </a:ext>
+            </a:extLst>
+          </p:cNvPr>
+          <p:cNvSpPr>
+            <a:spLocks noGrp="1"/>
+          </p:cNvSpPr>
+          <p:nvPr>
+            <p:ph idx="1"/>
+          </p:nvPr>
+        </p:nvSpPr>
+        <p:spPr/>
+        <p:txBody>
+          <a:bodyPr/>
+          <a:lstStyle/>
+          <a:p>
+            <a:pPr marL="342900" indent="-342900">
+              <a:buFont typeface="Arial" panose="020B0604020202020204" pitchFamily="34" charset="0"/>
+              <a:buChar char="•"/>
+            </a:pPr>
+            <a:r>
+              <a:rPr lang="de-DE" dirty="0"/>
+              <a:t>Horizontzustände sind für die Abstandsschätzung in </a:t>
+            </a:r>
+            <a:r>
+              <a:rPr lang="de-DE"/>
+              <a:t>realer Umgebung </a:t>
+            </a:r>
+            <a:r>
+              <a:rPr lang="de-DE" dirty="0"/>
+              <a:t>erforderlich</a:t>
+            </a:r>
+          </a:p>
+          <a:p>
+            <a:pPr marL="342900" indent="-342900">
+              <a:buFont typeface="Arial" panose="020B0604020202020204" pitchFamily="34" charset="0"/>
+              <a:buChar char="•"/>
+            </a:pPr>
+            <a:r>
+              <a:rPr lang="de-DE" dirty="0"/>
+              <a:t>Horizontzustand: Höhe und Winkel</a:t>
+            </a:r>
+          </a:p>
+          <a:p>
+            <a:pPr marL="342900" indent="-342900">
+              <a:buFont typeface="Arial" panose="020B0604020202020204" pitchFamily="34" charset="0"/>
+              <a:buChar char="•"/>
+            </a:pPr>
+            <a:r>
+              <a:rPr lang="de-DE" i="1" dirty="0"/>
+              <a:t>Constant Position Model</a:t>
+            </a:r>
+          </a:p>
+          <a:p>
+            <a:pPr marL="342900" indent="-342900">
+              <a:buFont typeface="Arial" panose="020B0604020202020204" pitchFamily="34" charset="0"/>
+              <a:buChar char="•"/>
+            </a:pPr>
+            <a:r>
+              <a:rPr lang="de-DE" dirty="0"/>
+              <a:t>Kalman-Filter notwendig</a:t>
+            </a:r>
+            <a:endParaRPr lang="de-DE" i="1" dirty="0"/>
+          </a:p>
+          <a:p>
+            <a:pPr marL="342900" indent="-342900">
+              <a:buFont typeface="Arial" panose="020B0604020202020204" pitchFamily="34" charset="0"/>
+              <a:buChar char="•"/>
+            </a:pPr>
+            <a:r>
+              <a:rPr lang="de-DE" dirty="0"/>
+              <a:t>In jedem Zeitschritt werden drei </a:t>
+            </a:r>
+          </a:p>
+          <a:p>
+            <a:pPr marL="0" indent="0"/>
+            <a:r>
+              <a:rPr lang="de-DE" dirty="0"/>
+              <a:t>Horizontkandidaten geliefert </a:t>
+            </a:r>
+          </a:p>
+          <a:p>
+            <a:pPr marL="342900" indent="-342900">
+              <a:buFont typeface="Arial" panose="020B0604020202020204" pitchFamily="34" charset="0"/>
+              <a:buChar char="•"/>
+            </a:pPr>
+            <a:endParaRPr lang="de-DE" i="1" dirty="0"/>
+          </a:p>
+        </p:txBody>
+      </p:sp>
+    </p:spTree>
+    <p:extLst>
+      <p:ext uri="{BB962C8B-B14F-4D97-AF65-F5344CB8AC3E}">
+        <p14:creationId xmlns:p14="http://schemas.microsoft.com/office/powerpoint/2010/main" val="10771018"/>
+      </p:ext>
+    </p:extLst>
+  </p:cSld>
+  <p:clrMapOvr>
+    <a:masterClrMapping/>
+  </p:clrMapOvr>
+</p:sld>
+</file>
+
+<file path=ppt/slides/slide26.xml><?xml version="1.0" encoding="utf-8"?>
+<p:sld xmlns:a="http://schemas.openxmlformats.org/drawingml/2006/main" xmlns:r="http://schemas.openxmlformats.org/officeDocument/2006/relationships" xmlns:p="http://schemas.openxmlformats.org/presentationml/2006/main">
+  <p:cSld>
+    <p:spTree>
+      <p:nvGrpSpPr>
+        <p:cNvPr id="1" name=""/>
+        <p:cNvGrpSpPr/>
+        <p:nvPr/>
+      </p:nvGrpSpPr>
+      <p:grpSpPr>
+        <a:xfrm>
+          <a:off x="0" y="0"/>
+          <a:ext cx="0" cy="0"/>
+          <a:chOff x="0" y="0"/>
+          <a:chExt cx="0" cy="0"/>
+        </a:xfrm>
+      </p:grpSpPr>
+      <p:sp>
+        <p:nvSpPr>
+          <p:cNvPr id="2" name="Titel 1">
+            <a:extLst>
+              <a:ext uri="{FF2B5EF4-FFF2-40B4-BE49-F238E27FC236}">
+                <a16:creationId xmlns:a16="http://schemas.microsoft.com/office/drawing/2014/main" id="{0A0D77FB-FBFC-F34F-B11B-70E8F5ABA43E}"/>
+              </a:ext>
+            </a:extLst>
+          </p:cNvPr>
+          <p:cNvSpPr>
+            <a:spLocks noGrp="1"/>
+          </p:cNvSpPr>
+          <p:nvPr>
+            <p:ph type="title"/>
+          </p:nvPr>
+        </p:nvSpPr>
+        <p:spPr/>
+        <p:txBody>
+          <a:bodyPr/>
+          <a:lstStyle/>
+          <a:p>
+            <a:r>
+              <a:rPr lang="de-DE" dirty="0"/>
+              <a:t>Evaluation</a:t>
+            </a:r>
+          </a:p>
+        </p:txBody>
+      </p:sp>
+      <mc:AlternateContent xmlns:mc="http://schemas.openxmlformats.org/markup-compatibility/2006" xmlns:a14="http://schemas.microsoft.com/office/drawing/2010/main">
+        <mc:Choice Requires="a14">
+          <p:sp>
+            <p:nvSpPr>
+              <p:cNvPr id="10" name="Inhaltsplatzhalter 9">
+                <a:extLst>
+                  <a:ext uri="{FF2B5EF4-FFF2-40B4-BE49-F238E27FC236}">
+                    <a16:creationId xmlns:a16="http://schemas.microsoft.com/office/drawing/2014/main" id="{C3179477-52E6-EE43-A988-98BD45863020}"/>
+                  </a:ext>
+                </a:extLst>
+              </p:cNvPr>
+              <p:cNvSpPr>
+                <a:spLocks noGrp="1"/>
+              </p:cNvSpPr>
+              <p:nvPr>
+                <p:ph idx="1"/>
+              </p:nvPr>
+            </p:nvSpPr>
+            <p:spPr/>
+            <p:txBody>
+              <a:bodyPr/>
+              <a:lstStyle/>
+              <a:p>
+                <a:pPr marL="342900" indent="-342900">
+                  <a:buFont typeface="Arial" panose="020B0604020202020204" pitchFamily="34" charset="0"/>
+                  <a:buChar char="•"/>
+                </a:pPr>
+                <a:r>
+                  <a:rPr lang="de-DE" dirty="0"/>
+                  <a:t>Evaluation</a:t>
+                </a:r>
+              </a:p>
+              <a:p>
+                <a:pPr marL="701675" lvl="2" indent="-342900">
+                  <a:buFont typeface="Arial" panose="020B0604020202020204" pitchFamily="34" charset="0"/>
+                  <a:buChar char="•"/>
+                </a:pPr>
+                <a:r>
+                  <a:rPr lang="de-DE" dirty="0"/>
+                  <a:t>Genutzte Auflösung von 640 Pixel * 480 Pixel</a:t>
+                </a:r>
+              </a:p>
+              <a:p>
+                <a:pPr marL="342900" lvl="1" indent="-342900">
+                  <a:buFont typeface="Arial" panose="020B0604020202020204" pitchFamily="34" charset="0"/>
+                  <a:buChar char="•"/>
+                </a:pPr>
+                <a:r>
+                  <a:rPr lang="de-DE" dirty="0"/>
+                  <a:t>GNN</a:t>
+                </a:r>
+              </a:p>
+              <a:p>
+                <a:pPr marL="701675" lvl="2" indent="-342900">
+                  <a:buFont typeface="Arial" panose="020B0604020202020204" pitchFamily="34" charset="0"/>
+                  <a:buChar char="•"/>
+                </a:pPr>
+                <a:r>
+                  <a:rPr lang="de-DE" i="1" dirty="0" err="1"/>
+                  <a:t>detection</a:t>
+                </a:r>
+                <a:r>
+                  <a:rPr lang="de-DE" i="1" dirty="0"/>
+                  <a:t> rate = 0.999</a:t>
+                </a:r>
+              </a:p>
+              <a:p>
+                <a:pPr marL="701675" lvl="2" indent="-342900">
+                  <a:buFont typeface="Arial" panose="020B0604020202020204" pitchFamily="34" charset="0"/>
+                  <a:buChar char="•"/>
+                </a:pPr>
+                <a:r>
+                  <a:rPr lang="de-DE" dirty="0"/>
+                  <a:t>M = 3, N = 4 (M/N </a:t>
+                </a:r>
+                <a:r>
+                  <a:rPr lang="de-DE" dirty="0" err="1"/>
+                  <a:t>Alogrithmus</a:t>
+                </a:r>
+                <a:r>
+                  <a:rPr lang="de-DE" dirty="0"/>
+                  <a:t>)</a:t>
+                </a:r>
+              </a:p>
+              <a:p>
+                <a:pPr marL="342900" lvl="1" indent="-342900">
+                  <a:buFont typeface="Arial" panose="020B0604020202020204" pitchFamily="34" charset="0"/>
+                  <a:buChar char="•"/>
+                </a:pPr>
+                <a:r>
+                  <a:rPr lang="de-DE" dirty="0"/>
+                  <a:t>PHD</a:t>
+                </a:r>
+              </a:p>
+              <a:p>
+                <a:pPr marL="701675" lvl="2" indent="-342900">
+                  <a:buFont typeface="Arial" panose="020B0604020202020204" pitchFamily="34" charset="0"/>
+                  <a:buChar char="•"/>
+                </a:pPr>
+                <a:r>
+                  <a:rPr lang="de-DE" i="1" dirty="0" err="1"/>
+                  <a:t>Detection</a:t>
+                </a:r>
+                <a:r>
+                  <a:rPr lang="de-DE" i="1" dirty="0"/>
+                  <a:t> rate = 0.8</a:t>
+                </a:r>
+              </a:p>
+              <a:p>
+                <a:pPr marL="701675" lvl="2" indent="-342900">
+                  <a:buFont typeface="Arial" panose="020B0604020202020204" pitchFamily="34" charset="0"/>
+                  <a:buChar char="•"/>
+                </a:pPr>
+                <a:r>
+                  <a:rPr lang="de-DE" i="1" dirty="0" err="1"/>
+                  <a:t>Survival</a:t>
+                </a:r>
+                <a:r>
+                  <a:rPr lang="de-DE" i="1" dirty="0"/>
+                  <a:t> rate = 0.99</a:t>
+                </a:r>
+              </a:p>
+              <a:p>
+                <a:pPr marL="701675" lvl="2" indent="-342900">
+                  <a:buFont typeface="Arial" panose="020B0604020202020204" pitchFamily="34" charset="0"/>
+                  <a:buChar char="•"/>
+                </a:pPr>
+                <a:r>
+                  <a:rPr lang="de-DE" i="1" dirty="0" err="1"/>
+                  <a:t>Clutter</a:t>
+                </a:r>
+                <a:r>
+                  <a:rPr lang="de-DE" i="1" dirty="0"/>
+                  <a:t> </a:t>
+                </a:r>
+                <a:r>
+                  <a:rPr lang="de-DE" i="1" dirty="0" err="1"/>
+                  <a:t>intensity</a:t>
+                </a:r>
+                <a:r>
+                  <a:rPr lang="de-DE" i="1" dirty="0"/>
+                  <a:t> = </a:t>
+                </a:r>
+                <a14:m>
+                  <m:oMath xmlns:m="http://schemas.openxmlformats.org/officeDocument/2006/math">
+                    <m:r>
+                      <a:rPr lang="de-DE" b="0" i="1" smtClean="0">
+                        <a:latin typeface="Cambria Math" panose="02040503050406030204" pitchFamily="18" charset="0"/>
+                      </a:rPr>
+                      <m:t>1</m:t>
+                    </m:r>
+                    <m:r>
+                      <a:rPr lang="de-DE" b="0" i="1" smtClean="0">
+                        <a:latin typeface="Cambria Math" panose="02040503050406030204" pitchFamily="18" charset="0"/>
+                      </a:rPr>
+                      <m:t>𝑥</m:t>
+                    </m:r>
+                    <m:sSup>
+                      <m:sSupPr>
+                        <m:ctrlPr>
+                          <a:rPr lang="de-DE" b="0" i="1" smtClean="0">
+                            <a:latin typeface="Cambria Math" panose="02040503050406030204" pitchFamily="18" charset="0"/>
+                          </a:rPr>
+                        </m:ctrlPr>
+                      </m:sSupPr>
+                      <m:e>
+                        <m:r>
+                          <a:rPr lang="de-DE" b="0" i="1" smtClean="0">
+                            <a:latin typeface="Cambria Math" panose="02040503050406030204" pitchFamily="18" charset="0"/>
+                          </a:rPr>
+                          <m:t>10</m:t>
+                        </m:r>
+                      </m:e>
+                      <m:sup>
+                        <m:r>
+                          <a:rPr lang="de-DE" b="0" i="1" smtClean="0">
+                            <a:latin typeface="Cambria Math" panose="02040503050406030204" pitchFamily="18" charset="0"/>
+                          </a:rPr>
+                          <m:t>−4</m:t>
+                        </m:r>
+                      </m:sup>
+                    </m:sSup>
+                  </m:oMath>
+                </a14:m>
+                <a:endParaRPr lang="de-DE" dirty="0"/>
+              </a:p>
+              <a:p>
+                <a:pPr marL="701675" lvl="2" indent="-342900">
+                  <a:buFont typeface="Arial" panose="020B0604020202020204" pitchFamily="34" charset="0"/>
+                  <a:buChar char="•"/>
+                </a:pPr>
+                <a:r>
+                  <a:rPr lang="de-DE" i="1" dirty="0" err="1"/>
+                  <a:t>Pruning</a:t>
+                </a:r>
+                <a:r>
+                  <a:rPr lang="de-DE" i="1" dirty="0"/>
+                  <a:t> </a:t>
+                </a:r>
+                <a:r>
+                  <a:rPr lang="de-DE" i="1" dirty="0" err="1"/>
+                  <a:t>treshold</a:t>
+                </a:r>
+                <a:r>
+                  <a:rPr lang="de-DE" i="1" dirty="0"/>
+                  <a:t>= </a:t>
+                </a:r>
+                <a14:m>
+                  <m:oMath xmlns:m="http://schemas.openxmlformats.org/officeDocument/2006/math">
+                    <m:r>
+                      <a:rPr lang="de-DE" i="1">
+                        <a:latin typeface="Cambria Math" panose="02040503050406030204" pitchFamily="18" charset="0"/>
+                      </a:rPr>
+                      <m:t>1</m:t>
+                    </m:r>
+                    <m:r>
+                      <a:rPr lang="de-DE" i="1">
+                        <a:latin typeface="Cambria Math" panose="02040503050406030204" pitchFamily="18" charset="0"/>
+                      </a:rPr>
+                      <m:t>𝑥</m:t>
+                    </m:r>
+                    <m:sSup>
+                      <m:sSupPr>
+                        <m:ctrlPr>
+                          <a:rPr lang="de-DE" i="1">
+                            <a:latin typeface="Cambria Math" panose="02040503050406030204" pitchFamily="18" charset="0"/>
+                          </a:rPr>
+                        </m:ctrlPr>
+                      </m:sSupPr>
+                      <m:e>
+                        <m:r>
+                          <a:rPr lang="de-DE" i="1">
+                            <a:latin typeface="Cambria Math" panose="02040503050406030204" pitchFamily="18" charset="0"/>
+                          </a:rPr>
+                          <m:t>10</m:t>
+                        </m:r>
+                      </m:e>
+                      <m:sup>
+                        <m:r>
+                          <a:rPr lang="de-DE" i="1">
+                            <a:latin typeface="Cambria Math" panose="02040503050406030204" pitchFamily="18" charset="0"/>
+                          </a:rPr>
+                          <m:t>−</m:t>
+                        </m:r>
+                        <m:r>
+                          <a:rPr lang="de-DE" b="0" i="1" smtClean="0">
+                            <a:latin typeface="Cambria Math" panose="02040503050406030204" pitchFamily="18" charset="0"/>
+                          </a:rPr>
+                          <m:t>5</m:t>
+                        </m:r>
+                      </m:sup>
+                    </m:sSup>
+                  </m:oMath>
+                </a14:m>
+                <a:endParaRPr lang="de-DE" i="1" dirty="0"/>
+              </a:p>
+              <a:p>
+                <a:pPr marL="701675" lvl="2" indent="-342900">
+                  <a:buFont typeface="Arial" panose="020B0604020202020204" pitchFamily="34" charset="0"/>
+                  <a:buChar char="•"/>
+                </a:pPr>
+                <a:endParaRPr lang="de-DE" dirty="0"/>
+              </a:p>
+            </p:txBody>
+          </p:sp>
+        </mc:Choice>
+        <mc:Fallback xmlns="">
+          <p:sp>
+            <p:nvSpPr>
+              <p:cNvPr id="10" name="Inhaltsplatzhalter 9">
+                <a:extLst>
+                  <a:ext uri="{FF2B5EF4-FFF2-40B4-BE49-F238E27FC236}">
+                    <a16:creationId xmlns:a16="http://schemas.microsoft.com/office/drawing/2014/main" id="{C3179477-52E6-EE43-A988-98BD45863020}"/>
+                  </a:ext>
+                </a:extLst>
+              </p:cNvPr>
+              <p:cNvSpPr>
+                <a:spLocks noGrp="1" noRot="1" noChangeAspect="1" noMove="1" noResize="1" noEditPoints="1" noAdjustHandles="1" noChangeArrowheads="1" noChangeShapeType="1" noTextEdit="1"/>
+              </p:cNvSpPr>
+              <p:nvPr>
+                <p:ph idx="1"/>
+              </p:nvPr>
+            </p:nvSpPr>
+            <p:spPr>
+              <a:blipFill>
+                <a:blip r:embed="rId2"/>
+                <a:stretch>
+                  <a:fillRect l="-2045"/>
+                </a:stretch>
+              </a:blipFill>
+            </p:spPr>
+            <p:txBody>
+              <a:bodyPr/>
+              <a:lstStyle/>
+              <a:p>
+                <a:r>
+                  <a:rPr lang="de-DE">
+                    <a:noFill/>
+                  </a:rPr>
+                  <a:t> </a:t>
+                </a:r>
+              </a:p>
+            </p:txBody>
+          </p:sp>
+        </mc:Fallback>
+      </mc:AlternateContent>
+    </p:spTree>
+    <p:extLst>
+      <p:ext uri="{BB962C8B-B14F-4D97-AF65-F5344CB8AC3E}">
+        <p14:creationId xmlns:p14="http://schemas.microsoft.com/office/powerpoint/2010/main" val="2337371232"/>
+      </p:ext>
+    </p:extLst>
+  </p:cSld>
+  <p:clrMapOvr>
+    <a:masterClrMapping/>
+  </p:clrMapOvr>
+</p:sld>
+</file>
+
+<file path=ppt/slides/slide27.xml><?xml version="1.0" encoding="utf-8"?>
+<p:sld xmlns:a="http://schemas.openxmlformats.org/drawingml/2006/main" xmlns:r="http://schemas.openxmlformats.org/officeDocument/2006/relationships" xmlns:p="http://schemas.openxmlformats.org/presentationml/2006/main">
+  <p:cSld>
+    <p:spTree>
+      <p:nvGrpSpPr>
+        <p:cNvPr id="1" name=""/>
+        <p:cNvGrpSpPr/>
+        <p:nvPr/>
+      </p:nvGrpSpPr>
+      <p:grpSpPr>
+        <a:xfrm>
+          <a:off x="0" y="0"/>
+          <a:ext cx="0" cy="0"/>
+          <a:chOff x="0" y="0"/>
+          <a:chExt cx="0" cy="0"/>
+        </a:xfrm>
+      </p:grpSpPr>
+      <p:sp>
+        <p:nvSpPr>
+          <p:cNvPr id="2" name="Titel 1">
+            <a:extLst>
+              <a:ext uri="{FF2B5EF4-FFF2-40B4-BE49-F238E27FC236}">
+                <a16:creationId xmlns:a16="http://schemas.microsoft.com/office/drawing/2014/main" id="{0A0D77FB-FBFC-F34F-B11B-70E8F5ABA43E}"/>
+              </a:ext>
+            </a:extLst>
+          </p:cNvPr>
+          <p:cNvSpPr>
+            <a:spLocks noGrp="1"/>
+          </p:cNvSpPr>
+          <p:nvPr>
+            <p:ph type="title"/>
+          </p:nvPr>
+        </p:nvSpPr>
+        <p:spPr/>
+        <p:txBody>
+          <a:bodyPr/>
+          <a:lstStyle/>
+          <a:p>
+            <a:r>
+              <a:rPr lang="de-DE" dirty="0"/>
+              <a:t>Evaluation: GNN</a:t>
+            </a:r>
+          </a:p>
+        </p:txBody>
+      </p:sp>
+      <p:pic>
+        <p:nvPicPr>
+          <p:cNvPr id="8" name="Inhaltsplatzhalter 7">
+            <a:extLst>
+              <a:ext uri="{FF2B5EF4-FFF2-40B4-BE49-F238E27FC236}">
+                <a16:creationId xmlns:a16="http://schemas.microsoft.com/office/drawing/2014/main" id="{002253A9-B357-F14E-89D8-B9137408A170}"/>
+              </a:ext>
+            </a:extLst>
+          </p:cNvPr>
+          <p:cNvPicPr>
+            <a:picLocks noGrp="1" noChangeAspect="1"/>
+          </p:cNvPicPr>
+          <p:nvPr>
+            <p:ph idx="1"/>
+          </p:nvPr>
+        </p:nvPicPr>
+        <p:blipFill rotWithShape="1">
+          <a:blip r:embed="rId2">
+            <a:extLst>
+              <a:ext uri="{28A0092B-C50C-407E-A947-70E740481C1C}">
+                <a14:useLocalDpi xmlns:a14="http://schemas.microsoft.com/office/drawing/2010/main" val="0"/>
+              </a:ext>
+            </a:extLst>
+          </a:blip>
+          <a:srcRect l="2381" t="6591" r="9524" b="1345"/>
+          <a:stretch/>
+        </p:blipFill>
+        <p:spPr>
+          <a:xfrm>
+            <a:off x="1115616" y="1557238"/>
+            <a:ext cx="6101300" cy="4782100"/>
+          </a:xfrm>
+        </p:spPr>
+      </p:pic>
+    </p:spTree>
+    <p:extLst>
+      <p:ext uri="{BB962C8B-B14F-4D97-AF65-F5344CB8AC3E}">
+        <p14:creationId xmlns:p14="http://schemas.microsoft.com/office/powerpoint/2010/main" val="195883405"/>
+      </p:ext>
+    </p:extLst>
+  </p:cSld>
+  <p:clrMapOvr>
+    <a:masterClrMapping/>
+  </p:clrMapOvr>
+</p:sld>
+</file>
+
+<file path=ppt/slides/slide28.xml><?xml version="1.0" encoding="utf-8"?>
+<p:sld xmlns:a="http://schemas.openxmlformats.org/drawingml/2006/main" xmlns:r="http://schemas.openxmlformats.org/officeDocument/2006/relationships" xmlns:p="http://schemas.openxmlformats.org/presentationml/2006/main">
+  <p:cSld>
+    <p:spTree>
+      <p:nvGrpSpPr>
+        <p:cNvPr id="1" name=""/>
+        <p:cNvGrpSpPr/>
+        <p:nvPr/>
+      </p:nvGrpSpPr>
+      <p:grpSpPr>
+        <a:xfrm>
+          <a:off x="0" y="0"/>
+          <a:ext cx="0" cy="0"/>
+          <a:chOff x="0" y="0"/>
+          <a:chExt cx="0" cy="0"/>
+        </a:xfrm>
+      </p:grpSpPr>
+      <p:sp>
+        <p:nvSpPr>
+          <p:cNvPr id="2" name="Titel 1">
+            <a:extLst>
+              <a:ext uri="{FF2B5EF4-FFF2-40B4-BE49-F238E27FC236}">
+                <a16:creationId xmlns:a16="http://schemas.microsoft.com/office/drawing/2014/main" id="{0A0D77FB-FBFC-F34F-B11B-70E8F5ABA43E}"/>
+              </a:ext>
+            </a:extLst>
+          </p:cNvPr>
+          <p:cNvSpPr>
+            <a:spLocks noGrp="1"/>
+          </p:cNvSpPr>
+          <p:nvPr>
+            <p:ph type="title"/>
+          </p:nvPr>
+        </p:nvSpPr>
+        <p:spPr/>
+        <p:txBody>
+          <a:bodyPr/>
+          <a:lstStyle/>
+          <a:p>
+            <a:r>
+              <a:rPr lang="de-DE" dirty="0"/>
+              <a:t>Evaluation: GNN</a:t>
+            </a:r>
+          </a:p>
+        </p:txBody>
+      </p:sp>
+      <p:pic>
+        <p:nvPicPr>
+          <p:cNvPr id="6" name="Inhaltsplatzhalter 5">
+            <a:extLst>
+              <a:ext uri="{FF2B5EF4-FFF2-40B4-BE49-F238E27FC236}">
+                <a16:creationId xmlns:a16="http://schemas.microsoft.com/office/drawing/2014/main" id="{E63DF7B2-9FDF-3346-8AA1-90D7A20255CD}"/>
+              </a:ext>
+            </a:extLst>
+          </p:cNvPr>
+          <p:cNvPicPr>
+            <a:picLocks noGrp="1" noChangeAspect="1"/>
+          </p:cNvPicPr>
+          <p:nvPr>
+            <p:ph idx="1"/>
+          </p:nvPr>
+        </p:nvPicPr>
+        <p:blipFill rotWithShape="1">
+          <a:blip r:embed="rId2">
+            <a:extLst>
+              <a:ext uri="{28A0092B-C50C-407E-A947-70E740481C1C}">
+                <a14:useLocalDpi xmlns:a14="http://schemas.microsoft.com/office/drawing/2010/main" val="0"/>
+              </a:ext>
+            </a:extLst>
+          </a:blip>
+          <a:srcRect l="834" t="5670" r="7955" b="2298"/>
+          <a:stretch/>
+        </p:blipFill>
+        <p:spPr>
+          <a:xfrm>
+            <a:off x="899592" y="1556792"/>
+            <a:ext cx="6245316" cy="4726185"/>
+          </a:xfrm>
+        </p:spPr>
+      </p:pic>
+    </p:spTree>
+    <p:extLst>
+      <p:ext uri="{BB962C8B-B14F-4D97-AF65-F5344CB8AC3E}">
+        <p14:creationId xmlns:p14="http://schemas.microsoft.com/office/powerpoint/2010/main" val="3507406091"/>
+      </p:ext>
+    </p:extLst>
+  </p:cSld>
+  <p:clrMapOvr>
+    <a:masterClrMapping/>
+  </p:clrMapOvr>
+</p:sld>
+</file>
+
+<file path=ppt/slides/slide29.xml><?xml version="1.0" encoding="utf-8"?>
+<p:sld xmlns:a="http://schemas.openxmlformats.org/drawingml/2006/main" xmlns:r="http://schemas.openxmlformats.org/officeDocument/2006/relationships" xmlns:p="http://schemas.openxmlformats.org/presentationml/2006/main">
+  <p:cSld>
+    <p:spTree>
+      <p:nvGrpSpPr>
+        <p:cNvPr id="1" name=""/>
+        <p:cNvGrpSpPr/>
+        <p:nvPr/>
+      </p:nvGrpSpPr>
+      <p:grpSpPr>
+        <a:xfrm>
+          <a:off x="0" y="0"/>
+          <a:ext cx="0" cy="0"/>
+          <a:chOff x="0" y="0"/>
+          <a:chExt cx="0" cy="0"/>
+        </a:xfrm>
+      </p:grpSpPr>
+      <p:sp>
+        <p:nvSpPr>
+          <p:cNvPr id="2" name="Titel 1">
+            <a:extLst>
+              <a:ext uri="{FF2B5EF4-FFF2-40B4-BE49-F238E27FC236}">
+                <a16:creationId xmlns:a16="http://schemas.microsoft.com/office/drawing/2014/main" id="{0A0D77FB-FBFC-F34F-B11B-70E8F5ABA43E}"/>
+              </a:ext>
+            </a:extLst>
+          </p:cNvPr>
+          <p:cNvSpPr>
+            <a:spLocks noGrp="1"/>
+          </p:cNvSpPr>
+          <p:nvPr>
+            <p:ph type="title"/>
+          </p:nvPr>
+        </p:nvSpPr>
+        <p:spPr/>
+        <p:txBody>
+          <a:bodyPr/>
+          <a:lstStyle/>
+          <a:p>
+            <a:r>
+              <a:rPr lang="de-DE" dirty="0"/>
+              <a:t>Evaluation: PHD</a:t>
+            </a:r>
+          </a:p>
+        </p:txBody>
+      </p:sp>
+      <p:pic>
+        <p:nvPicPr>
+          <p:cNvPr id="6" name="Inhaltsplatzhalter 5">
+            <a:extLst>
+              <a:ext uri="{FF2B5EF4-FFF2-40B4-BE49-F238E27FC236}">
+                <a16:creationId xmlns:a16="http://schemas.microsoft.com/office/drawing/2014/main" id="{0A7DD4FA-39CC-EA49-8271-7279DF9D2BD0}"/>
+              </a:ext>
+            </a:extLst>
+          </p:cNvPr>
+          <p:cNvPicPr>
+            <a:picLocks noGrp="1" noChangeAspect="1"/>
+          </p:cNvPicPr>
+          <p:nvPr>
+            <p:ph idx="1"/>
+          </p:nvPr>
+        </p:nvPicPr>
+        <p:blipFill rotWithShape="1">
+          <a:blip r:embed="rId2">
+            <a:extLst>
+              <a:ext uri="{28A0092B-C50C-407E-A947-70E740481C1C}">
+                <a14:useLocalDpi xmlns:a14="http://schemas.microsoft.com/office/drawing/2010/main" val="0"/>
+              </a:ext>
+            </a:extLst>
+          </a:blip>
+          <a:srcRect t="5669" r="7955"/>
+          <a:stretch/>
+        </p:blipFill>
+        <p:spPr>
+          <a:xfrm>
+            <a:off x="971601" y="1458974"/>
+            <a:ext cx="6264696" cy="4815220"/>
+          </a:xfrm>
+        </p:spPr>
+      </p:pic>
+    </p:spTree>
+    <p:extLst>
+      <p:ext uri="{BB962C8B-B14F-4D97-AF65-F5344CB8AC3E}">
+        <p14:creationId xmlns:p14="http://schemas.microsoft.com/office/powerpoint/2010/main" val="1673622517"/>
+      </p:ext>
+    </p:extLst>
+  </p:cSld>
+  <p:clrMapOvr>
+    <a:masterClrMapping/>
+  </p:clrMapOvr>
 </p:sld>
 </file>
 
@@ -5026,13 +9042,1439 @@
   <p:clrMapOvr>
     <a:masterClrMapping/>
   </p:clrMapOvr>
-  <p:timing>
-    <p:tnLst>
-      <p:par>
-        <p:cTn id="1" dur="indefinite" restart="never" nodeType="tmRoot"/>
-      </p:par>
-    </p:tnLst>
-  </p:timing>
+</p:sld>
+</file>
+
+<file path=ppt/slides/slide30.xml><?xml version="1.0" encoding="utf-8"?>
+<p:sld xmlns:a="http://schemas.openxmlformats.org/drawingml/2006/main" xmlns:r="http://schemas.openxmlformats.org/officeDocument/2006/relationships" xmlns:p="http://schemas.openxmlformats.org/presentationml/2006/main">
+  <p:cSld>
+    <p:spTree>
+      <p:nvGrpSpPr>
+        <p:cNvPr id="1" name=""/>
+        <p:cNvGrpSpPr/>
+        <p:nvPr/>
+      </p:nvGrpSpPr>
+      <p:grpSpPr>
+        <a:xfrm>
+          <a:off x="0" y="0"/>
+          <a:ext cx="0" cy="0"/>
+          <a:chOff x="0" y="0"/>
+          <a:chExt cx="0" cy="0"/>
+        </a:xfrm>
+      </p:grpSpPr>
+      <p:sp>
+        <p:nvSpPr>
+          <p:cNvPr id="2" name="Titel 1">
+            <a:extLst>
+              <a:ext uri="{FF2B5EF4-FFF2-40B4-BE49-F238E27FC236}">
+                <a16:creationId xmlns:a16="http://schemas.microsoft.com/office/drawing/2014/main" id="{0A0D77FB-FBFC-F34F-B11B-70E8F5ABA43E}"/>
+              </a:ext>
+            </a:extLst>
+          </p:cNvPr>
+          <p:cNvSpPr>
+            <a:spLocks noGrp="1"/>
+          </p:cNvSpPr>
+          <p:nvPr>
+            <p:ph type="title"/>
+          </p:nvPr>
+        </p:nvSpPr>
+        <p:spPr/>
+        <p:txBody>
+          <a:bodyPr/>
+          <a:lstStyle/>
+          <a:p>
+            <a:r>
+              <a:rPr lang="de-DE" dirty="0"/>
+              <a:t>Evaluation: PHD</a:t>
+            </a:r>
+          </a:p>
+        </p:txBody>
+      </p:sp>
+      <p:pic>
+        <p:nvPicPr>
+          <p:cNvPr id="11" name="Inhaltsplatzhalter 10">
+            <a:extLst>
+              <a:ext uri="{FF2B5EF4-FFF2-40B4-BE49-F238E27FC236}">
+                <a16:creationId xmlns:a16="http://schemas.microsoft.com/office/drawing/2014/main" id="{47EFAD9F-340C-B347-99CB-2B19011D2BF1}"/>
+              </a:ext>
+            </a:extLst>
+          </p:cNvPr>
+          <p:cNvPicPr>
+            <a:picLocks noGrp="1" noChangeAspect="1"/>
+          </p:cNvPicPr>
+          <p:nvPr>
+            <p:ph idx="1"/>
+          </p:nvPr>
+        </p:nvPicPr>
+        <p:blipFill rotWithShape="1">
+          <a:blip r:embed="rId2">
+            <a:extLst>
+              <a:ext uri="{28A0092B-C50C-407E-A947-70E740481C1C}">
+                <a14:useLocalDpi xmlns:a14="http://schemas.microsoft.com/office/drawing/2010/main" val="0"/>
+              </a:ext>
+            </a:extLst>
+          </a:blip>
+          <a:srcRect t="5669" r="7955"/>
+          <a:stretch/>
+        </p:blipFill>
+        <p:spPr>
+          <a:xfrm>
+            <a:off x="1115616" y="1484784"/>
+            <a:ext cx="6229608" cy="4788250"/>
+          </a:xfrm>
+        </p:spPr>
+      </p:pic>
+    </p:spTree>
+    <p:extLst>
+      <p:ext uri="{BB962C8B-B14F-4D97-AF65-F5344CB8AC3E}">
+        <p14:creationId xmlns:p14="http://schemas.microsoft.com/office/powerpoint/2010/main" val="3840455936"/>
+      </p:ext>
+    </p:extLst>
+  </p:cSld>
+  <p:clrMapOvr>
+    <a:masterClrMapping/>
+  </p:clrMapOvr>
+</p:sld>
+</file>
+
+<file path=ppt/slides/slide31.xml><?xml version="1.0" encoding="utf-8"?>
+<p:sld xmlns:a="http://schemas.openxmlformats.org/drawingml/2006/main" xmlns:r="http://schemas.openxmlformats.org/officeDocument/2006/relationships" xmlns:p="http://schemas.openxmlformats.org/presentationml/2006/main">
+  <p:cSld>
+    <p:spTree>
+      <p:nvGrpSpPr>
+        <p:cNvPr id="1" name=""/>
+        <p:cNvGrpSpPr/>
+        <p:nvPr/>
+      </p:nvGrpSpPr>
+      <p:grpSpPr>
+        <a:xfrm>
+          <a:off x="0" y="0"/>
+          <a:ext cx="0" cy="0"/>
+          <a:chOff x="0" y="0"/>
+          <a:chExt cx="0" cy="0"/>
+        </a:xfrm>
+      </p:grpSpPr>
+      <p:sp>
+        <p:nvSpPr>
+          <p:cNvPr id="2" name="Titel 1">
+            <a:extLst>
+              <a:ext uri="{FF2B5EF4-FFF2-40B4-BE49-F238E27FC236}">
+                <a16:creationId xmlns:a16="http://schemas.microsoft.com/office/drawing/2014/main" id="{4F3632E8-40E9-224F-AB80-F92F2588D5C8}"/>
+              </a:ext>
+            </a:extLst>
+          </p:cNvPr>
+          <p:cNvSpPr>
+            <a:spLocks noGrp="1"/>
+          </p:cNvSpPr>
+          <p:nvPr>
+            <p:ph type="title"/>
+          </p:nvPr>
+        </p:nvSpPr>
+        <p:spPr/>
+        <p:txBody>
+          <a:bodyPr/>
+          <a:lstStyle/>
+          <a:p>
+            <a:r>
+              <a:rPr lang="de-DE" dirty="0"/>
+              <a:t>Fazit</a:t>
+            </a:r>
+          </a:p>
+        </p:txBody>
+      </p:sp>
+      <p:sp>
+        <p:nvSpPr>
+          <p:cNvPr id="3" name="Inhaltsplatzhalter 2">
+            <a:extLst>
+              <a:ext uri="{FF2B5EF4-FFF2-40B4-BE49-F238E27FC236}">
+                <a16:creationId xmlns:a16="http://schemas.microsoft.com/office/drawing/2014/main" id="{81C3077B-F2AF-9443-B0A1-BD2CD043E986}"/>
+              </a:ext>
+            </a:extLst>
+          </p:cNvPr>
+          <p:cNvSpPr>
+            <a:spLocks noGrp="1"/>
+          </p:cNvSpPr>
+          <p:nvPr>
+            <p:ph idx="1"/>
+          </p:nvPr>
+        </p:nvSpPr>
+        <p:spPr>
+          <a:xfrm>
+            <a:off x="360000" y="1620000"/>
+            <a:ext cx="8316456" cy="4479943"/>
+          </a:xfrm>
+        </p:spPr>
+        <p:txBody>
+          <a:bodyPr/>
+          <a:lstStyle/>
+          <a:p>
+            <a:pPr marL="342900" indent="-342900">
+              <a:buFont typeface="Arial" panose="020B0604020202020204" pitchFamily="34" charset="0"/>
+              <a:buChar char="•"/>
+            </a:pPr>
+            <a:r>
+              <a:rPr lang="de-DE" dirty="0"/>
+              <a:t>Anwendbarkeit ist gegeben</a:t>
+            </a:r>
+          </a:p>
+          <a:p>
+            <a:pPr marL="701675" lvl="2" indent="-342900">
+              <a:buFont typeface="Arial" panose="020B0604020202020204" pitchFamily="34" charset="0"/>
+              <a:buChar char="•"/>
+            </a:pPr>
+            <a:r>
+              <a:rPr lang="de-DE" dirty="0" err="1"/>
+              <a:t>Clutter</a:t>
+            </a:r>
+            <a:r>
+              <a:rPr lang="de-DE" dirty="0"/>
+              <a:t> wird aussortiert</a:t>
+            </a:r>
+          </a:p>
+          <a:p>
+            <a:pPr marL="701675" lvl="2" indent="-342900">
+              <a:buFont typeface="Arial" panose="020B0604020202020204" pitchFamily="34" charset="0"/>
+              <a:buChar char="•"/>
+            </a:pPr>
+            <a:r>
+              <a:rPr lang="de-DE" dirty="0"/>
+              <a:t>Trajektorien können rekonstruiert werden</a:t>
+            </a:r>
+          </a:p>
+          <a:p>
+            <a:pPr marL="342900" indent="-342900">
+              <a:buFont typeface="Arial" panose="020B0604020202020204" pitchFamily="34" charset="0"/>
+              <a:buChar char="•"/>
+            </a:pPr>
+            <a:r>
+              <a:rPr lang="de-DE" dirty="0"/>
+              <a:t>Mögliche Verbesserungen und Herausforderungen</a:t>
+            </a:r>
+          </a:p>
+          <a:p>
+            <a:pPr marL="701675" lvl="2" indent="-342900">
+              <a:buFont typeface="Arial" panose="020B0604020202020204" pitchFamily="34" charset="0"/>
+              <a:buChar char="•"/>
+            </a:pPr>
+            <a:r>
+              <a:rPr lang="de-DE" dirty="0"/>
+              <a:t>Wahl der </a:t>
+            </a:r>
+            <a:r>
+              <a:rPr lang="de-DE" dirty="0" err="1"/>
+              <a:t>Hyperparamter</a:t>
+            </a:r>
+            <a:r>
+              <a:rPr lang="de-DE" dirty="0"/>
+              <a:t> weiter verbessern</a:t>
+            </a:r>
+          </a:p>
+          <a:p>
+            <a:pPr marL="701675" lvl="2" indent="-342900">
+              <a:buFont typeface="Arial" panose="020B0604020202020204" pitchFamily="34" charset="0"/>
+              <a:buChar char="•"/>
+            </a:pPr>
+            <a:r>
+              <a:rPr lang="de-DE" dirty="0"/>
+              <a:t>Bessere Bilderkennung</a:t>
+            </a:r>
+          </a:p>
+          <a:p>
+            <a:pPr marL="701675" lvl="2" indent="-342900">
+              <a:buFont typeface="Arial" panose="020B0604020202020204" pitchFamily="34" charset="0"/>
+              <a:buChar char="•"/>
+            </a:pPr>
+            <a:r>
+              <a:rPr lang="de-DE" dirty="0"/>
+              <a:t>Bei Bewegung der Kamera ändern sich ihre extrinsischen Parameter</a:t>
+            </a:r>
+          </a:p>
+          <a:p>
+            <a:pPr marL="342900" lvl="1" indent="-342900">
+              <a:buFont typeface="Arial" panose="020B0604020202020204" pitchFamily="34" charset="0"/>
+              <a:buChar char="•"/>
+            </a:pPr>
+            <a:r>
+              <a:rPr lang="de-DE" dirty="0"/>
+              <a:t>Mögliche Erweiterungen</a:t>
+            </a:r>
+          </a:p>
+          <a:p>
+            <a:pPr marL="701675" lvl="2" indent="-342900">
+              <a:buFont typeface="Arial" panose="020B0604020202020204" pitchFamily="34" charset="0"/>
+              <a:buChar char="•"/>
+            </a:pPr>
+            <a:r>
+              <a:rPr lang="de-DE" dirty="0" err="1"/>
+              <a:t>Labeling</a:t>
+            </a:r>
+            <a:r>
+              <a:rPr lang="de-DE" dirty="0"/>
+              <a:t> der Objekte</a:t>
+            </a:r>
+          </a:p>
+        </p:txBody>
+      </p:sp>
+    </p:spTree>
+    <p:extLst>
+      <p:ext uri="{BB962C8B-B14F-4D97-AF65-F5344CB8AC3E}">
+        <p14:creationId xmlns:p14="http://schemas.microsoft.com/office/powerpoint/2010/main" val="2106877417"/>
+      </p:ext>
+    </p:extLst>
+  </p:cSld>
+  <p:clrMapOvr>
+    <a:masterClrMapping/>
+  </p:clrMapOvr>
+</p:sld>
+</file>
+
+<file path=ppt/slides/slide32.xml><?xml version="1.0" encoding="utf-8"?>
+<p:sld xmlns:a="http://schemas.openxmlformats.org/drawingml/2006/main" xmlns:r="http://schemas.openxmlformats.org/officeDocument/2006/relationships" xmlns:p="http://schemas.openxmlformats.org/presentationml/2006/main">
+  <p:cSld>
+    <p:spTree>
+      <p:nvGrpSpPr>
+        <p:cNvPr id="1" name=""/>
+        <p:cNvGrpSpPr/>
+        <p:nvPr/>
+      </p:nvGrpSpPr>
+      <p:grpSpPr>
+        <a:xfrm>
+          <a:off x="0" y="0"/>
+          <a:ext cx="0" cy="0"/>
+          <a:chOff x="0" y="0"/>
+          <a:chExt cx="0" cy="0"/>
+        </a:xfrm>
+      </p:grpSpPr>
+      <p:sp>
+        <p:nvSpPr>
+          <p:cNvPr id="2" name="Titel 1">
+            <a:extLst>
+              <a:ext uri="{FF2B5EF4-FFF2-40B4-BE49-F238E27FC236}">
+                <a16:creationId xmlns:a16="http://schemas.microsoft.com/office/drawing/2014/main" id="{60330E91-2409-4079-B010-8611CBE01120}"/>
+              </a:ext>
+            </a:extLst>
+          </p:cNvPr>
+          <p:cNvSpPr>
+            <a:spLocks noGrp="1"/>
+          </p:cNvSpPr>
+          <p:nvPr>
+            <p:ph type="title"/>
+          </p:nvPr>
+        </p:nvSpPr>
+        <p:spPr/>
+        <p:txBody>
+          <a:bodyPr/>
+          <a:lstStyle/>
+          <a:p>
+            <a:r>
+              <a:rPr lang="de-DE" dirty="0"/>
+              <a:t> Referenzen </a:t>
+            </a:r>
+          </a:p>
+        </p:txBody>
+      </p:sp>
+      <p:pic>
+        <p:nvPicPr>
+          <p:cNvPr id="5" name="Inhaltsplatzhalter 4">
+            <a:extLst>
+              <a:ext uri="{FF2B5EF4-FFF2-40B4-BE49-F238E27FC236}">
+                <a16:creationId xmlns:a16="http://schemas.microsoft.com/office/drawing/2014/main" id="{5698AF0B-774D-4BED-AA96-13F47759642A}"/>
+              </a:ext>
+            </a:extLst>
+          </p:cNvPr>
+          <p:cNvPicPr>
+            <a:picLocks noGrp="1" noChangeAspect="1"/>
+          </p:cNvPicPr>
+          <p:nvPr>
+            <p:ph idx="1"/>
+          </p:nvPr>
+        </p:nvPicPr>
+        <p:blipFill>
+          <a:blip r:embed="rId2">
+            <a:extLst>
+              <a:ext uri="{28A0092B-C50C-407E-A947-70E740481C1C}">
+                <a14:useLocalDpi xmlns:a14="http://schemas.microsoft.com/office/drawing/2010/main" val="0"/>
+              </a:ext>
+            </a:extLst>
+          </a:blip>
+          <a:stretch>
+            <a:fillRect/>
+          </a:stretch>
+        </p:blipFill>
+        <p:spPr>
+          <a:xfrm>
+            <a:off x="360363" y="1925536"/>
+            <a:ext cx="7379989" cy="4183014"/>
+          </a:xfrm>
+        </p:spPr>
+      </p:pic>
+    </p:spTree>
+    <p:extLst>
+      <p:ext uri="{BB962C8B-B14F-4D97-AF65-F5344CB8AC3E}">
+        <p14:creationId xmlns:p14="http://schemas.microsoft.com/office/powerpoint/2010/main" val="3063152851"/>
+      </p:ext>
+    </p:extLst>
+  </p:cSld>
+  <p:clrMapOvr>
+    <a:masterClrMapping/>
+  </p:clrMapOvr>
+</p:sld>
+</file>
+
+<file path=ppt/slides/slide33.xml><?xml version="1.0" encoding="utf-8"?>
+<p:sld xmlns:a="http://schemas.openxmlformats.org/drawingml/2006/main" xmlns:r="http://schemas.openxmlformats.org/officeDocument/2006/relationships" xmlns:p="http://schemas.openxmlformats.org/presentationml/2006/main">
+  <p:cSld>
+    <p:spTree>
+      <p:nvGrpSpPr>
+        <p:cNvPr id="1" name=""/>
+        <p:cNvGrpSpPr/>
+        <p:nvPr/>
+      </p:nvGrpSpPr>
+      <p:grpSpPr>
+        <a:xfrm>
+          <a:off x="0" y="0"/>
+          <a:ext cx="0" cy="0"/>
+          <a:chOff x="0" y="0"/>
+          <a:chExt cx="0" cy="0"/>
+        </a:xfrm>
+      </p:grpSpPr>
+      <p:sp>
+        <p:nvSpPr>
+          <p:cNvPr id="2" name="Titel 1">
+            <a:extLst>
+              <a:ext uri="{FF2B5EF4-FFF2-40B4-BE49-F238E27FC236}">
+                <a16:creationId xmlns:a16="http://schemas.microsoft.com/office/drawing/2014/main" id="{57743A09-E220-4B28-9A3B-32BA5D873124}"/>
+              </a:ext>
+            </a:extLst>
+          </p:cNvPr>
+          <p:cNvSpPr>
+            <a:spLocks noGrp="1"/>
+          </p:cNvSpPr>
+          <p:nvPr>
+            <p:ph type="title"/>
+          </p:nvPr>
+        </p:nvSpPr>
+        <p:spPr/>
+        <p:txBody>
+          <a:bodyPr/>
+          <a:lstStyle/>
+          <a:p>
+            <a:endParaRPr lang="de-DE"/>
+          </a:p>
+        </p:txBody>
+      </p:sp>
+      <p:sp>
+        <p:nvSpPr>
+          <p:cNvPr id="3" name="Inhaltsplatzhalter 2">
+            <a:extLst>
+              <a:ext uri="{FF2B5EF4-FFF2-40B4-BE49-F238E27FC236}">
+                <a16:creationId xmlns:a16="http://schemas.microsoft.com/office/drawing/2014/main" id="{86B551A4-AF33-4368-9D6E-0249D8855F89}"/>
+              </a:ext>
+            </a:extLst>
+          </p:cNvPr>
+          <p:cNvSpPr>
+            <a:spLocks noGrp="1"/>
+          </p:cNvSpPr>
+          <p:nvPr>
+            <p:ph idx="1"/>
+          </p:nvPr>
+        </p:nvSpPr>
+        <p:spPr/>
+        <p:txBody>
+          <a:bodyPr/>
+          <a:lstStyle/>
+          <a:p>
+            <a:endParaRPr lang="de-DE"/>
+          </a:p>
+        </p:txBody>
+      </p:sp>
+    </p:spTree>
+    <p:extLst>
+      <p:ext uri="{BB962C8B-B14F-4D97-AF65-F5344CB8AC3E}">
+        <p14:creationId xmlns:p14="http://schemas.microsoft.com/office/powerpoint/2010/main" val="3309723776"/>
+      </p:ext>
+    </p:extLst>
+  </p:cSld>
+  <p:clrMapOvr>
+    <a:masterClrMapping/>
+  </p:clrMapOvr>
+</p:sld>
+</file>
+
+<file path=ppt/slides/slide34.xml><?xml version="1.0" encoding="utf-8"?>
+<p:sld xmlns:a="http://schemas.openxmlformats.org/drawingml/2006/main" xmlns:r="http://schemas.openxmlformats.org/officeDocument/2006/relationships" xmlns:p="http://schemas.openxmlformats.org/presentationml/2006/main">
+  <p:cSld>
+    <p:spTree>
+      <p:nvGrpSpPr>
+        <p:cNvPr id="1" name=""/>
+        <p:cNvGrpSpPr/>
+        <p:nvPr/>
+      </p:nvGrpSpPr>
+      <p:grpSpPr>
+        <a:xfrm>
+          <a:off x="0" y="0"/>
+          <a:ext cx="0" cy="0"/>
+          <a:chOff x="0" y="0"/>
+          <a:chExt cx="0" cy="0"/>
+        </a:xfrm>
+      </p:grpSpPr>
+      <p:sp>
+        <p:nvSpPr>
+          <p:cNvPr id="2" name="Titel 1">
+            <a:extLst>
+              <a:ext uri="{FF2B5EF4-FFF2-40B4-BE49-F238E27FC236}">
+                <a16:creationId xmlns:a16="http://schemas.microsoft.com/office/drawing/2014/main" id="{671E8B26-FCD3-4FC2-AE0F-A9FF2D2256DD}"/>
+              </a:ext>
+            </a:extLst>
+          </p:cNvPr>
+          <p:cNvSpPr>
+            <a:spLocks noGrp="1"/>
+          </p:cNvSpPr>
+          <p:nvPr>
+            <p:ph type="title"/>
+          </p:nvPr>
+        </p:nvSpPr>
+        <p:spPr/>
+        <p:txBody>
+          <a:bodyPr/>
+          <a:lstStyle/>
+          <a:p>
+            <a:r>
+              <a:rPr lang="de-DE" dirty="0" err="1"/>
+              <a:t>Pruning</a:t>
+            </a:r>
+            <a:endParaRPr lang="de-DE" dirty="0"/>
+          </a:p>
+        </p:txBody>
+      </p:sp>
+      <p:sp>
+        <p:nvSpPr>
+          <p:cNvPr id="3" name="Inhaltsplatzhalter 2">
+            <a:extLst>
+              <a:ext uri="{FF2B5EF4-FFF2-40B4-BE49-F238E27FC236}">
+                <a16:creationId xmlns:a16="http://schemas.microsoft.com/office/drawing/2014/main" id="{4F127B8C-7EC0-4F2F-BA7E-F7E7AB170113}"/>
+              </a:ext>
+            </a:extLst>
+          </p:cNvPr>
+          <p:cNvSpPr>
+            <a:spLocks noGrp="1"/>
+          </p:cNvSpPr>
+          <p:nvPr>
+            <p:ph sz="half" idx="1"/>
+          </p:nvPr>
+        </p:nvSpPr>
+        <p:spPr>
+          <a:xfrm>
+            <a:off x="358087" y="1700809"/>
+            <a:ext cx="8390377" cy="3960440"/>
+          </a:xfrm>
+        </p:spPr>
+        <p:txBody>
+          <a:bodyPr/>
+          <a:lstStyle/>
+          <a:p>
+            <a:pPr marL="342900" indent="-342900">
+              <a:buFont typeface="Arial" panose="020B0604020202020204" pitchFamily="34" charset="0"/>
+              <a:buChar char="•"/>
+            </a:pPr>
+            <a:r>
+              <a:rPr lang="de-DE" dirty="0"/>
+              <a:t> </a:t>
+            </a:r>
+          </a:p>
+          <a:p>
+            <a:pPr marL="342900" indent="-342900">
+              <a:buFont typeface="Arial" panose="020B0604020202020204" pitchFamily="34" charset="0"/>
+              <a:buChar char="•"/>
+            </a:pPr>
+            <a:r>
+              <a:rPr lang="de-DE" dirty="0"/>
+              <a:t>Geringe Gewichte vernachlässigbar</a:t>
+            </a:r>
+            <a:br>
+              <a:rPr lang="de-DE" dirty="0"/>
+            </a:br>
+            <a:r>
+              <a:rPr lang="de-DE" dirty="0"/>
+              <a:t>         Threshold </a:t>
+            </a:r>
+          </a:p>
+          <a:p>
+            <a:pPr marL="342900" indent="-342900">
+              <a:buFont typeface="Arial" panose="020B0604020202020204" pitchFamily="34" charset="0"/>
+              <a:buChar char="•"/>
+            </a:pPr>
+            <a:r>
+              <a:rPr lang="de-DE" dirty="0"/>
+              <a:t>Nah beieinander liegende Elemente zusammenfassbar</a:t>
+            </a:r>
+            <a:br>
+              <a:rPr lang="de-DE" dirty="0"/>
+            </a:br>
+            <a:r>
+              <a:rPr lang="de-DE" dirty="0"/>
+              <a:t>         </a:t>
+            </a:r>
+            <a:r>
+              <a:rPr lang="de-DE" dirty="0" err="1"/>
+              <a:t>Merging</a:t>
+            </a:r>
+            <a:r>
+              <a:rPr lang="de-DE" dirty="0"/>
+              <a:t> </a:t>
+            </a:r>
+            <a:r>
+              <a:rPr lang="de-DE" dirty="0" err="1"/>
+              <a:t>Distance</a:t>
+            </a:r>
+            <a:r>
+              <a:rPr lang="de-DE" dirty="0"/>
+              <a:t> </a:t>
+            </a:r>
+          </a:p>
+          <a:p>
+            <a:pPr marL="342900" indent="-342900">
+              <a:buFont typeface="Arial" panose="020B0604020202020204" pitchFamily="34" charset="0"/>
+              <a:buChar char="•"/>
+            </a:pPr>
+            <a:r>
+              <a:rPr lang="de-DE" dirty="0"/>
+              <a:t>Maximale Anzahl an Elementen</a:t>
+            </a:r>
+            <a:br>
+              <a:rPr lang="de-DE" dirty="0"/>
+            </a:br>
+            <a:r>
+              <a:rPr lang="de-DE" dirty="0"/>
+              <a:t>         </a:t>
+            </a:r>
+          </a:p>
+          <a:p>
+            <a:pPr marL="342900" indent="-342900">
+              <a:buFont typeface="Arial" panose="020B0604020202020204" pitchFamily="34" charset="0"/>
+              <a:buChar char="•"/>
+            </a:pPr>
+            <a:endParaRPr lang="de-DE" dirty="0"/>
+          </a:p>
+        </p:txBody>
+      </p:sp>
+      <p:sp>
+        <p:nvSpPr>
+          <p:cNvPr id="7" name="Pfeil: nach rechts 6">
+            <a:extLst>
+              <a:ext uri="{FF2B5EF4-FFF2-40B4-BE49-F238E27FC236}">
+                <a16:creationId xmlns:a16="http://schemas.microsoft.com/office/drawing/2014/main" id="{C8F05A56-F934-4CC0-9278-0BC08422ADD2}"/>
+              </a:ext>
+            </a:extLst>
+          </p:cNvPr>
+          <p:cNvSpPr/>
+          <p:nvPr/>
+        </p:nvSpPr>
+        <p:spPr>
+          <a:xfrm>
+            <a:off x="862065" y="2684610"/>
+            <a:ext cx="360040" cy="216024"/>
+          </a:xfrm>
+          <a:prstGeom prst="rightArrow">
+            <a:avLst/>
+          </a:prstGeom>
+          <a:solidFill>
+            <a:srgbClr val="92D050"/>
+          </a:solidFill>
+        </p:spPr>
+        <p:style>
+          <a:lnRef idx="2">
+            <a:schemeClr val="accent1">
+              <a:shade val="50000"/>
+            </a:schemeClr>
+          </a:lnRef>
+          <a:fillRef idx="1">
+            <a:schemeClr val="accent1"/>
+          </a:fillRef>
+          <a:effectRef idx="0">
+            <a:schemeClr val="accent1"/>
+          </a:effectRef>
+          <a:fontRef idx="minor">
+            <a:schemeClr val="lt1"/>
+          </a:fontRef>
+        </p:style>
+        <p:txBody>
+          <a:bodyPr rtlCol="0" anchor="ctr"/>
+          <a:lstStyle/>
+          <a:p>
+            <a:pPr algn="ctr"/>
+            <a:endParaRPr lang="de-DE" dirty="0"/>
+          </a:p>
+        </p:txBody>
+      </p:sp>
+      <p:sp>
+        <p:nvSpPr>
+          <p:cNvPr id="10" name="Pfeil: nach rechts 9">
+            <a:extLst>
+              <a:ext uri="{FF2B5EF4-FFF2-40B4-BE49-F238E27FC236}">
+                <a16:creationId xmlns:a16="http://schemas.microsoft.com/office/drawing/2014/main" id="{B8C4B277-66C9-47A3-8FCC-C880B0F70CAE}"/>
+              </a:ext>
+            </a:extLst>
+          </p:cNvPr>
+          <p:cNvSpPr/>
+          <p:nvPr/>
+        </p:nvSpPr>
+        <p:spPr>
+          <a:xfrm>
+            <a:off x="834445" y="3538166"/>
+            <a:ext cx="360040" cy="216024"/>
+          </a:xfrm>
+          <a:prstGeom prst="rightArrow">
+            <a:avLst/>
+          </a:prstGeom>
+          <a:solidFill>
+            <a:srgbClr val="92D050"/>
+          </a:solidFill>
+        </p:spPr>
+        <p:style>
+          <a:lnRef idx="2">
+            <a:schemeClr val="accent1">
+              <a:shade val="50000"/>
+            </a:schemeClr>
+          </a:lnRef>
+          <a:fillRef idx="1">
+            <a:schemeClr val="accent1"/>
+          </a:fillRef>
+          <a:effectRef idx="0">
+            <a:schemeClr val="accent1"/>
+          </a:effectRef>
+          <a:fontRef idx="minor">
+            <a:schemeClr val="lt1"/>
+          </a:fontRef>
+        </p:style>
+        <p:txBody>
+          <a:bodyPr rtlCol="0" anchor="ctr"/>
+          <a:lstStyle/>
+          <a:p>
+            <a:pPr algn="ctr"/>
+            <a:endParaRPr lang="de-DE" dirty="0"/>
+          </a:p>
+        </p:txBody>
+      </p:sp>
+      <p:pic>
+        <p:nvPicPr>
+          <p:cNvPr id="16" name="Grafik 15" descr="IguanaTex Bitmap Display&#10;&#10;\documentclass{article}&#10;\usepackage{amsmath}&#10;\pagestyle{empty}&#10;\begin{document}&#10;&#10;\begin{equation*}&#10; v_k(x) = \sum_{i=1}^{J_k} w_k^{(i)} \mathcal{N}(x;m_k^{(i)}, P_k^{(i)})&#10;\end{equation*}&#10;&#10;&#10;\end{document}">
+            <a:extLst>
+              <a:ext uri="{FF2B5EF4-FFF2-40B4-BE49-F238E27FC236}">
+                <a16:creationId xmlns:a16="http://schemas.microsoft.com/office/drawing/2014/main" id="{34C39881-25C7-4057-B619-F216AA46C749}"/>
+              </a:ext>
+            </a:extLst>
+          </p:cNvPr>
+          <p:cNvPicPr>
+            <a:picLocks noChangeAspect="1"/>
+          </p:cNvPicPr>
+          <p:nvPr>
+            <p:custDataLst>
+              <p:tags r:id="rId1"/>
+            </p:custDataLst>
+          </p:nvPr>
+        </p:nvPicPr>
+        <p:blipFill>
+          <a:blip r:embed="rId6" cstate="print">
+            <a:extLst>
+              <a:ext uri="{28A0092B-C50C-407E-A947-70E740481C1C}">
+                <a14:useLocalDpi xmlns:a14="http://schemas.microsoft.com/office/drawing/2010/main" val="0"/>
+              </a:ext>
+            </a:extLst>
+          </a:blip>
+          <a:stretch>
+            <a:fillRect/>
+          </a:stretch>
+        </p:blipFill>
+        <p:spPr>
+          <a:xfrm>
+            <a:off x="800405" y="1643556"/>
+            <a:ext cx="2879428" cy="619656"/>
+          </a:xfrm>
+          <a:prstGeom prst="rect">
+            <a:avLst/>
+          </a:prstGeom>
+        </p:spPr>
+      </p:pic>
+      <p:sp>
+        <p:nvSpPr>
+          <p:cNvPr id="18" name="Pfeil: nach rechts 17">
+            <a:extLst>
+              <a:ext uri="{FF2B5EF4-FFF2-40B4-BE49-F238E27FC236}">
+                <a16:creationId xmlns:a16="http://schemas.microsoft.com/office/drawing/2014/main" id="{10BDFD43-FB23-477A-AFB5-FFCFDF4E4986}"/>
+              </a:ext>
+            </a:extLst>
+          </p:cNvPr>
+          <p:cNvSpPr/>
+          <p:nvPr/>
+        </p:nvSpPr>
+        <p:spPr>
+          <a:xfrm>
+            <a:off x="834445" y="4360800"/>
+            <a:ext cx="360040" cy="216024"/>
+          </a:xfrm>
+          <a:prstGeom prst="rightArrow">
+            <a:avLst/>
+          </a:prstGeom>
+          <a:solidFill>
+            <a:srgbClr val="92D050"/>
+          </a:solidFill>
+        </p:spPr>
+        <p:style>
+          <a:lnRef idx="2">
+            <a:schemeClr val="accent1">
+              <a:shade val="50000"/>
+            </a:schemeClr>
+          </a:lnRef>
+          <a:fillRef idx="1">
+            <a:schemeClr val="accent1"/>
+          </a:fillRef>
+          <a:effectRef idx="0">
+            <a:schemeClr val="accent1"/>
+          </a:effectRef>
+          <a:fontRef idx="minor">
+            <a:schemeClr val="lt1"/>
+          </a:fontRef>
+        </p:style>
+        <p:txBody>
+          <a:bodyPr rtlCol="0" anchor="ctr"/>
+          <a:lstStyle/>
+          <a:p>
+            <a:pPr algn="ctr"/>
+            <a:endParaRPr lang="de-DE" dirty="0"/>
+          </a:p>
+        </p:txBody>
+      </p:sp>
+      <p:pic>
+        <p:nvPicPr>
+          <p:cNvPr id="20" name="Grafik 19" descr="\documentclass{article}&#10;\usepackage{amsmath}&#10;\pagestyle{empty}&#10;\begin{document}&#10;&#10;$J_{max}$&#10;&#10;&#10;\end{document}" title="IguanaTex Bitmap Display">
+            <a:extLst>
+              <a:ext uri="{FF2B5EF4-FFF2-40B4-BE49-F238E27FC236}">
+                <a16:creationId xmlns:a16="http://schemas.microsoft.com/office/drawing/2014/main" id="{E6D741A3-ADA2-49CE-A5C8-6F46474EAFA3}"/>
+              </a:ext>
+            </a:extLst>
+          </p:cNvPr>
+          <p:cNvPicPr>
+            <a:picLocks noChangeAspect="1"/>
+          </p:cNvPicPr>
+          <p:nvPr>
+            <p:custDataLst>
+              <p:tags r:id="rId2"/>
+            </p:custDataLst>
+          </p:nvPr>
+        </p:nvPicPr>
+        <p:blipFill>
+          <a:blip r:embed="rId7" cstate="print">
+            <a:extLst>
+              <a:ext uri="{28A0092B-C50C-407E-A947-70E740481C1C}">
+                <a14:useLocalDpi xmlns:a14="http://schemas.microsoft.com/office/drawing/2010/main" val="0"/>
+              </a:ext>
+            </a:extLst>
+          </a:blip>
+          <a:stretch>
+            <a:fillRect/>
+          </a:stretch>
+        </p:blipFill>
+        <p:spPr>
+          <a:xfrm>
+            <a:off x="1331640" y="4385707"/>
+            <a:ext cx="516571" cy="211810"/>
+          </a:xfrm>
+          <a:prstGeom prst="rect">
+            <a:avLst/>
+          </a:prstGeom>
+        </p:spPr>
+      </p:pic>
+      <p:pic>
+        <p:nvPicPr>
+          <p:cNvPr id="22" name="Grafik 21" descr="\documentclass{article}&#10;\usepackage{amsmath}&#10;\pagestyle{empty}&#10;\begin{document}&#10;&#10;$T$&#10;&#10;&#10;\end{document}" title="IguanaTex Bitmap Display">
+            <a:extLst>
+              <a:ext uri="{FF2B5EF4-FFF2-40B4-BE49-F238E27FC236}">
+                <a16:creationId xmlns:a16="http://schemas.microsoft.com/office/drawing/2014/main" id="{D0C8D0D5-973A-429D-ACCA-8F6196B34B6C}"/>
+              </a:ext>
+            </a:extLst>
+          </p:cNvPr>
+          <p:cNvPicPr>
+            <a:picLocks noChangeAspect="1"/>
+          </p:cNvPicPr>
+          <p:nvPr>
+            <p:custDataLst>
+              <p:tags r:id="rId3"/>
+            </p:custDataLst>
+          </p:nvPr>
+        </p:nvPicPr>
+        <p:blipFill>
+          <a:blip r:embed="rId8" cstate="print">
+            <a:extLst>
+              <a:ext uri="{28A0092B-C50C-407E-A947-70E740481C1C}">
+                <a14:useLocalDpi xmlns:a14="http://schemas.microsoft.com/office/drawing/2010/main" val="0"/>
+              </a:ext>
+            </a:extLst>
+          </a:blip>
+          <a:stretch>
+            <a:fillRect/>
+          </a:stretch>
+        </p:blipFill>
+        <p:spPr>
+          <a:xfrm>
+            <a:off x="2555776" y="2707288"/>
+            <a:ext cx="173714" cy="170667"/>
+          </a:xfrm>
+          <a:prstGeom prst="rect">
+            <a:avLst/>
+          </a:prstGeom>
+        </p:spPr>
+      </p:pic>
+      <p:pic>
+        <p:nvPicPr>
+          <p:cNvPr id="24" name="Grafik 23" descr="\documentclass{article}&#10;\usepackage{amsmath}&#10;\pagestyle{empty}&#10;\begin{document}&#10;&#10;$M&#10;$&#10;&#10;&#10;\end{document}" title="IguanaTex Bitmap Display">
+            <a:extLst>
+              <a:ext uri="{FF2B5EF4-FFF2-40B4-BE49-F238E27FC236}">
+                <a16:creationId xmlns:a16="http://schemas.microsoft.com/office/drawing/2014/main" id="{513F985E-2794-4A7D-BCBA-5E2EC76F006B}"/>
+              </a:ext>
+            </a:extLst>
+          </p:cNvPr>
+          <p:cNvPicPr>
+            <a:picLocks noChangeAspect="1"/>
+          </p:cNvPicPr>
+          <p:nvPr>
+            <p:custDataLst>
+              <p:tags r:id="rId4"/>
+            </p:custDataLst>
+          </p:nvPr>
+        </p:nvPicPr>
+        <p:blipFill>
+          <a:blip r:embed="rId9" cstate="print">
+            <a:extLst>
+              <a:ext uri="{28A0092B-C50C-407E-A947-70E740481C1C}">
+                <a14:useLocalDpi xmlns:a14="http://schemas.microsoft.com/office/drawing/2010/main" val="0"/>
+              </a:ext>
+            </a:extLst>
+          </a:blip>
+          <a:stretch>
+            <a:fillRect/>
+          </a:stretch>
+        </p:blipFill>
+        <p:spPr>
+          <a:xfrm>
+            <a:off x="3403587" y="3566061"/>
+            <a:ext cx="256000" cy="172190"/>
+          </a:xfrm>
+          <a:prstGeom prst="rect">
+            <a:avLst/>
+          </a:prstGeom>
+        </p:spPr>
+      </p:pic>
+    </p:spTree>
+    <p:extLst>
+      <p:ext uri="{BB962C8B-B14F-4D97-AF65-F5344CB8AC3E}">
+        <p14:creationId xmlns:p14="http://schemas.microsoft.com/office/powerpoint/2010/main" val="3906129812"/>
+      </p:ext>
+    </p:extLst>
+  </p:cSld>
+  <p:clrMapOvr>
+    <a:masterClrMapping/>
+  </p:clrMapOvr>
+</p:sld>
+</file>
+
+<file path=ppt/slides/slide35.xml><?xml version="1.0" encoding="utf-8"?>
+<p:sld xmlns:a="http://schemas.openxmlformats.org/drawingml/2006/main" xmlns:r="http://schemas.openxmlformats.org/officeDocument/2006/relationships" xmlns:p="http://schemas.openxmlformats.org/presentationml/2006/main">
+  <p:cSld>
+    <p:spTree>
+      <p:nvGrpSpPr>
+        <p:cNvPr id="1" name=""/>
+        <p:cNvGrpSpPr/>
+        <p:nvPr/>
+      </p:nvGrpSpPr>
+      <p:grpSpPr>
+        <a:xfrm>
+          <a:off x="0" y="0"/>
+          <a:ext cx="0" cy="0"/>
+          <a:chOff x="0" y="0"/>
+          <a:chExt cx="0" cy="0"/>
+        </a:xfrm>
+      </p:grpSpPr>
+      <p:sp>
+        <p:nvSpPr>
+          <p:cNvPr id="2" name="Titel 1">
+            <a:extLst>
+              <a:ext uri="{FF2B5EF4-FFF2-40B4-BE49-F238E27FC236}">
+                <a16:creationId xmlns:a16="http://schemas.microsoft.com/office/drawing/2014/main" id="{82457ABB-5F2D-4959-A465-265725F1A88C}"/>
+              </a:ext>
+            </a:extLst>
+          </p:cNvPr>
+          <p:cNvSpPr>
+            <a:spLocks noGrp="1"/>
+          </p:cNvSpPr>
+          <p:nvPr>
+            <p:ph type="title"/>
+          </p:nvPr>
+        </p:nvSpPr>
+        <p:spPr>
+          <a:xfrm>
+            <a:off x="358775" y="488950"/>
+            <a:ext cx="6642117" cy="838200"/>
+          </a:xfrm>
+        </p:spPr>
+        <p:txBody>
+          <a:bodyPr wrap="square" anchor="ctr">
+            <a:normAutofit/>
+          </a:bodyPr>
+          <a:lstStyle/>
+          <a:p>
+            <a:r>
+              <a:rPr lang="de-DE" dirty="0"/>
+              <a:t>GM-PHD Prädiktion</a:t>
+            </a:r>
+          </a:p>
+        </p:txBody>
+      </p:sp>
+      <p:pic>
+        <p:nvPicPr>
+          <p:cNvPr id="10" name="Inhaltsplatzhalter 9" descr="Ein Bild, das Text enthält.&#10;&#10;Automatisch generierte Beschreibung">
+            <a:extLst>
+              <a:ext uri="{FF2B5EF4-FFF2-40B4-BE49-F238E27FC236}">
+                <a16:creationId xmlns:a16="http://schemas.microsoft.com/office/drawing/2014/main" id="{F4E86E36-816A-43DB-AE3A-F71131E53A83}"/>
+              </a:ext>
+            </a:extLst>
+          </p:cNvPr>
+          <p:cNvPicPr>
+            <a:picLocks noGrp="1" noChangeAspect="1"/>
+          </p:cNvPicPr>
+          <p:nvPr>
+            <p:ph idx="1"/>
+          </p:nvPr>
+        </p:nvPicPr>
+        <p:blipFill>
+          <a:blip r:embed="rId3">
+            <a:extLst>
+              <a:ext uri="{28A0092B-C50C-407E-A947-70E740481C1C}">
+                <a14:useLocalDpi xmlns:a14="http://schemas.microsoft.com/office/drawing/2010/main" val="0"/>
+              </a:ext>
+            </a:extLst>
+          </a:blip>
+          <a:stretch>
+            <a:fillRect/>
+          </a:stretch>
+        </p:blipFill>
+        <p:spPr>
+          <a:xfrm>
+            <a:off x="360000" y="2495258"/>
+            <a:ext cx="6823569" cy="2729427"/>
+          </a:xfrm>
+          <a:noFill/>
+        </p:spPr>
+      </p:pic>
+      <p:pic>
+        <p:nvPicPr>
+          <p:cNvPr id="12" name="Grafik 11" descr="IguanaTex Bitmap Display&#10;&#10;\documentclass{article}&#10;\usepackage{amsmath}&#10;\pagestyle{empty}&#10;\begin{document}&#10;&#10;\begin{equation*}&#10; v_k(x) = \sum_{i=1}^{J_k} w_k^{(i)} \mathcal{N}(x;m_k^{(i)}, P_k^{(i)})&#10;\end{equation*}&#10;&#10;&#10;\end{document}">
+            <a:extLst>
+              <a:ext uri="{FF2B5EF4-FFF2-40B4-BE49-F238E27FC236}">
+                <a16:creationId xmlns:a16="http://schemas.microsoft.com/office/drawing/2014/main" id="{AA204179-344A-4284-A736-F49EE8FF2B0C}"/>
+              </a:ext>
+            </a:extLst>
+          </p:cNvPr>
+          <p:cNvPicPr>
+            <a:picLocks noChangeAspect="1"/>
+          </p:cNvPicPr>
+          <p:nvPr>
+            <p:custDataLst>
+              <p:tags r:id="rId1"/>
+            </p:custDataLst>
+          </p:nvPr>
+        </p:nvPicPr>
+        <p:blipFill>
+          <a:blip r:embed="rId4" cstate="print">
+            <a:extLst>
+              <a:ext uri="{28A0092B-C50C-407E-A947-70E740481C1C}">
+                <a14:useLocalDpi xmlns:a14="http://schemas.microsoft.com/office/drawing/2010/main" val="0"/>
+              </a:ext>
+            </a:extLst>
+          </a:blip>
+          <a:stretch>
+            <a:fillRect/>
+          </a:stretch>
+        </p:blipFill>
+        <p:spPr>
+          <a:xfrm>
+            <a:off x="2240119" y="1601376"/>
+            <a:ext cx="2879428" cy="619656"/>
+          </a:xfrm>
+          <a:prstGeom prst="rect">
+            <a:avLst/>
+          </a:prstGeom>
+        </p:spPr>
+      </p:pic>
+    </p:spTree>
+    <p:extLst>
+      <p:ext uri="{BB962C8B-B14F-4D97-AF65-F5344CB8AC3E}">
+        <p14:creationId xmlns:p14="http://schemas.microsoft.com/office/powerpoint/2010/main" val="3220263185"/>
+      </p:ext>
+    </p:extLst>
+  </p:cSld>
+  <p:clrMapOvr>
+    <a:masterClrMapping/>
+  </p:clrMapOvr>
+</p:sld>
+</file>
+
+<file path=ppt/slides/slide36.xml><?xml version="1.0" encoding="utf-8"?>
+<p:sld xmlns:a="http://schemas.openxmlformats.org/drawingml/2006/main" xmlns:r="http://schemas.openxmlformats.org/officeDocument/2006/relationships" xmlns:p="http://schemas.openxmlformats.org/presentationml/2006/main">
+  <p:cSld>
+    <p:spTree>
+      <p:nvGrpSpPr>
+        <p:cNvPr id="1" name=""/>
+        <p:cNvGrpSpPr/>
+        <p:nvPr/>
+      </p:nvGrpSpPr>
+      <p:grpSpPr>
+        <a:xfrm>
+          <a:off x="0" y="0"/>
+          <a:ext cx="0" cy="0"/>
+          <a:chOff x="0" y="0"/>
+          <a:chExt cx="0" cy="0"/>
+        </a:xfrm>
+      </p:grpSpPr>
+      <p:sp>
+        <p:nvSpPr>
+          <p:cNvPr id="2" name="Titel 1">
+            <a:extLst>
+              <a:ext uri="{FF2B5EF4-FFF2-40B4-BE49-F238E27FC236}">
+                <a16:creationId xmlns:a16="http://schemas.microsoft.com/office/drawing/2014/main" id="{A27D9C3C-F49C-4860-A93B-9AF60682A5D8}"/>
+              </a:ext>
+            </a:extLst>
+          </p:cNvPr>
+          <p:cNvSpPr>
+            <a:spLocks noGrp="1"/>
+          </p:cNvSpPr>
+          <p:nvPr>
+            <p:ph type="title"/>
+          </p:nvPr>
+        </p:nvSpPr>
+        <p:spPr>
+          <a:xfrm>
+            <a:off x="358775" y="488950"/>
+            <a:ext cx="6642117" cy="838200"/>
+          </a:xfrm>
+        </p:spPr>
+        <p:txBody>
+          <a:bodyPr wrap="square" anchor="ctr">
+            <a:normAutofit/>
+          </a:bodyPr>
+          <a:lstStyle/>
+          <a:p>
+            <a:r>
+              <a:rPr lang="de-DE" dirty="0"/>
+              <a:t>GM-PHD Update</a:t>
+            </a:r>
+          </a:p>
+        </p:txBody>
+      </p:sp>
+      <p:pic>
+        <p:nvPicPr>
+          <p:cNvPr id="7" name="Inhaltsplatzhalter 6" descr="Ein Bild, das Text enthält.&#10;&#10;Automatisch generierte Beschreibung">
+            <a:extLst>
+              <a:ext uri="{FF2B5EF4-FFF2-40B4-BE49-F238E27FC236}">
+                <a16:creationId xmlns:a16="http://schemas.microsoft.com/office/drawing/2014/main" id="{6EAA3343-0763-454C-A036-B386CD8E8751}"/>
+              </a:ext>
+            </a:extLst>
+          </p:cNvPr>
+          <p:cNvPicPr>
+            <a:picLocks noGrp="1" noChangeAspect="1"/>
+          </p:cNvPicPr>
+          <p:nvPr>
+            <p:ph idx="1"/>
+          </p:nvPr>
+        </p:nvPicPr>
+        <p:blipFill>
+          <a:blip r:embed="rId2">
+            <a:extLst>
+              <a:ext uri="{28A0092B-C50C-407E-A947-70E740481C1C}">
+                <a14:useLocalDpi xmlns:a14="http://schemas.microsoft.com/office/drawing/2010/main" val="0"/>
+              </a:ext>
+            </a:extLst>
+          </a:blip>
+          <a:stretch>
+            <a:fillRect/>
+          </a:stretch>
+        </p:blipFill>
+        <p:spPr>
+          <a:xfrm>
+            <a:off x="360363" y="2246543"/>
+            <a:ext cx="6823075" cy="3225338"/>
+          </a:xfrm>
+          <a:noFill/>
+        </p:spPr>
+      </p:pic>
+    </p:spTree>
+    <p:extLst>
+      <p:ext uri="{BB962C8B-B14F-4D97-AF65-F5344CB8AC3E}">
+        <p14:creationId xmlns:p14="http://schemas.microsoft.com/office/powerpoint/2010/main" val="3425148694"/>
+      </p:ext>
+    </p:extLst>
+  </p:cSld>
+  <p:clrMapOvr>
+    <a:masterClrMapping/>
+  </p:clrMapOvr>
+</p:sld>
+</file>
+
+<file path=ppt/slides/slide37.xml><?xml version="1.0" encoding="utf-8"?>
+<p:sld xmlns:a="http://schemas.openxmlformats.org/drawingml/2006/main" xmlns:r="http://schemas.openxmlformats.org/officeDocument/2006/relationships" xmlns:p="http://schemas.openxmlformats.org/presentationml/2006/main">
+  <p:cSld>
+    <p:spTree>
+      <p:nvGrpSpPr>
+        <p:cNvPr id="1" name=""/>
+        <p:cNvGrpSpPr/>
+        <p:nvPr/>
+      </p:nvGrpSpPr>
+      <p:grpSpPr>
+        <a:xfrm>
+          <a:off x="0" y="0"/>
+          <a:ext cx="0" cy="0"/>
+          <a:chOff x="0" y="0"/>
+          <a:chExt cx="0" cy="0"/>
+        </a:xfrm>
+      </p:grpSpPr>
+      <p:sp>
+        <p:nvSpPr>
+          <p:cNvPr id="13" name="Rechteck 12">
+            <a:extLst>
+              <a:ext uri="{FF2B5EF4-FFF2-40B4-BE49-F238E27FC236}">
+                <a16:creationId xmlns:a16="http://schemas.microsoft.com/office/drawing/2014/main" id="{59AD35C8-776D-43E8-B3F7-759229FB4719}"/>
+              </a:ext>
+            </a:extLst>
+          </p:cNvPr>
+          <p:cNvSpPr/>
+          <p:nvPr/>
+        </p:nvSpPr>
+        <p:spPr>
+          <a:xfrm>
+            <a:off x="4151971" y="2753503"/>
+            <a:ext cx="4645272" cy="1787999"/>
+          </a:xfrm>
+          <a:prstGeom prst="rect">
+            <a:avLst/>
+          </a:prstGeom>
+          <a:solidFill>
+            <a:srgbClr val="92D050"/>
+          </a:solidFill>
+        </p:spPr>
+        <p:style>
+          <a:lnRef idx="2">
+            <a:schemeClr val="accent1">
+              <a:shade val="50000"/>
+            </a:schemeClr>
+          </a:lnRef>
+          <a:fillRef idx="1">
+            <a:schemeClr val="accent1"/>
+          </a:fillRef>
+          <a:effectRef idx="0">
+            <a:schemeClr val="accent1"/>
+          </a:effectRef>
+          <a:fontRef idx="minor">
+            <a:schemeClr val="lt1"/>
+          </a:fontRef>
+        </p:style>
+        <p:txBody>
+          <a:bodyPr rtlCol="0" anchor="ctr"/>
+          <a:lstStyle/>
+          <a:p>
+            <a:pPr algn="ctr"/>
+            <a:endParaRPr lang="de-DE"/>
+          </a:p>
+        </p:txBody>
+      </p:sp>
+      <p:pic>
+        <p:nvPicPr>
+          <p:cNvPr id="11" name="Grafik 10" descr="\documentclass{article}&#10;\usepackage{amsmath}&#10;\pagestyle{empty}&#10;\begin{document}&#10;&#10;&#10;\begin{equation*}&#10; X_k = \left\{x_{k,1} ,..., x_{k,M(k)}\right\}\end{equation*}&#10;\begin{equation*}&#10; Z_k = \left\{z_{k,1} ,..., z_{k, N(k)}\right\} &#10;\end{equation*}&#10;&#10;\end{document}" title="IguanaTex Bitmap Display">
+            <a:extLst>
+              <a:ext uri="{FF2B5EF4-FFF2-40B4-BE49-F238E27FC236}">
+                <a16:creationId xmlns:a16="http://schemas.microsoft.com/office/drawing/2014/main" id="{E59276D4-E218-46B7-8AEC-DB6B6EC6E7C4}"/>
+              </a:ext>
+            </a:extLst>
+          </p:cNvPr>
+          <p:cNvPicPr>
+            <a:picLocks noChangeAspect="1"/>
+          </p:cNvPicPr>
+          <p:nvPr>
+            <p:custDataLst>
+              <p:tags r:id="rId1"/>
+            </p:custDataLst>
+          </p:nvPr>
+        </p:nvPicPr>
+        <p:blipFill>
+          <a:blip r:embed="rId3" cstate="print">
+            <a:extLst>
+              <a:ext uri="{28A0092B-C50C-407E-A947-70E740481C1C}">
+                <a14:useLocalDpi xmlns:a14="http://schemas.microsoft.com/office/drawing/2010/main" val="0"/>
+              </a:ext>
+            </a:extLst>
+          </a:blip>
+          <a:stretch>
+            <a:fillRect/>
+          </a:stretch>
+        </p:blipFill>
+        <p:spPr>
+          <a:xfrm>
+            <a:off x="4283968" y="2987241"/>
+            <a:ext cx="4381278" cy="1320525"/>
+          </a:xfrm>
+          <a:prstGeom prst="rect">
+            <a:avLst/>
+          </a:prstGeom>
+          <a:noFill/>
+        </p:spPr>
+      </p:pic>
+      <p:sp>
+        <p:nvSpPr>
+          <p:cNvPr id="8" name="Content Placeholder 2">
+            <a:extLst>
+              <a:ext uri="{FF2B5EF4-FFF2-40B4-BE49-F238E27FC236}">
+                <a16:creationId xmlns:a16="http://schemas.microsoft.com/office/drawing/2014/main" id="{F6F9B903-E79E-425E-A46A-2FF9E364050B}"/>
+              </a:ext>
+            </a:extLst>
+          </p:cNvPr>
+          <p:cNvSpPr>
+            <a:spLocks noGrp="1"/>
+          </p:cNvSpPr>
+          <p:nvPr>
+            <p:ph type="body" sz="half" idx="2"/>
+          </p:nvPr>
+        </p:nvSpPr>
+        <p:spPr>
+          <a:xfrm>
+            <a:off x="358776" y="2166940"/>
+            <a:ext cx="3106738" cy="2961128"/>
+          </a:xfrm>
+        </p:spPr>
+        <p:txBody>
+          <a:bodyPr wrap="square" anchor="t">
+            <a:normAutofit/>
+          </a:bodyPr>
+          <a:lstStyle/>
+          <a:p>
+            <a:pPr marL="342900" indent="-342900">
+              <a:buFont typeface="Arial" panose="020B0604020202020204" pitchFamily="34" charset="0"/>
+              <a:buChar char="•"/>
+            </a:pPr>
+            <a:r>
+              <a:rPr lang="en-US" dirty="0" err="1"/>
+              <a:t>Menge</a:t>
+            </a:r>
+            <a:r>
+              <a:rPr lang="en-US" dirty="0"/>
+              <a:t> an </a:t>
+            </a:r>
+            <a:r>
+              <a:rPr lang="en-US" dirty="0" err="1"/>
+              <a:t>Zufallszahlen</a:t>
+            </a:r>
+            <a:endParaRPr lang="en-US" dirty="0"/>
+          </a:p>
+          <a:p>
+            <a:pPr marL="342900" indent="-342900">
+              <a:buFont typeface="Arial" panose="020B0604020202020204" pitchFamily="34" charset="0"/>
+              <a:buChar char="•"/>
+            </a:pPr>
+            <a:r>
+              <a:rPr lang="en-US" dirty="0"/>
+              <a:t>M(k) : </a:t>
+            </a:r>
+            <a:r>
+              <a:rPr lang="en-US" dirty="0" err="1"/>
+              <a:t>Anzahl</a:t>
+            </a:r>
+            <a:r>
+              <a:rPr lang="en-US" dirty="0"/>
+              <a:t> an Targets</a:t>
+            </a:r>
+          </a:p>
+          <a:p>
+            <a:pPr marL="342900" indent="-342900">
+              <a:buFont typeface="Arial" panose="020B0604020202020204" pitchFamily="34" charset="0"/>
+              <a:buChar char="•"/>
+            </a:pPr>
+            <a:r>
+              <a:rPr lang="en-US" dirty="0"/>
+              <a:t>N(k) : </a:t>
+            </a:r>
+            <a:r>
+              <a:rPr lang="en-US" dirty="0" err="1"/>
+              <a:t>Anzahl</a:t>
+            </a:r>
+            <a:r>
+              <a:rPr lang="en-US" dirty="0"/>
+              <a:t> an </a:t>
+            </a:r>
+            <a:r>
+              <a:rPr lang="en-US" dirty="0" err="1"/>
+              <a:t>Messpunkten</a:t>
+            </a:r>
+            <a:endParaRPr lang="en-US" dirty="0"/>
+          </a:p>
+          <a:p>
+            <a:pPr marL="342900" indent="-342900">
+              <a:buFont typeface="Arial" panose="020B0604020202020204" pitchFamily="34" charset="0"/>
+              <a:buChar char="•"/>
+            </a:pPr>
+            <a:r>
+              <a:rPr lang="en-US" dirty="0" err="1"/>
+              <a:t>Zeitpunkt</a:t>
+            </a:r>
+            <a:r>
+              <a:rPr lang="en-US" dirty="0"/>
+              <a:t>: k </a:t>
+            </a:r>
+          </a:p>
+        </p:txBody>
+      </p:sp>
+      <p:sp>
+        <p:nvSpPr>
+          <p:cNvPr id="2" name="Titel 1">
+            <a:extLst>
+              <a:ext uri="{FF2B5EF4-FFF2-40B4-BE49-F238E27FC236}">
+                <a16:creationId xmlns:a16="http://schemas.microsoft.com/office/drawing/2014/main" id="{3BC7730B-D73A-4193-AD0B-5F8909C8F987}"/>
+              </a:ext>
+            </a:extLst>
+          </p:cNvPr>
+          <p:cNvSpPr>
+            <a:spLocks noGrp="1"/>
+          </p:cNvSpPr>
+          <p:nvPr>
+            <p:ph type="title"/>
+          </p:nvPr>
+        </p:nvSpPr>
+        <p:spPr>
+          <a:xfrm>
+            <a:off x="358775" y="488950"/>
+            <a:ext cx="6840000" cy="838200"/>
+          </a:xfrm>
+        </p:spPr>
+        <p:txBody>
+          <a:bodyPr wrap="square" anchor="ctr">
+            <a:normAutofit/>
+          </a:bodyPr>
+          <a:lstStyle/>
+          <a:p>
+            <a:r>
+              <a:rPr lang="de-DE" dirty="0"/>
+              <a:t>RFS – Random Finite Set</a:t>
+            </a:r>
+          </a:p>
+        </p:txBody>
+      </p:sp>
+    </p:spTree>
+    <p:extLst>
+      <p:ext uri="{BB962C8B-B14F-4D97-AF65-F5344CB8AC3E}">
+        <p14:creationId xmlns:p14="http://schemas.microsoft.com/office/powerpoint/2010/main" val="2514740054"/>
+      </p:ext>
+    </p:extLst>
+  </p:cSld>
+  <p:clrMapOvr>
+    <a:masterClrMapping/>
+  </p:clrMapOvr>
 </p:sld>
 </file>
 
@@ -5176,13 +10618,6 @@
   <p:clrMapOvr>
     <a:masterClrMapping/>
   </p:clrMapOvr>
-  <p:timing>
-    <p:tnLst>
-      <p:par>
-        <p:cTn id="1" dur="indefinite" restart="never" nodeType="tmRoot"/>
-      </p:par>
-    </p:tnLst>
-  </p:timing>
 </p:sld>
 </file>
 
@@ -5264,13 +10699,6 @@
   <p:clrMapOvr>
     <a:masterClrMapping/>
   </p:clrMapOvr>
-  <p:timing>
-    <p:tnLst>
-      <p:par>
-        <p:cTn id="1" dur="indefinite" restart="never" nodeType="tmRoot"/>
-      </p:par>
-    </p:tnLst>
-  </p:timing>
 </p:sld>
 </file>
 
@@ -5902,13 +11330,6 @@
   <p:clrMapOvr>
     <a:masterClrMapping/>
   </p:clrMapOvr>
-  <p:timing>
-    <p:tnLst>
-      <p:par>
-        <p:cTn id="1" dur="indefinite" restart="never" nodeType="tmRoot"/>
-      </p:par>
-    </p:tnLst>
-  </p:timing>
 </p:sld>
 </file>
 
@@ -6091,13 +11512,6 @@
   <p:clrMapOvr>
     <a:masterClrMapping/>
   </p:clrMapOvr>
-  <p:timing>
-    <p:tnLst>
-      <p:par>
-        <p:cTn id="1" dur="indefinite" restart="never" nodeType="tmRoot"/>
-      </p:par>
-    </p:tnLst>
-  </p:timing>
 </p:sld>
 </file>
 
@@ -6164,13 +11578,6 @@
   <p:clrMapOvr>
     <a:masterClrMapping/>
   </p:clrMapOvr>
-  <p:timing>
-    <p:tnLst>
-      <p:par>
-        <p:cTn id="1" dur="indefinite" restart="never" nodeType="tmRoot"/>
-      </p:par>
-    </p:tnLst>
-  </p:timing>
 </p:sld>
 </file>
 
@@ -6237,14 +11644,463 @@
   <p:clrMapOvr>
     <a:masterClrMapping/>
   </p:clrMapOvr>
-  <p:timing>
-    <p:tnLst>
-      <p:par>
-        <p:cTn id="1" dur="indefinite" restart="never" nodeType="tmRoot"/>
-      </p:par>
-    </p:tnLst>
-  </p:timing>
 </p:sld>
+</file>
+
+<file path=ppt/tags/tag1.xml><?xml version="1.0" encoding="utf-8"?>
+<p:tagLst xmlns:a="http://schemas.openxmlformats.org/drawingml/2006/main" xmlns:r="http://schemas.openxmlformats.org/officeDocument/2006/relationships" xmlns:p="http://schemas.openxmlformats.org/presentationml/2006/main">
+  <p:tag name="OUTPUTDPI" val="1200"/>
+  <p:tag name="ORIGINALHEIGHT" val="448,4439"/>
+  <p:tag name="ORIGINALWIDTH" val="2858,643"/>
+  <p:tag name="LATEXADDIN" val="\documentclass{article}&#10;\usepackage{amsmath}&#10;\pagestyle{empty}&#10;\begin{document}&#10;&#10;\begin{equation*}&#10; X_k = \left[\bigcup_{\xi \in X_{k-1}} S_{k|k-1}(\xi)\right] \cup \left[ \bigcup_{\xi \in X_{k-1}} B_{k|k-1}(\xi) \right] \cup \Gamma_k &#10;\end{equation*}&#10;&#10;&#10;\end{document}"/>
+  <p:tag name="IGUANATEXSIZE" val="20"/>
+  <p:tag name="IGUANATEXCURSOR" val="250"/>
+  <p:tag name="TRANSPARENCY" val="Wahr"/>
+  <p:tag name="FILENAME" val=""/>
+  <p:tag name="LATEXENGINEID" val="0"/>
+  <p:tag name="TEMPFOLDER" val="c:\temp\"/>
+  <p:tag name="LATEXFORMHEIGHT" val="312"/>
+  <p:tag name="LATEXFORMWIDTH" val="384"/>
+  <p:tag name="LATEXFORMWRAP" val="Wahr"/>
+  <p:tag name="BITMAPVECTOR" val="0"/>
+</p:tagLst>
+</file>
+
+<file path=ppt/tags/tag10.xml><?xml version="1.0" encoding="utf-8"?>
+<p:tagLst xmlns:a="http://schemas.openxmlformats.org/drawingml/2006/main" xmlns:r="http://schemas.openxmlformats.org/officeDocument/2006/relationships" xmlns:p="http://schemas.openxmlformats.org/presentationml/2006/main">
+  <p:tag name="OUTPUTDPI" val="1200"/>
+  <p:tag name="ORIGINALHEIGHT" val="104,237"/>
+  <p:tag name="ORIGINALWIDTH" val="127,4841"/>
+  <p:tag name="LATEXADDIN" val="\documentclass{article}&#10;\usepackage{amsmath}&#10;\pagestyle{empty}&#10;\begin{document}&#10;&#10;$ Z_k$&#10;&#10;&#10;\end{document}"/>
+  <p:tag name="IGUANATEXSIZE" val="20"/>
+  <p:tag name="IGUANATEXCURSOR" val="87"/>
+  <p:tag name="TRANSPARENCY" val="Wahr"/>
+  <p:tag name="FILENAME" val=""/>
+  <p:tag name="LATEXENGINEID" val="0"/>
+  <p:tag name="TEMPFOLDER" val="c:\temp\"/>
+  <p:tag name="LATEXFORMHEIGHT" val="312"/>
+  <p:tag name="LATEXFORMWIDTH" val="384"/>
+  <p:tag name="LATEXFORMWRAP" val="Wahr"/>
+  <p:tag name="BITMAPVECTOR" val="0"/>
+</p:tagLst>
+</file>
+
+<file path=ppt/tags/tag11.xml><?xml version="1.0" encoding="utf-8"?>
+<p:tagLst xmlns:a="http://schemas.openxmlformats.org/drawingml/2006/main" xmlns:r="http://schemas.openxmlformats.org/officeDocument/2006/relationships" xmlns:p="http://schemas.openxmlformats.org/presentationml/2006/main">
+  <p:tag name="OUTPUTDPI" val="1200"/>
+  <p:tag name="ORIGINALHEIGHT" val="90,73866"/>
+  <p:tag name="ORIGINALWIDTH" val="230,2212"/>
+  <p:tag name="LATEXADDIN" val="\documentclass{article}&#10;\usepackage{amsmath}&#10;\pagestyle{empty}&#10;\begin{document}&#10;&#10;$p_{D,k}$&#10;&#10;&#10;\end{document}"/>
+  <p:tag name="IGUANATEXSIZE" val="20"/>
+  <p:tag name="IGUANATEXCURSOR" val="89"/>
+  <p:tag name="TRANSPARENCY" val="Wahr"/>
+  <p:tag name="FILENAME" val=""/>
+  <p:tag name="LATEXENGINEID" val="0"/>
+  <p:tag name="TEMPFOLDER" val="c:\temp\"/>
+  <p:tag name="LATEXFORMHEIGHT" val="312"/>
+  <p:tag name="LATEXFORMWIDTH" val="384"/>
+  <p:tag name="LATEXFORMWRAP" val="Wahr"/>
+  <p:tag name="BITMAPVECTOR" val="0"/>
+</p:tagLst>
+</file>
+
+<file path=ppt/tags/tag12.xml><?xml version="1.0" encoding="utf-8"?>
+<p:tagLst xmlns:a="http://schemas.openxmlformats.org/drawingml/2006/main" xmlns:r="http://schemas.openxmlformats.org/officeDocument/2006/relationships" xmlns:p="http://schemas.openxmlformats.org/presentationml/2006/main">
+  <p:tag name="OUTPUTDPI" val="1200"/>
+  <p:tag name="ORIGINALHEIGHT" val="74,99063"/>
+  <p:tag name="ORIGINALWIDTH" val="114,7357"/>
+  <p:tag name="LATEXADDIN" val="\documentclass{article}&#10;\usepackage{amsmath}&#10;\pagestyle{empty}&#10;\begin{document}&#10;&#10;$\kappa_k$&#10;&#10;&#10;\end{document}"/>
+  <p:tag name="IGUANATEXSIZE" val="20"/>
+  <p:tag name="IGUANATEXCURSOR" val="91"/>
+  <p:tag name="TRANSPARENCY" val="Wahr"/>
+  <p:tag name="FILENAME" val=""/>
+  <p:tag name="LATEXENGINEID" val="0"/>
+  <p:tag name="TEMPFOLDER" val="c:\temp\"/>
+  <p:tag name="LATEXFORMHEIGHT" val="312"/>
+  <p:tag name="LATEXFORMWIDTH" val="384"/>
+  <p:tag name="LATEXFORMWRAP" val="Wahr"/>
+  <p:tag name="BITMAPVECTOR" val="0"/>
+</p:tagLst>
+</file>
+
+<file path=ppt/tags/tag13.xml><?xml version="1.0" encoding="utf-8"?>
+<p:tagLst xmlns:a="http://schemas.openxmlformats.org/drawingml/2006/main" xmlns:r="http://schemas.openxmlformats.org/officeDocument/2006/relationships" xmlns:p="http://schemas.openxmlformats.org/presentationml/2006/main">
+  <p:tag name="OUTPUTDPI" val="1200"/>
+  <p:tag name="ORIGINALHEIGHT" val="167,979"/>
+  <p:tag name="ORIGINALWIDTH" val="1815,523"/>
+  <p:tag name="LATEXADDIN" val="\documentclass{article}&#10;\usepackage{amsmath}&#10;\pagestyle{empty}&#10;\begin{document}&#10;&#10;&#10;$&#10; v_k(x) = \sum_{i=1}^{J_k} w_k^{(i)} \mathcal{N}(x;m_k^{(i)}, P_k^{(i)})&#10;$&#10;&#10;\end{document}"/>
+  <p:tag name="IGUANATEXSIZE" val="20"/>
+  <p:tag name="IGUANATEXCURSOR" val="158"/>
+  <p:tag name="TRANSPARENCY" val="Wahr"/>
+  <p:tag name="FILENAME" val=""/>
+  <p:tag name="LATEXENGINEID" val="0"/>
+  <p:tag name="TEMPFOLDER" val="c:\temp\"/>
+  <p:tag name="LATEXFORMHEIGHT" val="312"/>
+  <p:tag name="LATEXFORMWIDTH" val="384"/>
+  <p:tag name="LATEXFORMWRAP" val="Wahr"/>
+  <p:tag name="BITMAPVECTOR" val="0"/>
+</p:tagLst>
+</file>
+
+<file path=ppt/tags/tag14.xml><?xml version="1.0" encoding="utf-8"?>
+<p:tagLst xmlns:a="http://schemas.openxmlformats.org/drawingml/2006/main" xmlns:r="http://schemas.openxmlformats.org/officeDocument/2006/relationships" xmlns:p="http://schemas.openxmlformats.org/presentationml/2006/main">
+  <p:tag name="OUTPUTDPI" val="1200"/>
+  <p:tag name="ORIGINALHEIGHT" val="118,4852"/>
+  <p:tag name="ORIGINALWIDTH" val="561,6797"/>
+  <p:tag name="LATEXADDIN" val="\documentclass{article}&#10;\usepackage{amsmath}&#10;\pagestyle{empty}&#10;\begin{document}&#10;&#10;&#10;$p_{D,k} = 0.9$&#10;&#10;\end{document}"/>
+  <p:tag name="IGUANATEXSIZE" val="20"/>
+  <p:tag name="IGUANATEXCURSOR" val="96"/>
+  <p:tag name="TRANSPARENCY" val="Wahr"/>
+  <p:tag name="FILENAME" val=""/>
+  <p:tag name="LATEXENGINEID" val="0"/>
+  <p:tag name="TEMPFOLDER" val="c:\temp\"/>
+  <p:tag name="LATEXFORMHEIGHT" val="312"/>
+  <p:tag name="LATEXFORMWIDTH" val="384"/>
+  <p:tag name="LATEXFORMWRAP" val="Wahr"/>
+  <p:tag name="BITMAPVECTOR" val="0"/>
+</p:tagLst>
+</file>
+
+<file path=ppt/tags/tag15.xml><?xml version="1.0" encoding="utf-8"?>
+<p:tagLst xmlns:a="http://schemas.openxmlformats.org/drawingml/2006/main" xmlns:r="http://schemas.openxmlformats.org/officeDocument/2006/relationships" xmlns:p="http://schemas.openxmlformats.org/presentationml/2006/main">
+  <p:tag name="OUTPUTDPI" val="1200"/>
+  <p:tag name="ORIGINALHEIGHT" val="118,4852"/>
+  <p:tag name="ORIGINALWIDTH" val="600,6749"/>
+  <p:tag name="LATEXADDIN" val="\documentclass{article}&#10;\usepackage{amsmath}&#10;\pagestyle{empty}&#10;\begin{document}&#10;&#10;$p_{S,k} = 0.99$&#10;&#10;&#10;\end{document}"/>
+  <p:tag name="IGUANATEXSIZE" val="20"/>
+  <p:tag name="IGUANATEXCURSOR" val="96"/>
+  <p:tag name="TRANSPARENCY" val="Wahr"/>
+  <p:tag name="FILENAME" val=""/>
+  <p:tag name="LATEXENGINEID" val="0"/>
+  <p:tag name="TEMPFOLDER" val="c:\temp\"/>
+  <p:tag name="LATEXFORMHEIGHT" val="312"/>
+  <p:tag name="LATEXFORMWIDTH" val="384"/>
+  <p:tag name="LATEXFORMWRAP" val="Wahr"/>
+  <p:tag name="BITMAPVECTOR" val="0"/>
+</p:tagLst>
+</file>
+
+<file path=ppt/tags/tag16.xml><?xml version="1.0" encoding="utf-8"?>
+<p:tagLst xmlns:a="http://schemas.openxmlformats.org/drawingml/2006/main" xmlns:r="http://schemas.openxmlformats.org/officeDocument/2006/relationships" xmlns:p="http://schemas.openxmlformats.org/presentationml/2006/main">
+  <p:tag name="OUTPUTDPI" val="1200"/>
+  <p:tag name="ORIGINALHEIGHT" val="101,9872"/>
+  <p:tag name="ORIGINALWIDTH" val="503,937"/>
+  <p:tag name="LATEXADDIN" val="\documentclass{article}&#10;\usepackage{amsmath}&#10;\pagestyle{empty}&#10;\begin{document}&#10;&#10;&#10;$\kappa_k = 0.01$&#10;&#10;\end{document}"/>
+  <p:tag name="IGUANATEXSIZE" val="20"/>
+  <p:tag name="IGUANATEXCURSOR" val="98"/>
+  <p:tag name="TRANSPARENCY" val="Wahr"/>
+  <p:tag name="FILENAME" val=""/>
+  <p:tag name="LATEXENGINEID" val="0"/>
+  <p:tag name="TEMPFOLDER" val="c:\temp\"/>
+  <p:tag name="LATEXFORMHEIGHT" val="312"/>
+  <p:tag name="LATEXFORMWIDTH" val="384"/>
+  <p:tag name="LATEXFORMWRAP" val="Wahr"/>
+  <p:tag name="BITMAPVECTOR" val="0"/>
+</p:tagLst>
+</file>
+
+<file path=ppt/tags/tag17.xml><?xml version="1.0" encoding="utf-8"?>
+<p:tagLst xmlns:a="http://schemas.openxmlformats.org/drawingml/2006/main" xmlns:r="http://schemas.openxmlformats.org/officeDocument/2006/relationships" xmlns:p="http://schemas.openxmlformats.org/presentationml/2006/main">
+  <p:tag name="OUTPUTDPI" val="1200"/>
+  <p:tag name="ORIGINALHEIGHT" val="103,4871"/>
+  <p:tag name="ORIGINALWIDTH" val="515,1856"/>
+  <p:tag name="LATEXADDIN" val="\documentclass{article}&#10;\usepackage{amsmath}&#10;\pagestyle{empty}&#10;\begin{document}&#10;&#10;$R = 0.5I_2$&#10;&#10;&#10;\end{document}"/>
+  <p:tag name="IGUANATEXSIZE" val="20"/>
+  <p:tag name="IGUANATEXCURSOR" val="92"/>
+  <p:tag name="TRANSPARENCY" val="Wahr"/>
+  <p:tag name="FILENAME" val=""/>
+  <p:tag name="LATEXENGINEID" val="0"/>
+  <p:tag name="TEMPFOLDER" val="c:\temp\"/>
+  <p:tag name="LATEXFORMHEIGHT" val="312"/>
+  <p:tag name="LATEXFORMWIDTH" val="384"/>
+  <p:tag name="LATEXFORMWRAP" val="Wahr"/>
+  <p:tag name="BITMAPVECTOR" val="0"/>
+</p:tagLst>
+</file>
+
+<file path=ppt/tags/tag18.xml><?xml version="1.0" encoding="utf-8"?>
+<p:tagLst xmlns:a="http://schemas.openxmlformats.org/drawingml/2006/main" xmlns:r="http://schemas.openxmlformats.org/officeDocument/2006/relationships" xmlns:p="http://schemas.openxmlformats.org/presentationml/2006/main">
+  <p:tag name="OUTPUTDPI" val="1200"/>
+  <p:tag name="ORIGINALHEIGHT" val="111,7361"/>
+  <p:tag name="ORIGINALWIDTH" val="518,9351"/>
+  <p:tag name="LATEXADDIN" val="\documentclass{article}&#10;\usepackage{amsmath}&#10;\pagestyle{empty}&#10;\begin{document}&#10;&#10;$Q = 0.1I_4$&#10;&#10;&#10;\end{document}"/>
+  <p:tag name="IGUANATEXSIZE" val="20"/>
+  <p:tag name="IGUANATEXCURSOR" val="82"/>
+  <p:tag name="TRANSPARENCY" val="Wahr"/>
+  <p:tag name="FILENAME" val=""/>
+  <p:tag name="LATEXENGINEID" val="0"/>
+  <p:tag name="TEMPFOLDER" val="c:\temp\"/>
+  <p:tag name="LATEXFORMHEIGHT" val="312"/>
+  <p:tag name="LATEXFORMWIDTH" val="384"/>
+  <p:tag name="LATEXFORMWRAP" val="Wahr"/>
+  <p:tag name="BITMAPVECTOR" val="0"/>
+</p:tagLst>
+</file>
+
+<file path=ppt/tags/tag19.xml><?xml version="1.0" encoding="utf-8"?>
+<p:tagLst xmlns:a="http://schemas.openxmlformats.org/drawingml/2006/main" xmlns:r="http://schemas.openxmlformats.org/officeDocument/2006/relationships" xmlns:p="http://schemas.openxmlformats.org/presentationml/2006/main">
+  <p:tag name="OUTPUTDPI" val="1200"/>
+  <p:tag name="ORIGINALHEIGHT" val="365,2043"/>
+  <p:tag name="ORIGINALWIDTH" val="1697,038"/>
+  <p:tag name="LATEXADDIN" val="\documentclass{article}&#10;\usepackage{amsmath}&#10;\pagestyle{empty}&#10;\begin{document}&#10;&#10;\begin{equation*}&#10; v_k(x) = \sum_{i=1}^{J_k} w_k^{(i)} \mathcal{N}(x;m_k^{(i)}, P_k^{(i)})&#10;\end{equation*}&#10;&#10;&#10;\end{document}"/>
+  <p:tag name="IGUANATEXSIZE" val="20"/>
+  <p:tag name="IGUANATEXCURSOR" val="186"/>
+  <p:tag name="TRANSPARENCY" val="Wahr"/>
+  <p:tag name="FILENAME" val=""/>
+  <p:tag name="LATEXENGINEID" val="0"/>
+  <p:tag name="TEMPFOLDER" val="c:\temp\"/>
+  <p:tag name="LATEXFORMHEIGHT" val="312"/>
+  <p:tag name="LATEXFORMWIDTH" val="384"/>
+  <p:tag name="LATEXFORMWRAP" val="Wahr"/>
+  <p:tag name="BITMAPVECTOR" val="0"/>
+</p:tagLst>
+</file>
+
+<file path=ppt/tags/tag2.xml><?xml version="1.0" encoding="utf-8"?>
+<p:tagLst xmlns:a="http://schemas.openxmlformats.org/drawingml/2006/main" xmlns:r="http://schemas.openxmlformats.org/officeDocument/2006/relationships" xmlns:p="http://schemas.openxmlformats.org/presentationml/2006/main">
+  <p:tag name="OUTPUTDPI" val="1200"/>
+  <p:tag name="ORIGINALHEIGHT" val="104,237"/>
+  <p:tag name="ORIGINALWIDTH" val="149,9813"/>
+  <p:tag name="LATEXADDIN" val="\documentclass{article}&#10;\usepackage{amsmath}&#10;\pagestyle{empty}&#10;\begin{document}&#10;&#10;\begin{equation*}&#10; X_k &#10;\end{equation*}&#10;&#10;&#10;\end{document}"/>
+  <p:tag name="IGUANATEXSIZE" val="24"/>
+  <p:tag name="IGUANATEXCURSOR" val="119"/>
+  <p:tag name="TRANSPARENCY" val="Wahr"/>
+  <p:tag name="FILENAME" val=""/>
+  <p:tag name="LATEXENGINEID" val="0"/>
+  <p:tag name="TEMPFOLDER" val="c:\temp\"/>
+  <p:tag name="LATEXFORMHEIGHT" val="312"/>
+  <p:tag name="LATEXFORMWIDTH" val="384"/>
+  <p:tag name="LATEXFORMWRAP" val="Wahr"/>
+  <p:tag name="BITMAPVECTOR" val="0"/>
+</p:tagLst>
+</file>
+
+<file path=ppt/tags/tag20.xml><?xml version="1.0" encoding="utf-8"?>
+<p:tagLst xmlns:a="http://schemas.openxmlformats.org/drawingml/2006/main" xmlns:r="http://schemas.openxmlformats.org/officeDocument/2006/relationships" xmlns:p="http://schemas.openxmlformats.org/presentationml/2006/main">
+  <p:tag name="OUTPUTDPI" val="1200"/>
+  <p:tag name="ORIGINALHEIGHT" val="104,237"/>
+  <p:tag name="ORIGINALWIDTH" val="254,2182"/>
+  <p:tag name="LATEXADDIN" val="\documentclass{article}&#10;\usepackage{amsmath}&#10;\pagestyle{empty}&#10;\begin{document}&#10;&#10;$J_{max}$&#10;&#10;&#10;\end{document}"/>
+  <p:tag name="IGUANATEXSIZE" val="20"/>
+  <p:tag name="IGUANATEXCURSOR" val="89"/>
+  <p:tag name="TRANSPARENCY" val="Wahr"/>
+  <p:tag name="FILENAME" val=""/>
+  <p:tag name="LATEXENGINEID" val="0"/>
+  <p:tag name="TEMPFOLDER" val="c:\temp\"/>
+  <p:tag name="LATEXFORMHEIGHT" val="312"/>
+  <p:tag name="LATEXFORMWIDTH" val="384"/>
+  <p:tag name="LATEXFORMWRAP" val="Wahr"/>
+  <p:tag name="BITMAPVECTOR" val="0"/>
+</p:tagLst>
+</file>
+
+<file path=ppt/tags/tag21.xml><?xml version="1.0" encoding="utf-8"?>
+<p:tagLst xmlns:a="http://schemas.openxmlformats.org/drawingml/2006/main" xmlns:r="http://schemas.openxmlformats.org/officeDocument/2006/relationships" xmlns:p="http://schemas.openxmlformats.org/presentationml/2006/main">
+  <p:tag name="OUTPUTDPI" val="1200"/>
+  <p:tag name="ORIGINALHEIGHT" val="83,98952"/>
+  <p:tag name="ORIGINALWIDTH" val="85,48929"/>
+  <p:tag name="LATEXADDIN" val="\documentclass{article}&#10;\usepackage{amsmath}&#10;\pagestyle{empty}&#10;\begin{document}&#10;&#10;$T$&#10;&#10;&#10;\end{document}"/>
+  <p:tag name="IGUANATEXSIZE" val="20"/>
+  <p:tag name="IGUANATEXCURSOR" val="83"/>
+  <p:tag name="TRANSPARENCY" val="Wahr"/>
+  <p:tag name="FILENAME" val=""/>
+  <p:tag name="LATEXENGINEID" val="0"/>
+  <p:tag name="TEMPFOLDER" val="c:\temp\"/>
+  <p:tag name="LATEXFORMHEIGHT" val="312"/>
+  <p:tag name="LATEXFORMWIDTH" val="384"/>
+  <p:tag name="LATEXFORMWRAP" val="Wahr"/>
+  <p:tag name="BITMAPVECTOR" val="0"/>
+</p:tagLst>
+</file>
+
+<file path=ppt/tags/tag22.xml><?xml version="1.0" encoding="utf-8"?>
+<p:tagLst xmlns:a="http://schemas.openxmlformats.org/drawingml/2006/main" xmlns:r="http://schemas.openxmlformats.org/officeDocument/2006/relationships" xmlns:p="http://schemas.openxmlformats.org/presentationml/2006/main">
+  <p:tag name="OUTPUTDPI" val="1200"/>
+  <p:tag name="ORIGINALHEIGHT" val="84,73937"/>
+  <p:tag name="ORIGINALWIDTH" val="125,9843"/>
+  <p:tag name="LATEXADDIN" val="\documentclass{article}&#10;\usepackage{amsmath}&#10;\pagestyle{empty}&#10;\begin{document}&#10;&#10;$M&#10;$&#10;&#10;&#10;\end{document}"/>
+  <p:tag name="IGUANATEXSIZE" val="20"/>
+  <p:tag name="IGUANATEXCURSOR" val="84"/>
+  <p:tag name="TRANSPARENCY" val="Wahr"/>
+  <p:tag name="FILENAME" val=""/>
+  <p:tag name="LATEXENGINEID" val="0"/>
+  <p:tag name="TEMPFOLDER" val="c:\temp\"/>
+  <p:tag name="LATEXFORMHEIGHT" val="312"/>
+  <p:tag name="LATEXFORMWIDTH" val="384"/>
+  <p:tag name="LATEXFORMWRAP" val="Wahr"/>
+  <p:tag name="BITMAPVECTOR" val="0"/>
+</p:tagLst>
+</file>
+
+<file path=ppt/tags/tag23.xml><?xml version="1.0" encoding="utf-8"?>
+<p:tagLst xmlns:a="http://schemas.openxmlformats.org/drawingml/2006/main" xmlns:r="http://schemas.openxmlformats.org/officeDocument/2006/relationships" xmlns:p="http://schemas.openxmlformats.org/presentationml/2006/main">
+  <p:tag name="OUTPUTDPI" val="1200"/>
+  <p:tag name="ORIGINALHEIGHT" val="365,2043"/>
+  <p:tag name="ORIGINALWIDTH" val="1697,038"/>
+  <p:tag name="LATEXADDIN" val="\documentclass{article}&#10;\usepackage{amsmath}&#10;\pagestyle{empty}&#10;\begin{document}&#10;&#10;\begin{equation*}&#10; v_k(x) = \sum_{i=1}^{J_k} w_k^{(i)} \mathcal{N}(x;m_k^{(i)}, P_k^{(i)})&#10;\end{equation*}&#10;&#10;&#10;\end{document}"/>
+  <p:tag name="IGUANATEXSIZE" val="20"/>
+  <p:tag name="IGUANATEXCURSOR" val="186"/>
+  <p:tag name="TRANSPARENCY" val="Wahr"/>
+  <p:tag name="FILENAME" val=""/>
+  <p:tag name="LATEXENGINEID" val="0"/>
+  <p:tag name="TEMPFOLDER" val="c:\temp\"/>
+  <p:tag name="LATEXFORMHEIGHT" val="312"/>
+  <p:tag name="LATEXFORMWIDTH" val="384"/>
+  <p:tag name="LATEXFORMWRAP" val="Wahr"/>
+  <p:tag name="BITMAPVECTOR" val="0"/>
+</p:tagLst>
+</file>
+
+<file path=ppt/tags/tag24.xml><?xml version="1.0" encoding="utf-8"?>
+<p:tagLst xmlns:a="http://schemas.openxmlformats.org/drawingml/2006/main" xmlns:r="http://schemas.openxmlformats.org/officeDocument/2006/relationships" xmlns:p="http://schemas.openxmlformats.org/presentationml/2006/main">
+  <p:tag name="OUTPUTDPI" val="1200"/>
+  <p:tag name="ORIGINALHEIGHT" val="386,9517"/>
+  <p:tag name="ORIGINALWIDTH" val="1283,839"/>
+  <p:tag name="LATEXADDIN" val="\documentclass{article}&#10;\usepackage{amsmath}&#10;\pagestyle{empty}&#10;\begin{document}&#10;&#10;&#10;\begin{equation*}&#10; X_k = \left\{x_{k,1} ,..., x_{k,M(k)}\right\}\end{equation*}&#10;\begin{equation*}&#10; Z_k = \left\{z_{k,1} ,..., z_{k, N(k)}\right\} &#10;\end{equation*}&#10;&#10;\end{document}"/>
+  <p:tag name="IGUANATEXSIZE" val="20"/>
+  <p:tag name="IGUANATEXCURSOR" val="243"/>
+  <p:tag name="TRANSPARENCY" val="Wahr"/>
+  <p:tag name="FILENAME" val=""/>
+  <p:tag name="LATEXENGINEID" val="0"/>
+  <p:tag name="TEMPFOLDER" val="c:\temp\"/>
+  <p:tag name="LATEXFORMHEIGHT" val="312"/>
+  <p:tag name="LATEXFORMWIDTH" val="384"/>
+  <p:tag name="LATEXFORMWRAP" val="Wahr"/>
+  <p:tag name="BITMAPVECTOR" val="0"/>
+</p:tagLst>
+</file>
+
+<file path=ppt/tags/tag3.xml><?xml version="1.0" encoding="utf-8"?>
+<p:tagLst xmlns:a="http://schemas.openxmlformats.org/drawingml/2006/main" xmlns:r="http://schemas.openxmlformats.org/officeDocument/2006/relationships" xmlns:p="http://schemas.openxmlformats.org/presentationml/2006/main">
+  <p:tag name="OUTPUTDPI" val="1200"/>
+  <p:tag name="ORIGINALHEIGHT" val="131,9835"/>
+  <p:tag name="ORIGINALWIDTH" val="329,2088"/>
+  <p:tag name="LATEXADDIN" val="\documentclass{article}&#10;\usepackage{amsmath}&#10;\pagestyle{empty}&#10;\begin{document}&#10;&#10;\begin{equation*}&#10;  S_{k|k-1}&#10;\end{equation*}&#10;&#10;&#10;\end{document}"/>
+  <p:tag name="IGUANATEXSIZE" val="20"/>
+  <p:tag name="IGUANATEXCURSOR" val="110"/>
+  <p:tag name="TRANSPARENCY" val="Wahr"/>
+  <p:tag name="FILENAME" val=""/>
+  <p:tag name="LATEXENGINEID" val="0"/>
+  <p:tag name="TEMPFOLDER" val="c:\temp\"/>
+  <p:tag name="LATEXFORMHEIGHT" val="312"/>
+  <p:tag name="LATEXFORMWIDTH" val="384"/>
+  <p:tag name="LATEXFORMWRAP" val="Wahr"/>
+  <p:tag name="BITMAPVECTOR" val="0"/>
+</p:tagLst>
+</file>
+
+<file path=ppt/tags/tag4.xml><?xml version="1.0" encoding="utf-8"?>
+<p:tagLst xmlns:a="http://schemas.openxmlformats.org/drawingml/2006/main" xmlns:r="http://schemas.openxmlformats.org/officeDocument/2006/relationships" xmlns:p="http://schemas.openxmlformats.org/presentationml/2006/main">
+  <p:tag name="OUTPUTDPI" val="1200"/>
+  <p:tag name="ORIGINALHEIGHT" val="128,9839"/>
+  <p:tag name="ORIGINALWIDTH" val="348,7064"/>
+  <p:tag name="LATEXADDIN" val="\documentclass{article}&#10;\usepackage{amsmath}&#10;\pagestyle{empty}&#10;\begin{document}&#10;&#10;&#10;\begin{equation*}&#10;  B_{k|k-1}&#10;\end{equation*}&#10;&#10;\end{document}"/>
+  <p:tag name="IGUANATEXSIZE" val="20"/>
+  <p:tag name="IGUANATEXCURSOR" val="112"/>
+  <p:tag name="TRANSPARENCY" val="Wahr"/>
+  <p:tag name="FILENAME" val=""/>
+  <p:tag name="LATEXENGINEID" val="0"/>
+  <p:tag name="TEMPFOLDER" val="c:\temp\"/>
+  <p:tag name="LATEXFORMHEIGHT" val="312"/>
+  <p:tag name="LATEXFORMWIDTH" val="384"/>
+  <p:tag name="LATEXFORMWRAP" val="Wahr"/>
+  <p:tag name="BITMAPVECTOR" val="0"/>
+</p:tagLst>
+</file>
+
+<file path=ppt/tags/tag5.xml><?xml version="1.0" encoding="utf-8"?>
+<p:tagLst xmlns:a="http://schemas.openxmlformats.org/drawingml/2006/main" xmlns:r="http://schemas.openxmlformats.org/officeDocument/2006/relationships" xmlns:p="http://schemas.openxmlformats.org/presentationml/2006/main">
+  <p:tag name="OUTPUTDPI" val="1200"/>
+  <p:tag name="ORIGINALHEIGHT" val="104,237"/>
+  <p:tag name="ORIGINALWIDTH" val="123,7346"/>
+  <p:tag name="LATEXADDIN" val="\documentclass{article}&#10;\usepackage{amsmath}&#10;\pagestyle{empty}&#10;\begin{document}&#10;&#10;\begin{equation*}&#10; \Gamma_k &#10;\end{equation*}&#10;&#10;&#10;\end{document}"/>
+  <p:tag name="IGUANATEXSIZE" val="20"/>
+  <p:tag name="IGUANATEXCURSOR" val="100"/>
+  <p:tag name="TRANSPARENCY" val="Wahr"/>
+  <p:tag name="FILENAME" val=""/>
+  <p:tag name="LATEXENGINEID" val="0"/>
+  <p:tag name="TEMPFOLDER" val="c:\temp\"/>
+  <p:tag name="LATEXFORMHEIGHT" val="312"/>
+  <p:tag name="LATEXFORMWIDTH" val="384"/>
+  <p:tag name="LATEXFORMWRAP" val="Wahr"/>
+  <p:tag name="BITMAPVECTOR" val="0"/>
+</p:tagLst>
+</file>
+
+<file path=ppt/tags/tag6.xml><?xml version="1.0" encoding="utf-8"?>
+<p:tagLst xmlns:a="http://schemas.openxmlformats.org/drawingml/2006/main" xmlns:r="http://schemas.openxmlformats.org/officeDocument/2006/relationships" xmlns:p="http://schemas.openxmlformats.org/presentationml/2006/main">
+  <p:tag name="OUTPUTDPI" val="1200"/>
+  <p:tag name="ORIGINALHEIGHT" val="90,73866"/>
+  <p:tag name="ORIGINALWIDTH" val="206,2243"/>
+  <p:tag name="LATEXADDIN" val="\documentclass{article}&#10;\usepackage{amsmath}&#10;\pagestyle{empty}&#10;\begin{document}&#10;&#10;$p_{S,k}$&#10;&#10;&#10;\end{document}"/>
+  <p:tag name="IGUANATEXSIZE" val="20"/>
+  <p:tag name="IGUANATEXCURSOR" val="89"/>
+  <p:tag name="TRANSPARENCY" val="Wahr"/>
+  <p:tag name="FILENAME" val=""/>
+  <p:tag name="LATEXENGINEID" val="0"/>
+  <p:tag name="TEMPFOLDER" val="c:\temp\"/>
+  <p:tag name="LATEXFORMHEIGHT" val="312"/>
+  <p:tag name="LATEXFORMWIDTH" val="384"/>
+  <p:tag name="LATEXFORMWRAP" val="Wahr"/>
+  <p:tag name="BITMAPVECTOR" val="0"/>
+</p:tagLst>
+</file>
+
+<file path=ppt/tags/tag7.xml><?xml version="1.0" encoding="utf-8"?>
+<p:tagLst xmlns:a="http://schemas.openxmlformats.org/drawingml/2006/main" xmlns:r="http://schemas.openxmlformats.org/officeDocument/2006/relationships" xmlns:p="http://schemas.openxmlformats.org/presentationml/2006/main">
+  <p:tag name="OUTPUTDPI" val="1200"/>
+  <p:tag name="ORIGINALHEIGHT" val="380,9524"/>
+  <p:tag name="ORIGINALWIDTH" val="1328,834"/>
+  <p:tag name="LATEXADDIN" val="\documentclass{article}&#10;\usepackage{amsmath}&#10;\pagestyle{empty}&#10;\begin{document}&#10;&#10;\begin{equation*}&#10; Z_k = K_k \cup \left[ \bigcup_{x \in X_k} \Theta_k(x) \right]&#10;\end{equation*}&#10;&#10;&#10;\end{document}"/>
+  <p:tag name="IGUANATEXSIZE" val="20"/>
+  <p:tag name="IGUANATEXCURSOR" val="176"/>
+  <p:tag name="TRANSPARENCY" val="Wahr"/>
+  <p:tag name="FILENAME" val=""/>
+  <p:tag name="LATEXENGINEID" val="0"/>
+  <p:tag name="TEMPFOLDER" val="c:\temp\"/>
+  <p:tag name="LATEXFORMHEIGHT" val="312"/>
+  <p:tag name="LATEXFORMWIDTH" val="384"/>
+  <p:tag name="LATEXFORMWRAP" val="Wahr"/>
+  <p:tag name="BITMAPVECTOR" val="0"/>
+</p:tagLst>
+</file>
+
+<file path=ppt/tags/tag8.xml><?xml version="1.0" encoding="utf-8"?>
+<p:tagLst xmlns:a="http://schemas.openxmlformats.org/drawingml/2006/main" xmlns:r="http://schemas.openxmlformats.org/officeDocument/2006/relationships" xmlns:p="http://schemas.openxmlformats.org/presentationml/2006/main">
+  <p:tag name="OUTPUTDPI" val="1200"/>
+  <p:tag name="ORIGINALHEIGHT" val="104,237"/>
+  <p:tag name="ORIGINALWIDTH" val="150,7312"/>
+  <p:tag name="LATEXADDIN" val="\documentclass{article}&#10;\usepackage{amsmath}&#10;\pagestyle{empty}&#10;\begin{document}&#10;&#10;&#10;  $K_k$ &#10;&#10;&#10;&#10;\end{document}"/>
+  <p:tag name="IGUANATEXSIZE" val="20"/>
+  <p:tag name="IGUANATEXCURSOR" val="89"/>
+  <p:tag name="TRANSPARENCY" val="Wahr"/>
+  <p:tag name="FILENAME" val=""/>
+  <p:tag name="LATEXENGINEID" val="0"/>
+  <p:tag name="TEMPFOLDER" val="c:\temp\"/>
+  <p:tag name="LATEXFORMHEIGHT" val="312"/>
+  <p:tag name="LATEXFORMWIDTH" val="384"/>
+  <p:tag name="LATEXFORMWRAP" val="Wahr"/>
+  <p:tag name="BITMAPVECTOR" val="0"/>
+</p:tagLst>
+</file>
+
+<file path=ppt/tags/tag9.xml><?xml version="1.0" encoding="utf-8"?>
+<p:tagLst xmlns:a="http://schemas.openxmlformats.org/drawingml/2006/main" xmlns:r="http://schemas.openxmlformats.org/officeDocument/2006/relationships" xmlns:p="http://schemas.openxmlformats.org/presentationml/2006/main">
+  <p:tag name="OUTPUTDPI" val="1200"/>
+  <p:tag name="ORIGINALHEIGHT" val="107,2366"/>
+  <p:tag name="ORIGINALWIDTH" val="139,4826"/>
+  <p:tag name="LATEXADDIN" val="\documentclass{article}&#10;\usepackage{amsmath}&#10;\pagestyle{empty}&#10;\begin{document}&#10;&#10;$ \Theta_k$&#10;&#10;\end{document}"/>
+  <p:tag name="IGUANATEXSIZE" val="20"/>
+  <p:tag name="IGUANATEXCURSOR" val="92"/>
+  <p:tag name="TRANSPARENCY" val="Wahr"/>
+  <p:tag name="FILENAME" val=""/>
+  <p:tag name="LATEXENGINEID" val="0"/>
+  <p:tag name="TEMPFOLDER" val="c:\temp\"/>
+  <p:tag name="LATEXFORMHEIGHT" val="312"/>
+  <p:tag name="LATEXFORMWIDTH" val="384"/>
+  <p:tag name="LATEXFORMWRAP" val="Wahr"/>
+  <p:tag name="BITMAPVECTOR" val="0"/>
+</p:tagLst>
 </file>
 
 <file path=ppt/theme/theme1.xml><?xml version="1.0" encoding="utf-8"?>
